--- a/documentation/diagrams.pptx
+++ b/documentation/diagrams.pptx
@@ -107,6 +107,11 @@
       </a:defRPr>
     </a:lvl9pPr>
   </p:defaultTextStyle>
+  <p:extLst>
+    <p:ext uri="{EFAFB233-063F-42B5-8137-9DF3F51BA10A}">
+      <p15:sldGuideLst xmlns:p15="http://schemas.microsoft.com/office/powerpoint/2012/main"/>
+    </p:ext>
+  </p:extLst>
 </p:presentation>
 </file>
 
@@ -259,7 +264,7 @@
           <a:p>
             <a:fld id="{BCEDE69B-22FA-4301-8D37-E9A7831516F9}" type="datetimeFigureOut">
               <a:rPr lang="zh-CN" altLang="en-US" smtClean="0"/>
-              <a:t>2024/6/27</a:t>
+              <a:t>2024/6/28</a:t>
             </a:fld>
             <a:endParaRPr lang="zh-CN" altLang="en-US"/>
           </a:p>
@@ -459,7 +464,7 @@
           <a:p>
             <a:fld id="{BCEDE69B-22FA-4301-8D37-E9A7831516F9}" type="datetimeFigureOut">
               <a:rPr lang="zh-CN" altLang="en-US" smtClean="0"/>
-              <a:t>2024/6/27</a:t>
+              <a:t>2024/6/28</a:t>
             </a:fld>
             <a:endParaRPr lang="zh-CN" altLang="en-US"/>
           </a:p>
@@ -669,7 +674,7 @@
           <a:p>
             <a:fld id="{BCEDE69B-22FA-4301-8D37-E9A7831516F9}" type="datetimeFigureOut">
               <a:rPr lang="zh-CN" altLang="en-US" smtClean="0"/>
-              <a:t>2024/6/27</a:t>
+              <a:t>2024/6/28</a:t>
             </a:fld>
             <a:endParaRPr lang="zh-CN" altLang="en-US"/>
           </a:p>
@@ -869,7 +874,7 @@
           <a:p>
             <a:fld id="{BCEDE69B-22FA-4301-8D37-E9A7831516F9}" type="datetimeFigureOut">
               <a:rPr lang="zh-CN" altLang="en-US" smtClean="0"/>
-              <a:t>2024/6/27</a:t>
+              <a:t>2024/6/28</a:t>
             </a:fld>
             <a:endParaRPr lang="zh-CN" altLang="en-US"/>
           </a:p>
@@ -1145,7 +1150,7 @@
           <a:p>
             <a:fld id="{BCEDE69B-22FA-4301-8D37-E9A7831516F9}" type="datetimeFigureOut">
               <a:rPr lang="zh-CN" altLang="en-US" smtClean="0"/>
-              <a:t>2024/6/27</a:t>
+              <a:t>2024/6/28</a:t>
             </a:fld>
             <a:endParaRPr lang="zh-CN" altLang="en-US"/>
           </a:p>
@@ -1413,7 +1418,7 @@
           <a:p>
             <a:fld id="{BCEDE69B-22FA-4301-8D37-E9A7831516F9}" type="datetimeFigureOut">
               <a:rPr lang="zh-CN" altLang="en-US" smtClean="0"/>
-              <a:t>2024/6/27</a:t>
+              <a:t>2024/6/28</a:t>
             </a:fld>
             <a:endParaRPr lang="zh-CN" altLang="en-US"/>
           </a:p>
@@ -1828,7 +1833,7 @@
           <a:p>
             <a:fld id="{BCEDE69B-22FA-4301-8D37-E9A7831516F9}" type="datetimeFigureOut">
               <a:rPr lang="zh-CN" altLang="en-US" smtClean="0"/>
-              <a:t>2024/6/27</a:t>
+              <a:t>2024/6/28</a:t>
             </a:fld>
             <a:endParaRPr lang="zh-CN" altLang="en-US"/>
           </a:p>
@@ -1970,7 +1975,7 @@
           <a:p>
             <a:fld id="{BCEDE69B-22FA-4301-8D37-E9A7831516F9}" type="datetimeFigureOut">
               <a:rPr lang="zh-CN" altLang="en-US" smtClean="0"/>
-              <a:t>2024/6/27</a:t>
+              <a:t>2024/6/28</a:t>
             </a:fld>
             <a:endParaRPr lang="zh-CN" altLang="en-US"/>
           </a:p>
@@ -2083,7 +2088,7 @@
           <a:p>
             <a:fld id="{BCEDE69B-22FA-4301-8D37-E9A7831516F9}" type="datetimeFigureOut">
               <a:rPr lang="zh-CN" altLang="en-US" smtClean="0"/>
-              <a:t>2024/6/27</a:t>
+              <a:t>2024/6/28</a:t>
             </a:fld>
             <a:endParaRPr lang="zh-CN" altLang="en-US"/>
           </a:p>
@@ -2396,7 +2401,7 @@
           <a:p>
             <a:fld id="{BCEDE69B-22FA-4301-8D37-E9A7831516F9}" type="datetimeFigureOut">
               <a:rPr lang="zh-CN" altLang="en-US" smtClean="0"/>
-              <a:t>2024/6/27</a:t>
+              <a:t>2024/6/28</a:t>
             </a:fld>
             <a:endParaRPr lang="zh-CN" altLang="en-US"/>
           </a:p>
@@ -2685,7 +2690,7 @@
           <a:p>
             <a:fld id="{BCEDE69B-22FA-4301-8D37-E9A7831516F9}" type="datetimeFigureOut">
               <a:rPr lang="zh-CN" altLang="en-US" smtClean="0"/>
-              <a:t>2024/6/27</a:t>
+              <a:t>2024/6/28</a:t>
             </a:fld>
             <a:endParaRPr lang="zh-CN" altLang="en-US"/>
           </a:p>
@@ -2928,7 +2933,7 @@
           <a:p>
             <a:fld id="{BCEDE69B-22FA-4301-8D37-E9A7831516F9}" type="datetimeFigureOut">
               <a:rPr lang="zh-CN" altLang="en-US" smtClean="0"/>
-              <a:t>2024/6/27</a:t>
+              <a:t>2024/6/28</a:t>
             </a:fld>
             <a:endParaRPr lang="zh-CN" altLang="en-US"/>
           </a:p>
@@ -3626,7 +3631,7 @@
         </p:nvSpPr>
         <p:spPr>
           <a:xfrm>
-            <a:off x="9167947" y="3332255"/>
+            <a:off x="8010797" y="3332255"/>
             <a:ext cx="1515292" cy="875212"/>
           </a:xfrm>
           <a:prstGeom prst="rect">
@@ -3702,7 +3707,7 @@
         <p:spPr>
           <a:xfrm>
             <a:off x="6096000" y="2801032"/>
-            <a:ext cx="3829593" cy="531223"/>
+            <a:ext cx="2672443" cy="531223"/>
           </a:xfrm>
           <a:prstGeom prst="line">
             <a:avLst/>
@@ -3745,7 +3750,7 @@
         </p:nvCxnSpPr>
         <p:spPr>
           <a:xfrm>
-            <a:off x="9925593" y="4207467"/>
+            <a:off x="8768443" y="4207467"/>
             <a:ext cx="0" cy="531223"/>
           </a:xfrm>
           <a:prstGeom prst="line">
@@ -4058,7 +4063,7 @@
         </p:nvSpPr>
         <p:spPr>
           <a:xfrm>
-            <a:off x="8768442" y="4738689"/>
+            <a:off x="7611292" y="4738689"/>
             <a:ext cx="2314302" cy="1577202"/>
           </a:xfrm>
           <a:prstGeom prst="rect">
@@ -4273,6 +4278,115 @@
           </a:p>
         </p:txBody>
       </p:sp>
+      <p:sp>
+        <p:nvSpPr>
+          <p:cNvPr id="7" name="Rectangle 14">
+            <a:extLst>
+              <a:ext uri="{FF2B5EF4-FFF2-40B4-BE49-F238E27FC236}">
+                <a16:creationId xmlns:a16="http://schemas.microsoft.com/office/drawing/2014/main" id="{A525FDA7-ECE6-5B2A-E7B8-5DD594843250}"/>
+              </a:ext>
+            </a:extLst>
+          </p:cNvPr>
+          <p:cNvSpPr/>
+          <p:nvPr/>
+        </p:nvSpPr>
+        <p:spPr>
+          <a:xfrm>
+            <a:off x="10164525" y="3332255"/>
+            <a:ext cx="1515292" cy="875212"/>
+          </a:xfrm>
+          <a:prstGeom prst="rect">
+            <a:avLst/>
+          </a:prstGeom>
+          <a:solidFill>
+            <a:schemeClr val="bg1"/>
+          </a:solidFill>
+          <a:ln>
+            <a:solidFill>
+              <a:schemeClr val="tx1"/>
+            </a:solidFill>
+          </a:ln>
+        </p:spPr>
+        <p:style>
+          <a:lnRef idx="2">
+            <a:schemeClr val="accent1">
+              <a:shade val="50000"/>
+            </a:schemeClr>
+          </a:lnRef>
+          <a:fillRef idx="1">
+            <a:schemeClr val="accent1"/>
+          </a:fillRef>
+          <a:effectRef idx="0">
+            <a:schemeClr val="accent1"/>
+          </a:effectRef>
+          <a:fontRef idx="minor">
+            <a:schemeClr val="lt1"/>
+          </a:fontRef>
+        </p:style>
+        <p:txBody>
+          <a:bodyPr rtlCol="0" anchor="ctr"/>
+          <a:lstStyle/>
+          <a:p>
+            <a:pPr algn="ctr"/>
+            <a:r>
+              <a:rPr lang="en-US" altLang="zh-CN" dirty="0">
+                <a:solidFill>
+                  <a:schemeClr val="tx1"/>
+                </a:solidFill>
+                <a:latin typeface="Calibri" panose="020F0502020204030204" pitchFamily="34" charset="0"/>
+                <a:ea typeface="Calibri" panose="020F0502020204030204" pitchFamily="34" charset="0"/>
+                <a:cs typeface="Calibri" panose="020F0502020204030204" pitchFamily="34" charset="0"/>
+              </a:rPr>
+              <a:t>an</a:t>
+            </a:r>
+          </a:p>
+        </p:txBody>
+      </p:sp>
+      <p:cxnSp>
+        <p:nvCxnSpPr>
+          <p:cNvPr id="8" name="Straight Connector 15">
+            <a:extLst>
+              <a:ext uri="{FF2B5EF4-FFF2-40B4-BE49-F238E27FC236}">
+                <a16:creationId xmlns:a16="http://schemas.microsoft.com/office/drawing/2014/main" id="{66AA908D-5704-928C-98C0-16003C80C743}"/>
+              </a:ext>
+            </a:extLst>
+          </p:cNvPr>
+          <p:cNvCxnSpPr>
+            <a:cxnSpLocks/>
+            <a:stCxn id="3" idx="2"/>
+            <a:endCxn id="7" idx="0"/>
+          </p:cNvCxnSpPr>
+          <p:nvPr/>
+        </p:nvCxnSpPr>
+        <p:spPr>
+          <a:xfrm>
+            <a:off x="6096000" y="2801032"/>
+            <a:ext cx="4826171" cy="531223"/>
+          </a:xfrm>
+          <a:prstGeom prst="line">
+            <a:avLst/>
+          </a:prstGeom>
+          <a:ln w="19050">
+            <a:solidFill>
+              <a:schemeClr val="tx1"/>
+            </a:solidFill>
+          </a:ln>
+        </p:spPr>
+        <p:style>
+          <a:lnRef idx="1">
+            <a:schemeClr val="accent1"/>
+          </a:lnRef>
+          <a:fillRef idx="0">
+            <a:schemeClr val="accent1"/>
+          </a:fillRef>
+          <a:effectRef idx="0">
+            <a:schemeClr val="accent1"/>
+          </a:effectRef>
+          <a:fontRef idx="minor">
+            <a:schemeClr val="tx1"/>
+          </a:fontRef>
+        </p:style>
+      </p:cxnSp>
     </p:spTree>
     <p:extLst>
       <p:ext uri="{BB962C8B-B14F-4D97-AF65-F5344CB8AC3E}">
@@ -6262,6 +6376,124 @@
             <a:solidFill>
               <a:schemeClr val="tx1"/>
             </a:solidFill>
+            <a:tailEnd type="triangle"/>
+          </a:ln>
+        </p:spPr>
+        <p:style>
+          <a:lnRef idx="1">
+            <a:schemeClr val="accent1"/>
+          </a:lnRef>
+          <a:fillRef idx="0">
+            <a:schemeClr val="accent1"/>
+          </a:fillRef>
+          <a:effectRef idx="0">
+            <a:schemeClr val="accent1"/>
+          </a:effectRef>
+          <a:fontRef idx="minor">
+            <a:schemeClr val="tx1"/>
+          </a:fontRef>
+        </p:style>
+      </p:cxnSp>
+      <p:sp>
+        <p:nvSpPr>
+          <p:cNvPr id="4" name="Rectangle 2">
+            <a:extLst>
+              <a:ext uri="{FF2B5EF4-FFF2-40B4-BE49-F238E27FC236}">
+                <a16:creationId xmlns:a16="http://schemas.microsoft.com/office/drawing/2014/main" id="{A83AF400-34DD-8536-FF97-C22D80A05AA1}"/>
+              </a:ext>
+            </a:extLst>
+          </p:cNvPr>
+          <p:cNvSpPr/>
+          <p:nvPr/>
+        </p:nvSpPr>
+        <p:spPr>
+          <a:xfrm>
+            <a:off x="5338354" y="4460760"/>
+            <a:ext cx="1515292" cy="875212"/>
+          </a:xfrm>
+          <a:prstGeom prst="rect">
+            <a:avLst/>
+          </a:prstGeom>
+          <a:solidFill>
+            <a:schemeClr val="bg1"/>
+          </a:solidFill>
+          <a:ln>
+            <a:solidFill>
+              <a:schemeClr val="tx1"/>
+            </a:solidFill>
+          </a:ln>
+        </p:spPr>
+        <p:style>
+          <a:lnRef idx="2">
+            <a:schemeClr val="accent1">
+              <a:shade val="50000"/>
+            </a:schemeClr>
+          </a:lnRef>
+          <a:fillRef idx="1">
+            <a:schemeClr val="accent1"/>
+          </a:fillRef>
+          <a:effectRef idx="0">
+            <a:schemeClr val="accent1"/>
+          </a:effectRef>
+          <a:fontRef idx="minor">
+            <a:schemeClr val="lt1"/>
+          </a:fontRef>
+        </p:style>
+        <p:txBody>
+          <a:bodyPr rtlCol="0" anchor="ctr"/>
+          <a:lstStyle/>
+          <a:p>
+            <a:pPr algn="ctr"/>
+            <a:r>
+              <a:rPr lang="en-US" altLang="zh-CN" dirty="0">
+                <a:solidFill>
+                  <a:schemeClr val="tx1"/>
+                </a:solidFill>
+                <a:latin typeface="Calibri" panose="020F0502020204030204" pitchFamily="34" charset="0"/>
+                <a:ea typeface="Calibri" panose="020F0502020204030204" pitchFamily="34" charset="0"/>
+                <a:cs typeface="Calibri" panose="020F0502020204030204" pitchFamily="34" charset="0"/>
+              </a:rPr>
+              <a:t>Settings</a:t>
+            </a:r>
+            <a:endParaRPr lang="zh-CN" altLang="en-US" dirty="0">
+              <a:solidFill>
+                <a:schemeClr val="tx1"/>
+              </a:solidFill>
+              <a:latin typeface="Calibri" panose="020F0502020204030204" pitchFamily="34" charset="0"/>
+              <a:cs typeface="Calibri" panose="020F0502020204030204" pitchFamily="34" charset="0"/>
+            </a:endParaRPr>
+          </a:p>
+        </p:txBody>
+      </p:sp>
+      <p:cxnSp>
+        <p:nvCxnSpPr>
+          <p:cNvPr id="9" name="直接箭头连接符 8">
+            <a:extLst>
+              <a:ext uri="{FF2B5EF4-FFF2-40B4-BE49-F238E27FC236}">
+                <a16:creationId xmlns:a16="http://schemas.microsoft.com/office/drawing/2014/main" id="{4F19D582-A4DF-2456-F865-7A3926C0A0CA}"/>
+              </a:ext>
+            </a:extLst>
+          </p:cNvPr>
+          <p:cNvCxnSpPr>
+            <a:cxnSpLocks/>
+            <a:stCxn id="3" idx="2"/>
+            <a:endCxn id="4" idx="0"/>
+          </p:cNvCxnSpPr>
+          <p:nvPr/>
+        </p:nvCxnSpPr>
+        <p:spPr>
+          <a:xfrm>
+            <a:off x="6096000" y="3866606"/>
+            <a:ext cx="0" cy="594154"/>
+          </a:xfrm>
+          <a:prstGeom prst="straightConnector1">
+            <a:avLst/>
+          </a:prstGeom>
+          <a:ln w="19050">
+            <a:solidFill>
+              <a:schemeClr val="tx1"/>
+            </a:solidFill>
+            <a:headEnd type="triangle"/>
             <a:tailEnd type="triangle"/>
           </a:ln>
         </p:spPr>

--- a/documentation/diagrams.pptx
+++ b/documentation/diagrams.pptx
@@ -5,10 +5,16 @@
     <p:sldMasterId id="2147483648" r:id="rId1"/>
   </p:sldMasterIdLst>
   <p:sldIdLst>
-    <p:sldId id="257" r:id="rId2"/>
+    <p:sldId id="265" r:id="rId2"/>
     <p:sldId id="259" r:id="rId3"/>
     <p:sldId id="260" r:id="rId4"/>
-    <p:sldId id="258" r:id="rId5"/>
+    <p:sldId id="262" r:id="rId5"/>
+    <p:sldId id="263" r:id="rId6"/>
+    <p:sldId id="264" r:id="rId7"/>
+    <p:sldId id="261" r:id="rId8"/>
+    <p:sldId id="266" r:id="rId9"/>
+    <p:sldId id="257" r:id="rId10"/>
+    <p:sldId id="258" r:id="rId11"/>
   </p:sldIdLst>
   <p:sldSz cx="12192000" cy="6858000"/>
   <p:notesSz cx="6858000" cy="9144000"/>
@@ -3352,10 +3358,10 @@
       </p:grpSpPr>
       <p:sp>
         <p:nvSpPr>
-          <p:cNvPr id="2" name="Title 1">
-            <a:extLst>
-              <a:ext uri="{FF2B5EF4-FFF2-40B4-BE49-F238E27FC236}">
-                <a16:creationId xmlns:a16="http://schemas.microsoft.com/office/drawing/2014/main" id="{67D4F5DE-B023-43CC-8D55-FA36D8041F62}"/>
+          <p:cNvPr id="2" name="标题 1">
+            <a:extLst>
+              <a:ext uri="{FF2B5EF4-FFF2-40B4-BE49-F238E27FC236}">
+                <a16:creationId xmlns:a16="http://schemas.microsoft.com/office/drawing/2014/main" id="{B3B47EE4-8866-E453-E1F8-0F33CDF338DF}"/>
               </a:ext>
             </a:extLst>
           </p:cNvPr>
@@ -3377,7 +3383,7 @@
                 <a:ea typeface="Calibri" panose="020F0502020204030204" pitchFamily="34" charset="0"/>
                 <a:cs typeface="Calibri" panose="020F0502020204030204" pitchFamily="34" charset="0"/>
               </a:rPr>
-              <a:t>Framework Hierarchy</a:t>
+              <a:t>v0.1</a:t>
             </a:r>
             <a:endParaRPr lang="zh-CN" altLang="en-US" dirty="0">
               <a:latin typeface="Calibri" panose="020F0502020204030204" pitchFamily="34" charset="0"/>
@@ -3388,6 +3394,96 @@
       </p:sp>
       <p:sp>
         <p:nvSpPr>
+          <p:cNvPr id="3" name="文本占位符 2">
+            <a:extLst>
+              <a:ext uri="{FF2B5EF4-FFF2-40B4-BE49-F238E27FC236}">
+                <a16:creationId xmlns:a16="http://schemas.microsoft.com/office/drawing/2014/main" id="{EEB7FFFE-FE9E-1B4A-C4F0-6015D675E0E6}"/>
+              </a:ext>
+            </a:extLst>
+          </p:cNvPr>
+          <p:cNvSpPr>
+            <a:spLocks noGrp="1"/>
+          </p:cNvSpPr>
+          <p:nvPr>
+            <p:ph type="body" idx="1"/>
+          </p:nvPr>
+        </p:nvSpPr>
+        <p:spPr/>
+        <p:txBody>
+          <a:bodyPr/>
+          <a:lstStyle/>
+          <a:p>
+            <a:endParaRPr lang="zh-CN" altLang="en-US"/>
+          </a:p>
+        </p:txBody>
+      </p:sp>
+    </p:spTree>
+    <p:extLst>
+      <p:ext uri="{BB962C8B-B14F-4D97-AF65-F5344CB8AC3E}">
+        <p14:creationId xmlns:p14="http://schemas.microsoft.com/office/powerpoint/2010/main" val="2594006399"/>
+      </p:ext>
+    </p:extLst>
+  </p:cSld>
+  <p:clrMapOvr>
+    <a:masterClrMapping/>
+  </p:clrMapOvr>
+</p:sld>
+</file>
+
+<file path=ppt/slides/slide10.xml><?xml version="1.0" encoding="utf-8"?>
+<p:sld xmlns:a="http://schemas.openxmlformats.org/drawingml/2006/main" xmlns:r="http://schemas.openxmlformats.org/officeDocument/2006/relationships" xmlns:p="http://schemas.openxmlformats.org/presentationml/2006/main">
+  <p:cSld>
+    <p:spTree>
+      <p:nvGrpSpPr>
+        <p:cNvPr id="1" name=""/>
+        <p:cNvGrpSpPr/>
+        <p:nvPr/>
+      </p:nvGrpSpPr>
+      <p:grpSpPr>
+        <a:xfrm>
+          <a:off x="0" y="0"/>
+          <a:ext cx="0" cy="0"/>
+          <a:chOff x="0" y="0"/>
+          <a:chExt cx="0" cy="0"/>
+        </a:xfrm>
+      </p:grpSpPr>
+      <p:sp>
+        <p:nvSpPr>
+          <p:cNvPr id="2" name="Title 1">
+            <a:extLst>
+              <a:ext uri="{FF2B5EF4-FFF2-40B4-BE49-F238E27FC236}">
+                <a16:creationId xmlns:a16="http://schemas.microsoft.com/office/drawing/2014/main" id="{67D4F5DE-B023-43CC-8D55-FA36D8041F62}"/>
+              </a:ext>
+            </a:extLst>
+          </p:cNvPr>
+          <p:cNvSpPr>
+            <a:spLocks noGrp="1"/>
+          </p:cNvSpPr>
+          <p:nvPr>
+            <p:ph type="title"/>
+          </p:nvPr>
+        </p:nvSpPr>
+        <p:spPr/>
+        <p:txBody>
+          <a:bodyPr/>
+          <a:lstStyle/>
+          <a:p>
+            <a:r>
+              <a:rPr lang="en-US" altLang="zh-CN" dirty="0">
+                <a:latin typeface="Calibri" panose="020F0502020204030204" pitchFamily="34" charset="0"/>
+                <a:cs typeface="Calibri" panose="020F0502020204030204" pitchFamily="34" charset="0"/>
+              </a:rPr>
+              <a:t>Page Transition Graph</a:t>
+            </a:r>
+            <a:endParaRPr lang="zh-CN" altLang="en-US" dirty="0">
+              <a:latin typeface="Calibri" panose="020F0502020204030204" pitchFamily="34" charset="0"/>
+              <a:cs typeface="Calibri" panose="020F0502020204030204" pitchFamily="34" charset="0"/>
+            </a:endParaRPr>
+          </a:p>
+        </p:txBody>
+      </p:sp>
+      <p:sp>
+        <p:nvSpPr>
           <p:cNvPr id="3" name="Rectangle 2">
             <a:extLst>
               <a:ext uri="{FF2B5EF4-FFF2-40B4-BE49-F238E27FC236}">
@@ -3400,7 +3496,7 @@
         </p:nvSpPr>
         <p:spPr>
           <a:xfrm>
-            <a:off x="5338354" y="1925820"/>
+            <a:off x="5338354" y="2991394"/>
             <a:ext cx="1515292" cy="875212"/>
           </a:xfrm>
           <a:prstGeom prst="rect">
@@ -3445,7 +3541,7 @@
                 <a:ea typeface="Calibri" panose="020F0502020204030204" pitchFamily="34" charset="0"/>
                 <a:cs typeface="Calibri" panose="020F0502020204030204" pitchFamily="34" charset="0"/>
               </a:rPr>
-              <a:t>framework</a:t>
+              <a:t>Home</a:t>
             </a:r>
             <a:endParaRPr lang="zh-CN" altLang="en-US" dirty="0">
               <a:solidFill>
@@ -3459,10 +3555,10 @@
       </p:sp>
       <p:sp>
         <p:nvSpPr>
-          <p:cNvPr id="4" name="Rectangle 3">
-            <a:extLst>
-              <a:ext uri="{FF2B5EF4-FFF2-40B4-BE49-F238E27FC236}">
-                <a16:creationId xmlns:a16="http://schemas.microsoft.com/office/drawing/2014/main" id="{ACA071A7-E4B1-4E0A-A4EC-91DDB0C8EC6D}"/>
+          <p:cNvPr id="12" name="Rectangle 11">
+            <a:extLst>
+              <a:ext uri="{FF2B5EF4-FFF2-40B4-BE49-F238E27FC236}">
+                <a16:creationId xmlns:a16="http://schemas.microsoft.com/office/drawing/2014/main" id="{61A57D01-983D-4E2D-873A-81F4DD31ED9F}"/>
               </a:ext>
             </a:extLst>
           </p:cNvPr>
@@ -3471,7 +3567,7 @@
         </p:nvSpPr>
         <p:spPr>
           <a:xfrm>
-            <a:off x="5338354" y="3332255"/>
+            <a:off x="3061063" y="2991394"/>
             <a:ext cx="1515292" cy="875212"/>
           </a:xfrm>
           <a:prstGeom prst="rect">
@@ -3516,7 +3612,7 @@
                 <a:ea typeface="Calibri" panose="020F0502020204030204" pitchFamily="34" charset="0"/>
                 <a:cs typeface="Calibri" panose="020F0502020204030204" pitchFamily="34" charset="0"/>
               </a:rPr>
-              <a:t>core</a:t>
+              <a:t>Logo</a:t>
             </a:r>
             <a:endParaRPr lang="zh-CN" altLang="en-US" dirty="0">
               <a:solidFill>
@@ -3530,32 +3626,33 @@
       </p:sp>
       <p:cxnSp>
         <p:nvCxnSpPr>
-          <p:cNvPr id="6" name="Straight Connector 5">
-            <a:extLst>
-              <a:ext uri="{FF2B5EF4-FFF2-40B4-BE49-F238E27FC236}">
-                <a16:creationId xmlns:a16="http://schemas.microsoft.com/office/drawing/2014/main" id="{110BEC86-78BD-4F87-8BBC-31D8186BE8FC}"/>
+          <p:cNvPr id="7" name="Straight Arrow Connector 6">
+            <a:extLst>
+              <a:ext uri="{FF2B5EF4-FFF2-40B4-BE49-F238E27FC236}">
+                <a16:creationId xmlns:a16="http://schemas.microsoft.com/office/drawing/2014/main" id="{308FBC7B-D7D6-46D7-933E-D4A9A4BE2792}"/>
               </a:ext>
             </a:extLst>
           </p:cNvPr>
           <p:cNvCxnSpPr>
             <a:cxnSpLocks/>
-            <a:stCxn id="3" idx="2"/>
-            <a:endCxn id="4" idx="0"/>
+            <a:stCxn id="12" idx="3"/>
+            <a:endCxn id="3" idx="1"/>
           </p:cNvCxnSpPr>
           <p:nvPr/>
         </p:nvCxnSpPr>
         <p:spPr>
           <a:xfrm>
-            <a:off x="6096000" y="2801032"/>
-            <a:ext cx="0" cy="531223"/>
+            <a:off x="4576355" y="3429000"/>
+            <a:ext cx="761999" cy="0"/>
           </a:xfrm>
-          <a:prstGeom prst="line">
+          <a:prstGeom prst="straightConnector1">
             <a:avLst/>
           </a:prstGeom>
           <a:ln w="19050">
             <a:solidFill>
               <a:schemeClr val="tx1"/>
             </a:solidFill>
+            <a:tailEnd type="triangle"/>
           </a:ln>
         </p:spPr>
         <p:style>
@@ -3573,65 +3670,21 @@
           </a:fontRef>
         </p:style>
       </p:cxnSp>
-      <p:cxnSp>
-        <p:nvCxnSpPr>
-          <p:cNvPr id="9" name="Straight Connector 8">
-            <a:extLst>
-              <a:ext uri="{FF2B5EF4-FFF2-40B4-BE49-F238E27FC236}">
-                <a16:creationId xmlns:a16="http://schemas.microsoft.com/office/drawing/2014/main" id="{FF124819-C4E3-43F7-9C85-43D2D793E094}"/>
-              </a:ext>
-            </a:extLst>
-          </p:cNvPr>
-          <p:cNvCxnSpPr>
-            <a:cxnSpLocks/>
-            <a:stCxn id="4" idx="2"/>
-          </p:cNvCxnSpPr>
+      <p:sp>
+        <p:nvSpPr>
+          <p:cNvPr id="4" name="Rectangle 2">
+            <a:extLst>
+              <a:ext uri="{FF2B5EF4-FFF2-40B4-BE49-F238E27FC236}">
+                <a16:creationId xmlns:a16="http://schemas.microsoft.com/office/drawing/2014/main" id="{A83AF400-34DD-8536-FF97-C22D80A05AA1}"/>
+              </a:ext>
+            </a:extLst>
+          </p:cNvPr>
+          <p:cNvSpPr/>
           <p:nvPr/>
-        </p:nvCxnSpPr>
+        </p:nvSpPr>
         <p:spPr>
           <a:xfrm>
-            <a:off x="6096000" y="4207467"/>
-            <a:ext cx="0" cy="531223"/>
-          </a:xfrm>
-          <a:prstGeom prst="line">
-            <a:avLst/>
-          </a:prstGeom>
-          <a:ln w="19050">
-            <a:solidFill>
-              <a:schemeClr val="tx1"/>
-            </a:solidFill>
-          </a:ln>
-        </p:spPr>
-        <p:style>
-          <a:lnRef idx="1">
-            <a:schemeClr val="accent1"/>
-          </a:lnRef>
-          <a:fillRef idx="0">
-            <a:schemeClr val="accent1"/>
-          </a:fillRef>
-          <a:effectRef idx="0">
-            <a:schemeClr val="accent1"/>
-          </a:effectRef>
-          <a:fontRef idx="minor">
-            <a:schemeClr val="tx1"/>
-          </a:fontRef>
-        </p:style>
-      </p:cxnSp>
-      <p:sp>
-        <p:nvSpPr>
-          <p:cNvPr id="15" name="Rectangle 14">
-            <a:extLst>
-              <a:ext uri="{FF2B5EF4-FFF2-40B4-BE49-F238E27FC236}">
-                <a16:creationId xmlns:a16="http://schemas.microsoft.com/office/drawing/2014/main" id="{04A1ED32-C309-437D-8539-A5860A479421}"/>
-              </a:ext>
-            </a:extLst>
-          </p:cNvPr>
-          <p:cNvSpPr/>
-          <p:nvPr/>
-        </p:nvSpPr>
-        <p:spPr>
-          <a:xfrm>
-            <a:off x="8010797" y="3332255"/>
+            <a:off x="5338354" y="4460760"/>
             <a:ext cx="1515292" cy="875212"/>
           </a:xfrm>
           <a:prstGeom prst="rect">
@@ -3668,166 +3721,6 @@
           <a:p>
             <a:pPr algn="ctr"/>
             <a:r>
-              <a:rPr lang="en-US" altLang="zh-CN" dirty="0" err="1">
-                <a:solidFill>
-                  <a:schemeClr val="tx1"/>
-                </a:solidFill>
-                <a:latin typeface="Calibri" panose="020F0502020204030204" pitchFamily="34" charset="0"/>
-                <a:ea typeface="Calibri" panose="020F0502020204030204" pitchFamily="34" charset="0"/>
-                <a:cs typeface="Calibri" panose="020F0502020204030204" pitchFamily="34" charset="0"/>
-              </a:rPr>
-              <a:t>ui</a:t>
-            </a:r>
-            <a:endParaRPr lang="zh-CN" altLang="en-US" dirty="0">
-              <a:solidFill>
-                <a:schemeClr val="tx1"/>
-              </a:solidFill>
-              <a:latin typeface="Calibri" panose="020F0502020204030204" pitchFamily="34" charset="0"/>
-              <a:cs typeface="Calibri" panose="020F0502020204030204" pitchFamily="34" charset="0"/>
-            </a:endParaRPr>
-          </a:p>
-        </p:txBody>
-      </p:sp>
-      <p:cxnSp>
-        <p:nvCxnSpPr>
-          <p:cNvPr id="16" name="Straight Connector 15">
-            <a:extLst>
-              <a:ext uri="{FF2B5EF4-FFF2-40B4-BE49-F238E27FC236}">
-                <a16:creationId xmlns:a16="http://schemas.microsoft.com/office/drawing/2014/main" id="{8BFEB999-9247-4429-9C62-9F2EBBC202A8}"/>
-              </a:ext>
-            </a:extLst>
-          </p:cNvPr>
-          <p:cNvCxnSpPr>
-            <a:cxnSpLocks/>
-            <a:stCxn id="3" idx="2"/>
-            <a:endCxn id="15" idx="0"/>
-          </p:cNvCxnSpPr>
-          <p:nvPr/>
-        </p:nvCxnSpPr>
-        <p:spPr>
-          <a:xfrm>
-            <a:off x="6096000" y="2801032"/>
-            <a:ext cx="2672443" cy="531223"/>
-          </a:xfrm>
-          <a:prstGeom prst="line">
-            <a:avLst/>
-          </a:prstGeom>
-          <a:ln w="19050">
-            <a:solidFill>
-              <a:schemeClr val="tx1"/>
-            </a:solidFill>
-          </a:ln>
-        </p:spPr>
-        <p:style>
-          <a:lnRef idx="1">
-            <a:schemeClr val="accent1"/>
-          </a:lnRef>
-          <a:fillRef idx="0">
-            <a:schemeClr val="accent1"/>
-          </a:fillRef>
-          <a:effectRef idx="0">
-            <a:schemeClr val="accent1"/>
-          </a:effectRef>
-          <a:fontRef idx="minor">
-            <a:schemeClr val="tx1"/>
-          </a:fontRef>
-        </p:style>
-      </p:cxnSp>
-      <p:cxnSp>
-        <p:nvCxnSpPr>
-          <p:cNvPr id="21" name="Straight Connector 20">
-            <a:extLst>
-              <a:ext uri="{FF2B5EF4-FFF2-40B4-BE49-F238E27FC236}">
-                <a16:creationId xmlns:a16="http://schemas.microsoft.com/office/drawing/2014/main" id="{0F2975D6-EC72-4196-92B9-921C1EA85A27}"/>
-              </a:ext>
-            </a:extLst>
-          </p:cNvPr>
-          <p:cNvCxnSpPr>
-            <a:cxnSpLocks/>
-            <a:stCxn id="15" idx="2"/>
-          </p:cNvCxnSpPr>
-          <p:nvPr/>
-        </p:nvCxnSpPr>
-        <p:spPr>
-          <a:xfrm>
-            <a:off x="8768443" y="4207467"/>
-            <a:ext cx="0" cy="531223"/>
-          </a:xfrm>
-          <a:prstGeom prst="line">
-            <a:avLst/>
-          </a:prstGeom>
-          <a:ln w="19050">
-            <a:solidFill>
-              <a:schemeClr val="tx1"/>
-            </a:solidFill>
-          </a:ln>
-        </p:spPr>
-        <p:style>
-          <a:lnRef idx="1">
-            <a:schemeClr val="accent1"/>
-          </a:lnRef>
-          <a:fillRef idx="0">
-            <a:schemeClr val="accent1"/>
-          </a:fillRef>
-          <a:effectRef idx="0">
-            <a:schemeClr val="accent1"/>
-          </a:effectRef>
-          <a:fontRef idx="minor">
-            <a:schemeClr val="tx1"/>
-          </a:fontRef>
-        </p:style>
-      </p:cxnSp>
-      <p:sp>
-        <p:nvSpPr>
-          <p:cNvPr id="24" name="Rectangle 23">
-            <a:extLst>
-              <a:ext uri="{FF2B5EF4-FFF2-40B4-BE49-F238E27FC236}">
-                <a16:creationId xmlns:a16="http://schemas.microsoft.com/office/drawing/2014/main" id="{FFD18CFD-2080-45CA-8770-82FC3D98048E}"/>
-              </a:ext>
-            </a:extLst>
-          </p:cNvPr>
-          <p:cNvSpPr/>
-          <p:nvPr/>
-        </p:nvSpPr>
-        <p:spPr>
-          <a:xfrm>
-            <a:off x="1508760" y="3332255"/>
-            <a:ext cx="1515292" cy="875212"/>
-          </a:xfrm>
-          <a:prstGeom prst="rect">
-            <a:avLst/>
-          </a:prstGeom>
-          <a:solidFill>
-            <a:schemeClr val="bg1"/>
-          </a:solidFill>
-          <a:ln>
-            <a:solidFill>
-              <a:schemeClr val="tx1"/>
-            </a:solidFill>
-          </a:ln>
-        </p:spPr>
-        <p:style>
-          <a:lnRef idx="2">
-            <a:schemeClr val="accent1">
-              <a:shade val="50000"/>
-            </a:schemeClr>
-          </a:lnRef>
-          <a:fillRef idx="1">
-            <a:schemeClr val="accent1"/>
-          </a:fillRef>
-          <a:effectRef idx="0">
-            <a:schemeClr val="accent1"/>
-          </a:effectRef>
-          <a:fontRef idx="minor">
-            <a:schemeClr val="lt1"/>
-          </a:fontRef>
-        </p:style>
-        <p:txBody>
-          <a:bodyPr rtlCol="0" anchor="ctr"/>
-          <a:lstStyle/>
-          <a:p>
-            <a:pPr algn="ctr"/>
-            <a:r>
               <a:rPr lang="en-US" altLang="zh-CN" dirty="0">
                 <a:solidFill>
                   <a:schemeClr val="tx1"/>
@@ -3836,7 +3729,7 @@
                 <a:ea typeface="Calibri" panose="020F0502020204030204" pitchFamily="34" charset="0"/>
                 <a:cs typeface="Calibri" panose="020F0502020204030204" pitchFamily="34" charset="0"/>
               </a:rPr>
-              <a:t>io</a:t>
+              <a:t>Settings</a:t>
             </a:r>
             <a:endParaRPr lang="zh-CN" altLang="en-US" dirty="0">
               <a:solidFill>
@@ -3850,526 +3743,34 @@
       </p:sp>
       <p:cxnSp>
         <p:nvCxnSpPr>
-          <p:cNvPr id="25" name="Straight Connector 24">
-            <a:extLst>
-              <a:ext uri="{FF2B5EF4-FFF2-40B4-BE49-F238E27FC236}">
-                <a16:creationId xmlns:a16="http://schemas.microsoft.com/office/drawing/2014/main" id="{3117F091-7C28-4D98-BD71-9675B71E7DC7}"/>
+          <p:cNvPr id="9" name="直接箭头连接符 8">
+            <a:extLst>
+              <a:ext uri="{FF2B5EF4-FFF2-40B4-BE49-F238E27FC236}">
+                <a16:creationId xmlns:a16="http://schemas.microsoft.com/office/drawing/2014/main" id="{4F19D582-A4DF-2456-F865-7A3926C0A0CA}"/>
               </a:ext>
             </a:extLst>
           </p:cNvPr>
           <p:cNvCxnSpPr>
             <a:cxnSpLocks/>
             <a:stCxn id="3" idx="2"/>
-            <a:endCxn id="24" idx="0"/>
+            <a:endCxn id="4" idx="0"/>
           </p:cNvCxnSpPr>
           <p:nvPr/>
         </p:nvCxnSpPr>
         <p:spPr>
-          <a:xfrm flipH="1">
-            <a:off x="2266406" y="2801032"/>
-            <a:ext cx="3829594" cy="531223"/>
+          <a:xfrm>
+            <a:off x="6096000" y="3866606"/>
+            <a:ext cx="0" cy="594154"/>
           </a:xfrm>
-          <a:prstGeom prst="line">
+          <a:prstGeom prst="straightConnector1">
             <a:avLst/>
           </a:prstGeom>
           <a:ln w="19050">
             <a:solidFill>
               <a:schemeClr val="tx1"/>
             </a:solidFill>
-          </a:ln>
-        </p:spPr>
-        <p:style>
-          <a:lnRef idx="1">
-            <a:schemeClr val="accent1"/>
-          </a:lnRef>
-          <a:fillRef idx="0">
-            <a:schemeClr val="accent1"/>
-          </a:fillRef>
-          <a:effectRef idx="0">
-            <a:schemeClr val="accent1"/>
-          </a:effectRef>
-          <a:fontRef idx="minor">
-            <a:schemeClr val="tx1"/>
-          </a:fontRef>
-        </p:style>
-      </p:cxnSp>
-      <p:sp>
-        <p:nvSpPr>
-          <p:cNvPr id="28" name="Rectangle 27">
-            <a:extLst>
-              <a:ext uri="{FF2B5EF4-FFF2-40B4-BE49-F238E27FC236}">
-                <a16:creationId xmlns:a16="http://schemas.microsoft.com/office/drawing/2014/main" id="{BF9AB304-FC39-480B-9203-D2390E079683}"/>
-              </a:ext>
-            </a:extLst>
-          </p:cNvPr>
-          <p:cNvSpPr/>
-          <p:nvPr/>
-        </p:nvSpPr>
-        <p:spPr>
-          <a:xfrm>
-            <a:off x="1109255" y="4738689"/>
-            <a:ext cx="2314302" cy="1577202"/>
-          </a:xfrm>
-          <a:prstGeom prst="rect">
-            <a:avLst/>
-          </a:prstGeom>
-          <a:solidFill>
-            <a:schemeClr val="bg1"/>
-          </a:solidFill>
-          <a:ln>
-            <a:solidFill>
-              <a:schemeClr val="tx1"/>
-            </a:solidFill>
-          </a:ln>
-        </p:spPr>
-        <p:style>
-          <a:lnRef idx="2">
-            <a:schemeClr val="accent1">
-              <a:shade val="50000"/>
-            </a:schemeClr>
-          </a:lnRef>
-          <a:fillRef idx="1">
-            <a:schemeClr val="accent1"/>
-          </a:fillRef>
-          <a:effectRef idx="0">
-            <a:schemeClr val="accent1"/>
-          </a:effectRef>
-          <a:fontRef idx="minor">
-            <a:schemeClr val="lt1"/>
-          </a:fontRef>
-        </p:style>
-        <p:txBody>
-          <a:bodyPr rtlCol="0" anchor="ctr"/>
-          <a:lstStyle/>
-          <a:p>
-            <a:r>
-              <a:rPr lang="en-US" altLang="zh-CN" dirty="0" err="1">
-                <a:solidFill>
-                  <a:schemeClr val="tx1"/>
-                </a:solidFill>
-                <a:latin typeface="Calibri" panose="020F0502020204030204" pitchFamily="34" charset="0"/>
-                <a:ea typeface="Calibri" panose="020F0502020204030204" pitchFamily="34" charset="0"/>
-                <a:cs typeface="Calibri" panose="020F0502020204030204" pitchFamily="34" charset="0"/>
-              </a:rPr>
-              <a:t>AudioStream</a:t>
-            </a:r>
-            <a:r>
-              <a:rPr lang="en-US" altLang="zh-CN" dirty="0">
-                <a:solidFill>
-                  <a:schemeClr val="tx1"/>
-                </a:solidFill>
-                <a:latin typeface="Calibri" panose="020F0502020204030204" pitchFamily="34" charset="0"/>
-                <a:ea typeface="Calibri" panose="020F0502020204030204" pitchFamily="34" charset="0"/>
-                <a:cs typeface="Calibri" panose="020F0502020204030204" pitchFamily="34" charset="0"/>
-              </a:rPr>
-              <a:t>;</a:t>
-            </a:r>
-          </a:p>
-          <a:p>
-            <a:r>
-              <a:rPr lang="en-US" altLang="zh-CN" dirty="0" err="1">
-                <a:solidFill>
-                  <a:schemeClr val="tx1"/>
-                </a:solidFill>
-                <a:latin typeface="Calibri" panose="020F0502020204030204" pitchFamily="34" charset="0"/>
-                <a:ea typeface="Calibri" panose="020F0502020204030204" pitchFamily="34" charset="0"/>
-                <a:cs typeface="Calibri" panose="020F0502020204030204" pitchFamily="34" charset="0"/>
-              </a:rPr>
-              <a:t>FontStream</a:t>
-            </a:r>
-            <a:r>
-              <a:rPr lang="en-US" altLang="zh-CN" dirty="0">
-                <a:solidFill>
-                  <a:schemeClr val="tx1"/>
-                </a:solidFill>
-                <a:latin typeface="Calibri" panose="020F0502020204030204" pitchFamily="34" charset="0"/>
-                <a:ea typeface="Calibri" panose="020F0502020204030204" pitchFamily="34" charset="0"/>
-                <a:cs typeface="Calibri" panose="020F0502020204030204" pitchFamily="34" charset="0"/>
-              </a:rPr>
-              <a:t>;</a:t>
-            </a:r>
-          </a:p>
-          <a:p>
-            <a:r>
-              <a:rPr lang="en-US" altLang="zh-CN" dirty="0">
-                <a:solidFill>
-                  <a:schemeClr val="tx1"/>
-                </a:solidFill>
-                <a:latin typeface="Calibri" panose="020F0502020204030204" pitchFamily="34" charset="0"/>
-                <a:ea typeface="Calibri" panose="020F0502020204030204" pitchFamily="34" charset="0"/>
-                <a:cs typeface="Calibri" panose="020F0502020204030204" pitchFamily="34" charset="0"/>
-              </a:rPr>
-              <a:t>…</a:t>
-            </a:r>
-          </a:p>
-        </p:txBody>
-      </p:sp>
-      <p:cxnSp>
-        <p:nvCxnSpPr>
-          <p:cNvPr id="29" name="Straight Connector 28">
-            <a:extLst>
-              <a:ext uri="{FF2B5EF4-FFF2-40B4-BE49-F238E27FC236}">
-                <a16:creationId xmlns:a16="http://schemas.microsoft.com/office/drawing/2014/main" id="{FA2F0D61-E66A-49FE-8F62-9A4FC10AC6A9}"/>
-              </a:ext>
-            </a:extLst>
-          </p:cNvPr>
-          <p:cNvCxnSpPr>
-            <a:cxnSpLocks/>
-            <a:stCxn id="24" idx="2"/>
-            <a:endCxn id="28" idx="0"/>
-          </p:cNvCxnSpPr>
-          <p:nvPr/>
-        </p:nvCxnSpPr>
-        <p:spPr>
-          <a:xfrm>
-            <a:off x="2266406" y="4207467"/>
-            <a:ext cx="0" cy="531222"/>
-          </a:xfrm>
-          <a:prstGeom prst="line">
-            <a:avLst/>
-          </a:prstGeom>
-          <a:ln w="19050">
-            <a:solidFill>
-              <a:schemeClr val="tx1"/>
-            </a:solidFill>
-          </a:ln>
-        </p:spPr>
-        <p:style>
-          <a:lnRef idx="1">
-            <a:schemeClr val="accent1"/>
-          </a:lnRef>
-          <a:fillRef idx="0">
-            <a:schemeClr val="accent1"/>
-          </a:fillRef>
-          <a:effectRef idx="0">
-            <a:schemeClr val="accent1"/>
-          </a:effectRef>
-          <a:fontRef idx="minor">
-            <a:schemeClr val="tx1"/>
-          </a:fontRef>
-        </p:style>
-      </p:cxnSp>
-      <p:sp>
-        <p:nvSpPr>
-          <p:cNvPr id="38" name="Rectangle 37">
-            <a:extLst>
-              <a:ext uri="{FF2B5EF4-FFF2-40B4-BE49-F238E27FC236}">
-                <a16:creationId xmlns:a16="http://schemas.microsoft.com/office/drawing/2014/main" id="{86440843-9319-42C5-ADB9-33993A70C453}"/>
-              </a:ext>
-            </a:extLst>
-          </p:cNvPr>
-          <p:cNvSpPr/>
-          <p:nvPr/>
-        </p:nvSpPr>
-        <p:spPr>
-          <a:xfrm>
-            <a:off x="7611292" y="4738689"/>
-            <a:ext cx="2314302" cy="1577202"/>
-          </a:xfrm>
-          <a:prstGeom prst="rect">
-            <a:avLst/>
-          </a:prstGeom>
-          <a:solidFill>
-            <a:schemeClr val="bg1"/>
-          </a:solidFill>
-          <a:ln>
-            <a:solidFill>
-              <a:schemeClr val="tx1"/>
-            </a:solidFill>
-          </a:ln>
-        </p:spPr>
-        <p:style>
-          <a:lnRef idx="2">
-            <a:schemeClr val="accent1">
-              <a:shade val="50000"/>
-            </a:schemeClr>
-          </a:lnRef>
-          <a:fillRef idx="1">
-            <a:schemeClr val="accent1"/>
-          </a:fillRef>
-          <a:effectRef idx="0">
-            <a:schemeClr val="accent1"/>
-          </a:effectRef>
-          <a:fontRef idx="minor">
-            <a:schemeClr val="lt1"/>
-          </a:fontRef>
-        </p:style>
-        <p:txBody>
-          <a:bodyPr rtlCol="0" anchor="ctr"/>
-          <a:lstStyle/>
-          <a:p>
-            <a:r>
-              <a:rPr lang="en-US" altLang="zh-CN" dirty="0" err="1">
-                <a:solidFill>
-                  <a:schemeClr val="tx1"/>
-                </a:solidFill>
-                <a:latin typeface="Calibri" panose="020F0502020204030204" pitchFamily="34" charset="0"/>
-                <a:ea typeface="Calibri" panose="020F0502020204030204" pitchFamily="34" charset="0"/>
-                <a:cs typeface="Calibri" panose="020F0502020204030204" pitchFamily="34" charset="0"/>
-              </a:rPr>
-              <a:t>LabelButton</a:t>
-            </a:r>
-            <a:r>
-              <a:rPr lang="en-US" altLang="zh-CN" dirty="0">
-                <a:solidFill>
-                  <a:schemeClr val="tx1"/>
-                </a:solidFill>
-                <a:latin typeface="Calibri" panose="020F0502020204030204" pitchFamily="34" charset="0"/>
-                <a:ea typeface="Calibri" panose="020F0502020204030204" pitchFamily="34" charset="0"/>
-                <a:cs typeface="Calibri" panose="020F0502020204030204" pitchFamily="34" charset="0"/>
-              </a:rPr>
-              <a:t>;</a:t>
-            </a:r>
-          </a:p>
-          <a:p>
-            <a:r>
-              <a:rPr lang="en-US" altLang="zh-CN" dirty="0">
-                <a:solidFill>
-                  <a:schemeClr val="tx1"/>
-                </a:solidFill>
-                <a:latin typeface="Calibri" panose="020F0502020204030204" pitchFamily="34" charset="0"/>
-                <a:ea typeface="Calibri" panose="020F0502020204030204" pitchFamily="34" charset="0"/>
-                <a:cs typeface="Calibri" panose="020F0502020204030204" pitchFamily="34" charset="0"/>
-              </a:rPr>
-              <a:t>Page;</a:t>
-            </a:r>
-          </a:p>
-          <a:p>
-            <a:r>
-              <a:rPr lang="en-US" altLang="zh-CN" dirty="0" err="1">
-                <a:solidFill>
-                  <a:schemeClr val="tx1"/>
-                </a:solidFill>
-                <a:latin typeface="Calibri" panose="020F0502020204030204" pitchFamily="34" charset="0"/>
-                <a:ea typeface="Calibri" panose="020F0502020204030204" pitchFamily="34" charset="0"/>
-                <a:cs typeface="Calibri" panose="020F0502020204030204" pitchFamily="34" charset="0"/>
-              </a:rPr>
-              <a:t>PageWithButtons</a:t>
-            </a:r>
-            <a:r>
-              <a:rPr lang="en-US" altLang="zh-CN" dirty="0">
-                <a:solidFill>
-                  <a:schemeClr val="tx1"/>
-                </a:solidFill>
-                <a:latin typeface="Calibri" panose="020F0502020204030204" pitchFamily="34" charset="0"/>
-                <a:ea typeface="Calibri" panose="020F0502020204030204" pitchFamily="34" charset="0"/>
-                <a:cs typeface="Calibri" panose="020F0502020204030204" pitchFamily="34" charset="0"/>
-              </a:rPr>
-              <a:t>;</a:t>
-            </a:r>
-          </a:p>
-          <a:p>
-            <a:r>
-              <a:rPr lang="en-US" altLang="zh-CN" dirty="0">
-                <a:solidFill>
-                  <a:schemeClr val="tx1"/>
-                </a:solidFill>
-                <a:latin typeface="Calibri" panose="020F0502020204030204" pitchFamily="34" charset="0"/>
-                <a:ea typeface="Calibri" panose="020F0502020204030204" pitchFamily="34" charset="0"/>
-                <a:cs typeface="Calibri" panose="020F0502020204030204" pitchFamily="34" charset="0"/>
-              </a:rPr>
-              <a:t>…</a:t>
-            </a:r>
-            <a:endParaRPr lang="zh-CN" altLang="en-US" dirty="0">
-              <a:solidFill>
-                <a:schemeClr val="tx1"/>
-              </a:solidFill>
-              <a:latin typeface="Calibri" panose="020F0502020204030204" pitchFamily="34" charset="0"/>
-              <a:cs typeface="Calibri" panose="020F0502020204030204" pitchFamily="34" charset="0"/>
-            </a:endParaRPr>
-          </a:p>
-        </p:txBody>
-      </p:sp>
-      <p:sp>
-        <p:nvSpPr>
-          <p:cNvPr id="39" name="Rectangle 38">
-            <a:extLst>
-              <a:ext uri="{FF2B5EF4-FFF2-40B4-BE49-F238E27FC236}">
-                <a16:creationId xmlns:a16="http://schemas.microsoft.com/office/drawing/2014/main" id="{B5B24C34-8ACF-46DC-8327-391D28BC772B}"/>
-              </a:ext>
-            </a:extLst>
-          </p:cNvPr>
-          <p:cNvSpPr/>
-          <p:nvPr/>
-        </p:nvSpPr>
-        <p:spPr>
-          <a:xfrm>
-            <a:off x="4938847" y="4738689"/>
-            <a:ext cx="2314302" cy="1577202"/>
-          </a:xfrm>
-          <a:prstGeom prst="rect">
-            <a:avLst/>
-          </a:prstGeom>
-          <a:solidFill>
-            <a:schemeClr val="bg1"/>
-          </a:solidFill>
-          <a:ln>
-            <a:solidFill>
-              <a:schemeClr val="tx1"/>
-            </a:solidFill>
-          </a:ln>
-        </p:spPr>
-        <p:style>
-          <a:lnRef idx="2">
-            <a:schemeClr val="accent1">
-              <a:shade val="50000"/>
-            </a:schemeClr>
-          </a:lnRef>
-          <a:fillRef idx="1">
-            <a:schemeClr val="accent1"/>
-          </a:fillRef>
-          <a:effectRef idx="0">
-            <a:schemeClr val="accent1"/>
-          </a:effectRef>
-          <a:fontRef idx="minor">
-            <a:schemeClr val="lt1"/>
-          </a:fontRef>
-        </p:style>
-        <p:txBody>
-          <a:bodyPr rtlCol="0" anchor="ctr"/>
-          <a:lstStyle/>
-          <a:p>
-            <a:r>
-              <a:rPr lang="en-US" altLang="zh-CN" dirty="0" err="1">
-                <a:solidFill>
-                  <a:schemeClr val="tx1"/>
-                </a:solidFill>
-                <a:latin typeface="Calibri" panose="020F0502020204030204" pitchFamily="34" charset="0"/>
-                <a:ea typeface="Calibri" panose="020F0502020204030204" pitchFamily="34" charset="0"/>
-                <a:cs typeface="Calibri" panose="020F0502020204030204" pitchFamily="34" charset="0"/>
-              </a:rPr>
-              <a:t>ExternalRuntimeData</a:t>
-            </a:r>
-            <a:r>
-              <a:rPr lang="en-US" altLang="zh-CN" dirty="0">
-                <a:solidFill>
-                  <a:schemeClr val="tx1"/>
-                </a:solidFill>
-                <a:latin typeface="Calibri" panose="020F0502020204030204" pitchFamily="34" charset="0"/>
-                <a:ea typeface="Calibri" panose="020F0502020204030204" pitchFamily="34" charset="0"/>
-                <a:cs typeface="Calibri" panose="020F0502020204030204" pitchFamily="34" charset="0"/>
-              </a:rPr>
-              <a:t>;</a:t>
-            </a:r>
-          </a:p>
-          <a:p>
-            <a:r>
-              <a:rPr lang="en-US" altLang="zh-CN" dirty="0" err="1">
-                <a:solidFill>
-                  <a:schemeClr val="tx1"/>
-                </a:solidFill>
-                <a:latin typeface="Calibri" panose="020F0502020204030204" pitchFamily="34" charset="0"/>
-                <a:ea typeface="Calibri" panose="020F0502020204030204" pitchFamily="34" charset="0"/>
-                <a:cs typeface="Calibri" panose="020F0502020204030204" pitchFamily="34" charset="0"/>
-              </a:rPr>
-              <a:t>RuntimeUnit</a:t>
-            </a:r>
-            <a:r>
-              <a:rPr lang="en-US" altLang="zh-CN" dirty="0">
-                <a:solidFill>
-                  <a:schemeClr val="tx1"/>
-                </a:solidFill>
-                <a:latin typeface="Calibri" panose="020F0502020204030204" pitchFamily="34" charset="0"/>
-                <a:ea typeface="Calibri" panose="020F0502020204030204" pitchFamily="34" charset="0"/>
-                <a:cs typeface="Calibri" panose="020F0502020204030204" pitchFamily="34" charset="0"/>
-              </a:rPr>
-              <a:t>;</a:t>
-            </a:r>
-          </a:p>
-        </p:txBody>
-      </p:sp>
-      <p:sp>
-        <p:nvSpPr>
-          <p:cNvPr id="7" name="Rectangle 14">
-            <a:extLst>
-              <a:ext uri="{FF2B5EF4-FFF2-40B4-BE49-F238E27FC236}">
-                <a16:creationId xmlns:a16="http://schemas.microsoft.com/office/drawing/2014/main" id="{A525FDA7-ECE6-5B2A-E7B8-5DD594843250}"/>
-              </a:ext>
-            </a:extLst>
-          </p:cNvPr>
-          <p:cNvSpPr/>
-          <p:nvPr/>
-        </p:nvSpPr>
-        <p:spPr>
-          <a:xfrm>
-            <a:off x="10164525" y="3332255"/>
-            <a:ext cx="1515292" cy="875212"/>
-          </a:xfrm>
-          <a:prstGeom prst="rect">
-            <a:avLst/>
-          </a:prstGeom>
-          <a:solidFill>
-            <a:schemeClr val="bg1"/>
-          </a:solidFill>
-          <a:ln>
-            <a:solidFill>
-              <a:schemeClr val="tx1"/>
-            </a:solidFill>
-          </a:ln>
-        </p:spPr>
-        <p:style>
-          <a:lnRef idx="2">
-            <a:schemeClr val="accent1">
-              <a:shade val="50000"/>
-            </a:schemeClr>
-          </a:lnRef>
-          <a:fillRef idx="1">
-            <a:schemeClr val="accent1"/>
-          </a:fillRef>
-          <a:effectRef idx="0">
-            <a:schemeClr val="accent1"/>
-          </a:effectRef>
-          <a:fontRef idx="minor">
-            <a:schemeClr val="lt1"/>
-          </a:fontRef>
-        </p:style>
-        <p:txBody>
-          <a:bodyPr rtlCol="0" anchor="ctr"/>
-          <a:lstStyle/>
-          <a:p>
-            <a:pPr algn="ctr"/>
-            <a:r>
-              <a:rPr lang="en-US" altLang="zh-CN" dirty="0">
-                <a:solidFill>
-                  <a:schemeClr val="tx1"/>
-                </a:solidFill>
-                <a:latin typeface="Calibri" panose="020F0502020204030204" pitchFamily="34" charset="0"/>
-                <a:ea typeface="Calibri" panose="020F0502020204030204" pitchFamily="34" charset="0"/>
-                <a:cs typeface="Calibri" panose="020F0502020204030204" pitchFamily="34" charset="0"/>
-              </a:rPr>
-              <a:t>an</a:t>
-            </a:r>
-          </a:p>
-        </p:txBody>
-      </p:sp>
-      <p:cxnSp>
-        <p:nvCxnSpPr>
-          <p:cNvPr id="8" name="Straight Connector 15">
-            <a:extLst>
-              <a:ext uri="{FF2B5EF4-FFF2-40B4-BE49-F238E27FC236}">
-                <a16:creationId xmlns:a16="http://schemas.microsoft.com/office/drawing/2014/main" id="{66AA908D-5704-928C-98C0-16003C80C743}"/>
-              </a:ext>
-            </a:extLst>
-          </p:cNvPr>
-          <p:cNvCxnSpPr>
-            <a:cxnSpLocks/>
-            <a:stCxn id="3" idx="2"/>
-            <a:endCxn id="7" idx="0"/>
-          </p:cNvCxnSpPr>
-          <p:nvPr/>
-        </p:nvCxnSpPr>
-        <p:spPr>
-          <a:xfrm>
-            <a:off x="6096000" y="2801032"/>
-            <a:ext cx="4826171" cy="531223"/>
-          </a:xfrm>
-          <a:prstGeom prst="line">
-            <a:avLst/>
-          </a:prstGeom>
-          <a:ln w="19050">
-            <a:solidFill>
-              <a:schemeClr val="tx1"/>
-            </a:solidFill>
+            <a:headEnd type="triangle"/>
+            <a:tailEnd type="triangle"/>
           </a:ln>
         </p:spPr>
         <p:style>
@@ -4390,7 +3791,7 @@
     </p:spTree>
     <p:extLst>
       <p:ext uri="{BB962C8B-B14F-4D97-AF65-F5344CB8AC3E}">
-        <p14:creationId xmlns:p14="http://schemas.microsoft.com/office/powerpoint/2010/main" val="2933703945"/>
+        <p14:creationId xmlns:p14="http://schemas.microsoft.com/office/powerpoint/2010/main" val="3101948870"/>
       </p:ext>
     </p:extLst>
   </p:cSld>
@@ -6171,12 +5572,1636 @@
           <a:chExt cx="0" cy="0"/>
         </a:xfrm>
       </p:grpSpPr>
-      <p:sp>
-        <p:nvSpPr>
-          <p:cNvPr id="2" name="Title 1">
-            <a:extLst>
-              <a:ext uri="{FF2B5EF4-FFF2-40B4-BE49-F238E27FC236}">
-                <a16:creationId xmlns:a16="http://schemas.microsoft.com/office/drawing/2014/main" id="{67D4F5DE-B023-43CC-8D55-FA36D8041F62}"/>
+      <p:graphicFrame>
+        <p:nvGraphicFramePr>
+          <p:cNvPr id="16" name="表格 15">
+            <a:extLst>
+              <a:ext uri="{FF2B5EF4-FFF2-40B4-BE49-F238E27FC236}">
+                <a16:creationId xmlns:a16="http://schemas.microsoft.com/office/drawing/2014/main" id="{EB1C4A40-80C5-7BA1-0D7D-5BB576CB3728}"/>
+              </a:ext>
+            </a:extLst>
+          </p:cNvPr>
+          <p:cNvGraphicFramePr>
+            <a:graphicFrameLocks noGrp="1"/>
+          </p:cNvGraphicFramePr>
+          <p:nvPr>
+            <p:extLst>
+              <p:ext uri="{D42A27DB-BD31-4B8C-83A1-F6EECF244321}">
+                <p14:modId xmlns:p14="http://schemas.microsoft.com/office/powerpoint/2010/main" val="3213825894"/>
+              </p:ext>
+            </p:extLst>
+          </p:nvPr>
+        </p:nvGraphicFramePr>
+        <p:xfrm>
+          <a:off x="3309668" y="1280134"/>
+          <a:ext cx="5572664" cy="4297732"/>
+        </p:xfrm>
+        <a:graphic>
+          <a:graphicData uri="http://schemas.openxmlformats.org/drawingml/2006/table">
+            <a:tbl>
+              <a:tblPr firstRow="1" bandRow="1">
+                <a:tableStyleId>{5C22544A-7EE6-4342-B048-85BDC9FD1C3A}</a:tableStyleId>
+              </a:tblPr>
+              <a:tblGrid>
+                <a:gridCol w="5572664">
+                  <a:extLst>
+                    <a:ext uri="{9D8B030D-6E8A-4147-A177-3AD203B41FA5}">
+                      <a16:colId xmlns:a16="http://schemas.microsoft.com/office/drawing/2014/main" val="3627222243"/>
+                    </a:ext>
+                  </a:extLst>
+                </a:gridCol>
+              </a:tblGrid>
+              <a:tr h="457252">
+                <a:tc>
+                  <a:txBody>
+                    <a:bodyPr/>
+                    <a:lstStyle/>
+                    <a:p>
+                      <a:pPr algn="ctr"/>
+                      <a:r>
+                        <a:rPr lang="en-US" altLang="zh-CN" sz="2400" b="0" dirty="0">
+                          <a:latin typeface="Calibri" panose="020F0502020204030204" pitchFamily="34" charset="0"/>
+                          <a:cs typeface="Calibri" panose="020F0502020204030204" pitchFamily="34" charset="0"/>
+                        </a:rPr>
+                        <a:t>Control</a:t>
+                      </a:r>
+                      <a:endParaRPr lang="zh-CN" altLang="en-US" sz="2400" b="0" dirty="0">
+                        <a:latin typeface="Calibri" panose="020F0502020204030204" pitchFamily="34" charset="0"/>
+                        <a:cs typeface="Calibri" panose="020F0502020204030204" pitchFamily="34" charset="0"/>
+                      </a:endParaRPr>
+                    </a:p>
+                  </a:txBody>
+                  <a:tcPr anchor="ctr"/>
+                </a:tc>
+                <a:extLst>
+                  <a:ext uri="{0D108BD9-81ED-4DB2-BD59-A6C34878D82A}">
+                    <a16:rowId xmlns:a16="http://schemas.microsoft.com/office/drawing/2014/main" val="3346152141"/>
+                  </a:ext>
+                </a:extLst>
+              </a:tr>
+              <a:tr h="555659">
+                <a:tc>
+                  <a:txBody>
+                    <a:bodyPr/>
+                    <a:lstStyle/>
+                    <a:p>
+                      <a:r>
+                        <a:rPr lang="en-US" altLang="zh-CN" sz="2400" dirty="0">
+                          <a:latin typeface="Calibri" panose="020F0502020204030204" pitchFamily="34" charset="0"/>
+                          <a:cs typeface="Calibri" panose="020F0502020204030204" pitchFamily="34" charset="0"/>
+                        </a:rPr>
+                        <a:t>-</a:t>
+                      </a:r>
+                      <a:r>
+                        <a:rPr lang="en-US" altLang="zh-CN" sz="2400" dirty="0" err="1">
+                          <a:latin typeface="Calibri" panose="020F0502020204030204" pitchFamily="34" charset="0"/>
+                          <a:cs typeface="Calibri" panose="020F0502020204030204" pitchFamily="34" charset="0"/>
+                        </a:rPr>
+                        <a:t>rect</a:t>
+                      </a:r>
+                      <a:r>
+                        <a:rPr lang="en-US" altLang="zh-CN" sz="2400" dirty="0">
+                          <a:latin typeface="Calibri" panose="020F0502020204030204" pitchFamily="34" charset="0"/>
+                          <a:cs typeface="Calibri" panose="020F0502020204030204" pitchFamily="34" charset="0"/>
+                        </a:rPr>
+                        <a:t>: </a:t>
+                      </a:r>
+                      <a:r>
+                        <a:rPr lang="en-US" altLang="zh-CN" sz="2400" dirty="0" err="1">
+                          <a:latin typeface="Calibri" panose="020F0502020204030204" pitchFamily="34" charset="0"/>
+                          <a:cs typeface="Calibri" panose="020F0502020204030204" pitchFamily="34" charset="0"/>
+                        </a:rPr>
+                        <a:t>Rect</a:t>
+                      </a:r>
+                      <a:endParaRPr lang="en-US" altLang="zh-CN" sz="2400" dirty="0">
+                        <a:latin typeface="Calibri" panose="020F0502020204030204" pitchFamily="34" charset="0"/>
+                        <a:cs typeface="Calibri" panose="020F0502020204030204" pitchFamily="34" charset="0"/>
+                      </a:endParaRPr>
+                    </a:p>
+                    <a:p>
+                      <a:r>
+                        <a:rPr lang="en-US" altLang="zh-CN" sz="2400" dirty="0">
+                          <a:latin typeface="Calibri" panose="020F0502020204030204" pitchFamily="34" charset="0"/>
+                          <a:cs typeface="Calibri" panose="020F0502020204030204" pitchFamily="34" charset="0"/>
+                        </a:rPr>
+                        <a:t>-surf: Surface</a:t>
+                      </a:r>
+                    </a:p>
+                    <a:p>
+                      <a:r>
+                        <a:rPr lang="en-US" altLang="zh-CN" sz="2400" dirty="0">
+                          <a:latin typeface="Calibri" panose="020F0502020204030204" pitchFamily="34" charset="0"/>
+                          <a:cs typeface="Calibri" panose="020F0502020204030204" pitchFamily="34" charset="0"/>
+                        </a:rPr>
+                        <a:t>-</a:t>
+                      </a:r>
+                      <a:r>
+                        <a:rPr lang="en-US" altLang="zh-CN" sz="2400" dirty="0" err="1">
+                          <a:latin typeface="Calibri" panose="020F0502020204030204" pitchFamily="34" charset="0"/>
+                          <a:cs typeface="Calibri" panose="020F0502020204030204" pitchFamily="34" charset="0"/>
+                        </a:rPr>
+                        <a:t>positionInfo</a:t>
+                      </a:r>
+                      <a:r>
+                        <a:rPr lang="en-US" altLang="zh-CN" sz="2400" dirty="0">
+                          <a:latin typeface="Calibri" panose="020F0502020204030204" pitchFamily="34" charset="0"/>
+                          <a:cs typeface="Calibri" panose="020F0502020204030204" pitchFamily="34" charset="0"/>
+                        </a:rPr>
+                        <a:t>: </a:t>
+                      </a:r>
+                      <a:r>
+                        <a:rPr lang="en-US" altLang="zh-CN" sz="2400" dirty="0" err="1">
+                          <a:latin typeface="Calibri" panose="020F0502020204030204" pitchFamily="34" charset="0"/>
+                          <a:cs typeface="Calibri" panose="020F0502020204030204" pitchFamily="34" charset="0"/>
+                        </a:rPr>
+                        <a:t>dict</a:t>
+                      </a:r>
+                      <a:endParaRPr lang="zh-CN" altLang="en-US" sz="2400" dirty="0">
+                        <a:latin typeface="Calibri" panose="020F0502020204030204" pitchFamily="34" charset="0"/>
+                        <a:cs typeface="Calibri" panose="020F0502020204030204" pitchFamily="34" charset="0"/>
+                      </a:endParaRPr>
+                    </a:p>
+                  </a:txBody>
+                  <a:tcPr anchor="ctr"/>
+                </a:tc>
+                <a:extLst>
+                  <a:ext uri="{0D108BD9-81ED-4DB2-BD59-A6C34878D82A}">
+                    <a16:rowId xmlns:a16="http://schemas.microsoft.com/office/drawing/2014/main" val="4162875606"/>
+                  </a:ext>
+                </a:extLst>
+              </a:tr>
+              <a:tr h="555659">
+                <a:tc>
+                  <a:txBody>
+                    <a:bodyPr/>
+                    <a:lstStyle/>
+                    <a:p>
+                      <a:r>
+                        <a:rPr lang="en-US" altLang="zh-CN" sz="2400" dirty="0">
+                          <a:latin typeface="Calibri" panose="020F0502020204030204" pitchFamily="34" charset="0"/>
+                          <a:cs typeface="Calibri" panose="020F0502020204030204" pitchFamily="34" charset="0"/>
+                        </a:rPr>
+                        <a:t>+</a:t>
+                      </a:r>
+                      <a:r>
+                        <a:rPr lang="en-US" altLang="zh-CN" sz="2400" dirty="0" err="1">
+                          <a:latin typeface="Calibri" panose="020F0502020204030204" pitchFamily="34" charset="0"/>
+                          <a:cs typeface="Calibri" panose="020F0502020204030204" pitchFamily="34" charset="0"/>
+                        </a:rPr>
+                        <a:t>getSurf</a:t>
+                      </a:r>
+                      <a:r>
+                        <a:rPr lang="en-US" altLang="zh-CN" sz="2400" dirty="0">
+                          <a:latin typeface="Calibri" panose="020F0502020204030204" pitchFamily="34" charset="0"/>
+                          <a:cs typeface="Calibri" panose="020F0502020204030204" pitchFamily="34" charset="0"/>
+                        </a:rPr>
+                        <a:t>(): Surface</a:t>
+                      </a:r>
+                    </a:p>
+                    <a:p>
+                      <a:r>
+                        <a:rPr lang="en-US" altLang="zh-CN" sz="2400" dirty="0">
+                          <a:latin typeface="Calibri" panose="020F0502020204030204" pitchFamily="34" charset="0"/>
+                          <a:cs typeface="Calibri" panose="020F0502020204030204" pitchFamily="34" charset="0"/>
+                        </a:rPr>
+                        <a:t>+</a:t>
+                      </a:r>
+                      <a:r>
+                        <a:rPr lang="en-US" altLang="zh-CN" sz="2400" dirty="0" err="1">
+                          <a:latin typeface="Calibri" panose="020F0502020204030204" pitchFamily="34" charset="0"/>
+                          <a:cs typeface="Calibri" panose="020F0502020204030204" pitchFamily="34" charset="0"/>
+                        </a:rPr>
+                        <a:t>getRect</a:t>
+                      </a:r>
+                      <a:r>
+                        <a:rPr lang="en-US" altLang="zh-CN" sz="2400" dirty="0">
+                          <a:latin typeface="Calibri" panose="020F0502020204030204" pitchFamily="34" charset="0"/>
+                          <a:cs typeface="Calibri" panose="020F0502020204030204" pitchFamily="34" charset="0"/>
+                        </a:rPr>
+                        <a:t>(): </a:t>
+                      </a:r>
+                      <a:r>
+                        <a:rPr lang="en-US" altLang="zh-CN" sz="2400" dirty="0" err="1">
+                          <a:latin typeface="Calibri" panose="020F0502020204030204" pitchFamily="34" charset="0"/>
+                          <a:cs typeface="Calibri" panose="020F0502020204030204" pitchFamily="34" charset="0"/>
+                        </a:rPr>
+                        <a:t>Rect</a:t>
+                      </a:r>
+                      <a:endParaRPr lang="en-US" altLang="zh-CN" sz="2400" dirty="0">
+                        <a:latin typeface="Calibri" panose="020F0502020204030204" pitchFamily="34" charset="0"/>
+                        <a:cs typeface="Calibri" panose="020F0502020204030204" pitchFamily="34" charset="0"/>
+                      </a:endParaRPr>
+                    </a:p>
+                    <a:p>
+                      <a:r>
+                        <a:rPr lang="en-US" altLang="zh-CN" sz="2400" dirty="0">
+                          <a:latin typeface="Calibri" panose="020F0502020204030204" pitchFamily="34" charset="0"/>
+                          <a:cs typeface="Calibri" panose="020F0502020204030204" pitchFamily="34" charset="0"/>
+                        </a:rPr>
+                        <a:t>#updateRect(): void</a:t>
+                      </a:r>
+                    </a:p>
+                    <a:p>
+                      <a:r>
+                        <a:rPr lang="en-US" altLang="zh-CN" sz="2400" dirty="0">
+                          <a:latin typeface="Calibri" panose="020F0502020204030204" pitchFamily="34" charset="0"/>
+                          <a:cs typeface="Calibri" panose="020F0502020204030204" pitchFamily="34" charset="0"/>
+                        </a:rPr>
+                        <a:t>+</a:t>
+                      </a:r>
+                      <a:r>
+                        <a:rPr lang="en-US" altLang="zh-CN" sz="2400" dirty="0" err="1">
+                          <a:latin typeface="Calibri" panose="020F0502020204030204" pitchFamily="34" charset="0"/>
+                          <a:cs typeface="Calibri" panose="020F0502020204030204" pitchFamily="34" charset="0"/>
+                        </a:rPr>
+                        <a:t>blitMyself</a:t>
+                      </a:r>
+                      <a:r>
+                        <a:rPr lang="en-US" altLang="zh-CN" sz="2400" dirty="0">
+                          <a:latin typeface="Calibri" panose="020F0502020204030204" pitchFamily="34" charset="0"/>
+                          <a:cs typeface="Calibri" panose="020F0502020204030204" pitchFamily="34" charset="0"/>
+                        </a:rPr>
+                        <a:t>(</a:t>
+                      </a:r>
+                      <a:r>
+                        <a:rPr lang="en-US" altLang="zh-CN" sz="2400" b="1" dirty="0" err="1">
+                          <a:latin typeface="Calibri" panose="020F0502020204030204" pitchFamily="34" charset="0"/>
+                          <a:cs typeface="Calibri" panose="020F0502020204030204" pitchFamily="34" charset="0"/>
+                        </a:rPr>
+                        <a:t>inout</a:t>
+                      </a:r>
+                      <a:r>
+                        <a:rPr lang="en-US" altLang="zh-CN" sz="2400" dirty="0">
+                          <a:latin typeface="Calibri" panose="020F0502020204030204" pitchFamily="34" charset="0"/>
+                          <a:cs typeface="Calibri" panose="020F0502020204030204" pitchFamily="34" charset="0"/>
+                        </a:rPr>
+                        <a:t> </a:t>
+                      </a:r>
+                      <a:r>
+                        <a:rPr lang="en-US" altLang="zh-CN" sz="2400" dirty="0" err="1">
+                          <a:latin typeface="Calibri" panose="020F0502020204030204" pitchFamily="34" charset="0"/>
+                          <a:cs typeface="Calibri" panose="020F0502020204030204" pitchFamily="34" charset="0"/>
+                        </a:rPr>
+                        <a:t>targetSurf</a:t>
+                      </a:r>
+                      <a:r>
+                        <a:rPr lang="en-US" altLang="zh-CN" sz="2400" dirty="0">
+                          <a:latin typeface="Calibri" panose="020F0502020204030204" pitchFamily="34" charset="0"/>
+                          <a:cs typeface="Calibri" panose="020F0502020204030204" pitchFamily="34" charset="0"/>
+                        </a:rPr>
+                        <a:t>: Surface): void</a:t>
+                      </a:r>
+                    </a:p>
+                    <a:p>
+                      <a:r>
+                        <a:rPr lang="en-US" altLang="zh-CN" sz="2400" dirty="0">
+                          <a:latin typeface="Calibri" panose="020F0502020204030204" pitchFamily="34" charset="0"/>
+                          <a:cs typeface="Calibri" panose="020F0502020204030204" pitchFamily="34" charset="0"/>
+                        </a:rPr>
+                        <a:t>-</a:t>
+                      </a:r>
+                      <a:r>
+                        <a:rPr lang="en-US" altLang="zh-CN" sz="2400" dirty="0" err="1">
+                          <a:latin typeface="Calibri" panose="020F0502020204030204" pitchFamily="34" charset="0"/>
+                          <a:cs typeface="Calibri" panose="020F0502020204030204" pitchFamily="34" charset="0"/>
+                        </a:rPr>
+                        <a:t>getPositionInfo</a:t>
+                      </a:r>
+                      <a:r>
+                        <a:rPr lang="en-US" altLang="zh-CN" sz="2400" dirty="0">
+                          <a:latin typeface="Calibri" panose="020F0502020204030204" pitchFamily="34" charset="0"/>
+                          <a:cs typeface="Calibri" panose="020F0502020204030204" pitchFamily="34" charset="0"/>
+                        </a:rPr>
+                        <a:t>(): </a:t>
+                      </a:r>
+                      <a:r>
+                        <a:rPr lang="en-US" altLang="zh-CN" sz="2400" dirty="0" err="1">
+                          <a:latin typeface="Calibri" panose="020F0502020204030204" pitchFamily="34" charset="0"/>
+                          <a:cs typeface="Calibri" panose="020F0502020204030204" pitchFamily="34" charset="0"/>
+                        </a:rPr>
+                        <a:t>dict</a:t>
+                      </a:r>
+                      <a:endParaRPr lang="en-US" altLang="zh-CN" sz="2400" dirty="0">
+                        <a:latin typeface="Calibri" panose="020F0502020204030204" pitchFamily="34" charset="0"/>
+                        <a:cs typeface="Calibri" panose="020F0502020204030204" pitchFamily="34" charset="0"/>
+                      </a:endParaRPr>
+                    </a:p>
+                    <a:p>
+                      <a:r>
+                        <a:rPr lang="en-US" altLang="zh-CN" sz="2400" dirty="0">
+                          <a:latin typeface="Calibri" panose="020F0502020204030204" pitchFamily="34" charset="0"/>
+                          <a:cs typeface="Calibri" panose="020F0502020204030204" pitchFamily="34" charset="0"/>
+                        </a:rPr>
+                        <a:t>+</a:t>
+                      </a:r>
+                      <a:r>
+                        <a:rPr lang="en-US" altLang="zh-CN" sz="2400" dirty="0" err="1">
+                          <a:latin typeface="Calibri" panose="020F0502020204030204" pitchFamily="34" charset="0"/>
+                          <a:cs typeface="Calibri" panose="020F0502020204030204" pitchFamily="34" charset="0"/>
+                        </a:rPr>
+                        <a:t>getName</a:t>
+                      </a:r>
+                      <a:r>
+                        <a:rPr lang="en-US" altLang="zh-CN" sz="2400" dirty="0">
+                          <a:latin typeface="Calibri" panose="020F0502020204030204" pitchFamily="34" charset="0"/>
+                          <a:cs typeface="Calibri" panose="020F0502020204030204" pitchFamily="34" charset="0"/>
+                        </a:rPr>
+                        <a:t>(): str</a:t>
+                      </a:r>
+                    </a:p>
+                    <a:p>
+                      <a:r>
+                        <a:rPr lang="en-US" altLang="zh-CN" sz="2400" dirty="0">
+                          <a:latin typeface="Calibri" panose="020F0502020204030204" pitchFamily="34" charset="0"/>
+                          <a:cs typeface="Calibri" panose="020F0502020204030204" pitchFamily="34" charset="0"/>
+                        </a:rPr>
+                        <a:t>+</a:t>
+                      </a:r>
+                      <a:r>
+                        <a:rPr lang="en-US" altLang="zh-CN" sz="2400" dirty="0" err="1">
+                          <a:latin typeface="Calibri" panose="020F0502020204030204" pitchFamily="34" charset="0"/>
+                          <a:cs typeface="Calibri" panose="020F0502020204030204" pitchFamily="34" charset="0"/>
+                        </a:rPr>
+                        <a:t>setName</a:t>
+                      </a:r>
+                      <a:r>
+                        <a:rPr lang="en-US" altLang="zh-CN" sz="2400" dirty="0">
+                          <a:latin typeface="Calibri" panose="020F0502020204030204" pitchFamily="34" charset="0"/>
+                          <a:cs typeface="Calibri" panose="020F0502020204030204" pitchFamily="34" charset="0"/>
+                        </a:rPr>
+                        <a:t>(): str</a:t>
+                      </a:r>
+                      <a:endParaRPr lang="zh-CN" altLang="en-US" sz="2400" dirty="0">
+                        <a:latin typeface="Calibri" panose="020F0502020204030204" pitchFamily="34" charset="0"/>
+                        <a:cs typeface="Calibri" panose="020F0502020204030204" pitchFamily="34" charset="0"/>
+                      </a:endParaRPr>
+                    </a:p>
+                  </a:txBody>
+                  <a:tcPr anchor="ctr"/>
+                </a:tc>
+                <a:extLst>
+                  <a:ext uri="{0D108BD9-81ED-4DB2-BD59-A6C34878D82A}">
+                    <a16:rowId xmlns:a16="http://schemas.microsoft.com/office/drawing/2014/main" val="2161683205"/>
+                  </a:ext>
+                </a:extLst>
+              </a:tr>
+            </a:tbl>
+          </a:graphicData>
+        </a:graphic>
+      </p:graphicFrame>
+    </p:spTree>
+    <p:extLst>
+      <p:ext uri="{BB962C8B-B14F-4D97-AF65-F5344CB8AC3E}">
+        <p14:creationId xmlns:p14="http://schemas.microsoft.com/office/powerpoint/2010/main" val="2790030444"/>
+      </p:ext>
+    </p:extLst>
+  </p:cSld>
+  <p:clrMapOvr>
+    <a:masterClrMapping/>
+  </p:clrMapOvr>
+</p:sld>
+</file>
+
+<file path=ppt/slides/slide5.xml><?xml version="1.0" encoding="utf-8"?>
+<p:sld xmlns:a="http://schemas.openxmlformats.org/drawingml/2006/main" xmlns:r="http://schemas.openxmlformats.org/officeDocument/2006/relationships" xmlns:p="http://schemas.openxmlformats.org/presentationml/2006/main">
+  <p:cSld>
+    <p:spTree>
+      <p:nvGrpSpPr>
+        <p:cNvPr id="1" name=""/>
+        <p:cNvGrpSpPr/>
+        <p:nvPr/>
+      </p:nvGrpSpPr>
+      <p:grpSpPr>
+        <a:xfrm>
+          <a:off x="0" y="0"/>
+          <a:ext cx="0" cy="0"/>
+          <a:chOff x="0" y="0"/>
+          <a:chExt cx="0" cy="0"/>
+        </a:xfrm>
+      </p:grpSpPr>
+      <p:graphicFrame>
+        <p:nvGraphicFramePr>
+          <p:cNvPr id="12" name="表格 11">
+            <a:extLst>
+              <a:ext uri="{FF2B5EF4-FFF2-40B4-BE49-F238E27FC236}">
+                <a16:creationId xmlns:a16="http://schemas.microsoft.com/office/drawing/2014/main" id="{312865F1-C7E4-9382-4AA1-629B803B53A2}"/>
+              </a:ext>
+            </a:extLst>
+          </p:cNvPr>
+          <p:cNvGraphicFramePr>
+            <a:graphicFrameLocks noGrp="1"/>
+          </p:cNvGraphicFramePr>
+          <p:nvPr>
+            <p:extLst>
+              <p:ext uri="{D42A27DB-BD31-4B8C-83A1-F6EECF244321}">
+                <p14:modId xmlns:p14="http://schemas.microsoft.com/office/powerpoint/2010/main" val="2592650494"/>
+              </p:ext>
+            </p:extLst>
+          </p:nvPr>
+        </p:nvGraphicFramePr>
+        <p:xfrm>
+          <a:off x="3985883" y="1495509"/>
+          <a:ext cx="4220232" cy="3664619"/>
+        </p:xfrm>
+        <a:graphic>
+          <a:graphicData uri="http://schemas.openxmlformats.org/drawingml/2006/table">
+            <a:tbl>
+              <a:tblPr firstRow="1" bandRow="1">
+                <a:tableStyleId>{5C22544A-7EE6-4342-B048-85BDC9FD1C3A}</a:tableStyleId>
+              </a:tblPr>
+              <a:tblGrid>
+                <a:gridCol w="4220232">
+                  <a:extLst>
+                    <a:ext uri="{9D8B030D-6E8A-4147-A177-3AD203B41FA5}">
+                      <a16:colId xmlns:a16="http://schemas.microsoft.com/office/drawing/2014/main" val="3627222243"/>
+                    </a:ext>
+                  </a:extLst>
+                </a:gridCol>
+              </a:tblGrid>
+              <a:tr h="555659">
+                <a:tc>
+                  <a:txBody>
+                    <a:bodyPr/>
+                    <a:lstStyle/>
+                    <a:p>
+                      <a:pPr algn="ctr"/>
+                      <a:r>
+                        <a:rPr lang="en-US" altLang="zh-CN" sz="2400" b="0" dirty="0" err="1">
+                          <a:latin typeface="Calibri" panose="020F0502020204030204" pitchFamily="34" charset="0"/>
+                          <a:cs typeface="Calibri" panose="020F0502020204030204" pitchFamily="34" charset="0"/>
+                        </a:rPr>
+                        <a:t>UniformTextPresenter</a:t>
+                      </a:r>
+                      <a:endParaRPr lang="zh-CN" altLang="en-US" sz="2400" b="0" dirty="0">
+                        <a:latin typeface="Calibri" panose="020F0502020204030204" pitchFamily="34" charset="0"/>
+                        <a:cs typeface="Calibri" panose="020F0502020204030204" pitchFamily="34" charset="0"/>
+                      </a:endParaRPr>
+                    </a:p>
+                  </a:txBody>
+                  <a:tcPr anchor="ctr"/>
+                </a:tc>
+                <a:extLst>
+                  <a:ext uri="{0D108BD9-81ED-4DB2-BD59-A6C34878D82A}">
+                    <a16:rowId xmlns:a16="http://schemas.microsoft.com/office/drawing/2014/main" val="3346152141"/>
+                  </a:ext>
+                </a:extLst>
+              </a:tr>
+              <a:tr h="555659">
+                <a:tc>
+                  <a:txBody>
+                    <a:bodyPr/>
+                    <a:lstStyle/>
+                    <a:p>
+                      <a:r>
+                        <a:rPr lang="en-US" altLang="zh-CN" sz="2400" dirty="0">
+                          <a:latin typeface="Calibri" panose="020F0502020204030204" pitchFamily="34" charset="0"/>
+                          <a:cs typeface="Calibri" panose="020F0502020204030204" pitchFamily="34" charset="0"/>
+                        </a:rPr>
+                        <a:t>-</a:t>
+                      </a:r>
+                      <a:r>
+                        <a:rPr lang="en-US" altLang="zh-CN" sz="2400" dirty="0" err="1">
+                          <a:latin typeface="Calibri" panose="020F0502020204030204" pitchFamily="34" charset="0"/>
+                          <a:cs typeface="Calibri" panose="020F0502020204030204" pitchFamily="34" charset="0"/>
+                        </a:rPr>
+                        <a:t>antiAlias</a:t>
+                      </a:r>
+                      <a:r>
+                        <a:rPr lang="en-US" altLang="zh-CN" sz="2400" dirty="0">
+                          <a:latin typeface="Calibri" panose="020F0502020204030204" pitchFamily="34" charset="0"/>
+                          <a:cs typeface="Calibri" panose="020F0502020204030204" pitchFamily="34" charset="0"/>
+                        </a:rPr>
+                        <a:t>: bool</a:t>
+                      </a:r>
+                    </a:p>
+                    <a:p>
+                      <a:r>
+                        <a:rPr lang="en-US" altLang="zh-CN" sz="2400" dirty="0">
+                          <a:latin typeface="Calibri" panose="020F0502020204030204" pitchFamily="34" charset="0"/>
+                          <a:cs typeface="Calibri" panose="020F0502020204030204" pitchFamily="34" charset="0"/>
+                        </a:rPr>
+                        <a:t>-color: Color</a:t>
+                      </a:r>
+                    </a:p>
+                    <a:p>
+                      <a:r>
+                        <a:rPr lang="en-US" altLang="zh-CN" sz="2400" dirty="0">
+                          <a:latin typeface="Calibri" panose="020F0502020204030204" pitchFamily="34" charset="0"/>
+                          <a:cs typeface="Calibri" panose="020F0502020204030204" pitchFamily="34" charset="0"/>
+                        </a:rPr>
+                        <a:t>-font: </a:t>
+                      </a:r>
+                      <a:r>
+                        <a:rPr lang="en-US" altLang="zh-CN" sz="2400" dirty="0" err="1">
+                          <a:latin typeface="Calibri" panose="020F0502020204030204" pitchFamily="34" charset="0"/>
+                          <a:cs typeface="Calibri" panose="020F0502020204030204" pitchFamily="34" charset="0"/>
+                        </a:rPr>
+                        <a:t>FontStream</a:t>
+                      </a:r>
+                      <a:endParaRPr lang="en-US" altLang="zh-CN" sz="2400" dirty="0">
+                        <a:latin typeface="Calibri" panose="020F0502020204030204" pitchFamily="34" charset="0"/>
+                        <a:cs typeface="Calibri" panose="020F0502020204030204" pitchFamily="34" charset="0"/>
+                      </a:endParaRPr>
+                    </a:p>
+                    <a:p>
+                      <a:r>
+                        <a:rPr lang="en-US" altLang="zh-CN" sz="2400" dirty="0">
+                          <a:latin typeface="Calibri" panose="020F0502020204030204" pitchFamily="34" charset="0"/>
+                          <a:cs typeface="Calibri" panose="020F0502020204030204" pitchFamily="34" charset="0"/>
+                        </a:rPr>
+                        <a:t>-size: int</a:t>
+                      </a:r>
+                      <a:endParaRPr lang="zh-CN" altLang="en-US" sz="2400" dirty="0">
+                        <a:latin typeface="Calibri" panose="020F0502020204030204" pitchFamily="34" charset="0"/>
+                        <a:cs typeface="Calibri" panose="020F0502020204030204" pitchFamily="34" charset="0"/>
+                      </a:endParaRPr>
+                    </a:p>
+                  </a:txBody>
+                  <a:tcPr anchor="ctr"/>
+                </a:tc>
+                <a:extLst>
+                  <a:ext uri="{0D108BD9-81ED-4DB2-BD59-A6C34878D82A}">
+                    <a16:rowId xmlns:a16="http://schemas.microsoft.com/office/drawing/2014/main" val="4162875606"/>
+                  </a:ext>
+                </a:extLst>
+              </a:tr>
+              <a:tr h="555659">
+                <a:tc>
+                  <a:txBody>
+                    <a:bodyPr/>
+                    <a:lstStyle/>
+                    <a:p>
+                      <a:r>
+                        <a:rPr lang="en-US" altLang="zh-CN" sz="2400" dirty="0">
+                          <a:latin typeface="Calibri" panose="020F0502020204030204" pitchFamily="34" charset="0"/>
+                          <a:cs typeface="Calibri" panose="020F0502020204030204" pitchFamily="34" charset="0"/>
+                        </a:rPr>
+                        <a:t>+</a:t>
+                      </a:r>
+                      <a:r>
+                        <a:rPr lang="en-US" altLang="zh-CN" sz="2400" dirty="0" err="1">
+                          <a:latin typeface="Calibri" panose="020F0502020204030204" pitchFamily="34" charset="0"/>
+                          <a:cs typeface="Calibri" panose="020F0502020204030204" pitchFamily="34" charset="0"/>
+                        </a:rPr>
+                        <a:t>getAntiAlias</a:t>
+                      </a:r>
+                      <a:r>
+                        <a:rPr lang="en-US" altLang="zh-CN" sz="2400" dirty="0">
+                          <a:latin typeface="Calibri" panose="020F0502020204030204" pitchFamily="34" charset="0"/>
+                          <a:cs typeface="Calibri" panose="020F0502020204030204" pitchFamily="34" charset="0"/>
+                        </a:rPr>
+                        <a:t>()</a:t>
+                      </a:r>
+                    </a:p>
+                    <a:p>
+                      <a:r>
+                        <a:rPr lang="en-US" altLang="zh-CN" sz="2400" dirty="0">
+                          <a:latin typeface="Calibri" panose="020F0502020204030204" pitchFamily="34" charset="0"/>
+                          <a:cs typeface="Calibri" panose="020F0502020204030204" pitchFamily="34" charset="0"/>
+                        </a:rPr>
+                        <a:t>+</a:t>
+                      </a:r>
+                      <a:r>
+                        <a:rPr lang="en-US" altLang="zh-CN" sz="2400" dirty="0" err="1">
+                          <a:latin typeface="Calibri" panose="020F0502020204030204" pitchFamily="34" charset="0"/>
+                          <a:cs typeface="Calibri" panose="020F0502020204030204" pitchFamily="34" charset="0"/>
+                        </a:rPr>
+                        <a:t>getColor</a:t>
+                      </a:r>
+                      <a:r>
+                        <a:rPr lang="en-US" altLang="zh-CN" sz="2400" dirty="0">
+                          <a:latin typeface="Calibri" panose="020F0502020204030204" pitchFamily="34" charset="0"/>
+                          <a:cs typeface="Calibri" panose="020F0502020204030204" pitchFamily="34" charset="0"/>
+                        </a:rPr>
+                        <a:t>()</a:t>
+                      </a:r>
+                    </a:p>
+                    <a:p>
+                      <a:r>
+                        <a:rPr lang="en-US" altLang="zh-CN" sz="2400" dirty="0">
+                          <a:latin typeface="Calibri" panose="020F0502020204030204" pitchFamily="34" charset="0"/>
+                          <a:cs typeface="Calibri" panose="020F0502020204030204" pitchFamily="34" charset="0"/>
+                        </a:rPr>
+                        <a:t>+</a:t>
+                      </a:r>
+                      <a:r>
+                        <a:rPr lang="en-US" altLang="zh-CN" sz="2400" dirty="0" err="1">
+                          <a:latin typeface="Calibri" panose="020F0502020204030204" pitchFamily="34" charset="0"/>
+                          <a:cs typeface="Calibri" panose="020F0502020204030204" pitchFamily="34" charset="0"/>
+                        </a:rPr>
+                        <a:t>getFont</a:t>
+                      </a:r>
+                      <a:r>
+                        <a:rPr lang="en-US" altLang="zh-CN" sz="2400" dirty="0">
+                          <a:latin typeface="Calibri" panose="020F0502020204030204" pitchFamily="34" charset="0"/>
+                          <a:cs typeface="Calibri" panose="020F0502020204030204" pitchFamily="34" charset="0"/>
+                        </a:rPr>
+                        <a:t>()</a:t>
+                      </a:r>
+                    </a:p>
+                    <a:p>
+                      <a:r>
+                        <a:rPr lang="en-US" altLang="zh-CN" sz="2400" dirty="0">
+                          <a:latin typeface="Calibri" panose="020F0502020204030204" pitchFamily="34" charset="0"/>
+                          <a:cs typeface="Calibri" panose="020F0502020204030204" pitchFamily="34" charset="0"/>
+                        </a:rPr>
+                        <a:t>+</a:t>
+                      </a:r>
+                      <a:r>
+                        <a:rPr lang="en-US" altLang="zh-CN" sz="2400" dirty="0" err="1">
+                          <a:latin typeface="Calibri" panose="020F0502020204030204" pitchFamily="34" charset="0"/>
+                          <a:cs typeface="Calibri" panose="020F0502020204030204" pitchFamily="34" charset="0"/>
+                        </a:rPr>
+                        <a:t>getFontSize</a:t>
+                      </a:r>
+                      <a:r>
+                        <a:rPr lang="en-US" altLang="zh-CN" sz="2400" dirty="0">
+                          <a:latin typeface="Calibri" panose="020F0502020204030204" pitchFamily="34" charset="0"/>
+                          <a:cs typeface="Calibri" panose="020F0502020204030204" pitchFamily="34" charset="0"/>
+                        </a:rPr>
+                        <a:t>()</a:t>
+                      </a:r>
+                      <a:endParaRPr lang="zh-CN" altLang="en-US" sz="2400" dirty="0">
+                        <a:latin typeface="Calibri" panose="020F0502020204030204" pitchFamily="34" charset="0"/>
+                        <a:cs typeface="Calibri" panose="020F0502020204030204" pitchFamily="34" charset="0"/>
+                      </a:endParaRPr>
+                    </a:p>
+                  </a:txBody>
+                  <a:tcPr anchor="ctr"/>
+                </a:tc>
+                <a:extLst>
+                  <a:ext uri="{0D108BD9-81ED-4DB2-BD59-A6C34878D82A}">
+                    <a16:rowId xmlns:a16="http://schemas.microsoft.com/office/drawing/2014/main" val="2161683205"/>
+                  </a:ext>
+                </a:extLst>
+              </a:tr>
+            </a:tbl>
+          </a:graphicData>
+        </a:graphic>
+      </p:graphicFrame>
+      <p:graphicFrame>
+        <p:nvGraphicFramePr>
+          <p:cNvPr id="3" name="表格 2">
+            <a:extLst>
+              <a:ext uri="{FF2B5EF4-FFF2-40B4-BE49-F238E27FC236}">
+                <a16:creationId xmlns:a16="http://schemas.microsoft.com/office/drawing/2014/main" id="{D04339CE-FE3D-5A3F-F663-5B8AF19081A2}"/>
+              </a:ext>
+            </a:extLst>
+          </p:cNvPr>
+          <p:cNvGraphicFramePr>
+            <a:graphicFrameLocks noGrp="1"/>
+          </p:cNvGraphicFramePr>
+          <p:nvPr>
+            <p:extLst>
+              <p:ext uri="{D42A27DB-BD31-4B8C-83A1-F6EECF244321}">
+                <p14:modId xmlns:p14="http://schemas.microsoft.com/office/powerpoint/2010/main" val="2412890562"/>
+              </p:ext>
+            </p:extLst>
+          </p:nvPr>
+        </p:nvGraphicFramePr>
+        <p:xfrm>
+          <a:off x="4458419" y="377236"/>
+          <a:ext cx="3275162" cy="457252"/>
+        </p:xfrm>
+        <a:graphic>
+          <a:graphicData uri="http://schemas.openxmlformats.org/drawingml/2006/table">
+            <a:tbl>
+              <a:tblPr firstRow="1" bandRow="1">
+                <a:tableStyleId>{5C22544A-7EE6-4342-B048-85BDC9FD1C3A}</a:tableStyleId>
+              </a:tblPr>
+              <a:tblGrid>
+                <a:gridCol w="3275162">
+                  <a:extLst>
+                    <a:ext uri="{9D8B030D-6E8A-4147-A177-3AD203B41FA5}">
+                      <a16:colId xmlns:a16="http://schemas.microsoft.com/office/drawing/2014/main" val="3627222243"/>
+                    </a:ext>
+                  </a:extLst>
+                </a:gridCol>
+              </a:tblGrid>
+              <a:tr h="457252">
+                <a:tc>
+                  <a:txBody>
+                    <a:bodyPr/>
+                    <a:lstStyle/>
+                    <a:p>
+                      <a:pPr algn="ctr"/>
+                      <a:r>
+                        <a:rPr lang="en-US" altLang="zh-CN" sz="2400" b="0" dirty="0">
+                          <a:latin typeface="Calibri" panose="020F0502020204030204" pitchFamily="34" charset="0"/>
+                          <a:cs typeface="Calibri" panose="020F0502020204030204" pitchFamily="34" charset="0"/>
+                        </a:rPr>
+                        <a:t>Control</a:t>
+                      </a:r>
+                      <a:endParaRPr lang="zh-CN" altLang="en-US" sz="2400" b="0" dirty="0">
+                        <a:latin typeface="Calibri" panose="020F0502020204030204" pitchFamily="34" charset="0"/>
+                        <a:cs typeface="Calibri" panose="020F0502020204030204" pitchFamily="34" charset="0"/>
+                      </a:endParaRPr>
+                    </a:p>
+                  </a:txBody>
+                  <a:tcPr anchor="ctr"/>
+                </a:tc>
+                <a:extLst>
+                  <a:ext uri="{0D108BD9-81ED-4DB2-BD59-A6C34878D82A}">
+                    <a16:rowId xmlns:a16="http://schemas.microsoft.com/office/drawing/2014/main" val="3346152141"/>
+                  </a:ext>
+                </a:extLst>
+              </a:tr>
+            </a:tbl>
+          </a:graphicData>
+        </a:graphic>
+      </p:graphicFrame>
+      <p:sp>
+        <p:nvSpPr>
+          <p:cNvPr id="17" name="等腰三角形 16">
+            <a:extLst>
+              <a:ext uri="{FF2B5EF4-FFF2-40B4-BE49-F238E27FC236}">
+                <a16:creationId xmlns:a16="http://schemas.microsoft.com/office/drawing/2014/main" id="{110648EA-55DB-11EF-E285-89DDEBA3A821}"/>
+              </a:ext>
+            </a:extLst>
+          </p:cNvPr>
+          <p:cNvSpPr/>
+          <p:nvPr/>
+        </p:nvSpPr>
+        <p:spPr>
+          <a:xfrm>
+            <a:off x="5995357" y="826294"/>
+            <a:ext cx="201283" cy="276045"/>
+          </a:xfrm>
+          <a:prstGeom prst="triangle">
+            <a:avLst/>
+          </a:prstGeom>
+          <a:noFill/>
+          <a:ln w="19050"/>
+        </p:spPr>
+        <p:style>
+          <a:lnRef idx="2">
+            <a:schemeClr val="accent1">
+              <a:shade val="15000"/>
+            </a:schemeClr>
+          </a:lnRef>
+          <a:fillRef idx="1">
+            <a:schemeClr val="accent1"/>
+          </a:fillRef>
+          <a:effectRef idx="0">
+            <a:schemeClr val="accent1"/>
+          </a:effectRef>
+          <a:fontRef idx="minor">
+            <a:schemeClr val="lt1"/>
+          </a:fontRef>
+        </p:style>
+        <p:txBody>
+          <a:bodyPr rtlCol="0" anchor="ctr"/>
+          <a:lstStyle/>
+          <a:p>
+            <a:pPr algn="ctr"/>
+            <a:endParaRPr lang="zh-CN" altLang="en-US"/>
+          </a:p>
+        </p:txBody>
+      </p:sp>
+      <p:cxnSp>
+        <p:nvCxnSpPr>
+          <p:cNvPr id="18" name="直接连接符 17">
+            <a:extLst>
+              <a:ext uri="{FF2B5EF4-FFF2-40B4-BE49-F238E27FC236}">
+                <a16:creationId xmlns:a16="http://schemas.microsoft.com/office/drawing/2014/main" id="{D86A0F37-B171-6471-D1A5-98CEDF969A12}"/>
+              </a:ext>
+            </a:extLst>
+          </p:cNvPr>
+          <p:cNvCxnSpPr>
+            <a:cxnSpLocks/>
+            <a:stCxn id="17" idx="3"/>
+            <a:endCxn id="12" idx="0"/>
+          </p:cNvCxnSpPr>
+          <p:nvPr/>
+        </p:nvCxnSpPr>
+        <p:spPr>
+          <a:xfrm>
+            <a:off x="6095999" y="1102339"/>
+            <a:ext cx="0" cy="393170"/>
+          </a:xfrm>
+          <a:prstGeom prst="line">
+            <a:avLst/>
+          </a:prstGeom>
+          <a:ln w="19050">
+            <a:solidFill>
+              <a:schemeClr val="tx1"/>
+            </a:solidFill>
+          </a:ln>
+        </p:spPr>
+        <p:style>
+          <a:lnRef idx="1">
+            <a:schemeClr val="accent1"/>
+          </a:lnRef>
+          <a:fillRef idx="0">
+            <a:schemeClr val="accent1"/>
+          </a:fillRef>
+          <a:effectRef idx="0">
+            <a:schemeClr val="accent1"/>
+          </a:effectRef>
+          <a:fontRef idx="minor">
+            <a:schemeClr val="tx1"/>
+          </a:fontRef>
+        </p:style>
+      </p:cxnSp>
+    </p:spTree>
+    <p:extLst>
+      <p:ext uri="{BB962C8B-B14F-4D97-AF65-F5344CB8AC3E}">
+        <p14:creationId xmlns:p14="http://schemas.microsoft.com/office/powerpoint/2010/main" val="3363046861"/>
+      </p:ext>
+    </p:extLst>
+  </p:cSld>
+  <p:clrMapOvr>
+    <a:masterClrMapping/>
+  </p:clrMapOvr>
+</p:sld>
+</file>
+
+<file path=ppt/slides/slide6.xml><?xml version="1.0" encoding="utf-8"?>
+<p:sld xmlns:a="http://schemas.openxmlformats.org/drawingml/2006/main" xmlns:r="http://schemas.openxmlformats.org/officeDocument/2006/relationships" xmlns:p="http://schemas.openxmlformats.org/presentationml/2006/main">
+  <p:cSld>
+    <p:spTree>
+      <p:nvGrpSpPr>
+        <p:cNvPr id="1" name=""/>
+        <p:cNvGrpSpPr/>
+        <p:nvPr/>
+      </p:nvGrpSpPr>
+      <p:grpSpPr>
+        <a:xfrm>
+          <a:off x="0" y="0"/>
+          <a:ext cx="0" cy="0"/>
+          <a:chOff x="0" y="0"/>
+          <a:chExt cx="0" cy="0"/>
+        </a:xfrm>
+      </p:grpSpPr>
+      <p:graphicFrame>
+        <p:nvGraphicFramePr>
+          <p:cNvPr id="4" name="表格 3">
+            <a:extLst>
+              <a:ext uri="{FF2B5EF4-FFF2-40B4-BE49-F238E27FC236}">
+                <a16:creationId xmlns:a16="http://schemas.microsoft.com/office/drawing/2014/main" id="{AA053D6D-3A89-101C-263D-0DC3B0C4CAF6}"/>
+              </a:ext>
+            </a:extLst>
+          </p:cNvPr>
+          <p:cNvGraphicFramePr>
+            <a:graphicFrameLocks noGrp="1"/>
+          </p:cNvGraphicFramePr>
+          <p:nvPr>
+            <p:extLst>
+              <p:ext uri="{D42A27DB-BD31-4B8C-83A1-F6EECF244321}">
+                <p14:modId xmlns:p14="http://schemas.microsoft.com/office/powerpoint/2010/main" val="2719079016"/>
+              </p:ext>
+            </p:extLst>
+          </p:nvPr>
+        </p:nvGraphicFramePr>
+        <p:xfrm>
+          <a:off x="3521013" y="1495509"/>
+          <a:ext cx="5149969" cy="1666977"/>
+        </p:xfrm>
+        <a:graphic>
+          <a:graphicData uri="http://schemas.openxmlformats.org/drawingml/2006/table">
+            <a:tbl>
+              <a:tblPr firstRow="1" bandRow="1">
+                <a:tableStyleId>{5C22544A-7EE6-4342-B048-85BDC9FD1C3A}</a:tableStyleId>
+              </a:tblPr>
+              <a:tblGrid>
+                <a:gridCol w="5149969">
+                  <a:extLst>
+                    <a:ext uri="{9D8B030D-6E8A-4147-A177-3AD203B41FA5}">
+                      <a16:colId xmlns:a16="http://schemas.microsoft.com/office/drawing/2014/main" val="3627222243"/>
+                    </a:ext>
+                  </a:extLst>
+                </a:gridCol>
+              </a:tblGrid>
+              <a:tr h="555659">
+                <a:tc>
+                  <a:txBody>
+                    <a:bodyPr/>
+                    <a:lstStyle/>
+                    <a:p>
+                      <a:pPr algn="ctr"/>
+                      <a:r>
+                        <a:rPr lang="en-US" altLang="zh-CN" sz="2400" b="0" dirty="0" err="1">
+                          <a:latin typeface="Calibri" panose="020F0502020204030204" pitchFamily="34" charset="0"/>
+                          <a:cs typeface="Calibri" panose="020F0502020204030204" pitchFamily="34" charset="0"/>
+                        </a:rPr>
+                        <a:t>StaticLabel</a:t>
+                      </a:r>
+                      <a:endParaRPr lang="zh-CN" altLang="en-US" sz="2400" b="0" dirty="0">
+                        <a:latin typeface="Calibri" panose="020F0502020204030204" pitchFamily="34" charset="0"/>
+                        <a:cs typeface="Calibri" panose="020F0502020204030204" pitchFamily="34" charset="0"/>
+                      </a:endParaRPr>
+                    </a:p>
+                  </a:txBody>
+                  <a:tcPr anchor="ctr"/>
+                </a:tc>
+                <a:extLst>
+                  <a:ext uri="{0D108BD9-81ED-4DB2-BD59-A6C34878D82A}">
+                    <a16:rowId xmlns:a16="http://schemas.microsoft.com/office/drawing/2014/main" val="3346152141"/>
+                  </a:ext>
+                </a:extLst>
+              </a:tr>
+              <a:tr h="555659">
+                <a:tc>
+                  <a:txBody>
+                    <a:bodyPr/>
+                    <a:lstStyle/>
+                    <a:p>
+                      <a:r>
+                        <a:rPr lang="en-US" altLang="zh-CN" sz="2400" dirty="0">
+                          <a:latin typeface="Calibri" panose="020F0502020204030204" pitchFamily="34" charset="0"/>
+                          <a:cs typeface="Calibri" panose="020F0502020204030204" pitchFamily="34" charset="0"/>
+                        </a:rPr>
+                        <a:t>-content: str</a:t>
+                      </a:r>
+                      <a:endParaRPr lang="zh-CN" altLang="en-US" sz="2400" dirty="0">
+                        <a:latin typeface="Calibri" panose="020F0502020204030204" pitchFamily="34" charset="0"/>
+                        <a:cs typeface="Calibri" panose="020F0502020204030204" pitchFamily="34" charset="0"/>
+                      </a:endParaRPr>
+                    </a:p>
+                  </a:txBody>
+                  <a:tcPr anchor="ctr"/>
+                </a:tc>
+                <a:extLst>
+                  <a:ext uri="{0D108BD9-81ED-4DB2-BD59-A6C34878D82A}">
+                    <a16:rowId xmlns:a16="http://schemas.microsoft.com/office/drawing/2014/main" val="4162875606"/>
+                  </a:ext>
+                </a:extLst>
+              </a:tr>
+              <a:tr h="555659">
+                <a:tc>
+                  <a:txBody>
+                    <a:bodyPr/>
+                    <a:lstStyle/>
+                    <a:p>
+                      <a:r>
+                        <a:rPr lang="en-US" altLang="zh-CN" sz="2400" dirty="0">
+                          <a:latin typeface="Calibri" panose="020F0502020204030204" pitchFamily="34" charset="0"/>
+                          <a:cs typeface="Calibri" panose="020F0502020204030204" pitchFamily="34" charset="0"/>
+                        </a:rPr>
+                        <a:t>+</a:t>
+                      </a:r>
+                      <a:r>
+                        <a:rPr lang="en-US" altLang="zh-CN" sz="2400" dirty="0" err="1">
+                          <a:latin typeface="Calibri" panose="020F0502020204030204" pitchFamily="34" charset="0"/>
+                          <a:cs typeface="Calibri" panose="020F0502020204030204" pitchFamily="34" charset="0"/>
+                        </a:rPr>
+                        <a:t>getContent</a:t>
+                      </a:r>
+                      <a:r>
+                        <a:rPr lang="en-US" altLang="zh-CN" sz="2400" dirty="0">
+                          <a:latin typeface="Calibri" panose="020F0502020204030204" pitchFamily="34" charset="0"/>
+                          <a:cs typeface="Calibri" panose="020F0502020204030204" pitchFamily="34" charset="0"/>
+                        </a:rPr>
+                        <a:t>(): str</a:t>
+                      </a:r>
+                      <a:endParaRPr lang="zh-CN" altLang="en-US" sz="2400" dirty="0">
+                        <a:latin typeface="Calibri" panose="020F0502020204030204" pitchFamily="34" charset="0"/>
+                        <a:cs typeface="Calibri" panose="020F0502020204030204" pitchFamily="34" charset="0"/>
+                      </a:endParaRPr>
+                    </a:p>
+                  </a:txBody>
+                  <a:tcPr anchor="ctr"/>
+                </a:tc>
+                <a:extLst>
+                  <a:ext uri="{0D108BD9-81ED-4DB2-BD59-A6C34878D82A}">
+                    <a16:rowId xmlns:a16="http://schemas.microsoft.com/office/drawing/2014/main" val="2161683205"/>
+                  </a:ext>
+                </a:extLst>
+              </a:tr>
+            </a:tbl>
+          </a:graphicData>
+        </a:graphic>
+      </p:graphicFrame>
+      <p:graphicFrame>
+        <p:nvGraphicFramePr>
+          <p:cNvPr id="3" name="表格 2">
+            <a:extLst>
+              <a:ext uri="{FF2B5EF4-FFF2-40B4-BE49-F238E27FC236}">
+                <a16:creationId xmlns:a16="http://schemas.microsoft.com/office/drawing/2014/main" id="{BBDCB261-06F1-018A-C12D-702CA3CB3290}"/>
+              </a:ext>
+            </a:extLst>
+          </p:cNvPr>
+          <p:cNvGraphicFramePr>
+            <a:graphicFrameLocks noGrp="1"/>
+          </p:cNvGraphicFramePr>
+          <p:nvPr>
+            <p:extLst>
+              <p:ext uri="{D42A27DB-BD31-4B8C-83A1-F6EECF244321}">
+                <p14:modId xmlns:p14="http://schemas.microsoft.com/office/powerpoint/2010/main" val="3545098925"/>
+              </p:ext>
+            </p:extLst>
+          </p:nvPr>
+        </p:nvGraphicFramePr>
+        <p:xfrm>
+          <a:off x="4458419" y="377236"/>
+          <a:ext cx="3275162" cy="457252"/>
+        </p:xfrm>
+        <a:graphic>
+          <a:graphicData uri="http://schemas.openxmlformats.org/drawingml/2006/table">
+            <a:tbl>
+              <a:tblPr firstRow="1" bandRow="1">
+                <a:tableStyleId>{5C22544A-7EE6-4342-B048-85BDC9FD1C3A}</a:tableStyleId>
+              </a:tblPr>
+              <a:tblGrid>
+                <a:gridCol w="3275162">
+                  <a:extLst>
+                    <a:ext uri="{9D8B030D-6E8A-4147-A177-3AD203B41FA5}">
+                      <a16:colId xmlns:a16="http://schemas.microsoft.com/office/drawing/2014/main" val="3627222243"/>
+                    </a:ext>
+                  </a:extLst>
+                </a:gridCol>
+              </a:tblGrid>
+              <a:tr h="457252">
+                <a:tc>
+                  <a:txBody>
+                    <a:bodyPr/>
+                    <a:lstStyle/>
+                    <a:p>
+                      <a:pPr algn="ctr"/>
+                      <a:r>
+                        <a:rPr lang="en-US" altLang="zh-CN" sz="2400" b="0" dirty="0" err="1">
+                          <a:latin typeface="Calibri" panose="020F0502020204030204" pitchFamily="34" charset="0"/>
+                          <a:cs typeface="Calibri" panose="020F0502020204030204" pitchFamily="34" charset="0"/>
+                        </a:rPr>
+                        <a:t>UniformTextPresenter</a:t>
+                      </a:r>
+                      <a:endParaRPr lang="zh-CN" altLang="en-US" sz="2400" b="0" dirty="0">
+                        <a:latin typeface="Calibri" panose="020F0502020204030204" pitchFamily="34" charset="0"/>
+                        <a:cs typeface="Calibri" panose="020F0502020204030204" pitchFamily="34" charset="0"/>
+                      </a:endParaRPr>
+                    </a:p>
+                  </a:txBody>
+                  <a:tcPr anchor="ctr"/>
+                </a:tc>
+                <a:extLst>
+                  <a:ext uri="{0D108BD9-81ED-4DB2-BD59-A6C34878D82A}">
+                    <a16:rowId xmlns:a16="http://schemas.microsoft.com/office/drawing/2014/main" val="3346152141"/>
+                  </a:ext>
+                </a:extLst>
+              </a:tr>
+            </a:tbl>
+          </a:graphicData>
+        </a:graphic>
+      </p:graphicFrame>
+      <p:sp>
+        <p:nvSpPr>
+          <p:cNvPr id="5" name="等腰三角形 4">
+            <a:extLst>
+              <a:ext uri="{FF2B5EF4-FFF2-40B4-BE49-F238E27FC236}">
+                <a16:creationId xmlns:a16="http://schemas.microsoft.com/office/drawing/2014/main" id="{772EBE37-7B81-50BD-44D9-977A39C0ADFD}"/>
+              </a:ext>
+            </a:extLst>
+          </p:cNvPr>
+          <p:cNvSpPr/>
+          <p:nvPr/>
+        </p:nvSpPr>
+        <p:spPr>
+          <a:xfrm>
+            <a:off x="5995357" y="826294"/>
+            <a:ext cx="201283" cy="276045"/>
+          </a:xfrm>
+          <a:prstGeom prst="triangle">
+            <a:avLst/>
+          </a:prstGeom>
+          <a:noFill/>
+          <a:ln w="19050"/>
+        </p:spPr>
+        <p:style>
+          <a:lnRef idx="2">
+            <a:schemeClr val="accent1">
+              <a:shade val="15000"/>
+            </a:schemeClr>
+          </a:lnRef>
+          <a:fillRef idx="1">
+            <a:schemeClr val="accent1"/>
+          </a:fillRef>
+          <a:effectRef idx="0">
+            <a:schemeClr val="accent1"/>
+          </a:effectRef>
+          <a:fontRef idx="minor">
+            <a:schemeClr val="lt1"/>
+          </a:fontRef>
+        </p:style>
+        <p:txBody>
+          <a:bodyPr rtlCol="0" anchor="ctr"/>
+          <a:lstStyle/>
+          <a:p>
+            <a:pPr algn="ctr"/>
+            <a:endParaRPr lang="zh-CN" altLang="en-US"/>
+          </a:p>
+        </p:txBody>
+      </p:sp>
+      <p:cxnSp>
+        <p:nvCxnSpPr>
+          <p:cNvPr id="6" name="直接连接符 5">
+            <a:extLst>
+              <a:ext uri="{FF2B5EF4-FFF2-40B4-BE49-F238E27FC236}">
+                <a16:creationId xmlns:a16="http://schemas.microsoft.com/office/drawing/2014/main" id="{058C62F2-8853-40FB-BAC1-E756CEB6BEEC}"/>
+              </a:ext>
+            </a:extLst>
+          </p:cNvPr>
+          <p:cNvCxnSpPr>
+            <a:cxnSpLocks/>
+            <a:stCxn id="5" idx="3"/>
+          </p:cNvCxnSpPr>
+          <p:nvPr/>
+        </p:nvCxnSpPr>
+        <p:spPr>
+          <a:xfrm>
+            <a:off x="6095999" y="1102339"/>
+            <a:ext cx="0" cy="393170"/>
+          </a:xfrm>
+          <a:prstGeom prst="line">
+            <a:avLst/>
+          </a:prstGeom>
+          <a:ln w="19050">
+            <a:solidFill>
+              <a:schemeClr val="tx1"/>
+            </a:solidFill>
+          </a:ln>
+        </p:spPr>
+        <p:style>
+          <a:lnRef idx="1">
+            <a:schemeClr val="accent1"/>
+          </a:lnRef>
+          <a:fillRef idx="0">
+            <a:schemeClr val="accent1"/>
+          </a:fillRef>
+          <a:effectRef idx="0">
+            <a:schemeClr val="accent1"/>
+          </a:effectRef>
+          <a:fontRef idx="minor">
+            <a:schemeClr val="tx1"/>
+          </a:fontRef>
+        </p:style>
+      </p:cxnSp>
+    </p:spTree>
+    <p:extLst>
+      <p:ext uri="{BB962C8B-B14F-4D97-AF65-F5344CB8AC3E}">
+        <p14:creationId xmlns:p14="http://schemas.microsoft.com/office/powerpoint/2010/main" val="953729721"/>
+      </p:ext>
+    </p:extLst>
+  </p:cSld>
+  <p:clrMapOvr>
+    <a:masterClrMapping/>
+  </p:clrMapOvr>
+</p:sld>
+</file>
+
+<file path=ppt/slides/slide7.xml><?xml version="1.0" encoding="utf-8"?>
+<p:sld xmlns:a="http://schemas.openxmlformats.org/drawingml/2006/main" xmlns:r="http://schemas.openxmlformats.org/officeDocument/2006/relationships" xmlns:p="http://schemas.openxmlformats.org/presentationml/2006/main">
+  <p:cSld>
+    <p:spTree>
+      <p:nvGrpSpPr>
+        <p:cNvPr id="1" name=""/>
+        <p:cNvGrpSpPr/>
+        <p:nvPr/>
+      </p:nvGrpSpPr>
+      <p:grpSpPr>
+        <a:xfrm>
+          <a:off x="0" y="0"/>
+          <a:ext cx="0" cy="0"/>
+          <a:chOff x="0" y="0"/>
+          <a:chExt cx="0" cy="0"/>
+        </a:xfrm>
+      </p:grpSpPr>
+      <p:graphicFrame>
+        <p:nvGraphicFramePr>
+          <p:cNvPr id="3" name="表格 2">
+            <a:extLst>
+              <a:ext uri="{FF2B5EF4-FFF2-40B4-BE49-F238E27FC236}">
+                <a16:creationId xmlns:a16="http://schemas.microsoft.com/office/drawing/2014/main" id="{727F9D8D-2064-0A2B-8354-56FCAA45E26A}"/>
+              </a:ext>
+            </a:extLst>
+          </p:cNvPr>
+          <p:cNvGraphicFramePr>
+            <a:graphicFrameLocks noGrp="1"/>
+          </p:cNvGraphicFramePr>
+          <p:nvPr>
+            <p:extLst>
+              <p:ext uri="{D42A27DB-BD31-4B8C-83A1-F6EECF244321}">
+                <p14:modId xmlns:p14="http://schemas.microsoft.com/office/powerpoint/2010/main" val="3280866682"/>
+              </p:ext>
+            </p:extLst>
+          </p:nvPr>
+        </p:nvGraphicFramePr>
+        <p:xfrm>
+          <a:off x="9686505" y="1185321"/>
+          <a:ext cx="1845094" cy="2574358"/>
+        </p:xfrm>
+        <a:graphic>
+          <a:graphicData uri="http://schemas.openxmlformats.org/drawingml/2006/table">
+            <a:tbl>
+              <a:tblPr firstRow="1" bandRow="1">
+                <a:tableStyleId>{5C22544A-7EE6-4342-B048-85BDC9FD1C3A}</a:tableStyleId>
+              </a:tblPr>
+              <a:tblGrid>
+                <a:gridCol w="1845094">
+                  <a:extLst>
+                    <a:ext uri="{9D8B030D-6E8A-4147-A177-3AD203B41FA5}">
+                      <a16:colId xmlns:a16="http://schemas.microsoft.com/office/drawing/2014/main" val="3627222243"/>
+                    </a:ext>
+                  </a:extLst>
+                </a:gridCol>
+              </a:tblGrid>
+              <a:tr h="555659">
+                <a:tc>
+                  <a:txBody>
+                    <a:bodyPr/>
+                    <a:lstStyle/>
+                    <a:p>
+                      <a:pPr algn="ctr"/>
+                      <a:r>
+                        <a:rPr lang="en-US" altLang="zh-CN" b="0" dirty="0" err="1">
+                          <a:latin typeface="Calibri" panose="020F0502020204030204" pitchFamily="34" charset="0"/>
+                          <a:cs typeface="Calibri" panose="020F0502020204030204" pitchFamily="34" charset="0"/>
+                        </a:rPr>
+                        <a:t>DynamicLabel</a:t>
+                      </a:r>
+                      <a:endParaRPr lang="zh-CN" altLang="en-US" b="0" dirty="0">
+                        <a:latin typeface="Calibri" panose="020F0502020204030204" pitchFamily="34" charset="0"/>
+                        <a:cs typeface="Calibri" panose="020F0502020204030204" pitchFamily="34" charset="0"/>
+                      </a:endParaRPr>
+                    </a:p>
+                  </a:txBody>
+                  <a:tcPr anchor="ctr"/>
+                </a:tc>
+                <a:extLst>
+                  <a:ext uri="{0D108BD9-81ED-4DB2-BD59-A6C34878D82A}">
+                    <a16:rowId xmlns:a16="http://schemas.microsoft.com/office/drawing/2014/main" val="3346152141"/>
+                  </a:ext>
+                </a:extLst>
+              </a:tr>
+              <a:tr h="555659">
+                <a:tc>
+                  <a:txBody>
+                    <a:bodyPr/>
+                    <a:lstStyle/>
+                    <a:p>
+                      <a:endParaRPr lang="zh-CN" altLang="en-US" dirty="0">
+                        <a:latin typeface="Calibri" panose="020F0502020204030204" pitchFamily="34" charset="0"/>
+                        <a:cs typeface="Calibri" panose="020F0502020204030204" pitchFamily="34" charset="0"/>
+                      </a:endParaRPr>
+                    </a:p>
+                  </a:txBody>
+                  <a:tcPr anchor="ctr"/>
+                </a:tc>
+                <a:extLst>
+                  <a:ext uri="{0D108BD9-81ED-4DB2-BD59-A6C34878D82A}">
+                    <a16:rowId xmlns:a16="http://schemas.microsoft.com/office/drawing/2014/main" val="4162875606"/>
+                  </a:ext>
+                </a:extLst>
+              </a:tr>
+              <a:tr h="555659">
+                <a:tc>
+                  <a:txBody>
+                    <a:bodyPr/>
+                    <a:lstStyle/>
+                    <a:p>
+                      <a:r>
+                        <a:rPr lang="en-US" altLang="zh-CN" dirty="0">
+                          <a:latin typeface="Calibri" panose="020F0502020204030204" pitchFamily="34" charset="0"/>
+                          <a:cs typeface="Calibri" panose="020F0502020204030204" pitchFamily="34" charset="0"/>
+                        </a:rPr>
+                        <a:t>+</a:t>
+                      </a:r>
+                      <a:r>
+                        <a:rPr lang="en-US" altLang="zh-CN" dirty="0" err="1">
+                          <a:latin typeface="Calibri" panose="020F0502020204030204" pitchFamily="34" charset="0"/>
+                          <a:cs typeface="Calibri" panose="020F0502020204030204" pitchFamily="34" charset="0"/>
+                        </a:rPr>
+                        <a:t>setColor</a:t>
+                      </a:r>
+                      <a:r>
+                        <a:rPr lang="en-US" altLang="zh-CN" dirty="0">
+                          <a:latin typeface="Calibri" panose="020F0502020204030204" pitchFamily="34" charset="0"/>
+                          <a:cs typeface="Calibri" panose="020F0502020204030204" pitchFamily="34" charset="0"/>
+                        </a:rPr>
+                        <a:t>()</a:t>
+                      </a:r>
+                    </a:p>
+                    <a:p>
+                      <a:r>
+                        <a:rPr lang="en-US" altLang="zh-CN" dirty="0">
+                          <a:latin typeface="Calibri" panose="020F0502020204030204" pitchFamily="34" charset="0"/>
+                          <a:cs typeface="Calibri" panose="020F0502020204030204" pitchFamily="34" charset="0"/>
+                        </a:rPr>
+                        <a:t>+</a:t>
+                      </a:r>
+                      <a:r>
+                        <a:rPr lang="en-US" altLang="zh-CN" dirty="0" err="1">
+                          <a:latin typeface="Calibri" panose="020F0502020204030204" pitchFamily="34" charset="0"/>
+                          <a:cs typeface="Calibri" panose="020F0502020204030204" pitchFamily="34" charset="0"/>
+                        </a:rPr>
+                        <a:t>setContent</a:t>
+                      </a:r>
+                      <a:r>
+                        <a:rPr lang="en-US" altLang="zh-CN" dirty="0">
+                          <a:latin typeface="Calibri" panose="020F0502020204030204" pitchFamily="34" charset="0"/>
+                          <a:cs typeface="Calibri" panose="020F0502020204030204" pitchFamily="34" charset="0"/>
+                        </a:rPr>
+                        <a:t>()</a:t>
+                      </a:r>
+                    </a:p>
+                    <a:p>
+                      <a:r>
+                        <a:rPr lang="en-US" altLang="zh-CN" dirty="0">
+                          <a:latin typeface="Calibri" panose="020F0502020204030204" pitchFamily="34" charset="0"/>
+                          <a:cs typeface="Calibri" panose="020F0502020204030204" pitchFamily="34" charset="0"/>
+                        </a:rPr>
+                        <a:t>+</a:t>
+                      </a:r>
+                      <a:r>
+                        <a:rPr lang="en-US" altLang="zh-CN" dirty="0" err="1">
+                          <a:latin typeface="Calibri" panose="020F0502020204030204" pitchFamily="34" charset="0"/>
+                          <a:cs typeface="Calibri" panose="020F0502020204030204" pitchFamily="34" charset="0"/>
+                        </a:rPr>
+                        <a:t>setFont</a:t>
+                      </a:r>
+                      <a:r>
+                        <a:rPr lang="en-US" altLang="zh-CN" dirty="0">
+                          <a:latin typeface="Calibri" panose="020F0502020204030204" pitchFamily="34" charset="0"/>
+                          <a:cs typeface="Calibri" panose="020F0502020204030204" pitchFamily="34" charset="0"/>
+                        </a:rPr>
+                        <a:t>()</a:t>
+                      </a:r>
+                    </a:p>
+                    <a:p>
+                      <a:r>
+                        <a:rPr lang="en-US" altLang="zh-CN" dirty="0">
+                          <a:latin typeface="Calibri" panose="020F0502020204030204" pitchFamily="34" charset="0"/>
+                          <a:cs typeface="Calibri" panose="020F0502020204030204" pitchFamily="34" charset="0"/>
+                        </a:rPr>
+                        <a:t>+</a:t>
+                      </a:r>
+                      <a:r>
+                        <a:rPr lang="en-US" altLang="zh-CN" dirty="0" err="1">
+                          <a:latin typeface="Calibri" panose="020F0502020204030204" pitchFamily="34" charset="0"/>
+                          <a:cs typeface="Calibri" panose="020F0502020204030204" pitchFamily="34" charset="0"/>
+                        </a:rPr>
+                        <a:t>setSize</a:t>
+                      </a:r>
+                      <a:r>
+                        <a:rPr lang="en-US" altLang="zh-CN" dirty="0">
+                          <a:latin typeface="Calibri" panose="020F0502020204030204" pitchFamily="34" charset="0"/>
+                          <a:cs typeface="Calibri" panose="020F0502020204030204" pitchFamily="34" charset="0"/>
+                        </a:rPr>
+                        <a:t>()</a:t>
+                      </a:r>
+                    </a:p>
+                    <a:p>
+                      <a:r>
+                        <a:rPr lang="en-US" altLang="zh-CN" dirty="0">
+                          <a:latin typeface="Calibri" panose="020F0502020204030204" pitchFamily="34" charset="0"/>
+                          <a:cs typeface="Calibri" panose="020F0502020204030204" pitchFamily="34" charset="0"/>
+                        </a:rPr>
+                        <a:t>+</a:t>
+                      </a:r>
+                      <a:r>
+                        <a:rPr lang="en-US" altLang="zh-CN" dirty="0" err="1">
+                          <a:latin typeface="Calibri" panose="020F0502020204030204" pitchFamily="34" charset="0"/>
+                          <a:cs typeface="Calibri" panose="020F0502020204030204" pitchFamily="34" charset="0"/>
+                        </a:rPr>
+                        <a:t>getSurf</a:t>
+                      </a:r>
+                      <a:r>
+                        <a:rPr lang="en-US" altLang="zh-CN" dirty="0">
+                          <a:latin typeface="Calibri" panose="020F0502020204030204" pitchFamily="34" charset="0"/>
+                          <a:cs typeface="Calibri" panose="020F0502020204030204" pitchFamily="34" charset="0"/>
+                        </a:rPr>
+                        <a:t>()</a:t>
+                      </a:r>
+                      <a:endParaRPr lang="zh-CN" altLang="en-US" dirty="0">
+                        <a:latin typeface="Calibri" panose="020F0502020204030204" pitchFamily="34" charset="0"/>
+                        <a:cs typeface="Calibri" panose="020F0502020204030204" pitchFamily="34" charset="0"/>
+                      </a:endParaRPr>
+                    </a:p>
+                  </a:txBody>
+                  <a:tcPr anchor="ctr"/>
+                </a:tc>
+                <a:extLst>
+                  <a:ext uri="{0D108BD9-81ED-4DB2-BD59-A6C34878D82A}">
+                    <a16:rowId xmlns:a16="http://schemas.microsoft.com/office/drawing/2014/main" val="2161683205"/>
+                  </a:ext>
+                </a:extLst>
+              </a:tr>
+            </a:tbl>
+          </a:graphicData>
+        </a:graphic>
+      </p:graphicFrame>
+      <p:sp>
+        <p:nvSpPr>
+          <p:cNvPr id="5" name="等腰三角形 4">
+            <a:extLst>
+              <a:ext uri="{FF2B5EF4-FFF2-40B4-BE49-F238E27FC236}">
+                <a16:creationId xmlns:a16="http://schemas.microsoft.com/office/drawing/2014/main" id="{2506BC1B-3DE9-10B6-0344-9EB25868E75B}"/>
+              </a:ext>
+            </a:extLst>
+          </p:cNvPr>
+          <p:cNvSpPr/>
+          <p:nvPr/>
+        </p:nvSpPr>
+        <p:spPr>
+          <a:xfrm rot="16200000">
+            <a:off x="8718429" y="2334477"/>
+            <a:ext cx="201283" cy="276045"/>
+          </a:xfrm>
+          <a:prstGeom prst="triangle">
+            <a:avLst/>
+          </a:prstGeom>
+          <a:noFill/>
+          <a:ln w="19050"/>
+        </p:spPr>
+        <p:style>
+          <a:lnRef idx="2">
+            <a:schemeClr val="accent1">
+              <a:shade val="15000"/>
+            </a:schemeClr>
+          </a:lnRef>
+          <a:fillRef idx="1">
+            <a:schemeClr val="accent1"/>
+          </a:fillRef>
+          <a:effectRef idx="0">
+            <a:schemeClr val="accent1"/>
+          </a:effectRef>
+          <a:fontRef idx="minor">
+            <a:schemeClr val="lt1"/>
+          </a:fontRef>
+        </p:style>
+        <p:txBody>
+          <a:bodyPr rtlCol="0" anchor="ctr"/>
+          <a:lstStyle/>
+          <a:p>
+            <a:pPr algn="ctr"/>
+            <a:endParaRPr lang="zh-CN" altLang="en-US"/>
+          </a:p>
+        </p:txBody>
+      </p:sp>
+      <p:cxnSp>
+        <p:nvCxnSpPr>
+          <p:cNvPr id="7" name="直接连接符 6">
+            <a:extLst>
+              <a:ext uri="{FF2B5EF4-FFF2-40B4-BE49-F238E27FC236}">
+                <a16:creationId xmlns:a16="http://schemas.microsoft.com/office/drawing/2014/main" id="{F1012374-3F66-15AC-1E6F-F69B0B692C63}"/>
+              </a:ext>
+            </a:extLst>
+          </p:cNvPr>
+          <p:cNvCxnSpPr>
+            <a:cxnSpLocks/>
+            <a:stCxn id="5" idx="3"/>
+            <a:endCxn id="3" idx="1"/>
+          </p:cNvCxnSpPr>
+          <p:nvPr/>
+        </p:nvCxnSpPr>
+        <p:spPr>
+          <a:xfrm>
+            <a:off x="8957093" y="2472499"/>
+            <a:ext cx="729412" cy="1"/>
+          </a:xfrm>
+          <a:prstGeom prst="line">
+            <a:avLst/>
+          </a:prstGeom>
+          <a:ln w="19050"/>
+        </p:spPr>
+        <p:style>
+          <a:lnRef idx="1">
+            <a:schemeClr val="accent1"/>
+          </a:lnRef>
+          <a:fillRef idx="0">
+            <a:schemeClr val="accent1"/>
+          </a:fillRef>
+          <a:effectRef idx="0">
+            <a:schemeClr val="accent1"/>
+          </a:effectRef>
+          <a:fontRef idx="minor">
+            <a:schemeClr val="tx1"/>
+          </a:fontRef>
+        </p:style>
+      </p:cxnSp>
+      <p:sp>
+        <p:nvSpPr>
+          <p:cNvPr id="13" name="等腰三角形 12">
+            <a:extLst>
+              <a:ext uri="{FF2B5EF4-FFF2-40B4-BE49-F238E27FC236}">
+                <a16:creationId xmlns:a16="http://schemas.microsoft.com/office/drawing/2014/main" id="{8231F6CC-7CB2-E46F-7D2C-3FE816F1357E}"/>
+              </a:ext>
+            </a:extLst>
+          </p:cNvPr>
+          <p:cNvSpPr/>
+          <p:nvPr/>
+        </p:nvSpPr>
+        <p:spPr>
+          <a:xfrm rot="16200000">
+            <a:off x="5926346" y="2334476"/>
+            <a:ext cx="201283" cy="276045"/>
+          </a:xfrm>
+          <a:prstGeom prst="triangle">
+            <a:avLst/>
+          </a:prstGeom>
+          <a:noFill/>
+          <a:ln w="19050"/>
+        </p:spPr>
+        <p:style>
+          <a:lnRef idx="2">
+            <a:schemeClr val="accent1">
+              <a:shade val="15000"/>
+            </a:schemeClr>
+          </a:lnRef>
+          <a:fillRef idx="1">
+            <a:schemeClr val="accent1"/>
+          </a:fillRef>
+          <a:effectRef idx="0">
+            <a:schemeClr val="accent1"/>
+          </a:effectRef>
+          <a:fontRef idx="minor">
+            <a:schemeClr val="lt1"/>
+          </a:fontRef>
+        </p:style>
+        <p:txBody>
+          <a:bodyPr rtlCol="0" anchor="ctr"/>
+          <a:lstStyle/>
+          <a:p>
+            <a:pPr algn="ctr"/>
+            <a:endParaRPr lang="zh-CN" altLang="en-US"/>
+          </a:p>
+        </p:txBody>
+      </p:sp>
+      <p:cxnSp>
+        <p:nvCxnSpPr>
+          <p:cNvPr id="14" name="直接连接符 13">
+            <a:extLst>
+              <a:ext uri="{FF2B5EF4-FFF2-40B4-BE49-F238E27FC236}">
+                <a16:creationId xmlns:a16="http://schemas.microsoft.com/office/drawing/2014/main" id="{90B39B1B-04CE-BDF0-F3D0-7B21B4CCA0EC}"/>
+              </a:ext>
+            </a:extLst>
+          </p:cNvPr>
+          <p:cNvCxnSpPr>
+            <a:cxnSpLocks/>
+            <a:stCxn id="13" idx="3"/>
+          </p:cNvCxnSpPr>
+          <p:nvPr/>
+        </p:nvCxnSpPr>
+        <p:spPr>
+          <a:xfrm>
+            <a:off x="6165010" y="2472498"/>
+            <a:ext cx="810885" cy="0"/>
+          </a:xfrm>
+          <a:prstGeom prst="line">
+            <a:avLst/>
+          </a:prstGeom>
+          <a:ln w="19050"/>
+        </p:spPr>
+        <p:style>
+          <a:lnRef idx="1">
+            <a:schemeClr val="accent1"/>
+          </a:lnRef>
+          <a:fillRef idx="0">
+            <a:schemeClr val="accent1"/>
+          </a:fillRef>
+          <a:effectRef idx="0">
+            <a:schemeClr val="accent1"/>
+          </a:effectRef>
+          <a:fontRef idx="minor">
+            <a:schemeClr val="tx1"/>
+          </a:fontRef>
+        </p:style>
+      </p:cxnSp>
+    </p:spTree>
+    <p:extLst>
+      <p:ext uri="{BB962C8B-B14F-4D97-AF65-F5344CB8AC3E}">
+        <p14:creationId xmlns:p14="http://schemas.microsoft.com/office/powerpoint/2010/main" val="498861131"/>
+      </p:ext>
+    </p:extLst>
+  </p:cSld>
+  <p:clrMapOvr>
+    <a:masterClrMapping/>
+  </p:clrMapOvr>
+</p:sld>
+</file>
+
+<file path=ppt/slides/slide8.xml><?xml version="1.0" encoding="utf-8"?>
+<p:sld xmlns:a="http://schemas.openxmlformats.org/drawingml/2006/main" xmlns:r="http://schemas.openxmlformats.org/officeDocument/2006/relationships" xmlns:p="http://schemas.openxmlformats.org/presentationml/2006/main">
+  <p:cSld>
+    <p:spTree>
+      <p:nvGrpSpPr>
+        <p:cNvPr id="1" name=""/>
+        <p:cNvGrpSpPr/>
+        <p:nvPr/>
+      </p:nvGrpSpPr>
+      <p:grpSpPr>
+        <a:xfrm>
+          <a:off x="0" y="0"/>
+          <a:ext cx="0" cy="0"/>
+          <a:chOff x="0" y="0"/>
+          <a:chExt cx="0" cy="0"/>
+        </a:xfrm>
+      </p:grpSpPr>
+      <p:sp>
+        <p:nvSpPr>
+          <p:cNvPr id="2" name="标题 1">
+            <a:extLst>
+              <a:ext uri="{FF2B5EF4-FFF2-40B4-BE49-F238E27FC236}">
+                <a16:creationId xmlns:a16="http://schemas.microsoft.com/office/drawing/2014/main" id="{B3B47EE4-8866-E453-E1F8-0F33CDF338DF}"/>
               </a:ext>
             </a:extLst>
           </p:cNvPr>
@@ -6195,9 +7220,10 @@
             <a:r>
               <a:rPr lang="en-US" altLang="zh-CN" dirty="0">
                 <a:latin typeface="Calibri" panose="020F0502020204030204" pitchFamily="34" charset="0"/>
+                <a:ea typeface="Calibri" panose="020F0502020204030204" pitchFamily="34" charset="0"/>
                 <a:cs typeface="Calibri" panose="020F0502020204030204" pitchFamily="34" charset="0"/>
               </a:rPr>
-              <a:t>Page Transition Graph</a:t>
+              <a:t>v0.2</a:t>
             </a:r>
             <a:endParaRPr lang="zh-CN" altLang="en-US" dirty="0">
               <a:latin typeface="Calibri" panose="020F0502020204030204" pitchFamily="34" charset="0"/>
@@ -6208,6 +7234,97 @@
       </p:sp>
       <p:sp>
         <p:nvSpPr>
+          <p:cNvPr id="3" name="文本占位符 2">
+            <a:extLst>
+              <a:ext uri="{FF2B5EF4-FFF2-40B4-BE49-F238E27FC236}">
+                <a16:creationId xmlns:a16="http://schemas.microsoft.com/office/drawing/2014/main" id="{EEB7FFFE-FE9E-1B4A-C4F0-6015D675E0E6}"/>
+              </a:ext>
+            </a:extLst>
+          </p:cNvPr>
+          <p:cNvSpPr>
+            <a:spLocks noGrp="1"/>
+          </p:cNvSpPr>
+          <p:nvPr>
+            <p:ph type="body" idx="1"/>
+          </p:nvPr>
+        </p:nvSpPr>
+        <p:spPr/>
+        <p:txBody>
+          <a:bodyPr/>
+          <a:lstStyle/>
+          <a:p>
+            <a:endParaRPr lang="zh-CN" altLang="en-US"/>
+          </a:p>
+        </p:txBody>
+      </p:sp>
+    </p:spTree>
+    <p:extLst>
+      <p:ext uri="{BB962C8B-B14F-4D97-AF65-F5344CB8AC3E}">
+        <p14:creationId xmlns:p14="http://schemas.microsoft.com/office/powerpoint/2010/main" val="2708238068"/>
+      </p:ext>
+    </p:extLst>
+  </p:cSld>
+  <p:clrMapOvr>
+    <a:masterClrMapping/>
+  </p:clrMapOvr>
+</p:sld>
+</file>
+
+<file path=ppt/slides/slide9.xml><?xml version="1.0" encoding="utf-8"?>
+<p:sld xmlns:a="http://schemas.openxmlformats.org/drawingml/2006/main" xmlns:r="http://schemas.openxmlformats.org/officeDocument/2006/relationships" xmlns:p="http://schemas.openxmlformats.org/presentationml/2006/main">
+  <p:cSld>
+    <p:spTree>
+      <p:nvGrpSpPr>
+        <p:cNvPr id="1" name=""/>
+        <p:cNvGrpSpPr/>
+        <p:nvPr/>
+      </p:nvGrpSpPr>
+      <p:grpSpPr>
+        <a:xfrm>
+          <a:off x="0" y="0"/>
+          <a:ext cx="0" cy="0"/>
+          <a:chOff x="0" y="0"/>
+          <a:chExt cx="0" cy="0"/>
+        </a:xfrm>
+      </p:grpSpPr>
+      <p:sp>
+        <p:nvSpPr>
+          <p:cNvPr id="2" name="Title 1">
+            <a:extLst>
+              <a:ext uri="{FF2B5EF4-FFF2-40B4-BE49-F238E27FC236}">
+                <a16:creationId xmlns:a16="http://schemas.microsoft.com/office/drawing/2014/main" id="{67D4F5DE-B023-43CC-8D55-FA36D8041F62}"/>
+              </a:ext>
+            </a:extLst>
+          </p:cNvPr>
+          <p:cNvSpPr>
+            <a:spLocks noGrp="1"/>
+          </p:cNvSpPr>
+          <p:nvPr>
+            <p:ph type="title"/>
+          </p:nvPr>
+        </p:nvSpPr>
+        <p:spPr/>
+        <p:txBody>
+          <a:bodyPr/>
+          <a:lstStyle/>
+          <a:p>
+            <a:r>
+              <a:rPr lang="en-US" altLang="zh-CN" dirty="0">
+                <a:latin typeface="Calibri" panose="020F0502020204030204" pitchFamily="34" charset="0"/>
+                <a:ea typeface="Calibri" panose="020F0502020204030204" pitchFamily="34" charset="0"/>
+                <a:cs typeface="Calibri" panose="020F0502020204030204" pitchFamily="34" charset="0"/>
+              </a:rPr>
+              <a:t>Framework Hierarchy</a:t>
+            </a:r>
+            <a:endParaRPr lang="zh-CN" altLang="en-US" dirty="0">
+              <a:latin typeface="Calibri" panose="020F0502020204030204" pitchFamily="34" charset="0"/>
+              <a:cs typeface="Calibri" panose="020F0502020204030204" pitchFamily="34" charset="0"/>
+            </a:endParaRPr>
+          </a:p>
+        </p:txBody>
+      </p:sp>
+      <p:sp>
+        <p:nvSpPr>
           <p:cNvPr id="3" name="Rectangle 2">
             <a:extLst>
               <a:ext uri="{FF2B5EF4-FFF2-40B4-BE49-F238E27FC236}">
@@ -6220,7 +7337,7 @@
         </p:nvSpPr>
         <p:spPr>
           <a:xfrm>
-            <a:off x="5338354" y="2991394"/>
+            <a:off x="5338354" y="1925820"/>
             <a:ext cx="1515292" cy="875212"/>
           </a:xfrm>
           <a:prstGeom prst="rect">
@@ -6265,7 +7382,7 @@
                 <a:ea typeface="Calibri" panose="020F0502020204030204" pitchFamily="34" charset="0"/>
                 <a:cs typeface="Calibri" panose="020F0502020204030204" pitchFamily="34" charset="0"/>
               </a:rPr>
-              <a:t>Home</a:t>
+              <a:t>framework</a:t>
             </a:r>
             <a:endParaRPr lang="zh-CN" altLang="en-US" dirty="0">
               <a:solidFill>
@@ -6279,10 +7396,10 @@
       </p:sp>
       <p:sp>
         <p:nvSpPr>
-          <p:cNvPr id="12" name="Rectangle 11">
-            <a:extLst>
-              <a:ext uri="{FF2B5EF4-FFF2-40B4-BE49-F238E27FC236}">
-                <a16:creationId xmlns:a16="http://schemas.microsoft.com/office/drawing/2014/main" id="{61A57D01-983D-4E2D-873A-81F4DD31ED9F}"/>
+          <p:cNvPr id="4" name="Rectangle 3">
+            <a:extLst>
+              <a:ext uri="{FF2B5EF4-FFF2-40B4-BE49-F238E27FC236}">
+                <a16:creationId xmlns:a16="http://schemas.microsoft.com/office/drawing/2014/main" id="{ACA071A7-E4B1-4E0A-A4EC-91DDB0C8EC6D}"/>
               </a:ext>
             </a:extLst>
           </p:cNvPr>
@@ -6291,7 +7408,7 @@
         </p:nvSpPr>
         <p:spPr>
           <a:xfrm>
-            <a:off x="3061063" y="2991394"/>
+            <a:off x="5338354" y="3332255"/>
             <a:ext cx="1515292" cy="875212"/>
           </a:xfrm>
           <a:prstGeom prst="rect">
@@ -6336,7 +7453,7 @@
                 <a:ea typeface="Calibri" panose="020F0502020204030204" pitchFamily="34" charset="0"/>
                 <a:cs typeface="Calibri" panose="020F0502020204030204" pitchFamily="34" charset="0"/>
               </a:rPr>
-              <a:t>Logo</a:t>
+              <a:t>core</a:t>
             </a:r>
             <a:endParaRPr lang="zh-CN" altLang="en-US" dirty="0">
               <a:solidFill>
@@ -6350,33 +7467,32 @@
       </p:sp>
       <p:cxnSp>
         <p:nvCxnSpPr>
-          <p:cNvPr id="7" name="Straight Arrow Connector 6">
-            <a:extLst>
-              <a:ext uri="{FF2B5EF4-FFF2-40B4-BE49-F238E27FC236}">
-                <a16:creationId xmlns:a16="http://schemas.microsoft.com/office/drawing/2014/main" id="{308FBC7B-D7D6-46D7-933E-D4A9A4BE2792}"/>
+          <p:cNvPr id="6" name="Straight Connector 5">
+            <a:extLst>
+              <a:ext uri="{FF2B5EF4-FFF2-40B4-BE49-F238E27FC236}">
+                <a16:creationId xmlns:a16="http://schemas.microsoft.com/office/drawing/2014/main" id="{110BEC86-78BD-4F87-8BBC-31D8186BE8FC}"/>
               </a:ext>
             </a:extLst>
           </p:cNvPr>
           <p:cNvCxnSpPr>
             <a:cxnSpLocks/>
-            <a:stCxn id="12" idx="3"/>
-            <a:endCxn id="3" idx="1"/>
+            <a:stCxn id="3" idx="2"/>
+            <a:endCxn id="4" idx="0"/>
           </p:cNvCxnSpPr>
           <p:nvPr/>
         </p:nvCxnSpPr>
         <p:spPr>
           <a:xfrm>
-            <a:off x="4576355" y="3429000"/>
-            <a:ext cx="761999" cy="0"/>
+            <a:off x="6096000" y="2801032"/>
+            <a:ext cx="0" cy="531223"/>
           </a:xfrm>
-          <a:prstGeom prst="straightConnector1">
+          <a:prstGeom prst="line">
             <a:avLst/>
           </a:prstGeom>
           <a:ln w="19050">
             <a:solidFill>
               <a:schemeClr val="tx1"/>
             </a:solidFill>
-            <a:tailEnd type="triangle"/>
           </a:ln>
         </p:spPr>
         <p:style>
@@ -6394,12 +7510,56 @@
           </a:fontRef>
         </p:style>
       </p:cxnSp>
-      <p:sp>
-        <p:nvSpPr>
-          <p:cNvPr id="4" name="Rectangle 2">
-            <a:extLst>
-              <a:ext uri="{FF2B5EF4-FFF2-40B4-BE49-F238E27FC236}">
-                <a16:creationId xmlns:a16="http://schemas.microsoft.com/office/drawing/2014/main" id="{A83AF400-34DD-8536-FF97-C22D80A05AA1}"/>
+      <p:cxnSp>
+        <p:nvCxnSpPr>
+          <p:cNvPr id="9" name="Straight Connector 8">
+            <a:extLst>
+              <a:ext uri="{FF2B5EF4-FFF2-40B4-BE49-F238E27FC236}">
+                <a16:creationId xmlns:a16="http://schemas.microsoft.com/office/drawing/2014/main" id="{FF124819-C4E3-43F7-9C85-43D2D793E094}"/>
+              </a:ext>
+            </a:extLst>
+          </p:cNvPr>
+          <p:cNvCxnSpPr>
+            <a:cxnSpLocks/>
+            <a:stCxn id="4" idx="2"/>
+          </p:cNvCxnSpPr>
+          <p:nvPr/>
+        </p:nvCxnSpPr>
+        <p:spPr>
+          <a:xfrm>
+            <a:off x="6096000" y="4207467"/>
+            <a:ext cx="0" cy="531223"/>
+          </a:xfrm>
+          <a:prstGeom prst="line">
+            <a:avLst/>
+          </a:prstGeom>
+          <a:ln w="19050">
+            <a:solidFill>
+              <a:schemeClr val="tx1"/>
+            </a:solidFill>
+          </a:ln>
+        </p:spPr>
+        <p:style>
+          <a:lnRef idx="1">
+            <a:schemeClr val="accent1"/>
+          </a:lnRef>
+          <a:fillRef idx="0">
+            <a:schemeClr val="accent1"/>
+          </a:fillRef>
+          <a:effectRef idx="0">
+            <a:schemeClr val="accent1"/>
+          </a:effectRef>
+          <a:fontRef idx="minor">
+            <a:schemeClr val="tx1"/>
+          </a:fontRef>
+        </p:style>
+      </p:cxnSp>
+      <p:sp>
+        <p:nvSpPr>
+          <p:cNvPr id="15" name="Rectangle 14">
+            <a:extLst>
+              <a:ext uri="{FF2B5EF4-FFF2-40B4-BE49-F238E27FC236}">
+                <a16:creationId xmlns:a16="http://schemas.microsoft.com/office/drawing/2014/main" id="{04A1ED32-C309-437D-8539-A5860A479421}"/>
               </a:ext>
             </a:extLst>
           </p:cNvPr>
@@ -6408,7 +7568,7 @@
         </p:nvSpPr>
         <p:spPr>
           <a:xfrm>
-            <a:off x="5338354" y="4460760"/>
+            <a:off x="8010797" y="3332255"/>
             <a:ext cx="1515292" cy="875212"/>
           </a:xfrm>
           <a:prstGeom prst="rect">
@@ -6445,6 +7605,166 @@
           <a:p>
             <a:pPr algn="ctr"/>
             <a:r>
+              <a:rPr lang="en-US" altLang="zh-CN" dirty="0" err="1">
+                <a:solidFill>
+                  <a:schemeClr val="tx1"/>
+                </a:solidFill>
+                <a:latin typeface="Calibri" panose="020F0502020204030204" pitchFamily="34" charset="0"/>
+                <a:ea typeface="Calibri" panose="020F0502020204030204" pitchFamily="34" charset="0"/>
+                <a:cs typeface="Calibri" panose="020F0502020204030204" pitchFamily="34" charset="0"/>
+              </a:rPr>
+              <a:t>ui</a:t>
+            </a:r>
+            <a:endParaRPr lang="zh-CN" altLang="en-US" dirty="0">
+              <a:solidFill>
+                <a:schemeClr val="tx1"/>
+              </a:solidFill>
+              <a:latin typeface="Calibri" panose="020F0502020204030204" pitchFamily="34" charset="0"/>
+              <a:cs typeface="Calibri" panose="020F0502020204030204" pitchFamily="34" charset="0"/>
+            </a:endParaRPr>
+          </a:p>
+        </p:txBody>
+      </p:sp>
+      <p:cxnSp>
+        <p:nvCxnSpPr>
+          <p:cNvPr id="16" name="Straight Connector 15">
+            <a:extLst>
+              <a:ext uri="{FF2B5EF4-FFF2-40B4-BE49-F238E27FC236}">
+                <a16:creationId xmlns:a16="http://schemas.microsoft.com/office/drawing/2014/main" id="{8BFEB999-9247-4429-9C62-9F2EBBC202A8}"/>
+              </a:ext>
+            </a:extLst>
+          </p:cNvPr>
+          <p:cNvCxnSpPr>
+            <a:cxnSpLocks/>
+            <a:stCxn id="3" idx="2"/>
+            <a:endCxn id="15" idx="0"/>
+          </p:cNvCxnSpPr>
+          <p:nvPr/>
+        </p:nvCxnSpPr>
+        <p:spPr>
+          <a:xfrm>
+            <a:off x="6096000" y="2801032"/>
+            <a:ext cx="2672443" cy="531223"/>
+          </a:xfrm>
+          <a:prstGeom prst="line">
+            <a:avLst/>
+          </a:prstGeom>
+          <a:ln w="19050">
+            <a:solidFill>
+              <a:schemeClr val="tx1"/>
+            </a:solidFill>
+          </a:ln>
+        </p:spPr>
+        <p:style>
+          <a:lnRef idx="1">
+            <a:schemeClr val="accent1"/>
+          </a:lnRef>
+          <a:fillRef idx="0">
+            <a:schemeClr val="accent1"/>
+          </a:fillRef>
+          <a:effectRef idx="0">
+            <a:schemeClr val="accent1"/>
+          </a:effectRef>
+          <a:fontRef idx="minor">
+            <a:schemeClr val="tx1"/>
+          </a:fontRef>
+        </p:style>
+      </p:cxnSp>
+      <p:cxnSp>
+        <p:nvCxnSpPr>
+          <p:cNvPr id="21" name="Straight Connector 20">
+            <a:extLst>
+              <a:ext uri="{FF2B5EF4-FFF2-40B4-BE49-F238E27FC236}">
+                <a16:creationId xmlns:a16="http://schemas.microsoft.com/office/drawing/2014/main" id="{0F2975D6-EC72-4196-92B9-921C1EA85A27}"/>
+              </a:ext>
+            </a:extLst>
+          </p:cNvPr>
+          <p:cNvCxnSpPr>
+            <a:cxnSpLocks/>
+            <a:stCxn id="15" idx="2"/>
+          </p:cNvCxnSpPr>
+          <p:nvPr/>
+        </p:nvCxnSpPr>
+        <p:spPr>
+          <a:xfrm>
+            <a:off x="8768443" y="4207467"/>
+            <a:ext cx="0" cy="531223"/>
+          </a:xfrm>
+          <a:prstGeom prst="line">
+            <a:avLst/>
+          </a:prstGeom>
+          <a:ln w="19050">
+            <a:solidFill>
+              <a:schemeClr val="tx1"/>
+            </a:solidFill>
+          </a:ln>
+        </p:spPr>
+        <p:style>
+          <a:lnRef idx="1">
+            <a:schemeClr val="accent1"/>
+          </a:lnRef>
+          <a:fillRef idx="0">
+            <a:schemeClr val="accent1"/>
+          </a:fillRef>
+          <a:effectRef idx="0">
+            <a:schemeClr val="accent1"/>
+          </a:effectRef>
+          <a:fontRef idx="minor">
+            <a:schemeClr val="tx1"/>
+          </a:fontRef>
+        </p:style>
+      </p:cxnSp>
+      <p:sp>
+        <p:nvSpPr>
+          <p:cNvPr id="24" name="Rectangle 23">
+            <a:extLst>
+              <a:ext uri="{FF2B5EF4-FFF2-40B4-BE49-F238E27FC236}">
+                <a16:creationId xmlns:a16="http://schemas.microsoft.com/office/drawing/2014/main" id="{FFD18CFD-2080-45CA-8770-82FC3D98048E}"/>
+              </a:ext>
+            </a:extLst>
+          </p:cNvPr>
+          <p:cNvSpPr/>
+          <p:nvPr/>
+        </p:nvSpPr>
+        <p:spPr>
+          <a:xfrm>
+            <a:off x="1508760" y="3332255"/>
+            <a:ext cx="1515292" cy="875212"/>
+          </a:xfrm>
+          <a:prstGeom prst="rect">
+            <a:avLst/>
+          </a:prstGeom>
+          <a:solidFill>
+            <a:schemeClr val="bg1"/>
+          </a:solidFill>
+          <a:ln>
+            <a:solidFill>
+              <a:schemeClr val="tx1"/>
+            </a:solidFill>
+          </a:ln>
+        </p:spPr>
+        <p:style>
+          <a:lnRef idx="2">
+            <a:schemeClr val="accent1">
+              <a:shade val="50000"/>
+            </a:schemeClr>
+          </a:lnRef>
+          <a:fillRef idx="1">
+            <a:schemeClr val="accent1"/>
+          </a:fillRef>
+          <a:effectRef idx="0">
+            <a:schemeClr val="accent1"/>
+          </a:effectRef>
+          <a:fontRef idx="minor">
+            <a:schemeClr val="lt1"/>
+          </a:fontRef>
+        </p:style>
+        <p:txBody>
+          <a:bodyPr rtlCol="0" anchor="ctr"/>
+          <a:lstStyle/>
+          <a:p>
+            <a:pPr algn="ctr"/>
+            <a:r>
               <a:rPr lang="en-US" altLang="zh-CN" dirty="0">
                 <a:solidFill>
                   <a:schemeClr val="tx1"/>
@@ -6453,7 +7773,7 @@
                 <a:ea typeface="Calibri" panose="020F0502020204030204" pitchFamily="34" charset="0"/>
                 <a:cs typeface="Calibri" panose="020F0502020204030204" pitchFamily="34" charset="0"/>
               </a:rPr>
-              <a:t>Settings</a:t>
+              <a:t>io</a:t>
             </a:r>
             <a:endParaRPr lang="zh-CN" altLang="en-US" dirty="0">
               <a:solidFill>
@@ -6467,34 +7787,526 @@
       </p:sp>
       <p:cxnSp>
         <p:nvCxnSpPr>
-          <p:cNvPr id="9" name="直接箭头连接符 8">
-            <a:extLst>
-              <a:ext uri="{FF2B5EF4-FFF2-40B4-BE49-F238E27FC236}">
-                <a16:creationId xmlns:a16="http://schemas.microsoft.com/office/drawing/2014/main" id="{4F19D582-A4DF-2456-F865-7A3926C0A0CA}"/>
+          <p:cNvPr id="25" name="Straight Connector 24">
+            <a:extLst>
+              <a:ext uri="{FF2B5EF4-FFF2-40B4-BE49-F238E27FC236}">
+                <a16:creationId xmlns:a16="http://schemas.microsoft.com/office/drawing/2014/main" id="{3117F091-7C28-4D98-BD71-9675B71E7DC7}"/>
               </a:ext>
             </a:extLst>
           </p:cNvPr>
           <p:cNvCxnSpPr>
             <a:cxnSpLocks/>
             <a:stCxn id="3" idx="2"/>
-            <a:endCxn id="4" idx="0"/>
+            <a:endCxn id="24" idx="0"/>
           </p:cNvCxnSpPr>
           <p:nvPr/>
         </p:nvCxnSpPr>
         <p:spPr>
-          <a:xfrm>
-            <a:off x="6096000" y="3866606"/>
-            <a:ext cx="0" cy="594154"/>
+          <a:xfrm flipH="1">
+            <a:off x="2266406" y="2801032"/>
+            <a:ext cx="3829594" cy="531223"/>
           </a:xfrm>
-          <a:prstGeom prst="straightConnector1">
+          <a:prstGeom prst="line">
             <a:avLst/>
           </a:prstGeom>
           <a:ln w="19050">
             <a:solidFill>
               <a:schemeClr val="tx1"/>
             </a:solidFill>
-            <a:headEnd type="triangle"/>
-            <a:tailEnd type="triangle"/>
+          </a:ln>
+        </p:spPr>
+        <p:style>
+          <a:lnRef idx="1">
+            <a:schemeClr val="accent1"/>
+          </a:lnRef>
+          <a:fillRef idx="0">
+            <a:schemeClr val="accent1"/>
+          </a:fillRef>
+          <a:effectRef idx="0">
+            <a:schemeClr val="accent1"/>
+          </a:effectRef>
+          <a:fontRef idx="minor">
+            <a:schemeClr val="tx1"/>
+          </a:fontRef>
+        </p:style>
+      </p:cxnSp>
+      <p:sp>
+        <p:nvSpPr>
+          <p:cNvPr id="28" name="Rectangle 27">
+            <a:extLst>
+              <a:ext uri="{FF2B5EF4-FFF2-40B4-BE49-F238E27FC236}">
+                <a16:creationId xmlns:a16="http://schemas.microsoft.com/office/drawing/2014/main" id="{BF9AB304-FC39-480B-9203-D2390E079683}"/>
+              </a:ext>
+            </a:extLst>
+          </p:cNvPr>
+          <p:cNvSpPr/>
+          <p:nvPr/>
+        </p:nvSpPr>
+        <p:spPr>
+          <a:xfrm>
+            <a:off x="1109255" y="4738689"/>
+            <a:ext cx="2314302" cy="1577202"/>
+          </a:xfrm>
+          <a:prstGeom prst="rect">
+            <a:avLst/>
+          </a:prstGeom>
+          <a:solidFill>
+            <a:schemeClr val="bg1"/>
+          </a:solidFill>
+          <a:ln>
+            <a:solidFill>
+              <a:schemeClr val="tx1"/>
+            </a:solidFill>
+          </a:ln>
+        </p:spPr>
+        <p:style>
+          <a:lnRef idx="2">
+            <a:schemeClr val="accent1">
+              <a:shade val="50000"/>
+            </a:schemeClr>
+          </a:lnRef>
+          <a:fillRef idx="1">
+            <a:schemeClr val="accent1"/>
+          </a:fillRef>
+          <a:effectRef idx="0">
+            <a:schemeClr val="accent1"/>
+          </a:effectRef>
+          <a:fontRef idx="minor">
+            <a:schemeClr val="lt1"/>
+          </a:fontRef>
+        </p:style>
+        <p:txBody>
+          <a:bodyPr rtlCol="0" anchor="ctr"/>
+          <a:lstStyle/>
+          <a:p>
+            <a:r>
+              <a:rPr lang="en-US" altLang="zh-CN" dirty="0" err="1">
+                <a:solidFill>
+                  <a:schemeClr val="tx1"/>
+                </a:solidFill>
+                <a:latin typeface="Calibri" panose="020F0502020204030204" pitchFamily="34" charset="0"/>
+                <a:ea typeface="Calibri" panose="020F0502020204030204" pitchFamily="34" charset="0"/>
+                <a:cs typeface="Calibri" panose="020F0502020204030204" pitchFamily="34" charset="0"/>
+              </a:rPr>
+              <a:t>AudioStream</a:t>
+            </a:r>
+            <a:r>
+              <a:rPr lang="en-US" altLang="zh-CN" dirty="0">
+                <a:solidFill>
+                  <a:schemeClr val="tx1"/>
+                </a:solidFill>
+                <a:latin typeface="Calibri" panose="020F0502020204030204" pitchFamily="34" charset="0"/>
+                <a:ea typeface="Calibri" panose="020F0502020204030204" pitchFamily="34" charset="0"/>
+                <a:cs typeface="Calibri" panose="020F0502020204030204" pitchFamily="34" charset="0"/>
+              </a:rPr>
+              <a:t>;</a:t>
+            </a:r>
+          </a:p>
+          <a:p>
+            <a:r>
+              <a:rPr lang="en-US" altLang="zh-CN" dirty="0" err="1">
+                <a:solidFill>
+                  <a:schemeClr val="tx1"/>
+                </a:solidFill>
+                <a:latin typeface="Calibri" panose="020F0502020204030204" pitchFamily="34" charset="0"/>
+                <a:ea typeface="Calibri" panose="020F0502020204030204" pitchFamily="34" charset="0"/>
+                <a:cs typeface="Calibri" panose="020F0502020204030204" pitchFamily="34" charset="0"/>
+              </a:rPr>
+              <a:t>FontStream</a:t>
+            </a:r>
+            <a:r>
+              <a:rPr lang="en-US" altLang="zh-CN" dirty="0">
+                <a:solidFill>
+                  <a:schemeClr val="tx1"/>
+                </a:solidFill>
+                <a:latin typeface="Calibri" panose="020F0502020204030204" pitchFamily="34" charset="0"/>
+                <a:ea typeface="Calibri" panose="020F0502020204030204" pitchFamily="34" charset="0"/>
+                <a:cs typeface="Calibri" panose="020F0502020204030204" pitchFamily="34" charset="0"/>
+              </a:rPr>
+              <a:t>;</a:t>
+            </a:r>
+          </a:p>
+          <a:p>
+            <a:r>
+              <a:rPr lang="en-US" altLang="zh-CN" dirty="0">
+                <a:solidFill>
+                  <a:schemeClr val="tx1"/>
+                </a:solidFill>
+                <a:latin typeface="Calibri" panose="020F0502020204030204" pitchFamily="34" charset="0"/>
+                <a:ea typeface="Calibri" panose="020F0502020204030204" pitchFamily="34" charset="0"/>
+                <a:cs typeface="Calibri" panose="020F0502020204030204" pitchFamily="34" charset="0"/>
+              </a:rPr>
+              <a:t>…</a:t>
+            </a:r>
+          </a:p>
+        </p:txBody>
+      </p:sp>
+      <p:cxnSp>
+        <p:nvCxnSpPr>
+          <p:cNvPr id="29" name="Straight Connector 28">
+            <a:extLst>
+              <a:ext uri="{FF2B5EF4-FFF2-40B4-BE49-F238E27FC236}">
+                <a16:creationId xmlns:a16="http://schemas.microsoft.com/office/drawing/2014/main" id="{FA2F0D61-E66A-49FE-8F62-9A4FC10AC6A9}"/>
+              </a:ext>
+            </a:extLst>
+          </p:cNvPr>
+          <p:cNvCxnSpPr>
+            <a:cxnSpLocks/>
+            <a:stCxn id="24" idx="2"/>
+            <a:endCxn id="28" idx="0"/>
+          </p:cNvCxnSpPr>
+          <p:nvPr/>
+        </p:nvCxnSpPr>
+        <p:spPr>
+          <a:xfrm>
+            <a:off x="2266406" y="4207467"/>
+            <a:ext cx="0" cy="531222"/>
+          </a:xfrm>
+          <a:prstGeom prst="line">
+            <a:avLst/>
+          </a:prstGeom>
+          <a:ln w="19050">
+            <a:solidFill>
+              <a:schemeClr val="tx1"/>
+            </a:solidFill>
+          </a:ln>
+        </p:spPr>
+        <p:style>
+          <a:lnRef idx="1">
+            <a:schemeClr val="accent1"/>
+          </a:lnRef>
+          <a:fillRef idx="0">
+            <a:schemeClr val="accent1"/>
+          </a:fillRef>
+          <a:effectRef idx="0">
+            <a:schemeClr val="accent1"/>
+          </a:effectRef>
+          <a:fontRef idx="minor">
+            <a:schemeClr val="tx1"/>
+          </a:fontRef>
+        </p:style>
+      </p:cxnSp>
+      <p:sp>
+        <p:nvSpPr>
+          <p:cNvPr id="38" name="Rectangle 37">
+            <a:extLst>
+              <a:ext uri="{FF2B5EF4-FFF2-40B4-BE49-F238E27FC236}">
+                <a16:creationId xmlns:a16="http://schemas.microsoft.com/office/drawing/2014/main" id="{86440843-9319-42C5-ADB9-33993A70C453}"/>
+              </a:ext>
+            </a:extLst>
+          </p:cNvPr>
+          <p:cNvSpPr/>
+          <p:nvPr/>
+        </p:nvSpPr>
+        <p:spPr>
+          <a:xfrm>
+            <a:off x="7611292" y="4738689"/>
+            <a:ext cx="2314302" cy="1577202"/>
+          </a:xfrm>
+          <a:prstGeom prst="rect">
+            <a:avLst/>
+          </a:prstGeom>
+          <a:solidFill>
+            <a:schemeClr val="bg1"/>
+          </a:solidFill>
+          <a:ln>
+            <a:solidFill>
+              <a:schemeClr val="tx1"/>
+            </a:solidFill>
+          </a:ln>
+        </p:spPr>
+        <p:style>
+          <a:lnRef idx="2">
+            <a:schemeClr val="accent1">
+              <a:shade val="50000"/>
+            </a:schemeClr>
+          </a:lnRef>
+          <a:fillRef idx="1">
+            <a:schemeClr val="accent1"/>
+          </a:fillRef>
+          <a:effectRef idx="0">
+            <a:schemeClr val="accent1"/>
+          </a:effectRef>
+          <a:fontRef idx="minor">
+            <a:schemeClr val="lt1"/>
+          </a:fontRef>
+        </p:style>
+        <p:txBody>
+          <a:bodyPr rtlCol="0" anchor="ctr"/>
+          <a:lstStyle/>
+          <a:p>
+            <a:r>
+              <a:rPr lang="en-US" altLang="zh-CN" dirty="0" err="1">
+                <a:solidFill>
+                  <a:schemeClr val="tx1"/>
+                </a:solidFill>
+                <a:latin typeface="Calibri" panose="020F0502020204030204" pitchFamily="34" charset="0"/>
+                <a:ea typeface="Calibri" panose="020F0502020204030204" pitchFamily="34" charset="0"/>
+                <a:cs typeface="Calibri" panose="020F0502020204030204" pitchFamily="34" charset="0"/>
+              </a:rPr>
+              <a:t>LabelButton</a:t>
+            </a:r>
+            <a:r>
+              <a:rPr lang="en-US" altLang="zh-CN" dirty="0">
+                <a:solidFill>
+                  <a:schemeClr val="tx1"/>
+                </a:solidFill>
+                <a:latin typeface="Calibri" panose="020F0502020204030204" pitchFamily="34" charset="0"/>
+                <a:ea typeface="Calibri" panose="020F0502020204030204" pitchFamily="34" charset="0"/>
+                <a:cs typeface="Calibri" panose="020F0502020204030204" pitchFamily="34" charset="0"/>
+              </a:rPr>
+              <a:t>;</a:t>
+            </a:r>
+          </a:p>
+          <a:p>
+            <a:r>
+              <a:rPr lang="en-US" altLang="zh-CN" dirty="0">
+                <a:solidFill>
+                  <a:schemeClr val="tx1"/>
+                </a:solidFill>
+                <a:latin typeface="Calibri" panose="020F0502020204030204" pitchFamily="34" charset="0"/>
+                <a:ea typeface="Calibri" panose="020F0502020204030204" pitchFamily="34" charset="0"/>
+                <a:cs typeface="Calibri" panose="020F0502020204030204" pitchFamily="34" charset="0"/>
+              </a:rPr>
+              <a:t>Page;</a:t>
+            </a:r>
+          </a:p>
+          <a:p>
+            <a:r>
+              <a:rPr lang="en-US" altLang="zh-CN" dirty="0" err="1">
+                <a:solidFill>
+                  <a:schemeClr val="tx1"/>
+                </a:solidFill>
+                <a:latin typeface="Calibri" panose="020F0502020204030204" pitchFamily="34" charset="0"/>
+                <a:ea typeface="Calibri" panose="020F0502020204030204" pitchFamily="34" charset="0"/>
+                <a:cs typeface="Calibri" panose="020F0502020204030204" pitchFamily="34" charset="0"/>
+              </a:rPr>
+              <a:t>PageWithButtons</a:t>
+            </a:r>
+            <a:r>
+              <a:rPr lang="en-US" altLang="zh-CN" dirty="0">
+                <a:solidFill>
+                  <a:schemeClr val="tx1"/>
+                </a:solidFill>
+                <a:latin typeface="Calibri" panose="020F0502020204030204" pitchFamily="34" charset="0"/>
+                <a:ea typeface="Calibri" panose="020F0502020204030204" pitchFamily="34" charset="0"/>
+                <a:cs typeface="Calibri" panose="020F0502020204030204" pitchFamily="34" charset="0"/>
+              </a:rPr>
+              <a:t>;</a:t>
+            </a:r>
+          </a:p>
+          <a:p>
+            <a:r>
+              <a:rPr lang="en-US" altLang="zh-CN" dirty="0">
+                <a:solidFill>
+                  <a:schemeClr val="tx1"/>
+                </a:solidFill>
+                <a:latin typeface="Calibri" panose="020F0502020204030204" pitchFamily="34" charset="0"/>
+                <a:ea typeface="Calibri" panose="020F0502020204030204" pitchFamily="34" charset="0"/>
+                <a:cs typeface="Calibri" panose="020F0502020204030204" pitchFamily="34" charset="0"/>
+              </a:rPr>
+              <a:t>…</a:t>
+            </a:r>
+            <a:endParaRPr lang="zh-CN" altLang="en-US" dirty="0">
+              <a:solidFill>
+                <a:schemeClr val="tx1"/>
+              </a:solidFill>
+              <a:latin typeface="Calibri" panose="020F0502020204030204" pitchFamily="34" charset="0"/>
+              <a:cs typeface="Calibri" panose="020F0502020204030204" pitchFamily="34" charset="0"/>
+            </a:endParaRPr>
+          </a:p>
+        </p:txBody>
+      </p:sp>
+      <p:sp>
+        <p:nvSpPr>
+          <p:cNvPr id="39" name="Rectangle 38">
+            <a:extLst>
+              <a:ext uri="{FF2B5EF4-FFF2-40B4-BE49-F238E27FC236}">
+                <a16:creationId xmlns:a16="http://schemas.microsoft.com/office/drawing/2014/main" id="{B5B24C34-8ACF-46DC-8327-391D28BC772B}"/>
+              </a:ext>
+            </a:extLst>
+          </p:cNvPr>
+          <p:cNvSpPr/>
+          <p:nvPr/>
+        </p:nvSpPr>
+        <p:spPr>
+          <a:xfrm>
+            <a:off x="4938847" y="4738689"/>
+            <a:ext cx="2314302" cy="1577202"/>
+          </a:xfrm>
+          <a:prstGeom prst="rect">
+            <a:avLst/>
+          </a:prstGeom>
+          <a:solidFill>
+            <a:schemeClr val="bg1"/>
+          </a:solidFill>
+          <a:ln>
+            <a:solidFill>
+              <a:schemeClr val="tx1"/>
+            </a:solidFill>
+          </a:ln>
+        </p:spPr>
+        <p:style>
+          <a:lnRef idx="2">
+            <a:schemeClr val="accent1">
+              <a:shade val="50000"/>
+            </a:schemeClr>
+          </a:lnRef>
+          <a:fillRef idx="1">
+            <a:schemeClr val="accent1"/>
+          </a:fillRef>
+          <a:effectRef idx="0">
+            <a:schemeClr val="accent1"/>
+          </a:effectRef>
+          <a:fontRef idx="minor">
+            <a:schemeClr val="lt1"/>
+          </a:fontRef>
+        </p:style>
+        <p:txBody>
+          <a:bodyPr rtlCol="0" anchor="ctr"/>
+          <a:lstStyle/>
+          <a:p>
+            <a:r>
+              <a:rPr lang="en-US" altLang="zh-CN" dirty="0" err="1">
+                <a:solidFill>
+                  <a:schemeClr val="tx1"/>
+                </a:solidFill>
+                <a:latin typeface="Calibri" panose="020F0502020204030204" pitchFamily="34" charset="0"/>
+                <a:ea typeface="Calibri" panose="020F0502020204030204" pitchFamily="34" charset="0"/>
+                <a:cs typeface="Calibri" panose="020F0502020204030204" pitchFamily="34" charset="0"/>
+              </a:rPr>
+              <a:t>ExternalRuntimeData</a:t>
+            </a:r>
+            <a:r>
+              <a:rPr lang="en-US" altLang="zh-CN" dirty="0">
+                <a:solidFill>
+                  <a:schemeClr val="tx1"/>
+                </a:solidFill>
+                <a:latin typeface="Calibri" panose="020F0502020204030204" pitchFamily="34" charset="0"/>
+                <a:ea typeface="Calibri" panose="020F0502020204030204" pitchFamily="34" charset="0"/>
+                <a:cs typeface="Calibri" panose="020F0502020204030204" pitchFamily="34" charset="0"/>
+              </a:rPr>
+              <a:t>;</a:t>
+            </a:r>
+          </a:p>
+          <a:p>
+            <a:r>
+              <a:rPr lang="en-US" altLang="zh-CN" dirty="0" err="1">
+                <a:solidFill>
+                  <a:schemeClr val="tx1"/>
+                </a:solidFill>
+                <a:latin typeface="Calibri" panose="020F0502020204030204" pitchFamily="34" charset="0"/>
+                <a:ea typeface="Calibri" panose="020F0502020204030204" pitchFamily="34" charset="0"/>
+                <a:cs typeface="Calibri" panose="020F0502020204030204" pitchFamily="34" charset="0"/>
+              </a:rPr>
+              <a:t>RuntimeUnit</a:t>
+            </a:r>
+            <a:r>
+              <a:rPr lang="en-US" altLang="zh-CN" dirty="0">
+                <a:solidFill>
+                  <a:schemeClr val="tx1"/>
+                </a:solidFill>
+                <a:latin typeface="Calibri" panose="020F0502020204030204" pitchFamily="34" charset="0"/>
+                <a:ea typeface="Calibri" panose="020F0502020204030204" pitchFamily="34" charset="0"/>
+                <a:cs typeface="Calibri" panose="020F0502020204030204" pitchFamily="34" charset="0"/>
+              </a:rPr>
+              <a:t>;</a:t>
+            </a:r>
+          </a:p>
+        </p:txBody>
+      </p:sp>
+      <p:sp>
+        <p:nvSpPr>
+          <p:cNvPr id="7" name="Rectangle 14">
+            <a:extLst>
+              <a:ext uri="{FF2B5EF4-FFF2-40B4-BE49-F238E27FC236}">
+                <a16:creationId xmlns:a16="http://schemas.microsoft.com/office/drawing/2014/main" id="{A525FDA7-ECE6-5B2A-E7B8-5DD594843250}"/>
+              </a:ext>
+            </a:extLst>
+          </p:cNvPr>
+          <p:cNvSpPr/>
+          <p:nvPr/>
+        </p:nvSpPr>
+        <p:spPr>
+          <a:xfrm>
+            <a:off x="10164525" y="3332255"/>
+            <a:ext cx="1515292" cy="875212"/>
+          </a:xfrm>
+          <a:prstGeom prst="rect">
+            <a:avLst/>
+          </a:prstGeom>
+          <a:solidFill>
+            <a:schemeClr val="bg1"/>
+          </a:solidFill>
+          <a:ln>
+            <a:solidFill>
+              <a:schemeClr val="tx1"/>
+            </a:solidFill>
+          </a:ln>
+        </p:spPr>
+        <p:style>
+          <a:lnRef idx="2">
+            <a:schemeClr val="accent1">
+              <a:shade val="50000"/>
+            </a:schemeClr>
+          </a:lnRef>
+          <a:fillRef idx="1">
+            <a:schemeClr val="accent1"/>
+          </a:fillRef>
+          <a:effectRef idx="0">
+            <a:schemeClr val="accent1"/>
+          </a:effectRef>
+          <a:fontRef idx="minor">
+            <a:schemeClr val="lt1"/>
+          </a:fontRef>
+        </p:style>
+        <p:txBody>
+          <a:bodyPr rtlCol="0" anchor="ctr"/>
+          <a:lstStyle/>
+          <a:p>
+            <a:pPr algn="ctr"/>
+            <a:r>
+              <a:rPr lang="en-US" altLang="zh-CN" dirty="0">
+                <a:solidFill>
+                  <a:schemeClr val="tx1"/>
+                </a:solidFill>
+                <a:latin typeface="Calibri" panose="020F0502020204030204" pitchFamily="34" charset="0"/>
+                <a:ea typeface="Calibri" panose="020F0502020204030204" pitchFamily="34" charset="0"/>
+                <a:cs typeface="Calibri" panose="020F0502020204030204" pitchFamily="34" charset="0"/>
+              </a:rPr>
+              <a:t>an</a:t>
+            </a:r>
+          </a:p>
+        </p:txBody>
+      </p:sp>
+      <p:cxnSp>
+        <p:nvCxnSpPr>
+          <p:cNvPr id="8" name="Straight Connector 15">
+            <a:extLst>
+              <a:ext uri="{FF2B5EF4-FFF2-40B4-BE49-F238E27FC236}">
+                <a16:creationId xmlns:a16="http://schemas.microsoft.com/office/drawing/2014/main" id="{66AA908D-5704-928C-98C0-16003C80C743}"/>
+              </a:ext>
+            </a:extLst>
+          </p:cNvPr>
+          <p:cNvCxnSpPr>
+            <a:cxnSpLocks/>
+            <a:stCxn id="3" idx="2"/>
+            <a:endCxn id="7" idx="0"/>
+          </p:cNvCxnSpPr>
+          <p:nvPr/>
+        </p:nvCxnSpPr>
+        <p:spPr>
+          <a:xfrm>
+            <a:off x="6096000" y="2801032"/>
+            <a:ext cx="4826171" cy="531223"/>
+          </a:xfrm>
+          <a:prstGeom prst="line">
+            <a:avLst/>
+          </a:prstGeom>
+          <a:ln w="19050">
+            <a:solidFill>
+              <a:schemeClr val="tx1"/>
+            </a:solidFill>
           </a:ln>
         </p:spPr>
         <p:style>
@@ -6515,7 +8327,7 @@
     </p:spTree>
     <p:extLst>
       <p:ext uri="{BB962C8B-B14F-4D97-AF65-F5344CB8AC3E}">
-        <p14:creationId xmlns:p14="http://schemas.microsoft.com/office/powerpoint/2010/main" val="3101948870"/>
+        <p14:creationId xmlns:p14="http://schemas.microsoft.com/office/powerpoint/2010/main" val="2933703945"/>
       </p:ext>
     </p:extLst>
   </p:cSld>

--- a/documentation/diagrams.pptx
+++ b/documentation/diagrams.pptx
@@ -11,10 +11,11 @@
     <p:sldId id="262" r:id="rId5"/>
     <p:sldId id="263" r:id="rId6"/>
     <p:sldId id="264" r:id="rId7"/>
-    <p:sldId id="261" r:id="rId8"/>
-    <p:sldId id="266" r:id="rId9"/>
-    <p:sldId id="257" r:id="rId10"/>
-    <p:sldId id="258" r:id="rId11"/>
+    <p:sldId id="267" r:id="rId8"/>
+    <p:sldId id="268" r:id="rId9"/>
+    <p:sldId id="266" r:id="rId10"/>
+    <p:sldId id="257" r:id="rId11"/>
+    <p:sldId id="258" r:id="rId12"/>
   </p:sldIdLst>
   <p:sldSz cx="12192000" cy="6858000"/>
   <p:notesSz cx="6858000" cy="9144000"/>
@@ -270,7 +271,7 @@
           <a:p>
             <a:fld id="{BCEDE69B-22FA-4301-8D37-E9A7831516F9}" type="datetimeFigureOut">
               <a:rPr lang="zh-CN" altLang="en-US" smtClean="0"/>
-              <a:t>2024/6/28</a:t>
+              <a:t>2024/6/30</a:t>
             </a:fld>
             <a:endParaRPr lang="zh-CN" altLang="en-US"/>
           </a:p>
@@ -470,7 +471,7 @@
           <a:p>
             <a:fld id="{BCEDE69B-22FA-4301-8D37-E9A7831516F9}" type="datetimeFigureOut">
               <a:rPr lang="zh-CN" altLang="en-US" smtClean="0"/>
-              <a:t>2024/6/28</a:t>
+              <a:t>2024/6/30</a:t>
             </a:fld>
             <a:endParaRPr lang="zh-CN" altLang="en-US"/>
           </a:p>
@@ -680,7 +681,7 @@
           <a:p>
             <a:fld id="{BCEDE69B-22FA-4301-8D37-E9A7831516F9}" type="datetimeFigureOut">
               <a:rPr lang="zh-CN" altLang="en-US" smtClean="0"/>
-              <a:t>2024/6/28</a:t>
+              <a:t>2024/6/30</a:t>
             </a:fld>
             <a:endParaRPr lang="zh-CN" altLang="en-US"/>
           </a:p>
@@ -880,7 +881,7 @@
           <a:p>
             <a:fld id="{BCEDE69B-22FA-4301-8D37-E9A7831516F9}" type="datetimeFigureOut">
               <a:rPr lang="zh-CN" altLang="en-US" smtClean="0"/>
-              <a:t>2024/6/28</a:t>
+              <a:t>2024/6/30</a:t>
             </a:fld>
             <a:endParaRPr lang="zh-CN" altLang="en-US"/>
           </a:p>
@@ -1156,7 +1157,7 @@
           <a:p>
             <a:fld id="{BCEDE69B-22FA-4301-8D37-E9A7831516F9}" type="datetimeFigureOut">
               <a:rPr lang="zh-CN" altLang="en-US" smtClean="0"/>
-              <a:t>2024/6/28</a:t>
+              <a:t>2024/6/30</a:t>
             </a:fld>
             <a:endParaRPr lang="zh-CN" altLang="en-US"/>
           </a:p>
@@ -1424,7 +1425,7 @@
           <a:p>
             <a:fld id="{BCEDE69B-22FA-4301-8D37-E9A7831516F9}" type="datetimeFigureOut">
               <a:rPr lang="zh-CN" altLang="en-US" smtClean="0"/>
-              <a:t>2024/6/28</a:t>
+              <a:t>2024/6/30</a:t>
             </a:fld>
             <a:endParaRPr lang="zh-CN" altLang="en-US"/>
           </a:p>
@@ -1839,7 +1840,7 @@
           <a:p>
             <a:fld id="{BCEDE69B-22FA-4301-8D37-E9A7831516F9}" type="datetimeFigureOut">
               <a:rPr lang="zh-CN" altLang="en-US" smtClean="0"/>
-              <a:t>2024/6/28</a:t>
+              <a:t>2024/6/30</a:t>
             </a:fld>
             <a:endParaRPr lang="zh-CN" altLang="en-US"/>
           </a:p>
@@ -1981,7 +1982,7 @@
           <a:p>
             <a:fld id="{BCEDE69B-22FA-4301-8D37-E9A7831516F9}" type="datetimeFigureOut">
               <a:rPr lang="zh-CN" altLang="en-US" smtClean="0"/>
-              <a:t>2024/6/28</a:t>
+              <a:t>2024/6/30</a:t>
             </a:fld>
             <a:endParaRPr lang="zh-CN" altLang="en-US"/>
           </a:p>
@@ -2094,7 +2095,7 @@
           <a:p>
             <a:fld id="{BCEDE69B-22FA-4301-8D37-E9A7831516F9}" type="datetimeFigureOut">
               <a:rPr lang="zh-CN" altLang="en-US" smtClean="0"/>
-              <a:t>2024/6/28</a:t>
+              <a:t>2024/6/30</a:t>
             </a:fld>
             <a:endParaRPr lang="zh-CN" altLang="en-US"/>
           </a:p>
@@ -2407,7 +2408,7 @@
           <a:p>
             <a:fld id="{BCEDE69B-22FA-4301-8D37-E9A7831516F9}" type="datetimeFigureOut">
               <a:rPr lang="zh-CN" altLang="en-US" smtClean="0"/>
-              <a:t>2024/6/28</a:t>
+              <a:t>2024/6/30</a:t>
             </a:fld>
             <a:endParaRPr lang="zh-CN" altLang="en-US"/>
           </a:p>
@@ -2696,7 +2697,7 @@
           <a:p>
             <a:fld id="{BCEDE69B-22FA-4301-8D37-E9A7831516F9}" type="datetimeFigureOut">
               <a:rPr lang="zh-CN" altLang="en-US" smtClean="0"/>
-              <a:t>2024/6/28</a:t>
+              <a:t>2024/6/30</a:t>
             </a:fld>
             <a:endParaRPr lang="zh-CN" altLang="en-US"/>
           </a:p>
@@ -2939,7 +2940,7 @@
           <a:p>
             <a:fld id="{BCEDE69B-22FA-4301-8D37-E9A7831516F9}" type="datetimeFigureOut">
               <a:rPr lang="zh-CN" altLang="en-US" smtClean="0"/>
-              <a:t>2024/6/28</a:t>
+              <a:t>2024/6/30</a:t>
             </a:fld>
             <a:endParaRPr lang="zh-CN" altLang="en-US"/>
           </a:p>
@@ -3471,6 +3472,1073 @@
             <a:r>
               <a:rPr lang="en-US" altLang="zh-CN" dirty="0">
                 <a:latin typeface="Calibri" panose="020F0502020204030204" pitchFamily="34" charset="0"/>
+                <a:ea typeface="Calibri" panose="020F0502020204030204" pitchFamily="34" charset="0"/>
+                <a:cs typeface="Calibri" panose="020F0502020204030204" pitchFamily="34" charset="0"/>
+              </a:rPr>
+              <a:t>Framework Hierarchy</a:t>
+            </a:r>
+            <a:endParaRPr lang="zh-CN" altLang="en-US" dirty="0">
+              <a:latin typeface="Calibri" panose="020F0502020204030204" pitchFamily="34" charset="0"/>
+              <a:cs typeface="Calibri" panose="020F0502020204030204" pitchFamily="34" charset="0"/>
+            </a:endParaRPr>
+          </a:p>
+        </p:txBody>
+      </p:sp>
+      <p:sp>
+        <p:nvSpPr>
+          <p:cNvPr id="3" name="Rectangle 2">
+            <a:extLst>
+              <a:ext uri="{FF2B5EF4-FFF2-40B4-BE49-F238E27FC236}">
+                <a16:creationId xmlns:a16="http://schemas.microsoft.com/office/drawing/2014/main" id="{C8F4B214-982F-4398-A41D-372AB28C0E97}"/>
+              </a:ext>
+            </a:extLst>
+          </p:cNvPr>
+          <p:cNvSpPr/>
+          <p:nvPr/>
+        </p:nvSpPr>
+        <p:spPr>
+          <a:xfrm>
+            <a:off x="5338354" y="1925820"/>
+            <a:ext cx="1515292" cy="875212"/>
+          </a:xfrm>
+          <a:prstGeom prst="rect">
+            <a:avLst/>
+          </a:prstGeom>
+          <a:solidFill>
+            <a:schemeClr val="bg1"/>
+          </a:solidFill>
+          <a:ln>
+            <a:solidFill>
+              <a:schemeClr val="tx1"/>
+            </a:solidFill>
+          </a:ln>
+        </p:spPr>
+        <p:style>
+          <a:lnRef idx="2">
+            <a:schemeClr val="accent1">
+              <a:shade val="50000"/>
+            </a:schemeClr>
+          </a:lnRef>
+          <a:fillRef idx="1">
+            <a:schemeClr val="accent1"/>
+          </a:fillRef>
+          <a:effectRef idx="0">
+            <a:schemeClr val="accent1"/>
+          </a:effectRef>
+          <a:fontRef idx="minor">
+            <a:schemeClr val="lt1"/>
+          </a:fontRef>
+        </p:style>
+        <p:txBody>
+          <a:bodyPr rtlCol="0" anchor="ctr"/>
+          <a:lstStyle/>
+          <a:p>
+            <a:pPr algn="ctr"/>
+            <a:r>
+              <a:rPr lang="en-US" altLang="zh-CN" dirty="0">
+                <a:solidFill>
+                  <a:schemeClr val="tx1"/>
+                </a:solidFill>
+                <a:latin typeface="Calibri" panose="020F0502020204030204" pitchFamily="34" charset="0"/>
+                <a:ea typeface="Calibri" panose="020F0502020204030204" pitchFamily="34" charset="0"/>
+                <a:cs typeface="Calibri" panose="020F0502020204030204" pitchFamily="34" charset="0"/>
+              </a:rPr>
+              <a:t>framework</a:t>
+            </a:r>
+            <a:endParaRPr lang="zh-CN" altLang="en-US" dirty="0">
+              <a:solidFill>
+                <a:schemeClr val="tx1"/>
+              </a:solidFill>
+              <a:latin typeface="Calibri" panose="020F0502020204030204" pitchFamily="34" charset="0"/>
+              <a:cs typeface="Calibri" panose="020F0502020204030204" pitchFamily="34" charset="0"/>
+            </a:endParaRPr>
+          </a:p>
+        </p:txBody>
+      </p:sp>
+      <p:sp>
+        <p:nvSpPr>
+          <p:cNvPr id="4" name="Rectangle 3">
+            <a:extLst>
+              <a:ext uri="{FF2B5EF4-FFF2-40B4-BE49-F238E27FC236}">
+                <a16:creationId xmlns:a16="http://schemas.microsoft.com/office/drawing/2014/main" id="{ACA071A7-E4B1-4E0A-A4EC-91DDB0C8EC6D}"/>
+              </a:ext>
+            </a:extLst>
+          </p:cNvPr>
+          <p:cNvSpPr/>
+          <p:nvPr/>
+        </p:nvSpPr>
+        <p:spPr>
+          <a:xfrm>
+            <a:off x="5338354" y="3332255"/>
+            <a:ext cx="1515292" cy="875212"/>
+          </a:xfrm>
+          <a:prstGeom prst="rect">
+            <a:avLst/>
+          </a:prstGeom>
+          <a:solidFill>
+            <a:schemeClr val="bg1"/>
+          </a:solidFill>
+          <a:ln>
+            <a:solidFill>
+              <a:schemeClr val="tx1"/>
+            </a:solidFill>
+          </a:ln>
+        </p:spPr>
+        <p:style>
+          <a:lnRef idx="2">
+            <a:schemeClr val="accent1">
+              <a:shade val="50000"/>
+            </a:schemeClr>
+          </a:lnRef>
+          <a:fillRef idx="1">
+            <a:schemeClr val="accent1"/>
+          </a:fillRef>
+          <a:effectRef idx="0">
+            <a:schemeClr val="accent1"/>
+          </a:effectRef>
+          <a:fontRef idx="minor">
+            <a:schemeClr val="lt1"/>
+          </a:fontRef>
+        </p:style>
+        <p:txBody>
+          <a:bodyPr rtlCol="0" anchor="ctr"/>
+          <a:lstStyle/>
+          <a:p>
+            <a:pPr algn="ctr"/>
+            <a:r>
+              <a:rPr lang="en-US" altLang="zh-CN" dirty="0">
+                <a:solidFill>
+                  <a:schemeClr val="tx1"/>
+                </a:solidFill>
+                <a:latin typeface="Calibri" panose="020F0502020204030204" pitchFamily="34" charset="0"/>
+                <a:ea typeface="Calibri" panose="020F0502020204030204" pitchFamily="34" charset="0"/>
+                <a:cs typeface="Calibri" panose="020F0502020204030204" pitchFamily="34" charset="0"/>
+              </a:rPr>
+              <a:t>core</a:t>
+            </a:r>
+            <a:endParaRPr lang="zh-CN" altLang="en-US" dirty="0">
+              <a:solidFill>
+                <a:schemeClr val="tx1"/>
+              </a:solidFill>
+              <a:latin typeface="Calibri" panose="020F0502020204030204" pitchFamily="34" charset="0"/>
+              <a:cs typeface="Calibri" panose="020F0502020204030204" pitchFamily="34" charset="0"/>
+            </a:endParaRPr>
+          </a:p>
+        </p:txBody>
+      </p:sp>
+      <p:cxnSp>
+        <p:nvCxnSpPr>
+          <p:cNvPr id="6" name="Straight Connector 5">
+            <a:extLst>
+              <a:ext uri="{FF2B5EF4-FFF2-40B4-BE49-F238E27FC236}">
+                <a16:creationId xmlns:a16="http://schemas.microsoft.com/office/drawing/2014/main" id="{110BEC86-78BD-4F87-8BBC-31D8186BE8FC}"/>
+              </a:ext>
+            </a:extLst>
+          </p:cNvPr>
+          <p:cNvCxnSpPr>
+            <a:cxnSpLocks/>
+            <a:stCxn id="3" idx="2"/>
+            <a:endCxn id="4" idx="0"/>
+          </p:cNvCxnSpPr>
+          <p:nvPr/>
+        </p:nvCxnSpPr>
+        <p:spPr>
+          <a:xfrm>
+            <a:off x="6096000" y="2801032"/>
+            <a:ext cx="0" cy="531223"/>
+          </a:xfrm>
+          <a:prstGeom prst="line">
+            <a:avLst/>
+          </a:prstGeom>
+          <a:ln w="19050">
+            <a:solidFill>
+              <a:schemeClr val="tx1"/>
+            </a:solidFill>
+          </a:ln>
+        </p:spPr>
+        <p:style>
+          <a:lnRef idx="1">
+            <a:schemeClr val="accent1"/>
+          </a:lnRef>
+          <a:fillRef idx="0">
+            <a:schemeClr val="accent1"/>
+          </a:fillRef>
+          <a:effectRef idx="0">
+            <a:schemeClr val="accent1"/>
+          </a:effectRef>
+          <a:fontRef idx="minor">
+            <a:schemeClr val="tx1"/>
+          </a:fontRef>
+        </p:style>
+      </p:cxnSp>
+      <p:cxnSp>
+        <p:nvCxnSpPr>
+          <p:cNvPr id="9" name="Straight Connector 8">
+            <a:extLst>
+              <a:ext uri="{FF2B5EF4-FFF2-40B4-BE49-F238E27FC236}">
+                <a16:creationId xmlns:a16="http://schemas.microsoft.com/office/drawing/2014/main" id="{FF124819-C4E3-43F7-9C85-43D2D793E094}"/>
+              </a:ext>
+            </a:extLst>
+          </p:cNvPr>
+          <p:cNvCxnSpPr>
+            <a:cxnSpLocks/>
+            <a:stCxn id="4" idx="2"/>
+          </p:cNvCxnSpPr>
+          <p:nvPr/>
+        </p:nvCxnSpPr>
+        <p:spPr>
+          <a:xfrm>
+            <a:off x="6096000" y="4207467"/>
+            <a:ext cx="0" cy="531223"/>
+          </a:xfrm>
+          <a:prstGeom prst="line">
+            <a:avLst/>
+          </a:prstGeom>
+          <a:ln w="19050">
+            <a:solidFill>
+              <a:schemeClr val="tx1"/>
+            </a:solidFill>
+          </a:ln>
+        </p:spPr>
+        <p:style>
+          <a:lnRef idx="1">
+            <a:schemeClr val="accent1"/>
+          </a:lnRef>
+          <a:fillRef idx="0">
+            <a:schemeClr val="accent1"/>
+          </a:fillRef>
+          <a:effectRef idx="0">
+            <a:schemeClr val="accent1"/>
+          </a:effectRef>
+          <a:fontRef idx="minor">
+            <a:schemeClr val="tx1"/>
+          </a:fontRef>
+        </p:style>
+      </p:cxnSp>
+      <p:sp>
+        <p:nvSpPr>
+          <p:cNvPr id="15" name="Rectangle 14">
+            <a:extLst>
+              <a:ext uri="{FF2B5EF4-FFF2-40B4-BE49-F238E27FC236}">
+                <a16:creationId xmlns:a16="http://schemas.microsoft.com/office/drawing/2014/main" id="{04A1ED32-C309-437D-8539-A5860A479421}"/>
+              </a:ext>
+            </a:extLst>
+          </p:cNvPr>
+          <p:cNvSpPr/>
+          <p:nvPr/>
+        </p:nvSpPr>
+        <p:spPr>
+          <a:xfrm>
+            <a:off x="8010797" y="3332255"/>
+            <a:ext cx="1515292" cy="875212"/>
+          </a:xfrm>
+          <a:prstGeom prst="rect">
+            <a:avLst/>
+          </a:prstGeom>
+          <a:solidFill>
+            <a:schemeClr val="bg1"/>
+          </a:solidFill>
+          <a:ln>
+            <a:solidFill>
+              <a:schemeClr val="tx1"/>
+            </a:solidFill>
+          </a:ln>
+        </p:spPr>
+        <p:style>
+          <a:lnRef idx="2">
+            <a:schemeClr val="accent1">
+              <a:shade val="50000"/>
+            </a:schemeClr>
+          </a:lnRef>
+          <a:fillRef idx="1">
+            <a:schemeClr val="accent1"/>
+          </a:fillRef>
+          <a:effectRef idx="0">
+            <a:schemeClr val="accent1"/>
+          </a:effectRef>
+          <a:fontRef idx="minor">
+            <a:schemeClr val="lt1"/>
+          </a:fontRef>
+        </p:style>
+        <p:txBody>
+          <a:bodyPr rtlCol="0" anchor="ctr"/>
+          <a:lstStyle/>
+          <a:p>
+            <a:pPr algn="ctr"/>
+            <a:r>
+              <a:rPr lang="en-US" altLang="zh-CN" dirty="0" err="1">
+                <a:solidFill>
+                  <a:schemeClr val="tx1"/>
+                </a:solidFill>
+                <a:latin typeface="Calibri" panose="020F0502020204030204" pitchFamily="34" charset="0"/>
+                <a:ea typeface="Calibri" panose="020F0502020204030204" pitchFamily="34" charset="0"/>
+                <a:cs typeface="Calibri" panose="020F0502020204030204" pitchFamily="34" charset="0"/>
+              </a:rPr>
+              <a:t>ui</a:t>
+            </a:r>
+            <a:endParaRPr lang="zh-CN" altLang="en-US" dirty="0">
+              <a:solidFill>
+                <a:schemeClr val="tx1"/>
+              </a:solidFill>
+              <a:latin typeface="Calibri" panose="020F0502020204030204" pitchFamily="34" charset="0"/>
+              <a:cs typeface="Calibri" panose="020F0502020204030204" pitchFamily="34" charset="0"/>
+            </a:endParaRPr>
+          </a:p>
+        </p:txBody>
+      </p:sp>
+      <p:cxnSp>
+        <p:nvCxnSpPr>
+          <p:cNvPr id="16" name="Straight Connector 15">
+            <a:extLst>
+              <a:ext uri="{FF2B5EF4-FFF2-40B4-BE49-F238E27FC236}">
+                <a16:creationId xmlns:a16="http://schemas.microsoft.com/office/drawing/2014/main" id="{8BFEB999-9247-4429-9C62-9F2EBBC202A8}"/>
+              </a:ext>
+            </a:extLst>
+          </p:cNvPr>
+          <p:cNvCxnSpPr>
+            <a:cxnSpLocks/>
+            <a:stCxn id="3" idx="2"/>
+            <a:endCxn id="15" idx="0"/>
+          </p:cNvCxnSpPr>
+          <p:nvPr/>
+        </p:nvCxnSpPr>
+        <p:spPr>
+          <a:xfrm>
+            <a:off x="6096000" y="2801032"/>
+            <a:ext cx="2672443" cy="531223"/>
+          </a:xfrm>
+          <a:prstGeom prst="line">
+            <a:avLst/>
+          </a:prstGeom>
+          <a:ln w="19050">
+            <a:solidFill>
+              <a:schemeClr val="tx1"/>
+            </a:solidFill>
+          </a:ln>
+        </p:spPr>
+        <p:style>
+          <a:lnRef idx="1">
+            <a:schemeClr val="accent1"/>
+          </a:lnRef>
+          <a:fillRef idx="0">
+            <a:schemeClr val="accent1"/>
+          </a:fillRef>
+          <a:effectRef idx="0">
+            <a:schemeClr val="accent1"/>
+          </a:effectRef>
+          <a:fontRef idx="minor">
+            <a:schemeClr val="tx1"/>
+          </a:fontRef>
+        </p:style>
+      </p:cxnSp>
+      <p:cxnSp>
+        <p:nvCxnSpPr>
+          <p:cNvPr id="21" name="Straight Connector 20">
+            <a:extLst>
+              <a:ext uri="{FF2B5EF4-FFF2-40B4-BE49-F238E27FC236}">
+                <a16:creationId xmlns:a16="http://schemas.microsoft.com/office/drawing/2014/main" id="{0F2975D6-EC72-4196-92B9-921C1EA85A27}"/>
+              </a:ext>
+            </a:extLst>
+          </p:cNvPr>
+          <p:cNvCxnSpPr>
+            <a:cxnSpLocks/>
+            <a:stCxn id="15" idx="2"/>
+          </p:cNvCxnSpPr>
+          <p:nvPr/>
+        </p:nvCxnSpPr>
+        <p:spPr>
+          <a:xfrm>
+            <a:off x="8768443" y="4207467"/>
+            <a:ext cx="0" cy="531223"/>
+          </a:xfrm>
+          <a:prstGeom prst="line">
+            <a:avLst/>
+          </a:prstGeom>
+          <a:ln w="19050">
+            <a:solidFill>
+              <a:schemeClr val="tx1"/>
+            </a:solidFill>
+          </a:ln>
+        </p:spPr>
+        <p:style>
+          <a:lnRef idx="1">
+            <a:schemeClr val="accent1"/>
+          </a:lnRef>
+          <a:fillRef idx="0">
+            <a:schemeClr val="accent1"/>
+          </a:fillRef>
+          <a:effectRef idx="0">
+            <a:schemeClr val="accent1"/>
+          </a:effectRef>
+          <a:fontRef idx="minor">
+            <a:schemeClr val="tx1"/>
+          </a:fontRef>
+        </p:style>
+      </p:cxnSp>
+      <p:sp>
+        <p:nvSpPr>
+          <p:cNvPr id="24" name="Rectangle 23">
+            <a:extLst>
+              <a:ext uri="{FF2B5EF4-FFF2-40B4-BE49-F238E27FC236}">
+                <a16:creationId xmlns:a16="http://schemas.microsoft.com/office/drawing/2014/main" id="{FFD18CFD-2080-45CA-8770-82FC3D98048E}"/>
+              </a:ext>
+            </a:extLst>
+          </p:cNvPr>
+          <p:cNvSpPr/>
+          <p:nvPr/>
+        </p:nvSpPr>
+        <p:spPr>
+          <a:xfrm>
+            <a:off x="1508760" y="3332255"/>
+            <a:ext cx="1515292" cy="875212"/>
+          </a:xfrm>
+          <a:prstGeom prst="rect">
+            <a:avLst/>
+          </a:prstGeom>
+          <a:solidFill>
+            <a:schemeClr val="bg1"/>
+          </a:solidFill>
+          <a:ln>
+            <a:solidFill>
+              <a:schemeClr val="tx1"/>
+            </a:solidFill>
+          </a:ln>
+        </p:spPr>
+        <p:style>
+          <a:lnRef idx="2">
+            <a:schemeClr val="accent1">
+              <a:shade val="50000"/>
+            </a:schemeClr>
+          </a:lnRef>
+          <a:fillRef idx="1">
+            <a:schemeClr val="accent1"/>
+          </a:fillRef>
+          <a:effectRef idx="0">
+            <a:schemeClr val="accent1"/>
+          </a:effectRef>
+          <a:fontRef idx="minor">
+            <a:schemeClr val="lt1"/>
+          </a:fontRef>
+        </p:style>
+        <p:txBody>
+          <a:bodyPr rtlCol="0" anchor="ctr"/>
+          <a:lstStyle/>
+          <a:p>
+            <a:pPr algn="ctr"/>
+            <a:r>
+              <a:rPr lang="en-US" altLang="zh-CN" dirty="0">
+                <a:solidFill>
+                  <a:schemeClr val="tx1"/>
+                </a:solidFill>
+                <a:latin typeface="Calibri" panose="020F0502020204030204" pitchFamily="34" charset="0"/>
+                <a:ea typeface="Calibri" panose="020F0502020204030204" pitchFamily="34" charset="0"/>
+                <a:cs typeface="Calibri" panose="020F0502020204030204" pitchFamily="34" charset="0"/>
+              </a:rPr>
+              <a:t>io</a:t>
+            </a:r>
+            <a:endParaRPr lang="zh-CN" altLang="en-US" dirty="0">
+              <a:solidFill>
+                <a:schemeClr val="tx1"/>
+              </a:solidFill>
+              <a:latin typeface="Calibri" panose="020F0502020204030204" pitchFamily="34" charset="0"/>
+              <a:cs typeface="Calibri" panose="020F0502020204030204" pitchFamily="34" charset="0"/>
+            </a:endParaRPr>
+          </a:p>
+        </p:txBody>
+      </p:sp>
+      <p:cxnSp>
+        <p:nvCxnSpPr>
+          <p:cNvPr id="25" name="Straight Connector 24">
+            <a:extLst>
+              <a:ext uri="{FF2B5EF4-FFF2-40B4-BE49-F238E27FC236}">
+                <a16:creationId xmlns:a16="http://schemas.microsoft.com/office/drawing/2014/main" id="{3117F091-7C28-4D98-BD71-9675B71E7DC7}"/>
+              </a:ext>
+            </a:extLst>
+          </p:cNvPr>
+          <p:cNvCxnSpPr>
+            <a:cxnSpLocks/>
+            <a:stCxn id="3" idx="2"/>
+            <a:endCxn id="24" idx="0"/>
+          </p:cNvCxnSpPr>
+          <p:nvPr/>
+        </p:nvCxnSpPr>
+        <p:spPr>
+          <a:xfrm flipH="1">
+            <a:off x="2266406" y="2801032"/>
+            <a:ext cx="3829594" cy="531223"/>
+          </a:xfrm>
+          <a:prstGeom prst="line">
+            <a:avLst/>
+          </a:prstGeom>
+          <a:ln w="19050">
+            <a:solidFill>
+              <a:schemeClr val="tx1"/>
+            </a:solidFill>
+          </a:ln>
+        </p:spPr>
+        <p:style>
+          <a:lnRef idx="1">
+            <a:schemeClr val="accent1"/>
+          </a:lnRef>
+          <a:fillRef idx="0">
+            <a:schemeClr val="accent1"/>
+          </a:fillRef>
+          <a:effectRef idx="0">
+            <a:schemeClr val="accent1"/>
+          </a:effectRef>
+          <a:fontRef idx="minor">
+            <a:schemeClr val="tx1"/>
+          </a:fontRef>
+        </p:style>
+      </p:cxnSp>
+      <p:sp>
+        <p:nvSpPr>
+          <p:cNvPr id="28" name="Rectangle 27">
+            <a:extLst>
+              <a:ext uri="{FF2B5EF4-FFF2-40B4-BE49-F238E27FC236}">
+                <a16:creationId xmlns:a16="http://schemas.microsoft.com/office/drawing/2014/main" id="{BF9AB304-FC39-480B-9203-D2390E079683}"/>
+              </a:ext>
+            </a:extLst>
+          </p:cNvPr>
+          <p:cNvSpPr/>
+          <p:nvPr/>
+        </p:nvSpPr>
+        <p:spPr>
+          <a:xfrm>
+            <a:off x="1109255" y="4738689"/>
+            <a:ext cx="2314302" cy="1577202"/>
+          </a:xfrm>
+          <a:prstGeom prst="rect">
+            <a:avLst/>
+          </a:prstGeom>
+          <a:solidFill>
+            <a:schemeClr val="bg1"/>
+          </a:solidFill>
+          <a:ln>
+            <a:solidFill>
+              <a:schemeClr val="tx1"/>
+            </a:solidFill>
+          </a:ln>
+        </p:spPr>
+        <p:style>
+          <a:lnRef idx="2">
+            <a:schemeClr val="accent1">
+              <a:shade val="50000"/>
+            </a:schemeClr>
+          </a:lnRef>
+          <a:fillRef idx="1">
+            <a:schemeClr val="accent1"/>
+          </a:fillRef>
+          <a:effectRef idx="0">
+            <a:schemeClr val="accent1"/>
+          </a:effectRef>
+          <a:fontRef idx="minor">
+            <a:schemeClr val="lt1"/>
+          </a:fontRef>
+        </p:style>
+        <p:txBody>
+          <a:bodyPr rtlCol="0" anchor="ctr"/>
+          <a:lstStyle/>
+          <a:p>
+            <a:r>
+              <a:rPr lang="en-US" altLang="zh-CN" dirty="0" err="1">
+                <a:solidFill>
+                  <a:schemeClr val="tx1"/>
+                </a:solidFill>
+                <a:latin typeface="Calibri" panose="020F0502020204030204" pitchFamily="34" charset="0"/>
+                <a:ea typeface="Calibri" panose="020F0502020204030204" pitchFamily="34" charset="0"/>
+                <a:cs typeface="Calibri" panose="020F0502020204030204" pitchFamily="34" charset="0"/>
+              </a:rPr>
+              <a:t>AudioStream</a:t>
+            </a:r>
+            <a:r>
+              <a:rPr lang="en-US" altLang="zh-CN" dirty="0">
+                <a:solidFill>
+                  <a:schemeClr val="tx1"/>
+                </a:solidFill>
+                <a:latin typeface="Calibri" panose="020F0502020204030204" pitchFamily="34" charset="0"/>
+                <a:ea typeface="Calibri" panose="020F0502020204030204" pitchFamily="34" charset="0"/>
+                <a:cs typeface="Calibri" panose="020F0502020204030204" pitchFamily="34" charset="0"/>
+              </a:rPr>
+              <a:t>;</a:t>
+            </a:r>
+          </a:p>
+          <a:p>
+            <a:r>
+              <a:rPr lang="en-US" altLang="zh-CN" dirty="0" err="1">
+                <a:solidFill>
+                  <a:schemeClr val="tx1"/>
+                </a:solidFill>
+                <a:latin typeface="Calibri" panose="020F0502020204030204" pitchFamily="34" charset="0"/>
+                <a:ea typeface="Calibri" panose="020F0502020204030204" pitchFamily="34" charset="0"/>
+                <a:cs typeface="Calibri" panose="020F0502020204030204" pitchFamily="34" charset="0"/>
+              </a:rPr>
+              <a:t>FontStream</a:t>
+            </a:r>
+            <a:r>
+              <a:rPr lang="en-US" altLang="zh-CN" dirty="0">
+                <a:solidFill>
+                  <a:schemeClr val="tx1"/>
+                </a:solidFill>
+                <a:latin typeface="Calibri" panose="020F0502020204030204" pitchFamily="34" charset="0"/>
+                <a:ea typeface="Calibri" panose="020F0502020204030204" pitchFamily="34" charset="0"/>
+                <a:cs typeface="Calibri" panose="020F0502020204030204" pitchFamily="34" charset="0"/>
+              </a:rPr>
+              <a:t>;</a:t>
+            </a:r>
+          </a:p>
+          <a:p>
+            <a:r>
+              <a:rPr lang="en-US" altLang="zh-CN" dirty="0">
+                <a:solidFill>
+                  <a:schemeClr val="tx1"/>
+                </a:solidFill>
+                <a:latin typeface="Calibri" panose="020F0502020204030204" pitchFamily="34" charset="0"/>
+                <a:ea typeface="Calibri" panose="020F0502020204030204" pitchFamily="34" charset="0"/>
+                <a:cs typeface="Calibri" panose="020F0502020204030204" pitchFamily="34" charset="0"/>
+              </a:rPr>
+              <a:t>…</a:t>
+            </a:r>
+          </a:p>
+        </p:txBody>
+      </p:sp>
+      <p:cxnSp>
+        <p:nvCxnSpPr>
+          <p:cNvPr id="29" name="Straight Connector 28">
+            <a:extLst>
+              <a:ext uri="{FF2B5EF4-FFF2-40B4-BE49-F238E27FC236}">
+                <a16:creationId xmlns:a16="http://schemas.microsoft.com/office/drawing/2014/main" id="{FA2F0D61-E66A-49FE-8F62-9A4FC10AC6A9}"/>
+              </a:ext>
+            </a:extLst>
+          </p:cNvPr>
+          <p:cNvCxnSpPr>
+            <a:cxnSpLocks/>
+            <a:stCxn id="24" idx="2"/>
+            <a:endCxn id="28" idx="0"/>
+          </p:cNvCxnSpPr>
+          <p:nvPr/>
+        </p:nvCxnSpPr>
+        <p:spPr>
+          <a:xfrm>
+            <a:off x="2266406" y="4207467"/>
+            <a:ext cx="0" cy="531222"/>
+          </a:xfrm>
+          <a:prstGeom prst="line">
+            <a:avLst/>
+          </a:prstGeom>
+          <a:ln w="19050">
+            <a:solidFill>
+              <a:schemeClr val="tx1"/>
+            </a:solidFill>
+          </a:ln>
+        </p:spPr>
+        <p:style>
+          <a:lnRef idx="1">
+            <a:schemeClr val="accent1"/>
+          </a:lnRef>
+          <a:fillRef idx="0">
+            <a:schemeClr val="accent1"/>
+          </a:fillRef>
+          <a:effectRef idx="0">
+            <a:schemeClr val="accent1"/>
+          </a:effectRef>
+          <a:fontRef idx="minor">
+            <a:schemeClr val="tx1"/>
+          </a:fontRef>
+        </p:style>
+      </p:cxnSp>
+      <p:sp>
+        <p:nvSpPr>
+          <p:cNvPr id="38" name="Rectangle 37">
+            <a:extLst>
+              <a:ext uri="{FF2B5EF4-FFF2-40B4-BE49-F238E27FC236}">
+                <a16:creationId xmlns:a16="http://schemas.microsoft.com/office/drawing/2014/main" id="{86440843-9319-42C5-ADB9-33993A70C453}"/>
+              </a:ext>
+            </a:extLst>
+          </p:cNvPr>
+          <p:cNvSpPr/>
+          <p:nvPr/>
+        </p:nvSpPr>
+        <p:spPr>
+          <a:xfrm>
+            <a:off x="7611292" y="4738689"/>
+            <a:ext cx="2314302" cy="1577202"/>
+          </a:xfrm>
+          <a:prstGeom prst="rect">
+            <a:avLst/>
+          </a:prstGeom>
+          <a:solidFill>
+            <a:schemeClr val="bg1"/>
+          </a:solidFill>
+          <a:ln>
+            <a:solidFill>
+              <a:schemeClr val="tx1"/>
+            </a:solidFill>
+          </a:ln>
+        </p:spPr>
+        <p:style>
+          <a:lnRef idx="2">
+            <a:schemeClr val="accent1">
+              <a:shade val="50000"/>
+            </a:schemeClr>
+          </a:lnRef>
+          <a:fillRef idx="1">
+            <a:schemeClr val="accent1"/>
+          </a:fillRef>
+          <a:effectRef idx="0">
+            <a:schemeClr val="accent1"/>
+          </a:effectRef>
+          <a:fontRef idx="minor">
+            <a:schemeClr val="lt1"/>
+          </a:fontRef>
+        </p:style>
+        <p:txBody>
+          <a:bodyPr rtlCol="0" anchor="ctr"/>
+          <a:lstStyle/>
+          <a:p>
+            <a:r>
+              <a:rPr lang="en-US" altLang="zh-CN" dirty="0" err="1">
+                <a:solidFill>
+                  <a:schemeClr val="tx1"/>
+                </a:solidFill>
+                <a:latin typeface="Calibri" panose="020F0502020204030204" pitchFamily="34" charset="0"/>
+                <a:ea typeface="Calibri" panose="020F0502020204030204" pitchFamily="34" charset="0"/>
+                <a:cs typeface="Calibri" panose="020F0502020204030204" pitchFamily="34" charset="0"/>
+              </a:rPr>
+              <a:t>LabelButton</a:t>
+            </a:r>
+            <a:r>
+              <a:rPr lang="en-US" altLang="zh-CN" dirty="0">
+                <a:solidFill>
+                  <a:schemeClr val="tx1"/>
+                </a:solidFill>
+                <a:latin typeface="Calibri" panose="020F0502020204030204" pitchFamily="34" charset="0"/>
+                <a:ea typeface="Calibri" panose="020F0502020204030204" pitchFamily="34" charset="0"/>
+                <a:cs typeface="Calibri" panose="020F0502020204030204" pitchFamily="34" charset="0"/>
+              </a:rPr>
+              <a:t>;</a:t>
+            </a:r>
+          </a:p>
+          <a:p>
+            <a:r>
+              <a:rPr lang="en-US" altLang="zh-CN" dirty="0">
+                <a:solidFill>
+                  <a:schemeClr val="tx1"/>
+                </a:solidFill>
+                <a:latin typeface="Calibri" panose="020F0502020204030204" pitchFamily="34" charset="0"/>
+                <a:ea typeface="Calibri" panose="020F0502020204030204" pitchFamily="34" charset="0"/>
+                <a:cs typeface="Calibri" panose="020F0502020204030204" pitchFamily="34" charset="0"/>
+              </a:rPr>
+              <a:t>Page;</a:t>
+            </a:r>
+          </a:p>
+          <a:p>
+            <a:r>
+              <a:rPr lang="en-US" altLang="zh-CN" dirty="0" err="1">
+                <a:solidFill>
+                  <a:schemeClr val="tx1"/>
+                </a:solidFill>
+                <a:latin typeface="Calibri" panose="020F0502020204030204" pitchFamily="34" charset="0"/>
+                <a:ea typeface="Calibri" panose="020F0502020204030204" pitchFamily="34" charset="0"/>
+                <a:cs typeface="Calibri" panose="020F0502020204030204" pitchFamily="34" charset="0"/>
+              </a:rPr>
+              <a:t>PageWithButtons</a:t>
+            </a:r>
+            <a:r>
+              <a:rPr lang="en-US" altLang="zh-CN" dirty="0">
+                <a:solidFill>
+                  <a:schemeClr val="tx1"/>
+                </a:solidFill>
+                <a:latin typeface="Calibri" panose="020F0502020204030204" pitchFamily="34" charset="0"/>
+                <a:ea typeface="Calibri" panose="020F0502020204030204" pitchFamily="34" charset="0"/>
+                <a:cs typeface="Calibri" panose="020F0502020204030204" pitchFamily="34" charset="0"/>
+              </a:rPr>
+              <a:t>;</a:t>
+            </a:r>
+          </a:p>
+          <a:p>
+            <a:r>
+              <a:rPr lang="en-US" altLang="zh-CN" dirty="0">
+                <a:solidFill>
+                  <a:schemeClr val="tx1"/>
+                </a:solidFill>
+                <a:latin typeface="Calibri" panose="020F0502020204030204" pitchFamily="34" charset="0"/>
+                <a:ea typeface="Calibri" panose="020F0502020204030204" pitchFamily="34" charset="0"/>
+                <a:cs typeface="Calibri" panose="020F0502020204030204" pitchFamily="34" charset="0"/>
+              </a:rPr>
+              <a:t>…</a:t>
+            </a:r>
+            <a:endParaRPr lang="zh-CN" altLang="en-US" dirty="0">
+              <a:solidFill>
+                <a:schemeClr val="tx1"/>
+              </a:solidFill>
+              <a:latin typeface="Calibri" panose="020F0502020204030204" pitchFamily="34" charset="0"/>
+              <a:cs typeface="Calibri" panose="020F0502020204030204" pitchFamily="34" charset="0"/>
+            </a:endParaRPr>
+          </a:p>
+        </p:txBody>
+      </p:sp>
+      <p:sp>
+        <p:nvSpPr>
+          <p:cNvPr id="39" name="Rectangle 38">
+            <a:extLst>
+              <a:ext uri="{FF2B5EF4-FFF2-40B4-BE49-F238E27FC236}">
+                <a16:creationId xmlns:a16="http://schemas.microsoft.com/office/drawing/2014/main" id="{B5B24C34-8ACF-46DC-8327-391D28BC772B}"/>
+              </a:ext>
+            </a:extLst>
+          </p:cNvPr>
+          <p:cNvSpPr/>
+          <p:nvPr/>
+        </p:nvSpPr>
+        <p:spPr>
+          <a:xfrm>
+            <a:off x="4938847" y="4738689"/>
+            <a:ext cx="2314302" cy="1577202"/>
+          </a:xfrm>
+          <a:prstGeom prst="rect">
+            <a:avLst/>
+          </a:prstGeom>
+          <a:solidFill>
+            <a:schemeClr val="bg1"/>
+          </a:solidFill>
+          <a:ln>
+            <a:solidFill>
+              <a:schemeClr val="tx1"/>
+            </a:solidFill>
+          </a:ln>
+        </p:spPr>
+        <p:style>
+          <a:lnRef idx="2">
+            <a:schemeClr val="accent1">
+              <a:shade val="50000"/>
+            </a:schemeClr>
+          </a:lnRef>
+          <a:fillRef idx="1">
+            <a:schemeClr val="accent1"/>
+          </a:fillRef>
+          <a:effectRef idx="0">
+            <a:schemeClr val="accent1"/>
+          </a:effectRef>
+          <a:fontRef idx="minor">
+            <a:schemeClr val="lt1"/>
+          </a:fontRef>
+        </p:style>
+        <p:txBody>
+          <a:bodyPr rtlCol="0" anchor="ctr"/>
+          <a:lstStyle/>
+          <a:p>
+            <a:r>
+              <a:rPr lang="en-US" altLang="zh-CN" dirty="0" err="1">
+                <a:solidFill>
+                  <a:schemeClr val="tx1"/>
+                </a:solidFill>
+                <a:latin typeface="Calibri" panose="020F0502020204030204" pitchFamily="34" charset="0"/>
+                <a:ea typeface="Calibri" panose="020F0502020204030204" pitchFamily="34" charset="0"/>
+                <a:cs typeface="Calibri" panose="020F0502020204030204" pitchFamily="34" charset="0"/>
+              </a:rPr>
+              <a:t>ExternalRuntimeData</a:t>
+            </a:r>
+            <a:r>
+              <a:rPr lang="en-US" altLang="zh-CN" dirty="0">
+                <a:solidFill>
+                  <a:schemeClr val="tx1"/>
+                </a:solidFill>
+                <a:latin typeface="Calibri" panose="020F0502020204030204" pitchFamily="34" charset="0"/>
+                <a:ea typeface="Calibri" panose="020F0502020204030204" pitchFamily="34" charset="0"/>
+                <a:cs typeface="Calibri" panose="020F0502020204030204" pitchFamily="34" charset="0"/>
+              </a:rPr>
+              <a:t>;</a:t>
+            </a:r>
+          </a:p>
+          <a:p>
+            <a:r>
+              <a:rPr lang="en-US" altLang="zh-CN" dirty="0" err="1">
+                <a:solidFill>
+                  <a:schemeClr val="tx1"/>
+                </a:solidFill>
+                <a:latin typeface="Calibri" panose="020F0502020204030204" pitchFamily="34" charset="0"/>
+                <a:ea typeface="Calibri" panose="020F0502020204030204" pitchFamily="34" charset="0"/>
+                <a:cs typeface="Calibri" panose="020F0502020204030204" pitchFamily="34" charset="0"/>
+              </a:rPr>
+              <a:t>RuntimeUnit</a:t>
+            </a:r>
+            <a:r>
+              <a:rPr lang="en-US" altLang="zh-CN" dirty="0">
+                <a:solidFill>
+                  <a:schemeClr val="tx1"/>
+                </a:solidFill>
+                <a:latin typeface="Calibri" panose="020F0502020204030204" pitchFamily="34" charset="0"/>
+                <a:ea typeface="Calibri" panose="020F0502020204030204" pitchFamily="34" charset="0"/>
+                <a:cs typeface="Calibri" panose="020F0502020204030204" pitchFamily="34" charset="0"/>
+              </a:rPr>
+              <a:t>;</a:t>
+            </a:r>
+          </a:p>
+        </p:txBody>
+      </p:sp>
+      <p:sp>
+        <p:nvSpPr>
+          <p:cNvPr id="7" name="Rectangle 14">
+            <a:extLst>
+              <a:ext uri="{FF2B5EF4-FFF2-40B4-BE49-F238E27FC236}">
+                <a16:creationId xmlns:a16="http://schemas.microsoft.com/office/drawing/2014/main" id="{A525FDA7-ECE6-5B2A-E7B8-5DD594843250}"/>
+              </a:ext>
+            </a:extLst>
+          </p:cNvPr>
+          <p:cNvSpPr/>
+          <p:nvPr/>
+        </p:nvSpPr>
+        <p:spPr>
+          <a:xfrm>
+            <a:off x="10164525" y="3332255"/>
+            <a:ext cx="1515292" cy="875212"/>
+          </a:xfrm>
+          <a:prstGeom prst="rect">
+            <a:avLst/>
+          </a:prstGeom>
+          <a:solidFill>
+            <a:schemeClr val="bg1"/>
+          </a:solidFill>
+          <a:ln>
+            <a:solidFill>
+              <a:schemeClr val="tx1"/>
+            </a:solidFill>
+          </a:ln>
+        </p:spPr>
+        <p:style>
+          <a:lnRef idx="2">
+            <a:schemeClr val="accent1">
+              <a:shade val="50000"/>
+            </a:schemeClr>
+          </a:lnRef>
+          <a:fillRef idx="1">
+            <a:schemeClr val="accent1"/>
+          </a:fillRef>
+          <a:effectRef idx="0">
+            <a:schemeClr val="accent1"/>
+          </a:effectRef>
+          <a:fontRef idx="minor">
+            <a:schemeClr val="lt1"/>
+          </a:fontRef>
+        </p:style>
+        <p:txBody>
+          <a:bodyPr rtlCol="0" anchor="ctr"/>
+          <a:lstStyle/>
+          <a:p>
+            <a:pPr algn="ctr"/>
+            <a:r>
+              <a:rPr lang="en-US" altLang="zh-CN" dirty="0">
+                <a:solidFill>
+                  <a:schemeClr val="tx1"/>
+                </a:solidFill>
+                <a:latin typeface="Calibri" panose="020F0502020204030204" pitchFamily="34" charset="0"/>
+                <a:ea typeface="Calibri" panose="020F0502020204030204" pitchFamily="34" charset="0"/>
+                <a:cs typeface="Calibri" panose="020F0502020204030204" pitchFamily="34" charset="0"/>
+              </a:rPr>
+              <a:t>an</a:t>
+            </a:r>
+          </a:p>
+        </p:txBody>
+      </p:sp>
+      <p:cxnSp>
+        <p:nvCxnSpPr>
+          <p:cNvPr id="8" name="Straight Connector 15">
+            <a:extLst>
+              <a:ext uri="{FF2B5EF4-FFF2-40B4-BE49-F238E27FC236}">
+                <a16:creationId xmlns:a16="http://schemas.microsoft.com/office/drawing/2014/main" id="{66AA908D-5704-928C-98C0-16003C80C743}"/>
+              </a:ext>
+            </a:extLst>
+          </p:cNvPr>
+          <p:cNvCxnSpPr>
+            <a:cxnSpLocks/>
+            <a:stCxn id="3" idx="2"/>
+            <a:endCxn id="7" idx="0"/>
+          </p:cNvCxnSpPr>
+          <p:nvPr/>
+        </p:nvCxnSpPr>
+        <p:spPr>
+          <a:xfrm>
+            <a:off x="6096000" y="2801032"/>
+            <a:ext cx="4826171" cy="531223"/>
+          </a:xfrm>
+          <a:prstGeom prst="line">
+            <a:avLst/>
+          </a:prstGeom>
+          <a:ln w="19050">
+            <a:solidFill>
+              <a:schemeClr val="tx1"/>
+            </a:solidFill>
+          </a:ln>
+        </p:spPr>
+        <p:style>
+          <a:lnRef idx="1">
+            <a:schemeClr val="accent1"/>
+          </a:lnRef>
+          <a:fillRef idx="0">
+            <a:schemeClr val="accent1"/>
+          </a:fillRef>
+          <a:effectRef idx="0">
+            <a:schemeClr val="accent1"/>
+          </a:effectRef>
+          <a:fontRef idx="minor">
+            <a:schemeClr val="tx1"/>
+          </a:fontRef>
+        </p:style>
+      </p:cxnSp>
+    </p:spTree>
+    <p:extLst>
+      <p:ext uri="{BB962C8B-B14F-4D97-AF65-F5344CB8AC3E}">
+        <p14:creationId xmlns:p14="http://schemas.microsoft.com/office/powerpoint/2010/main" val="2933703945"/>
+      </p:ext>
+    </p:extLst>
+  </p:cSld>
+  <p:clrMapOvr>
+    <a:masterClrMapping/>
+  </p:clrMapOvr>
+</p:sld>
+</file>
+
+<file path=ppt/slides/slide11.xml><?xml version="1.0" encoding="utf-8"?>
+<p:sld xmlns:a="http://schemas.openxmlformats.org/drawingml/2006/main" xmlns:r="http://schemas.openxmlformats.org/officeDocument/2006/relationships" xmlns:p="http://schemas.openxmlformats.org/presentationml/2006/main">
+  <p:cSld>
+    <p:spTree>
+      <p:nvGrpSpPr>
+        <p:cNvPr id="1" name=""/>
+        <p:cNvGrpSpPr/>
+        <p:nvPr/>
+      </p:nvGrpSpPr>
+      <p:grpSpPr>
+        <a:xfrm>
+          <a:off x="0" y="0"/>
+          <a:ext cx="0" cy="0"/>
+          <a:chOff x="0" y="0"/>
+          <a:chExt cx="0" cy="0"/>
+        </a:xfrm>
+      </p:grpSpPr>
+      <p:sp>
+        <p:nvSpPr>
+          <p:cNvPr id="2" name="Title 1">
+            <a:extLst>
+              <a:ext uri="{FF2B5EF4-FFF2-40B4-BE49-F238E27FC236}">
+                <a16:creationId xmlns:a16="http://schemas.microsoft.com/office/drawing/2014/main" id="{67D4F5DE-B023-43CC-8D55-FA36D8041F62}"/>
+              </a:ext>
+            </a:extLst>
+          </p:cNvPr>
+          <p:cNvSpPr>
+            <a:spLocks noGrp="1"/>
+          </p:cNvSpPr>
+          <p:nvPr>
+            <p:ph type="title"/>
+          </p:nvPr>
+        </p:nvSpPr>
+        <p:spPr/>
+        <p:txBody>
+          <a:bodyPr/>
+          <a:lstStyle/>
+          <a:p>
+            <a:r>
+              <a:rPr lang="en-US" altLang="zh-CN" dirty="0">
+                <a:latin typeface="Calibri" panose="020F0502020204030204" pitchFamily="34" charset="0"/>
                 <a:cs typeface="Calibri" panose="020F0502020204030204" pitchFamily="34" charset="0"/>
               </a:rPr>
               <a:t>Page Transition Graph</a:t>
@@ -6735,6 +7803,334 @@
           </a:fontRef>
         </p:style>
       </p:cxnSp>
+      <p:graphicFrame>
+        <p:nvGraphicFramePr>
+          <p:cNvPr id="2" name="表格 1">
+            <a:extLst>
+              <a:ext uri="{FF2B5EF4-FFF2-40B4-BE49-F238E27FC236}">
+                <a16:creationId xmlns:a16="http://schemas.microsoft.com/office/drawing/2014/main" id="{727F9D8D-2064-0A2B-8354-56FCAA45E26A}"/>
+              </a:ext>
+            </a:extLst>
+          </p:cNvPr>
+          <p:cNvGraphicFramePr>
+            <a:graphicFrameLocks noGrp="1"/>
+          </p:cNvGraphicFramePr>
+          <p:nvPr>
+            <p:extLst>
+              <p:ext uri="{D42A27DB-BD31-4B8C-83A1-F6EECF244321}">
+                <p14:modId xmlns:p14="http://schemas.microsoft.com/office/powerpoint/2010/main" val="1608432109"/>
+              </p:ext>
+            </p:extLst>
+          </p:nvPr>
+        </p:nvGraphicFramePr>
+        <p:xfrm>
+          <a:off x="3535872" y="3555656"/>
+          <a:ext cx="5135110" cy="3031558"/>
+        </p:xfrm>
+        <a:graphic>
+          <a:graphicData uri="http://schemas.openxmlformats.org/drawingml/2006/table">
+            <a:tbl>
+              <a:tblPr firstRow="1" bandRow="1">
+                <a:tableStyleId>{5C22544A-7EE6-4342-B048-85BDC9FD1C3A}</a:tableStyleId>
+              </a:tblPr>
+              <a:tblGrid>
+                <a:gridCol w="5135110">
+                  <a:extLst>
+                    <a:ext uri="{9D8B030D-6E8A-4147-A177-3AD203B41FA5}">
+                      <a16:colId xmlns:a16="http://schemas.microsoft.com/office/drawing/2014/main" val="3627222243"/>
+                    </a:ext>
+                  </a:extLst>
+                </a:gridCol>
+              </a:tblGrid>
+              <a:tr h="555659">
+                <a:tc>
+                  <a:txBody>
+                    <a:bodyPr/>
+                    <a:lstStyle/>
+                    <a:p>
+                      <a:pPr algn="ctr"/>
+                      <a:r>
+                        <a:rPr lang="en-US" altLang="zh-CN" sz="2400" b="0" dirty="0" err="1">
+                          <a:latin typeface="Calibri" panose="020F0502020204030204" pitchFamily="34" charset="0"/>
+                          <a:cs typeface="Calibri" panose="020F0502020204030204" pitchFamily="34" charset="0"/>
+                        </a:rPr>
+                        <a:t>DynamicLabel</a:t>
+                      </a:r>
+                      <a:endParaRPr lang="zh-CN" altLang="en-US" sz="2400" b="0" dirty="0">
+                        <a:latin typeface="Calibri" panose="020F0502020204030204" pitchFamily="34" charset="0"/>
+                        <a:cs typeface="Calibri" panose="020F0502020204030204" pitchFamily="34" charset="0"/>
+                      </a:endParaRPr>
+                    </a:p>
+                  </a:txBody>
+                  <a:tcPr anchor="ctr"/>
+                </a:tc>
+                <a:extLst>
+                  <a:ext uri="{0D108BD9-81ED-4DB2-BD59-A6C34878D82A}">
+                    <a16:rowId xmlns:a16="http://schemas.microsoft.com/office/drawing/2014/main" val="3346152141"/>
+                  </a:ext>
+                </a:extLst>
+              </a:tr>
+              <a:tr h="555659">
+                <a:tc>
+                  <a:txBody>
+                    <a:bodyPr/>
+                    <a:lstStyle/>
+                    <a:p>
+                      <a:endParaRPr lang="zh-CN" altLang="en-US" sz="2400" dirty="0">
+                        <a:latin typeface="Calibri" panose="020F0502020204030204" pitchFamily="34" charset="0"/>
+                        <a:cs typeface="Calibri" panose="020F0502020204030204" pitchFamily="34" charset="0"/>
+                      </a:endParaRPr>
+                    </a:p>
+                  </a:txBody>
+                  <a:tcPr anchor="ctr"/>
+                </a:tc>
+                <a:extLst>
+                  <a:ext uri="{0D108BD9-81ED-4DB2-BD59-A6C34878D82A}">
+                    <a16:rowId xmlns:a16="http://schemas.microsoft.com/office/drawing/2014/main" val="4162875606"/>
+                  </a:ext>
+                </a:extLst>
+              </a:tr>
+              <a:tr h="555659">
+                <a:tc>
+                  <a:txBody>
+                    <a:bodyPr/>
+                    <a:lstStyle/>
+                    <a:p>
+                      <a:r>
+                        <a:rPr lang="en-US" altLang="zh-CN" sz="2400" dirty="0">
+                          <a:latin typeface="Calibri" panose="020F0502020204030204" pitchFamily="34" charset="0"/>
+                          <a:cs typeface="Calibri" panose="020F0502020204030204" pitchFamily="34" charset="0"/>
+                        </a:rPr>
+                        <a:t>+</a:t>
+                      </a:r>
+                      <a:r>
+                        <a:rPr lang="en-US" altLang="zh-CN" sz="2400" dirty="0" err="1">
+                          <a:latin typeface="Calibri" panose="020F0502020204030204" pitchFamily="34" charset="0"/>
+                          <a:cs typeface="Calibri" panose="020F0502020204030204" pitchFamily="34" charset="0"/>
+                        </a:rPr>
+                        <a:t>setColor</a:t>
+                      </a:r>
+                      <a:r>
+                        <a:rPr lang="en-US" altLang="zh-CN" sz="2400" dirty="0">
+                          <a:latin typeface="Calibri" panose="020F0502020204030204" pitchFamily="34" charset="0"/>
+                          <a:cs typeface="Calibri" panose="020F0502020204030204" pitchFamily="34" charset="0"/>
+                        </a:rPr>
+                        <a:t>()</a:t>
+                      </a:r>
+                    </a:p>
+                    <a:p>
+                      <a:r>
+                        <a:rPr lang="en-US" altLang="zh-CN" sz="2400" dirty="0">
+                          <a:latin typeface="Calibri" panose="020F0502020204030204" pitchFamily="34" charset="0"/>
+                          <a:cs typeface="Calibri" panose="020F0502020204030204" pitchFamily="34" charset="0"/>
+                        </a:rPr>
+                        <a:t>+</a:t>
+                      </a:r>
+                      <a:r>
+                        <a:rPr lang="en-US" altLang="zh-CN" sz="2400" dirty="0" err="1">
+                          <a:latin typeface="Calibri" panose="020F0502020204030204" pitchFamily="34" charset="0"/>
+                          <a:cs typeface="Calibri" panose="020F0502020204030204" pitchFamily="34" charset="0"/>
+                        </a:rPr>
+                        <a:t>setContent</a:t>
+                      </a:r>
+                      <a:r>
+                        <a:rPr lang="en-US" altLang="zh-CN" sz="2400" dirty="0">
+                          <a:latin typeface="Calibri" panose="020F0502020204030204" pitchFamily="34" charset="0"/>
+                          <a:cs typeface="Calibri" panose="020F0502020204030204" pitchFamily="34" charset="0"/>
+                        </a:rPr>
+                        <a:t>()</a:t>
+                      </a:r>
+                    </a:p>
+                    <a:p>
+                      <a:r>
+                        <a:rPr lang="en-US" altLang="zh-CN" sz="2400" dirty="0">
+                          <a:latin typeface="Calibri" panose="020F0502020204030204" pitchFamily="34" charset="0"/>
+                          <a:cs typeface="Calibri" panose="020F0502020204030204" pitchFamily="34" charset="0"/>
+                        </a:rPr>
+                        <a:t>+</a:t>
+                      </a:r>
+                      <a:r>
+                        <a:rPr lang="en-US" altLang="zh-CN" sz="2400" dirty="0" err="1">
+                          <a:latin typeface="Calibri" panose="020F0502020204030204" pitchFamily="34" charset="0"/>
+                          <a:cs typeface="Calibri" panose="020F0502020204030204" pitchFamily="34" charset="0"/>
+                        </a:rPr>
+                        <a:t>setFont</a:t>
+                      </a:r>
+                      <a:r>
+                        <a:rPr lang="en-US" altLang="zh-CN" sz="2400" dirty="0">
+                          <a:latin typeface="Calibri" panose="020F0502020204030204" pitchFamily="34" charset="0"/>
+                          <a:cs typeface="Calibri" panose="020F0502020204030204" pitchFamily="34" charset="0"/>
+                        </a:rPr>
+                        <a:t>()</a:t>
+                      </a:r>
+                    </a:p>
+                    <a:p>
+                      <a:r>
+                        <a:rPr lang="en-US" altLang="zh-CN" sz="2400" dirty="0">
+                          <a:latin typeface="Calibri" panose="020F0502020204030204" pitchFamily="34" charset="0"/>
+                          <a:cs typeface="Calibri" panose="020F0502020204030204" pitchFamily="34" charset="0"/>
+                        </a:rPr>
+                        <a:t>+</a:t>
+                      </a:r>
+                      <a:r>
+                        <a:rPr lang="en-US" altLang="zh-CN" sz="2400" dirty="0" err="1">
+                          <a:latin typeface="Calibri" panose="020F0502020204030204" pitchFamily="34" charset="0"/>
+                          <a:cs typeface="Calibri" panose="020F0502020204030204" pitchFamily="34" charset="0"/>
+                        </a:rPr>
+                        <a:t>setSize</a:t>
+                      </a:r>
+                      <a:r>
+                        <a:rPr lang="en-US" altLang="zh-CN" sz="2400" dirty="0">
+                          <a:latin typeface="Calibri" panose="020F0502020204030204" pitchFamily="34" charset="0"/>
+                          <a:cs typeface="Calibri" panose="020F0502020204030204" pitchFamily="34" charset="0"/>
+                        </a:rPr>
+                        <a:t>()</a:t>
+                      </a:r>
+                    </a:p>
+                    <a:p>
+                      <a:r>
+                        <a:rPr lang="en-US" altLang="zh-CN" sz="2400" dirty="0">
+                          <a:solidFill>
+                            <a:srgbClr val="FF0000"/>
+                          </a:solidFill>
+                          <a:latin typeface="Calibri" panose="020F0502020204030204" pitchFamily="34" charset="0"/>
+                          <a:cs typeface="Calibri" panose="020F0502020204030204" pitchFamily="34" charset="0"/>
+                        </a:rPr>
+                        <a:t>+</a:t>
+                      </a:r>
+                      <a:r>
+                        <a:rPr lang="en-US" altLang="zh-CN" sz="2400" dirty="0" err="1">
+                          <a:solidFill>
+                            <a:srgbClr val="FF0000"/>
+                          </a:solidFill>
+                          <a:latin typeface="Calibri" panose="020F0502020204030204" pitchFamily="34" charset="0"/>
+                          <a:cs typeface="Calibri" panose="020F0502020204030204" pitchFamily="34" charset="0"/>
+                        </a:rPr>
+                        <a:t>getSurf</a:t>
+                      </a:r>
+                      <a:r>
+                        <a:rPr lang="en-US" altLang="zh-CN" sz="2400" dirty="0">
+                          <a:solidFill>
+                            <a:srgbClr val="FF0000"/>
+                          </a:solidFill>
+                          <a:latin typeface="Calibri" panose="020F0502020204030204" pitchFamily="34" charset="0"/>
+                          <a:cs typeface="Calibri" panose="020F0502020204030204" pitchFamily="34" charset="0"/>
+                        </a:rPr>
+                        <a:t>()</a:t>
+                      </a:r>
+                      <a:endParaRPr lang="zh-CN" altLang="en-US" sz="2400" dirty="0">
+                        <a:solidFill>
+                          <a:srgbClr val="FF0000"/>
+                        </a:solidFill>
+                        <a:latin typeface="Calibri" panose="020F0502020204030204" pitchFamily="34" charset="0"/>
+                        <a:cs typeface="Calibri" panose="020F0502020204030204" pitchFamily="34" charset="0"/>
+                      </a:endParaRPr>
+                    </a:p>
+                  </a:txBody>
+                  <a:tcPr anchor="ctr"/>
+                </a:tc>
+                <a:extLst>
+                  <a:ext uri="{0D108BD9-81ED-4DB2-BD59-A6C34878D82A}">
+                    <a16:rowId xmlns:a16="http://schemas.microsoft.com/office/drawing/2014/main" val="2161683205"/>
+                  </a:ext>
+                </a:extLst>
+              </a:tr>
+            </a:tbl>
+          </a:graphicData>
+        </a:graphic>
+      </p:graphicFrame>
+      <p:sp>
+        <p:nvSpPr>
+          <p:cNvPr id="7" name="等腰三角形 6">
+            <a:extLst>
+              <a:ext uri="{FF2B5EF4-FFF2-40B4-BE49-F238E27FC236}">
+                <a16:creationId xmlns:a16="http://schemas.microsoft.com/office/drawing/2014/main" id="{AACE2DDA-64CD-3938-D274-2B79C5445F86}"/>
+              </a:ext>
+            </a:extLst>
+          </p:cNvPr>
+          <p:cNvSpPr/>
+          <p:nvPr/>
+        </p:nvSpPr>
+        <p:spPr>
+          <a:xfrm>
+            <a:off x="5917719" y="3083025"/>
+            <a:ext cx="201283" cy="276045"/>
+          </a:xfrm>
+          <a:prstGeom prst="triangle">
+            <a:avLst/>
+          </a:prstGeom>
+          <a:noFill/>
+          <a:ln w="19050"/>
+        </p:spPr>
+        <p:style>
+          <a:lnRef idx="2">
+            <a:schemeClr val="accent1">
+              <a:shade val="15000"/>
+            </a:schemeClr>
+          </a:lnRef>
+          <a:fillRef idx="1">
+            <a:schemeClr val="accent1"/>
+          </a:fillRef>
+          <a:effectRef idx="0">
+            <a:schemeClr val="accent1"/>
+          </a:effectRef>
+          <a:fontRef idx="minor">
+            <a:schemeClr val="lt1"/>
+          </a:fontRef>
+        </p:style>
+        <p:txBody>
+          <a:bodyPr rtlCol="0" anchor="ctr"/>
+          <a:lstStyle/>
+          <a:p>
+            <a:pPr algn="ctr"/>
+            <a:endParaRPr lang="zh-CN" altLang="en-US"/>
+          </a:p>
+        </p:txBody>
+      </p:sp>
+      <p:cxnSp>
+        <p:nvCxnSpPr>
+          <p:cNvPr id="8" name="直接连接符 7">
+            <a:extLst>
+              <a:ext uri="{FF2B5EF4-FFF2-40B4-BE49-F238E27FC236}">
+                <a16:creationId xmlns:a16="http://schemas.microsoft.com/office/drawing/2014/main" id="{4A80CC79-4203-3023-AD3A-DF25CE405ADD}"/>
+              </a:ext>
+            </a:extLst>
+          </p:cNvPr>
+          <p:cNvCxnSpPr>
+            <a:cxnSpLocks/>
+            <a:stCxn id="7" idx="3"/>
+          </p:cNvCxnSpPr>
+          <p:nvPr/>
+        </p:nvCxnSpPr>
+        <p:spPr>
+          <a:xfrm>
+            <a:off x="6018361" y="3359070"/>
+            <a:ext cx="0" cy="393170"/>
+          </a:xfrm>
+          <a:prstGeom prst="line">
+            <a:avLst/>
+          </a:prstGeom>
+          <a:ln w="19050">
+            <a:solidFill>
+              <a:schemeClr val="tx1"/>
+            </a:solidFill>
+          </a:ln>
+        </p:spPr>
+        <p:style>
+          <a:lnRef idx="1">
+            <a:schemeClr val="accent1"/>
+          </a:lnRef>
+          <a:fillRef idx="0">
+            <a:schemeClr val="accent1"/>
+          </a:fillRef>
+          <a:effectRef idx="0">
+            <a:schemeClr val="accent1"/>
+          </a:effectRef>
+          <a:fontRef idx="minor">
+            <a:schemeClr val="tx1"/>
+          </a:fontRef>
+        </p:style>
+      </p:cxnSp>
     </p:spTree>
     <p:extLst>
       <p:ext uri="{BB962C8B-B14F-4D97-AF65-F5344CB8AC3E}">
@@ -6767,10 +8163,10 @@
       </p:grpSpPr>
       <p:graphicFrame>
         <p:nvGraphicFramePr>
-          <p:cNvPr id="3" name="表格 2">
-            <a:extLst>
-              <a:ext uri="{FF2B5EF4-FFF2-40B4-BE49-F238E27FC236}">
-                <a16:creationId xmlns:a16="http://schemas.microsoft.com/office/drawing/2014/main" id="{727F9D8D-2064-0A2B-8354-56FCAA45E26A}"/>
+          <p:cNvPr id="16" name="表格 15">
+            <a:extLst>
+              <a:ext uri="{FF2B5EF4-FFF2-40B4-BE49-F238E27FC236}">
+                <a16:creationId xmlns:a16="http://schemas.microsoft.com/office/drawing/2014/main" id="{EB1C4A40-80C5-7BA1-0D7D-5BB576CB3728}"/>
               </a:ext>
             </a:extLst>
           </p:cNvPr>
@@ -6780,14 +8176,14 @@
           <p:nvPr>
             <p:extLst>
               <p:ext uri="{D42A27DB-BD31-4B8C-83A1-F6EECF244321}">
-                <p14:modId xmlns:p14="http://schemas.microsoft.com/office/powerpoint/2010/main" val="3280866682"/>
+                <p14:modId xmlns:p14="http://schemas.microsoft.com/office/powerpoint/2010/main" val="3175080709"/>
               </p:ext>
             </p:extLst>
           </p:nvPr>
         </p:nvGraphicFramePr>
         <p:xfrm>
-          <a:off x="9686505" y="1185321"/>
-          <a:ext cx="1845094" cy="2574358"/>
+          <a:off x="1187570" y="465827"/>
+          <a:ext cx="9816860" cy="5834595"/>
         </p:xfrm>
         <a:graphic>
           <a:graphicData uri="http://schemas.openxmlformats.org/drawingml/2006/table">
@@ -6796,7 +8192,7 @@
                 <a:tableStyleId>{5C22544A-7EE6-4342-B048-85BDC9FD1C3A}</a:tableStyleId>
               </a:tblPr>
               <a:tblGrid>
-                <a:gridCol w="1845094">
+                <a:gridCol w="9816860">
                   <a:extLst>
                     <a:ext uri="{9D8B030D-6E8A-4147-A177-3AD203B41FA5}">
                       <a16:colId xmlns:a16="http://schemas.microsoft.com/office/drawing/2014/main" val="3627222243"/>
@@ -6804,7 +8200,7 @@
                   </a:extLst>
                 </a:gridCol>
               </a:tblGrid>
-              <a:tr h="555659">
+              <a:tr h="579368">
                 <a:tc>
                   <a:txBody>
                     <a:bodyPr/>
@@ -6812,13 +8208,13 @@
                     <a:p>
                       <a:pPr algn="ctr"/>
                       <a:r>
-                        <a:rPr lang="en-US" altLang="zh-CN" b="0" dirty="0" err="1">
-                          <a:latin typeface="Calibri" panose="020F0502020204030204" pitchFamily="34" charset="0"/>
-                          <a:cs typeface="Calibri" panose="020F0502020204030204" pitchFamily="34" charset="0"/>
-                        </a:rPr>
-                        <a:t>DynamicLabel</a:t>
-                      </a:r>
-                      <a:endParaRPr lang="zh-CN" altLang="en-US" b="0" dirty="0">
+                        <a:rPr lang="en-US" altLang="zh-CN" sz="2400" b="0" dirty="0" err="1">
+                          <a:latin typeface="Calibri" panose="020F0502020204030204" pitchFamily="34" charset="0"/>
+                          <a:cs typeface="Calibri" panose="020F0502020204030204" pitchFamily="34" charset="0"/>
+                        </a:rPr>
+                        <a:t>core.RuntimeUnit</a:t>
+                      </a:r>
+                      <a:endParaRPr lang="zh-CN" altLang="en-US" sz="2400" b="0" dirty="0">
                         <a:latin typeface="Calibri" panose="020F0502020204030204" pitchFamily="34" charset="0"/>
                         <a:cs typeface="Calibri" panose="020F0502020204030204" pitchFamily="34" charset="0"/>
                       </a:endParaRPr>
@@ -6832,13 +8228,72 @@
                   </a:ext>
                 </a:extLst>
               </a:tr>
-              <a:tr h="555659">
+              <a:tr h="1506187">
                 <a:tc>
                   <a:txBody>
                     <a:bodyPr/>
                     <a:lstStyle/>
                     <a:p>
-                      <a:endParaRPr lang="zh-CN" altLang="en-US" dirty="0">
+                      <a:r>
+                        <a:rPr lang="en-US" altLang="zh-CN" sz="2000" dirty="0">
+                          <a:latin typeface="Calibri" panose="020F0502020204030204" pitchFamily="34" charset="0"/>
+                          <a:cs typeface="Calibri" panose="020F0502020204030204" pitchFamily="34" charset="0"/>
+                        </a:rPr>
+                        <a:t>+screen: Surface</a:t>
+                      </a:r>
+                    </a:p>
+                    <a:p>
+                      <a:r>
+                        <a:rPr lang="en-US" altLang="zh-CN" sz="2000" dirty="0">
+                          <a:latin typeface="Calibri" panose="020F0502020204030204" pitchFamily="34" charset="0"/>
+                          <a:cs typeface="Calibri" panose="020F0502020204030204" pitchFamily="34" charset="0"/>
+                        </a:rPr>
+                        <a:t>+</a:t>
+                      </a:r>
+                      <a:r>
+                        <a:rPr lang="en-US" altLang="zh-CN" sz="2000" dirty="0" err="1">
+                          <a:latin typeface="Calibri" panose="020F0502020204030204" pitchFamily="34" charset="0"/>
+                          <a:cs typeface="Calibri" panose="020F0502020204030204" pitchFamily="34" charset="0"/>
+                        </a:rPr>
+                        <a:t>is_full_screen</a:t>
+                      </a:r>
+                      <a:r>
+                        <a:rPr lang="en-US" altLang="zh-CN" sz="2000" dirty="0">
+                          <a:latin typeface="Calibri" panose="020F0502020204030204" pitchFamily="34" charset="0"/>
+                          <a:cs typeface="Calibri" panose="020F0502020204030204" pitchFamily="34" charset="0"/>
+                        </a:rPr>
+                        <a:t>: bool</a:t>
+                      </a:r>
+                    </a:p>
+                    <a:p>
+                      <a:r>
+                        <a:rPr lang="en-US" altLang="zh-CN" sz="2000" dirty="0">
+                          <a:latin typeface="Calibri" panose="020F0502020204030204" pitchFamily="34" charset="0"/>
+                          <a:cs typeface="Calibri" panose="020F0502020204030204" pitchFamily="34" charset="0"/>
+                        </a:rPr>
+                        <a:t>+clock: </a:t>
+                      </a:r>
+                      <a:r>
+                        <a:rPr lang="en-US" altLang="zh-CN" sz="2000" dirty="0" err="1">
+                          <a:latin typeface="Calibri" panose="020F0502020204030204" pitchFamily="34" charset="0"/>
+                          <a:cs typeface="Calibri" panose="020F0502020204030204" pitchFamily="34" charset="0"/>
+                        </a:rPr>
+                        <a:t>pygame.time.Clock</a:t>
+                      </a:r>
+                      <a:endParaRPr lang="en-US" altLang="zh-CN" sz="2000" dirty="0">
+                        <a:latin typeface="Calibri" panose="020F0502020204030204" pitchFamily="34" charset="0"/>
+                        <a:cs typeface="Calibri" panose="020F0502020204030204" pitchFamily="34" charset="0"/>
+                      </a:endParaRPr>
+                    </a:p>
+                    <a:p>
+                      <a:r>
+                        <a:rPr lang="en-US" altLang="zh-CN" sz="2000" dirty="0">
+                          <a:latin typeface="Calibri" panose="020F0502020204030204" pitchFamily="34" charset="0"/>
+                          <a:cs typeface="Calibri" panose="020F0502020204030204" pitchFamily="34" charset="0"/>
+                        </a:rPr>
+                        <a:t>+fps: int</a:t>
+                      </a:r>
+                      <a:endParaRPr lang="zh-CN" altLang="en-US" sz="2000" dirty="0">
                         <a:latin typeface="Calibri" panose="020F0502020204030204" pitchFamily="34" charset="0"/>
                         <a:cs typeface="Calibri" panose="020F0502020204030204" pitchFamily="34" charset="0"/>
                       </a:endParaRPr>
@@ -6852,51 +8307,51 @@
                   </a:ext>
                 </a:extLst>
               </a:tr>
-              <a:tr h="555659">
+              <a:tr h="2896513">
                 <a:tc>
                   <a:txBody>
                     <a:bodyPr/>
                     <a:lstStyle/>
                     <a:p>
                       <a:r>
-                        <a:rPr lang="en-US" altLang="zh-CN" dirty="0">
+                        <a:rPr lang="en-US" altLang="zh-CN" sz="2000" dirty="0">
                           <a:latin typeface="Calibri" panose="020F0502020204030204" pitchFamily="34" charset="0"/>
                           <a:cs typeface="Calibri" panose="020F0502020204030204" pitchFamily="34" charset="0"/>
                         </a:rPr>
                         <a:t>+</a:t>
                       </a:r>
                       <a:r>
-                        <a:rPr lang="en-US" altLang="zh-CN" dirty="0" err="1">
-                          <a:latin typeface="Calibri" panose="020F0502020204030204" pitchFamily="34" charset="0"/>
-                          <a:cs typeface="Calibri" panose="020F0502020204030204" pitchFamily="34" charset="0"/>
-                        </a:rPr>
-                        <a:t>setColor</a:t>
-                      </a:r>
-                      <a:r>
-                        <a:rPr lang="en-US" altLang="zh-CN" dirty="0">
-                          <a:latin typeface="Calibri" panose="020F0502020204030204" pitchFamily="34" charset="0"/>
-                          <a:cs typeface="Calibri" panose="020F0502020204030204" pitchFamily="34" charset="0"/>
-                        </a:rPr>
-                        <a:t>()</a:t>
+                        <a:rPr lang="en-US" altLang="zh-CN" sz="2000" dirty="0" err="1">
+                          <a:latin typeface="Calibri" panose="020F0502020204030204" pitchFamily="34" charset="0"/>
+                          <a:cs typeface="Calibri" panose="020F0502020204030204" pitchFamily="34" charset="0"/>
+                        </a:rPr>
+                        <a:t>blits_on_the_screen_and_flip_it</a:t>
+                      </a:r>
+                      <a:r>
+                        <a:rPr lang="en-US" altLang="zh-CN" sz="2000" dirty="0">
+                          <a:latin typeface="Calibri" panose="020F0502020204030204" pitchFamily="34" charset="0"/>
+                          <a:cs typeface="Calibri" panose="020F0502020204030204" pitchFamily="34" charset="0"/>
+                        </a:rPr>
+                        <a:t>(): ???</a:t>
                       </a:r>
                     </a:p>
                     <a:p>
                       <a:r>
-                        <a:rPr lang="en-US" altLang="zh-CN" dirty="0">
+                        <a:rPr lang="en-US" altLang="zh-CN" sz="2000" dirty="0">
                           <a:latin typeface="Calibri" panose="020F0502020204030204" pitchFamily="34" charset="0"/>
                           <a:cs typeface="Calibri" panose="020F0502020204030204" pitchFamily="34" charset="0"/>
                         </a:rPr>
                         <a:t>+</a:t>
                       </a:r>
                       <a:r>
-                        <a:rPr lang="en-US" altLang="zh-CN" dirty="0" err="1">
-                          <a:latin typeface="Calibri" panose="020F0502020204030204" pitchFamily="34" charset="0"/>
-                          <a:cs typeface="Calibri" panose="020F0502020204030204" pitchFamily="34" charset="0"/>
-                        </a:rPr>
-                        <a:t>setContent</a:t>
-                      </a:r>
-                      <a:r>
-                        <a:rPr lang="en-US" altLang="zh-CN" dirty="0">
+                        <a:rPr lang="en-US" altLang="zh-CN" sz="2000" dirty="0" err="1">
+                          <a:latin typeface="Calibri" panose="020F0502020204030204" pitchFamily="34" charset="0"/>
+                          <a:cs typeface="Calibri" panose="020F0502020204030204" pitchFamily="34" charset="0"/>
+                        </a:rPr>
+                        <a:t>check_if_user_clicked_or_pressed</a:t>
+                      </a:r>
+                      <a:r>
+                        <a:rPr lang="en-US" altLang="zh-CN" sz="2000" dirty="0">
                           <a:latin typeface="Calibri" panose="020F0502020204030204" pitchFamily="34" charset="0"/>
                           <a:cs typeface="Calibri" panose="020F0502020204030204" pitchFamily="34" charset="0"/>
                         </a:rPr>
@@ -6905,44 +8360,30 @@
                     </a:p>
                     <a:p>
                       <a:r>
-                        <a:rPr lang="en-US" altLang="zh-CN" dirty="0">
-                          <a:latin typeface="Calibri" panose="020F0502020204030204" pitchFamily="34" charset="0"/>
-                          <a:cs typeface="Calibri" panose="020F0502020204030204" pitchFamily="34" charset="0"/>
-                        </a:rPr>
-                        <a:t>+</a:t>
-                      </a:r>
-                      <a:r>
-                        <a:rPr lang="en-US" altLang="zh-CN" dirty="0" err="1">
-                          <a:latin typeface="Calibri" panose="020F0502020204030204" pitchFamily="34" charset="0"/>
-                          <a:cs typeface="Calibri" panose="020F0502020204030204" pitchFamily="34" charset="0"/>
-                        </a:rPr>
-                        <a:t>setFont</a:t>
-                      </a:r>
-                      <a:r>
-                        <a:rPr lang="en-US" altLang="zh-CN" dirty="0">
-                          <a:latin typeface="Calibri" panose="020F0502020204030204" pitchFamily="34" charset="0"/>
-                          <a:cs typeface="Calibri" panose="020F0502020204030204" pitchFamily="34" charset="0"/>
-                        </a:rPr>
-                        <a:t>()</a:t>
+                        <a:rPr lang="en-US" altLang="zh-CN" sz="2000" dirty="0">
+                          <a:latin typeface="Calibri" panose="020F0502020204030204" pitchFamily="34" charset="0"/>
+                          <a:cs typeface="Calibri" panose="020F0502020204030204" pitchFamily="34" charset="0"/>
+                        </a:rPr>
+                        <a:t>+check_if_user_pressed_f5()</a:t>
                       </a:r>
                     </a:p>
                     <a:p>
                       <a:r>
-                        <a:rPr lang="en-US" altLang="zh-CN" dirty="0">
+                        <a:rPr lang="en-US" altLang="zh-CN" sz="2000" dirty="0">
                           <a:latin typeface="Calibri" panose="020F0502020204030204" pitchFamily="34" charset="0"/>
                           <a:cs typeface="Calibri" panose="020F0502020204030204" pitchFamily="34" charset="0"/>
                         </a:rPr>
                         <a:t>+</a:t>
                       </a:r>
                       <a:r>
-                        <a:rPr lang="en-US" altLang="zh-CN" dirty="0" err="1">
-                          <a:latin typeface="Calibri" panose="020F0502020204030204" pitchFamily="34" charset="0"/>
-                          <a:cs typeface="Calibri" panose="020F0502020204030204" pitchFamily="34" charset="0"/>
-                        </a:rPr>
-                        <a:t>setSize</a:t>
-                      </a:r>
-                      <a:r>
-                        <a:rPr lang="en-US" altLang="zh-CN" dirty="0">
+                        <a:rPr lang="en-US" altLang="zh-CN" sz="2000" dirty="0" err="1">
+                          <a:latin typeface="Calibri" panose="020F0502020204030204" pitchFamily="34" charset="0"/>
+                          <a:cs typeface="Calibri" panose="020F0502020204030204" pitchFamily="34" charset="0"/>
+                        </a:rPr>
+                        <a:t>clear_screen_without_flipping</a:t>
+                      </a:r>
+                      <a:r>
+                        <a:rPr lang="en-US" altLang="zh-CN" sz="2000" dirty="0">
                           <a:latin typeface="Calibri" panose="020F0502020204030204" pitchFamily="34" charset="0"/>
                           <a:cs typeface="Calibri" panose="020F0502020204030204" pitchFamily="34" charset="0"/>
                         </a:rPr>
@@ -6951,27 +8392,146 @@
                     </a:p>
                     <a:p>
                       <a:r>
-                        <a:rPr lang="en-US" altLang="zh-CN" dirty="0">
+                        <a:rPr lang="en-US" altLang="zh-CN" sz="2000" dirty="0">
                           <a:latin typeface="Calibri" panose="020F0502020204030204" pitchFamily="34" charset="0"/>
                           <a:cs typeface="Calibri" panose="020F0502020204030204" pitchFamily="34" charset="0"/>
                         </a:rPr>
                         <a:t>+</a:t>
                       </a:r>
                       <a:r>
-                        <a:rPr lang="en-US" altLang="zh-CN" dirty="0" err="1">
-                          <a:latin typeface="Calibri" panose="020F0502020204030204" pitchFamily="34" charset="0"/>
-                          <a:cs typeface="Calibri" panose="020F0502020204030204" pitchFamily="34" charset="0"/>
-                        </a:rPr>
-                        <a:t>getSurf</a:t>
-                      </a:r>
-                      <a:r>
-                        <a:rPr lang="en-US" altLang="zh-CN" dirty="0">
+                        <a:rPr lang="en-US" altLang="zh-CN" sz="2000" dirty="0" err="1">
+                          <a:latin typeface="Calibri" panose="020F0502020204030204" pitchFamily="34" charset="0"/>
+                          <a:cs typeface="Calibri" panose="020F0502020204030204" pitchFamily="34" charset="0"/>
+                        </a:rPr>
+                        <a:t>clear_screen_and_flip</a:t>
+                      </a:r>
+                      <a:r>
+                        <a:rPr lang="en-US" altLang="zh-CN" sz="2000" dirty="0">
                           <a:latin typeface="Calibri" panose="020F0502020204030204" pitchFamily="34" charset="0"/>
                           <a:cs typeface="Calibri" panose="020F0502020204030204" pitchFamily="34" charset="0"/>
                         </a:rPr>
                         <a:t>()</a:t>
                       </a:r>
-                      <a:endParaRPr lang="zh-CN" altLang="en-US" dirty="0">
+                    </a:p>
+                    <a:p>
+                      <a:r>
+                        <a:rPr lang="en-US" altLang="zh-CN" sz="2000" dirty="0">
+                          <a:latin typeface="Calibri" panose="020F0502020204030204" pitchFamily="34" charset="0"/>
+                          <a:cs typeface="Calibri" panose="020F0502020204030204" pitchFamily="34" charset="0"/>
+                        </a:rPr>
+                        <a:t>+flip()</a:t>
+                      </a:r>
+                    </a:p>
+                    <a:p>
+                      <a:r>
+                        <a:rPr lang="en-US" altLang="zh-CN" sz="2000" dirty="0">
+                          <a:latin typeface="Calibri" panose="020F0502020204030204" pitchFamily="34" charset="0"/>
+                          <a:cs typeface="Calibri" panose="020F0502020204030204" pitchFamily="34" charset="0"/>
+                        </a:rPr>
+                        <a:t>+</a:t>
+                      </a:r>
+                      <a:r>
+                        <a:rPr lang="en-US" altLang="zh-CN" sz="2000" dirty="0" err="1">
+                          <a:latin typeface="Calibri" panose="020F0502020204030204" pitchFamily="34" charset="0"/>
+                          <a:cs typeface="Calibri" panose="020F0502020204030204" pitchFamily="34" charset="0"/>
+                        </a:rPr>
+                        <a:t>handle_universal_events_during_each_animation_frame</a:t>
+                      </a:r>
+                      <a:r>
+                        <a:rPr lang="en-US" altLang="zh-CN" sz="2000" dirty="0">
+                          <a:latin typeface="Calibri" panose="020F0502020204030204" pitchFamily="34" charset="0"/>
+                          <a:cs typeface="Calibri" panose="020F0502020204030204" pitchFamily="34" charset="0"/>
+                        </a:rPr>
+                        <a:t>()</a:t>
+                      </a:r>
+                    </a:p>
+                    <a:p>
+                      <a:r>
+                        <a:rPr lang="en-US" altLang="zh-CN" sz="2000" dirty="0">
+                          <a:latin typeface="Calibri" panose="020F0502020204030204" pitchFamily="34" charset="0"/>
+                          <a:cs typeface="Calibri" panose="020F0502020204030204" pitchFamily="34" charset="0"/>
+                        </a:rPr>
+                        <a:t>+sleep()</a:t>
+                      </a:r>
+                    </a:p>
+                    <a:p>
+                      <a:r>
+                        <a:rPr lang="en-US" altLang="zh-CN" sz="2000" dirty="0">
+                          <a:latin typeface="Calibri" panose="020F0502020204030204" pitchFamily="34" charset="0"/>
+                          <a:cs typeface="Calibri" panose="020F0502020204030204" pitchFamily="34" charset="0"/>
+                        </a:rPr>
+                        <a:t>+</a:t>
+                      </a:r>
+                      <a:r>
+                        <a:rPr lang="en-US" altLang="zh-CN" sz="2000" dirty="0" err="1">
+                          <a:latin typeface="Calibri" panose="020F0502020204030204" pitchFamily="34" charset="0"/>
+                          <a:cs typeface="Calibri" panose="020F0502020204030204" pitchFamily="34" charset="0"/>
+                        </a:rPr>
+                        <a:t>start_waiting</a:t>
+                      </a:r>
+                      <a:r>
+                        <a:rPr lang="en-US" altLang="zh-CN" sz="2000" dirty="0">
+                          <a:latin typeface="Calibri" panose="020F0502020204030204" pitchFamily="34" charset="0"/>
+                          <a:cs typeface="Calibri" panose="020F0502020204030204" pitchFamily="34" charset="0"/>
+                        </a:rPr>
+                        <a:t>()</a:t>
+                      </a:r>
+                    </a:p>
+                    <a:p>
+                      <a:r>
+                        <a:rPr lang="en-US" altLang="zh-CN" sz="2000" dirty="0">
+                          <a:latin typeface="Calibri" panose="020F0502020204030204" pitchFamily="34" charset="0"/>
+                          <a:cs typeface="Calibri" panose="020F0502020204030204" pitchFamily="34" charset="0"/>
+                        </a:rPr>
+                        <a:t>+</a:t>
+                      </a:r>
+                      <a:r>
+                        <a:rPr lang="en-US" altLang="zh-CN" sz="2000" dirty="0" err="1">
+                          <a:latin typeface="Calibri" panose="020F0502020204030204" pitchFamily="34" charset="0"/>
+                          <a:cs typeface="Calibri" panose="020F0502020204030204" pitchFamily="34" charset="0"/>
+                        </a:rPr>
+                        <a:t>stop_waiting</a:t>
+                      </a:r>
+                      <a:r>
+                        <a:rPr lang="en-US" altLang="zh-CN" sz="2000" dirty="0">
+                          <a:latin typeface="Calibri" panose="020F0502020204030204" pitchFamily="34" charset="0"/>
+                          <a:cs typeface="Calibri" panose="020F0502020204030204" pitchFamily="34" charset="0"/>
+                        </a:rPr>
+                        <a:t>()</a:t>
+                      </a:r>
+                    </a:p>
+                    <a:p>
+                      <a:r>
+                        <a:rPr lang="en-US" altLang="zh-CN" sz="2000" dirty="0">
+                          <a:latin typeface="Calibri" panose="020F0502020204030204" pitchFamily="34" charset="0"/>
+                          <a:cs typeface="Calibri" panose="020F0502020204030204" pitchFamily="34" charset="0"/>
+                        </a:rPr>
+                        <a:t>+</a:t>
+                      </a:r>
+                      <a:r>
+                        <a:rPr lang="en-US" altLang="zh-CN" sz="2000" dirty="0" err="1">
+                          <a:latin typeface="Calibri" panose="020F0502020204030204" pitchFamily="34" charset="0"/>
+                          <a:cs typeface="Calibri" panose="020F0502020204030204" pitchFamily="34" charset="0"/>
+                        </a:rPr>
+                        <a:t>update_a_local_area_of_screen</a:t>
+                      </a:r>
+                      <a:r>
+                        <a:rPr lang="en-US" altLang="zh-CN" sz="2000" dirty="0">
+                          <a:latin typeface="Calibri" panose="020F0502020204030204" pitchFamily="34" charset="0"/>
+                          <a:cs typeface="Calibri" panose="020F0502020204030204" pitchFamily="34" charset="0"/>
+                        </a:rPr>
+                        <a:t>()</a:t>
+                      </a:r>
+                    </a:p>
+                    <a:p>
+                      <a:r>
+                        <a:rPr lang="en-US" altLang="zh-CN" sz="2000" dirty="0">
+                          <a:latin typeface="Calibri" panose="020F0502020204030204" pitchFamily="34" charset="0"/>
+                          <a:cs typeface="Calibri" panose="020F0502020204030204" pitchFamily="34" charset="0"/>
+                        </a:rPr>
+                        <a:t>…</a:t>
+                      </a:r>
+                      <a:endParaRPr lang="zh-CN" altLang="en-US" sz="2000" dirty="0">
                         <a:latin typeface="Calibri" panose="020F0502020204030204" pitchFamily="34" charset="0"/>
                         <a:cs typeface="Calibri" panose="020F0502020204030204" pitchFamily="34" charset="0"/>
                       </a:endParaRPr>
@@ -6989,187 +8549,10 @@
           </a:graphicData>
         </a:graphic>
       </p:graphicFrame>
-      <p:sp>
-        <p:nvSpPr>
-          <p:cNvPr id="5" name="等腰三角形 4">
-            <a:extLst>
-              <a:ext uri="{FF2B5EF4-FFF2-40B4-BE49-F238E27FC236}">
-                <a16:creationId xmlns:a16="http://schemas.microsoft.com/office/drawing/2014/main" id="{2506BC1B-3DE9-10B6-0344-9EB25868E75B}"/>
-              </a:ext>
-            </a:extLst>
-          </p:cNvPr>
-          <p:cNvSpPr/>
-          <p:nvPr/>
-        </p:nvSpPr>
-        <p:spPr>
-          <a:xfrm rot="16200000">
-            <a:off x="8718429" y="2334477"/>
-            <a:ext cx="201283" cy="276045"/>
-          </a:xfrm>
-          <a:prstGeom prst="triangle">
-            <a:avLst/>
-          </a:prstGeom>
-          <a:noFill/>
-          <a:ln w="19050"/>
-        </p:spPr>
-        <p:style>
-          <a:lnRef idx="2">
-            <a:schemeClr val="accent1">
-              <a:shade val="15000"/>
-            </a:schemeClr>
-          </a:lnRef>
-          <a:fillRef idx="1">
-            <a:schemeClr val="accent1"/>
-          </a:fillRef>
-          <a:effectRef idx="0">
-            <a:schemeClr val="accent1"/>
-          </a:effectRef>
-          <a:fontRef idx="minor">
-            <a:schemeClr val="lt1"/>
-          </a:fontRef>
-        </p:style>
-        <p:txBody>
-          <a:bodyPr rtlCol="0" anchor="ctr"/>
-          <a:lstStyle/>
-          <a:p>
-            <a:pPr algn="ctr"/>
-            <a:endParaRPr lang="zh-CN" altLang="en-US"/>
-          </a:p>
-        </p:txBody>
-      </p:sp>
-      <p:cxnSp>
-        <p:nvCxnSpPr>
-          <p:cNvPr id="7" name="直接连接符 6">
-            <a:extLst>
-              <a:ext uri="{FF2B5EF4-FFF2-40B4-BE49-F238E27FC236}">
-                <a16:creationId xmlns:a16="http://schemas.microsoft.com/office/drawing/2014/main" id="{F1012374-3F66-15AC-1E6F-F69B0B692C63}"/>
-              </a:ext>
-            </a:extLst>
-          </p:cNvPr>
-          <p:cNvCxnSpPr>
-            <a:cxnSpLocks/>
-            <a:stCxn id="5" idx="3"/>
-            <a:endCxn id="3" idx="1"/>
-          </p:cNvCxnSpPr>
-          <p:nvPr/>
-        </p:nvCxnSpPr>
-        <p:spPr>
-          <a:xfrm>
-            <a:off x="8957093" y="2472499"/>
-            <a:ext cx="729412" cy="1"/>
-          </a:xfrm>
-          <a:prstGeom prst="line">
-            <a:avLst/>
-          </a:prstGeom>
-          <a:ln w="19050"/>
-        </p:spPr>
-        <p:style>
-          <a:lnRef idx="1">
-            <a:schemeClr val="accent1"/>
-          </a:lnRef>
-          <a:fillRef idx="0">
-            <a:schemeClr val="accent1"/>
-          </a:fillRef>
-          <a:effectRef idx="0">
-            <a:schemeClr val="accent1"/>
-          </a:effectRef>
-          <a:fontRef idx="minor">
-            <a:schemeClr val="tx1"/>
-          </a:fontRef>
-        </p:style>
-      </p:cxnSp>
-      <p:sp>
-        <p:nvSpPr>
-          <p:cNvPr id="13" name="等腰三角形 12">
-            <a:extLst>
-              <a:ext uri="{FF2B5EF4-FFF2-40B4-BE49-F238E27FC236}">
-                <a16:creationId xmlns:a16="http://schemas.microsoft.com/office/drawing/2014/main" id="{8231F6CC-7CB2-E46F-7D2C-3FE816F1357E}"/>
-              </a:ext>
-            </a:extLst>
-          </p:cNvPr>
-          <p:cNvSpPr/>
-          <p:nvPr/>
-        </p:nvSpPr>
-        <p:spPr>
-          <a:xfrm rot="16200000">
-            <a:off x="5926346" y="2334476"/>
-            <a:ext cx="201283" cy="276045"/>
-          </a:xfrm>
-          <a:prstGeom prst="triangle">
-            <a:avLst/>
-          </a:prstGeom>
-          <a:noFill/>
-          <a:ln w="19050"/>
-        </p:spPr>
-        <p:style>
-          <a:lnRef idx="2">
-            <a:schemeClr val="accent1">
-              <a:shade val="15000"/>
-            </a:schemeClr>
-          </a:lnRef>
-          <a:fillRef idx="1">
-            <a:schemeClr val="accent1"/>
-          </a:fillRef>
-          <a:effectRef idx="0">
-            <a:schemeClr val="accent1"/>
-          </a:effectRef>
-          <a:fontRef idx="minor">
-            <a:schemeClr val="lt1"/>
-          </a:fontRef>
-        </p:style>
-        <p:txBody>
-          <a:bodyPr rtlCol="0" anchor="ctr"/>
-          <a:lstStyle/>
-          <a:p>
-            <a:pPr algn="ctr"/>
-            <a:endParaRPr lang="zh-CN" altLang="en-US"/>
-          </a:p>
-        </p:txBody>
-      </p:sp>
-      <p:cxnSp>
-        <p:nvCxnSpPr>
-          <p:cNvPr id="14" name="直接连接符 13">
-            <a:extLst>
-              <a:ext uri="{FF2B5EF4-FFF2-40B4-BE49-F238E27FC236}">
-                <a16:creationId xmlns:a16="http://schemas.microsoft.com/office/drawing/2014/main" id="{90B39B1B-04CE-BDF0-F3D0-7B21B4CCA0EC}"/>
-              </a:ext>
-            </a:extLst>
-          </p:cNvPr>
-          <p:cNvCxnSpPr>
-            <a:cxnSpLocks/>
-            <a:stCxn id="13" idx="3"/>
-          </p:cNvCxnSpPr>
-          <p:nvPr/>
-        </p:nvCxnSpPr>
-        <p:spPr>
-          <a:xfrm>
-            <a:off x="6165010" y="2472498"/>
-            <a:ext cx="810885" cy="0"/>
-          </a:xfrm>
-          <a:prstGeom prst="line">
-            <a:avLst/>
-          </a:prstGeom>
-          <a:ln w="19050"/>
-        </p:spPr>
-        <p:style>
-          <a:lnRef idx="1">
-            <a:schemeClr val="accent1"/>
-          </a:lnRef>
-          <a:fillRef idx="0">
-            <a:schemeClr val="accent1"/>
-          </a:fillRef>
-          <a:effectRef idx="0">
-            <a:schemeClr val="accent1"/>
-          </a:effectRef>
-          <a:fontRef idx="minor">
-            <a:schemeClr val="tx1"/>
-          </a:fontRef>
-        </p:style>
-      </p:cxnSp>
     </p:spTree>
     <p:extLst>
       <p:ext uri="{BB962C8B-B14F-4D97-AF65-F5344CB8AC3E}">
-        <p14:creationId xmlns:p14="http://schemas.microsoft.com/office/powerpoint/2010/main" val="498861131"/>
+        <p14:creationId xmlns:p14="http://schemas.microsoft.com/office/powerpoint/2010/main" val="3523599782"/>
       </p:ext>
     </p:extLst>
   </p:cSld>
@@ -7196,71 +8579,283 @@
           <a:chExt cx="0" cy="0"/>
         </a:xfrm>
       </p:grpSpPr>
-      <p:sp>
-        <p:nvSpPr>
-          <p:cNvPr id="2" name="标题 1">
-            <a:extLst>
-              <a:ext uri="{FF2B5EF4-FFF2-40B4-BE49-F238E27FC236}">
-                <a16:creationId xmlns:a16="http://schemas.microsoft.com/office/drawing/2014/main" id="{B3B47EE4-8866-E453-E1F8-0F33CDF338DF}"/>
-              </a:ext>
-            </a:extLst>
-          </p:cNvPr>
-          <p:cNvSpPr>
-            <a:spLocks noGrp="1"/>
-          </p:cNvSpPr>
+      <p:graphicFrame>
+        <p:nvGraphicFramePr>
+          <p:cNvPr id="16" name="表格 15">
+            <a:extLst>
+              <a:ext uri="{FF2B5EF4-FFF2-40B4-BE49-F238E27FC236}">
+                <a16:creationId xmlns:a16="http://schemas.microsoft.com/office/drawing/2014/main" id="{EB1C4A40-80C5-7BA1-0D7D-5BB576CB3728}"/>
+              </a:ext>
+            </a:extLst>
+          </p:cNvPr>
+          <p:cNvGraphicFramePr>
+            <a:graphicFrameLocks noGrp="1"/>
+          </p:cNvGraphicFramePr>
           <p:nvPr>
-            <p:ph type="title"/>
+            <p:extLst>
+              <p:ext uri="{D42A27DB-BD31-4B8C-83A1-F6EECF244321}">
+                <p14:modId xmlns:p14="http://schemas.microsoft.com/office/powerpoint/2010/main" val="3381172891"/>
+              </p:ext>
+            </p:extLst>
           </p:nvPr>
-        </p:nvSpPr>
-        <p:spPr/>
-        <p:txBody>
-          <a:bodyPr/>
-          <a:lstStyle/>
-          <a:p>
-            <a:r>
-              <a:rPr lang="en-US" altLang="zh-CN" dirty="0">
-                <a:latin typeface="Calibri" panose="020F0502020204030204" pitchFamily="34" charset="0"/>
-                <a:ea typeface="Calibri" panose="020F0502020204030204" pitchFamily="34" charset="0"/>
-                <a:cs typeface="Calibri" panose="020F0502020204030204" pitchFamily="34" charset="0"/>
-              </a:rPr>
-              <a:t>v0.2</a:t>
-            </a:r>
-            <a:endParaRPr lang="zh-CN" altLang="en-US" dirty="0">
-              <a:latin typeface="Calibri" panose="020F0502020204030204" pitchFamily="34" charset="0"/>
-              <a:cs typeface="Calibri" panose="020F0502020204030204" pitchFamily="34" charset="0"/>
-            </a:endParaRPr>
-          </a:p>
-        </p:txBody>
-      </p:sp>
-      <p:sp>
-        <p:nvSpPr>
-          <p:cNvPr id="3" name="文本占位符 2">
-            <a:extLst>
-              <a:ext uri="{FF2B5EF4-FFF2-40B4-BE49-F238E27FC236}">
-                <a16:creationId xmlns:a16="http://schemas.microsoft.com/office/drawing/2014/main" id="{EEB7FFFE-FE9E-1B4A-C4F0-6015D675E0E6}"/>
-              </a:ext>
-            </a:extLst>
-          </p:cNvPr>
-          <p:cNvSpPr>
-            <a:spLocks noGrp="1"/>
-          </p:cNvSpPr>
-          <p:nvPr>
-            <p:ph type="body" idx="1"/>
-          </p:nvPr>
-        </p:nvSpPr>
-        <p:spPr/>
-        <p:txBody>
-          <a:bodyPr/>
-          <a:lstStyle/>
-          <a:p>
-            <a:endParaRPr lang="zh-CN" altLang="en-US"/>
-          </a:p>
-        </p:txBody>
-      </p:sp>
+        </p:nvGraphicFramePr>
+        <p:xfrm>
+          <a:off x="1187570" y="465827"/>
+          <a:ext cx="9816860" cy="4982068"/>
+        </p:xfrm>
+        <a:graphic>
+          <a:graphicData uri="http://schemas.openxmlformats.org/drawingml/2006/table">
+            <a:tbl>
+              <a:tblPr firstRow="1" bandRow="1">
+                <a:tableStyleId>{5C22544A-7EE6-4342-B048-85BDC9FD1C3A}</a:tableStyleId>
+              </a:tblPr>
+              <a:tblGrid>
+                <a:gridCol w="9816860">
+                  <a:extLst>
+                    <a:ext uri="{9D8B030D-6E8A-4147-A177-3AD203B41FA5}">
+                      <a16:colId xmlns:a16="http://schemas.microsoft.com/office/drawing/2014/main" val="3627222243"/>
+                    </a:ext>
+                  </a:extLst>
+                </a:gridCol>
+              </a:tblGrid>
+              <a:tr h="579368">
+                <a:tc>
+                  <a:txBody>
+                    <a:bodyPr/>
+                    <a:lstStyle/>
+                    <a:p>
+                      <a:pPr algn="ctr"/>
+                      <a:r>
+                        <a:rPr lang="en-US" altLang="zh-CN" sz="2400" b="0" dirty="0" err="1">
+                          <a:latin typeface="Calibri" panose="020F0502020204030204" pitchFamily="34" charset="0"/>
+                          <a:cs typeface="Calibri" panose="020F0502020204030204" pitchFamily="34" charset="0"/>
+                        </a:rPr>
+                        <a:t>core.ExternalRuntimeData</a:t>
+                      </a:r>
+                      <a:endParaRPr lang="zh-CN" altLang="en-US" sz="2400" b="0" dirty="0">
+                        <a:latin typeface="Calibri" panose="020F0502020204030204" pitchFamily="34" charset="0"/>
+                        <a:cs typeface="Calibri" panose="020F0502020204030204" pitchFamily="34" charset="0"/>
+                      </a:endParaRPr>
+                    </a:p>
+                  </a:txBody>
+                  <a:tcPr anchor="ctr"/>
+                </a:tc>
+                <a:extLst>
+                  <a:ext uri="{0D108BD9-81ED-4DB2-BD59-A6C34878D82A}">
+                    <a16:rowId xmlns:a16="http://schemas.microsoft.com/office/drawing/2014/main" val="3346152141"/>
+                  </a:ext>
+                </a:extLst>
+              </a:tr>
+              <a:tr h="1506187">
+                <a:tc>
+                  <a:txBody>
+                    <a:bodyPr/>
+                    <a:lstStyle/>
+                    <a:p>
+                      <a:r>
+                        <a:rPr lang="en-US" altLang="zh-CN" sz="2400" dirty="0">
+                          <a:latin typeface="Calibri" panose="020F0502020204030204" pitchFamily="34" charset="0"/>
+                          <a:cs typeface="Calibri" panose="020F0502020204030204" pitchFamily="34" charset="0"/>
+                        </a:rPr>
+                        <a:t>-</a:t>
+                      </a:r>
+                      <a:r>
+                        <a:rPr lang="en-US" altLang="zh-CN" sz="2400" dirty="0" err="1">
+                          <a:latin typeface="Calibri" panose="020F0502020204030204" pitchFamily="34" charset="0"/>
+                          <a:cs typeface="Calibri" panose="020F0502020204030204" pitchFamily="34" charset="0"/>
+                        </a:rPr>
+                        <a:t>is_waiting</a:t>
+                      </a:r>
+                      <a:r>
+                        <a:rPr lang="en-US" altLang="zh-CN" sz="2400" dirty="0">
+                          <a:latin typeface="Calibri" panose="020F0502020204030204" pitchFamily="34" charset="0"/>
+                          <a:cs typeface="Calibri" panose="020F0502020204030204" pitchFamily="34" charset="0"/>
+                        </a:rPr>
+                        <a:t>: bool</a:t>
+                      </a:r>
+                    </a:p>
+                    <a:p>
+                      <a:r>
+                        <a:rPr lang="en-US" altLang="zh-CN" sz="2400" dirty="0">
+                          <a:latin typeface="Calibri" panose="020F0502020204030204" pitchFamily="34" charset="0"/>
+                          <a:cs typeface="Calibri" panose="020F0502020204030204" pitchFamily="34" charset="0"/>
+                        </a:rPr>
+                        <a:t>-</a:t>
+                      </a:r>
+                      <a:r>
+                        <a:rPr lang="en-US" altLang="zh-CN" sz="2400" dirty="0" err="1">
+                          <a:latin typeface="Calibri" panose="020F0502020204030204" pitchFamily="34" charset="0"/>
+                          <a:cs typeface="Calibri" panose="020F0502020204030204" pitchFamily="34" charset="0"/>
+                        </a:rPr>
+                        <a:t>should_return_at_once</a:t>
+                      </a:r>
+                      <a:r>
+                        <a:rPr lang="en-US" altLang="zh-CN" sz="2400" dirty="0">
+                          <a:latin typeface="Calibri" panose="020F0502020204030204" pitchFamily="34" charset="0"/>
+                          <a:cs typeface="Calibri" panose="020F0502020204030204" pitchFamily="34" charset="0"/>
+                        </a:rPr>
+                        <a:t>: bool</a:t>
+                      </a:r>
+                      <a:endParaRPr lang="zh-CN" altLang="en-US" sz="2400" dirty="0">
+                        <a:latin typeface="Calibri" panose="020F0502020204030204" pitchFamily="34" charset="0"/>
+                        <a:cs typeface="Calibri" panose="020F0502020204030204" pitchFamily="34" charset="0"/>
+                      </a:endParaRPr>
+                    </a:p>
+                  </a:txBody>
+                  <a:tcPr anchor="ctr"/>
+                </a:tc>
+                <a:extLst>
+                  <a:ext uri="{0D108BD9-81ED-4DB2-BD59-A6C34878D82A}">
+                    <a16:rowId xmlns:a16="http://schemas.microsoft.com/office/drawing/2014/main" val="4162875606"/>
+                  </a:ext>
+                </a:extLst>
+              </a:tr>
+              <a:tr h="2896513">
+                <a:tc>
+                  <a:txBody>
+                    <a:bodyPr/>
+                    <a:lstStyle/>
+                    <a:p>
+                      <a:r>
+                        <a:rPr lang="en-US" altLang="zh-CN" sz="2400" dirty="0">
+                          <a:latin typeface="Calibri" panose="020F0502020204030204" pitchFamily="34" charset="0"/>
+                          <a:cs typeface="Calibri" panose="020F0502020204030204" pitchFamily="34" charset="0"/>
+                        </a:rPr>
+                        <a:t>+</a:t>
+                      </a:r>
+                      <a:r>
+                        <a:rPr lang="en-US" altLang="zh-CN" sz="2400" dirty="0" err="1">
+                          <a:latin typeface="Calibri" panose="020F0502020204030204" pitchFamily="34" charset="0"/>
+                          <a:cs typeface="Calibri" panose="020F0502020204030204" pitchFamily="34" charset="0"/>
+                        </a:rPr>
+                        <a:t>ExternalRuntimeData</a:t>
+                      </a:r>
+                      <a:r>
+                        <a:rPr lang="en-US" altLang="zh-CN" sz="2400" dirty="0">
+                          <a:latin typeface="Calibri" panose="020F0502020204030204" pitchFamily="34" charset="0"/>
+                          <a:cs typeface="Calibri" panose="020F0502020204030204" pitchFamily="34" charset="0"/>
+                        </a:rPr>
+                        <a:t>()</a:t>
+                      </a:r>
+                    </a:p>
+                    <a:p>
+                      <a:r>
+                        <a:rPr lang="en-US" altLang="zh-CN" sz="2400" dirty="0">
+                          <a:latin typeface="Calibri" panose="020F0502020204030204" pitchFamily="34" charset="0"/>
+                          <a:cs typeface="Calibri" panose="020F0502020204030204" pitchFamily="34" charset="0"/>
+                        </a:rPr>
+                        <a:t>+</a:t>
+                      </a:r>
+                      <a:r>
+                        <a:rPr lang="en-US" altLang="zh-CN" sz="2400" dirty="0" err="1">
+                          <a:latin typeface="Calibri" panose="020F0502020204030204" pitchFamily="34" charset="0"/>
+                          <a:cs typeface="Calibri" panose="020F0502020204030204" pitchFamily="34" charset="0"/>
+                        </a:rPr>
+                        <a:t>is_waiting.getter</a:t>
+                      </a:r>
+                      <a:r>
+                        <a:rPr lang="en-US" altLang="zh-CN" sz="2400" dirty="0">
+                          <a:latin typeface="Calibri" panose="020F0502020204030204" pitchFamily="34" charset="0"/>
+                          <a:cs typeface="Calibri" panose="020F0502020204030204" pitchFamily="34" charset="0"/>
+                        </a:rPr>
+                        <a:t>()</a:t>
+                      </a:r>
+                    </a:p>
+                    <a:p>
+                      <a:r>
+                        <a:rPr lang="en-US" altLang="zh-CN" sz="2400" dirty="0">
+                          <a:latin typeface="Calibri" panose="020F0502020204030204" pitchFamily="34" charset="0"/>
+                          <a:cs typeface="Calibri" panose="020F0502020204030204" pitchFamily="34" charset="0"/>
+                        </a:rPr>
+                        <a:t>+</a:t>
+                      </a:r>
+                      <a:r>
+                        <a:rPr lang="en-US" altLang="zh-CN" sz="2400" dirty="0" err="1">
+                          <a:latin typeface="Calibri" panose="020F0502020204030204" pitchFamily="34" charset="0"/>
+                          <a:cs typeface="Calibri" panose="020F0502020204030204" pitchFamily="34" charset="0"/>
+                        </a:rPr>
+                        <a:t>is_waiting.setter</a:t>
+                      </a:r>
+                      <a:r>
+                        <a:rPr lang="en-US" altLang="zh-CN" sz="2400" dirty="0">
+                          <a:latin typeface="Calibri" panose="020F0502020204030204" pitchFamily="34" charset="0"/>
+                          <a:cs typeface="Calibri" panose="020F0502020204030204" pitchFamily="34" charset="0"/>
+                        </a:rPr>
+                        <a:t>()</a:t>
+                      </a:r>
+                    </a:p>
+                    <a:p>
+                      <a:r>
+                        <a:rPr lang="en-US" altLang="zh-CN" sz="2400" dirty="0">
+                          <a:latin typeface="Calibri" panose="020F0502020204030204" pitchFamily="34" charset="0"/>
+                          <a:cs typeface="Calibri" panose="020F0502020204030204" pitchFamily="34" charset="0"/>
+                        </a:rPr>
+                        <a:t>+</a:t>
+                      </a:r>
+                      <a:r>
+                        <a:rPr lang="en-US" altLang="zh-CN" sz="2400" dirty="0" err="1">
+                          <a:latin typeface="Calibri" panose="020F0502020204030204" pitchFamily="34" charset="0"/>
+                          <a:cs typeface="Calibri" panose="020F0502020204030204" pitchFamily="34" charset="0"/>
+                        </a:rPr>
+                        <a:t>should_return_at_once.getter</a:t>
+                      </a:r>
+                      <a:r>
+                        <a:rPr lang="en-US" altLang="zh-CN" sz="2400" dirty="0">
+                          <a:latin typeface="Calibri" panose="020F0502020204030204" pitchFamily="34" charset="0"/>
+                          <a:cs typeface="Calibri" panose="020F0502020204030204" pitchFamily="34" charset="0"/>
+                        </a:rPr>
+                        <a:t>()</a:t>
+                      </a:r>
+                    </a:p>
+                    <a:p>
+                      <a:r>
+                        <a:rPr lang="en-US" altLang="zh-CN" sz="2400" dirty="0">
+                          <a:latin typeface="Calibri" panose="020F0502020204030204" pitchFamily="34" charset="0"/>
+                          <a:cs typeface="Calibri" panose="020F0502020204030204" pitchFamily="34" charset="0"/>
+                        </a:rPr>
+                        <a:t>+</a:t>
+                      </a:r>
+                      <a:r>
+                        <a:rPr lang="en-US" altLang="zh-CN" sz="2400" dirty="0" err="1">
+                          <a:latin typeface="Calibri" panose="020F0502020204030204" pitchFamily="34" charset="0"/>
+                          <a:cs typeface="Calibri" panose="020F0502020204030204" pitchFamily="34" charset="0"/>
+                        </a:rPr>
+                        <a:t>should_return_at_once.setter</a:t>
+                      </a:r>
+                      <a:r>
+                        <a:rPr lang="en-US" altLang="zh-CN" sz="2400" dirty="0">
+                          <a:latin typeface="Calibri" panose="020F0502020204030204" pitchFamily="34" charset="0"/>
+                          <a:cs typeface="Calibri" panose="020F0502020204030204" pitchFamily="34" charset="0"/>
+                        </a:rPr>
+                        <a:t>()</a:t>
+                      </a:r>
+                    </a:p>
+                    <a:p>
+                      <a:r>
+                        <a:rPr lang="en-US" altLang="zh-CN" sz="2400" dirty="0">
+                          <a:latin typeface="Calibri" panose="020F0502020204030204" pitchFamily="34" charset="0"/>
+                          <a:cs typeface="Calibri" panose="020F0502020204030204" pitchFamily="34" charset="0"/>
+                        </a:rPr>
+                        <a:t>+save()</a:t>
+                      </a:r>
+                    </a:p>
+                  </a:txBody>
+                  <a:tcPr anchor="ctr"/>
+                </a:tc>
+                <a:extLst>
+                  <a:ext uri="{0D108BD9-81ED-4DB2-BD59-A6C34878D82A}">
+                    <a16:rowId xmlns:a16="http://schemas.microsoft.com/office/drawing/2014/main" val="2161683205"/>
+                  </a:ext>
+                </a:extLst>
+              </a:tr>
+            </a:tbl>
+          </a:graphicData>
+        </a:graphic>
+      </p:graphicFrame>
     </p:spTree>
     <p:extLst>
       <p:ext uri="{BB962C8B-B14F-4D97-AF65-F5344CB8AC3E}">
-        <p14:creationId xmlns:p14="http://schemas.microsoft.com/office/powerpoint/2010/main" val="2708238068"/>
+        <p14:creationId xmlns:p14="http://schemas.microsoft.com/office/powerpoint/2010/main" val="2860209270"/>
       </p:ext>
     </p:extLst>
   </p:cSld>
@@ -7289,10 +8884,10 @@
       </p:grpSpPr>
       <p:sp>
         <p:nvSpPr>
-          <p:cNvPr id="2" name="Title 1">
-            <a:extLst>
-              <a:ext uri="{FF2B5EF4-FFF2-40B4-BE49-F238E27FC236}">
-                <a16:creationId xmlns:a16="http://schemas.microsoft.com/office/drawing/2014/main" id="{67D4F5DE-B023-43CC-8D55-FA36D8041F62}"/>
+          <p:cNvPr id="2" name="标题 1">
+            <a:extLst>
+              <a:ext uri="{FF2B5EF4-FFF2-40B4-BE49-F238E27FC236}">
+                <a16:creationId xmlns:a16="http://schemas.microsoft.com/office/drawing/2014/main" id="{B3B47EE4-8866-E453-E1F8-0F33CDF338DF}"/>
               </a:ext>
             </a:extLst>
           </p:cNvPr>
@@ -7314,7 +8909,7 @@
                 <a:ea typeface="Calibri" panose="020F0502020204030204" pitchFamily="34" charset="0"/>
                 <a:cs typeface="Calibri" panose="020F0502020204030204" pitchFamily="34" charset="0"/>
               </a:rPr>
-              <a:t>Framework Hierarchy</a:t>
+              <a:t>v0.2</a:t>
             </a:r>
             <a:endParaRPr lang="zh-CN" altLang="en-US" dirty="0">
               <a:latin typeface="Calibri" panose="020F0502020204030204" pitchFamily="34" charset="0"/>
@@ -7325,1009 +8920,33 @@
       </p:sp>
       <p:sp>
         <p:nvSpPr>
-          <p:cNvPr id="3" name="Rectangle 2">
-            <a:extLst>
-              <a:ext uri="{FF2B5EF4-FFF2-40B4-BE49-F238E27FC236}">
-                <a16:creationId xmlns:a16="http://schemas.microsoft.com/office/drawing/2014/main" id="{C8F4B214-982F-4398-A41D-372AB28C0E97}"/>
-              </a:ext>
-            </a:extLst>
-          </p:cNvPr>
-          <p:cNvSpPr/>
-          <p:nvPr/>
-        </p:nvSpPr>
-        <p:spPr>
-          <a:xfrm>
-            <a:off x="5338354" y="1925820"/>
-            <a:ext cx="1515292" cy="875212"/>
-          </a:xfrm>
-          <a:prstGeom prst="rect">
-            <a:avLst/>
-          </a:prstGeom>
-          <a:solidFill>
-            <a:schemeClr val="bg1"/>
-          </a:solidFill>
-          <a:ln>
-            <a:solidFill>
-              <a:schemeClr val="tx1"/>
-            </a:solidFill>
-          </a:ln>
-        </p:spPr>
-        <p:style>
-          <a:lnRef idx="2">
-            <a:schemeClr val="accent1">
-              <a:shade val="50000"/>
-            </a:schemeClr>
-          </a:lnRef>
-          <a:fillRef idx="1">
-            <a:schemeClr val="accent1"/>
-          </a:fillRef>
-          <a:effectRef idx="0">
-            <a:schemeClr val="accent1"/>
-          </a:effectRef>
-          <a:fontRef idx="minor">
-            <a:schemeClr val="lt1"/>
-          </a:fontRef>
-        </p:style>
-        <p:txBody>
-          <a:bodyPr rtlCol="0" anchor="ctr"/>
+          <p:cNvPr id="3" name="文本占位符 2">
+            <a:extLst>
+              <a:ext uri="{FF2B5EF4-FFF2-40B4-BE49-F238E27FC236}">
+                <a16:creationId xmlns:a16="http://schemas.microsoft.com/office/drawing/2014/main" id="{EEB7FFFE-FE9E-1B4A-C4F0-6015D675E0E6}"/>
+              </a:ext>
+            </a:extLst>
+          </p:cNvPr>
+          <p:cNvSpPr>
+            <a:spLocks noGrp="1"/>
+          </p:cNvSpPr>
+          <p:nvPr>
+            <p:ph type="body" idx="1"/>
+          </p:nvPr>
+        </p:nvSpPr>
+        <p:spPr/>
+        <p:txBody>
+          <a:bodyPr/>
           <a:lstStyle/>
           <a:p>
-            <a:pPr algn="ctr"/>
-            <a:r>
-              <a:rPr lang="en-US" altLang="zh-CN" dirty="0">
-                <a:solidFill>
-                  <a:schemeClr val="tx1"/>
-                </a:solidFill>
-                <a:latin typeface="Calibri" panose="020F0502020204030204" pitchFamily="34" charset="0"/>
-                <a:ea typeface="Calibri" panose="020F0502020204030204" pitchFamily="34" charset="0"/>
-                <a:cs typeface="Calibri" panose="020F0502020204030204" pitchFamily="34" charset="0"/>
-              </a:rPr>
-              <a:t>framework</a:t>
-            </a:r>
-            <a:endParaRPr lang="zh-CN" altLang="en-US" dirty="0">
-              <a:solidFill>
-                <a:schemeClr val="tx1"/>
-              </a:solidFill>
-              <a:latin typeface="Calibri" panose="020F0502020204030204" pitchFamily="34" charset="0"/>
-              <a:cs typeface="Calibri" panose="020F0502020204030204" pitchFamily="34" charset="0"/>
-            </a:endParaRPr>
-          </a:p>
-        </p:txBody>
-      </p:sp>
-      <p:sp>
-        <p:nvSpPr>
-          <p:cNvPr id="4" name="Rectangle 3">
-            <a:extLst>
-              <a:ext uri="{FF2B5EF4-FFF2-40B4-BE49-F238E27FC236}">
-                <a16:creationId xmlns:a16="http://schemas.microsoft.com/office/drawing/2014/main" id="{ACA071A7-E4B1-4E0A-A4EC-91DDB0C8EC6D}"/>
-              </a:ext>
-            </a:extLst>
-          </p:cNvPr>
-          <p:cNvSpPr/>
-          <p:nvPr/>
-        </p:nvSpPr>
-        <p:spPr>
-          <a:xfrm>
-            <a:off x="5338354" y="3332255"/>
-            <a:ext cx="1515292" cy="875212"/>
-          </a:xfrm>
-          <a:prstGeom prst="rect">
-            <a:avLst/>
-          </a:prstGeom>
-          <a:solidFill>
-            <a:schemeClr val="bg1"/>
-          </a:solidFill>
-          <a:ln>
-            <a:solidFill>
-              <a:schemeClr val="tx1"/>
-            </a:solidFill>
-          </a:ln>
-        </p:spPr>
-        <p:style>
-          <a:lnRef idx="2">
-            <a:schemeClr val="accent1">
-              <a:shade val="50000"/>
-            </a:schemeClr>
-          </a:lnRef>
-          <a:fillRef idx="1">
-            <a:schemeClr val="accent1"/>
-          </a:fillRef>
-          <a:effectRef idx="0">
-            <a:schemeClr val="accent1"/>
-          </a:effectRef>
-          <a:fontRef idx="minor">
-            <a:schemeClr val="lt1"/>
-          </a:fontRef>
-        </p:style>
-        <p:txBody>
-          <a:bodyPr rtlCol="0" anchor="ctr"/>
-          <a:lstStyle/>
-          <a:p>
-            <a:pPr algn="ctr"/>
-            <a:r>
-              <a:rPr lang="en-US" altLang="zh-CN" dirty="0">
-                <a:solidFill>
-                  <a:schemeClr val="tx1"/>
-                </a:solidFill>
-                <a:latin typeface="Calibri" panose="020F0502020204030204" pitchFamily="34" charset="0"/>
-                <a:ea typeface="Calibri" panose="020F0502020204030204" pitchFamily="34" charset="0"/>
-                <a:cs typeface="Calibri" panose="020F0502020204030204" pitchFamily="34" charset="0"/>
-              </a:rPr>
-              <a:t>core</a:t>
-            </a:r>
-            <a:endParaRPr lang="zh-CN" altLang="en-US" dirty="0">
-              <a:solidFill>
-                <a:schemeClr val="tx1"/>
-              </a:solidFill>
-              <a:latin typeface="Calibri" panose="020F0502020204030204" pitchFamily="34" charset="0"/>
-              <a:cs typeface="Calibri" panose="020F0502020204030204" pitchFamily="34" charset="0"/>
-            </a:endParaRPr>
-          </a:p>
-        </p:txBody>
-      </p:sp>
-      <p:cxnSp>
-        <p:nvCxnSpPr>
-          <p:cNvPr id="6" name="Straight Connector 5">
-            <a:extLst>
-              <a:ext uri="{FF2B5EF4-FFF2-40B4-BE49-F238E27FC236}">
-                <a16:creationId xmlns:a16="http://schemas.microsoft.com/office/drawing/2014/main" id="{110BEC86-78BD-4F87-8BBC-31D8186BE8FC}"/>
-              </a:ext>
-            </a:extLst>
-          </p:cNvPr>
-          <p:cNvCxnSpPr>
-            <a:cxnSpLocks/>
-            <a:stCxn id="3" idx="2"/>
-            <a:endCxn id="4" idx="0"/>
-          </p:cNvCxnSpPr>
-          <p:nvPr/>
-        </p:nvCxnSpPr>
-        <p:spPr>
-          <a:xfrm>
-            <a:off x="6096000" y="2801032"/>
-            <a:ext cx="0" cy="531223"/>
-          </a:xfrm>
-          <a:prstGeom prst="line">
-            <a:avLst/>
-          </a:prstGeom>
-          <a:ln w="19050">
-            <a:solidFill>
-              <a:schemeClr val="tx1"/>
-            </a:solidFill>
-          </a:ln>
-        </p:spPr>
-        <p:style>
-          <a:lnRef idx="1">
-            <a:schemeClr val="accent1"/>
-          </a:lnRef>
-          <a:fillRef idx="0">
-            <a:schemeClr val="accent1"/>
-          </a:fillRef>
-          <a:effectRef idx="0">
-            <a:schemeClr val="accent1"/>
-          </a:effectRef>
-          <a:fontRef idx="minor">
-            <a:schemeClr val="tx1"/>
-          </a:fontRef>
-        </p:style>
-      </p:cxnSp>
-      <p:cxnSp>
-        <p:nvCxnSpPr>
-          <p:cNvPr id="9" name="Straight Connector 8">
-            <a:extLst>
-              <a:ext uri="{FF2B5EF4-FFF2-40B4-BE49-F238E27FC236}">
-                <a16:creationId xmlns:a16="http://schemas.microsoft.com/office/drawing/2014/main" id="{FF124819-C4E3-43F7-9C85-43D2D793E094}"/>
-              </a:ext>
-            </a:extLst>
-          </p:cNvPr>
-          <p:cNvCxnSpPr>
-            <a:cxnSpLocks/>
-            <a:stCxn id="4" idx="2"/>
-          </p:cNvCxnSpPr>
-          <p:nvPr/>
-        </p:nvCxnSpPr>
-        <p:spPr>
-          <a:xfrm>
-            <a:off x="6096000" y="4207467"/>
-            <a:ext cx="0" cy="531223"/>
-          </a:xfrm>
-          <a:prstGeom prst="line">
-            <a:avLst/>
-          </a:prstGeom>
-          <a:ln w="19050">
-            <a:solidFill>
-              <a:schemeClr val="tx1"/>
-            </a:solidFill>
-          </a:ln>
-        </p:spPr>
-        <p:style>
-          <a:lnRef idx="1">
-            <a:schemeClr val="accent1"/>
-          </a:lnRef>
-          <a:fillRef idx="0">
-            <a:schemeClr val="accent1"/>
-          </a:fillRef>
-          <a:effectRef idx="0">
-            <a:schemeClr val="accent1"/>
-          </a:effectRef>
-          <a:fontRef idx="minor">
-            <a:schemeClr val="tx1"/>
-          </a:fontRef>
-        </p:style>
-      </p:cxnSp>
-      <p:sp>
-        <p:nvSpPr>
-          <p:cNvPr id="15" name="Rectangle 14">
-            <a:extLst>
-              <a:ext uri="{FF2B5EF4-FFF2-40B4-BE49-F238E27FC236}">
-                <a16:creationId xmlns:a16="http://schemas.microsoft.com/office/drawing/2014/main" id="{04A1ED32-C309-437D-8539-A5860A479421}"/>
-              </a:ext>
-            </a:extLst>
-          </p:cNvPr>
-          <p:cNvSpPr/>
-          <p:nvPr/>
-        </p:nvSpPr>
-        <p:spPr>
-          <a:xfrm>
-            <a:off x="8010797" y="3332255"/>
-            <a:ext cx="1515292" cy="875212"/>
-          </a:xfrm>
-          <a:prstGeom prst="rect">
-            <a:avLst/>
-          </a:prstGeom>
-          <a:solidFill>
-            <a:schemeClr val="bg1"/>
-          </a:solidFill>
-          <a:ln>
-            <a:solidFill>
-              <a:schemeClr val="tx1"/>
-            </a:solidFill>
-          </a:ln>
-        </p:spPr>
-        <p:style>
-          <a:lnRef idx="2">
-            <a:schemeClr val="accent1">
-              <a:shade val="50000"/>
-            </a:schemeClr>
-          </a:lnRef>
-          <a:fillRef idx="1">
-            <a:schemeClr val="accent1"/>
-          </a:fillRef>
-          <a:effectRef idx="0">
-            <a:schemeClr val="accent1"/>
-          </a:effectRef>
-          <a:fontRef idx="minor">
-            <a:schemeClr val="lt1"/>
-          </a:fontRef>
-        </p:style>
-        <p:txBody>
-          <a:bodyPr rtlCol="0" anchor="ctr"/>
-          <a:lstStyle/>
-          <a:p>
-            <a:pPr algn="ctr"/>
-            <a:r>
-              <a:rPr lang="en-US" altLang="zh-CN" dirty="0" err="1">
-                <a:solidFill>
-                  <a:schemeClr val="tx1"/>
-                </a:solidFill>
-                <a:latin typeface="Calibri" panose="020F0502020204030204" pitchFamily="34" charset="0"/>
-                <a:ea typeface="Calibri" panose="020F0502020204030204" pitchFamily="34" charset="0"/>
-                <a:cs typeface="Calibri" panose="020F0502020204030204" pitchFamily="34" charset="0"/>
-              </a:rPr>
-              <a:t>ui</a:t>
-            </a:r>
-            <a:endParaRPr lang="zh-CN" altLang="en-US" dirty="0">
-              <a:solidFill>
-                <a:schemeClr val="tx1"/>
-              </a:solidFill>
-              <a:latin typeface="Calibri" panose="020F0502020204030204" pitchFamily="34" charset="0"/>
-              <a:cs typeface="Calibri" panose="020F0502020204030204" pitchFamily="34" charset="0"/>
-            </a:endParaRPr>
-          </a:p>
-        </p:txBody>
-      </p:sp>
-      <p:cxnSp>
-        <p:nvCxnSpPr>
-          <p:cNvPr id="16" name="Straight Connector 15">
-            <a:extLst>
-              <a:ext uri="{FF2B5EF4-FFF2-40B4-BE49-F238E27FC236}">
-                <a16:creationId xmlns:a16="http://schemas.microsoft.com/office/drawing/2014/main" id="{8BFEB999-9247-4429-9C62-9F2EBBC202A8}"/>
-              </a:ext>
-            </a:extLst>
-          </p:cNvPr>
-          <p:cNvCxnSpPr>
-            <a:cxnSpLocks/>
-            <a:stCxn id="3" idx="2"/>
-            <a:endCxn id="15" idx="0"/>
-          </p:cNvCxnSpPr>
-          <p:nvPr/>
-        </p:nvCxnSpPr>
-        <p:spPr>
-          <a:xfrm>
-            <a:off x="6096000" y="2801032"/>
-            <a:ext cx="2672443" cy="531223"/>
-          </a:xfrm>
-          <a:prstGeom prst="line">
-            <a:avLst/>
-          </a:prstGeom>
-          <a:ln w="19050">
-            <a:solidFill>
-              <a:schemeClr val="tx1"/>
-            </a:solidFill>
-          </a:ln>
-        </p:spPr>
-        <p:style>
-          <a:lnRef idx="1">
-            <a:schemeClr val="accent1"/>
-          </a:lnRef>
-          <a:fillRef idx="0">
-            <a:schemeClr val="accent1"/>
-          </a:fillRef>
-          <a:effectRef idx="0">
-            <a:schemeClr val="accent1"/>
-          </a:effectRef>
-          <a:fontRef idx="minor">
-            <a:schemeClr val="tx1"/>
-          </a:fontRef>
-        </p:style>
-      </p:cxnSp>
-      <p:cxnSp>
-        <p:nvCxnSpPr>
-          <p:cNvPr id="21" name="Straight Connector 20">
-            <a:extLst>
-              <a:ext uri="{FF2B5EF4-FFF2-40B4-BE49-F238E27FC236}">
-                <a16:creationId xmlns:a16="http://schemas.microsoft.com/office/drawing/2014/main" id="{0F2975D6-EC72-4196-92B9-921C1EA85A27}"/>
-              </a:ext>
-            </a:extLst>
-          </p:cNvPr>
-          <p:cNvCxnSpPr>
-            <a:cxnSpLocks/>
-            <a:stCxn id="15" idx="2"/>
-          </p:cNvCxnSpPr>
-          <p:nvPr/>
-        </p:nvCxnSpPr>
-        <p:spPr>
-          <a:xfrm>
-            <a:off x="8768443" y="4207467"/>
-            <a:ext cx="0" cy="531223"/>
-          </a:xfrm>
-          <a:prstGeom prst="line">
-            <a:avLst/>
-          </a:prstGeom>
-          <a:ln w="19050">
-            <a:solidFill>
-              <a:schemeClr val="tx1"/>
-            </a:solidFill>
-          </a:ln>
-        </p:spPr>
-        <p:style>
-          <a:lnRef idx="1">
-            <a:schemeClr val="accent1"/>
-          </a:lnRef>
-          <a:fillRef idx="0">
-            <a:schemeClr val="accent1"/>
-          </a:fillRef>
-          <a:effectRef idx="0">
-            <a:schemeClr val="accent1"/>
-          </a:effectRef>
-          <a:fontRef idx="minor">
-            <a:schemeClr val="tx1"/>
-          </a:fontRef>
-        </p:style>
-      </p:cxnSp>
-      <p:sp>
-        <p:nvSpPr>
-          <p:cNvPr id="24" name="Rectangle 23">
-            <a:extLst>
-              <a:ext uri="{FF2B5EF4-FFF2-40B4-BE49-F238E27FC236}">
-                <a16:creationId xmlns:a16="http://schemas.microsoft.com/office/drawing/2014/main" id="{FFD18CFD-2080-45CA-8770-82FC3D98048E}"/>
-              </a:ext>
-            </a:extLst>
-          </p:cNvPr>
-          <p:cNvSpPr/>
-          <p:nvPr/>
-        </p:nvSpPr>
-        <p:spPr>
-          <a:xfrm>
-            <a:off x="1508760" y="3332255"/>
-            <a:ext cx="1515292" cy="875212"/>
-          </a:xfrm>
-          <a:prstGeom prst="rect">
-            <a:avLst/>
-          </a:prstGeom>
-          <a:solidFill>
-            <a:schemeClr val="bg1"/>
-          </a:solidFill>
-          <a:ln>
-            <a:solidFill>
-              <a:schemeClr val="tx1"/>
-            </a:solidFill>
-          </a:ln>
-        </p:spPr>
-        <p:style>
-          <a:lnRef idx="2">
-            <a:schemeClr val="accent1">
-              <a:shade val="50000"/>
-            </a:schemeClr>
-          </a:lnRef>
-          <a:fillRef idx="1">
-            <a:schemeClr val="accent1"/>
-          </a:fillRef>
-          <a:effectRef idx="0">
-            <a:schemeClr val="accent1"/>
-          </a:effectRef>
-          <a:fontRef idx="minor">
-            <a:schemeClr val="lt1"/>
-          </a:fontRef>
-        </p:style>
-        <p:txBody>
-          <a:bodyPr rtlCol="0" anchor="ctr"/>
-          <a:lstStyle/>
-          <a:p>
-            <a:pPr algn="ctr"/>
-            <a:r>
-              <a:rPr lang="en-US" altLang="zh-CN" dirty="0">
-                <a:solidFill>
-                  <a:schemeClr val="tx1"/>
-                </a:solidFill>
-                <a:latin typeface="Calibri" panose="020F0502020204030204" pitchFamily="34" charset="0"/>
-                <a:ea typeface="Calibri" panose="020F0502020204030204" pitchFamily="34" charset="0"/>
-                <a:cs typeface="Calibri" panose="020F0502020204030204" pitchFamily="34" charset="0"/>
-              </a:rPr>
-              <a:t>io</a:t>
-            </a:r>
-            <a:endParaRPr lang="zh-CN" altLang="en-US" dirty="0">
-              <a:solidFill>
-                <a:schemeClr val="tx1"/>
-              </a:solidFill>
-              <a:latin typeface="Calibri" panose="020F0502020204030204" pitchFamily="34" charset="0"/>
-              <a:cs typeface="Calibri" panose="020F0502020204030204" pitchFamily="34" charset="0"/>
-            </a:endParaRPr>
-          </a:p>
-        </p:txBody>
-      </p:sp>
-      <p:cxnSp>
-        <p:nvCxnSpPr>
-          <p:cNvPr id="25" name="Straight Connector 24">
-            <a:extLst>
-              <a:ext uri="{FF2B5EF4-FFF2-40B4-BE49-F238E27FC236}">
-                <a16:creationId xmlns:a16="http://schemas.microsoft.com/office/drawing/2014/main" id="{3117F091-7C28-4D98-BD71-9675B71E7DC7}"/>
-              </a:ext>
-            </a:extLst>
-          </p:cNvPr>
-          <p:cNvCxnSpPr>
-            <a:cxnSpLocks/>
-            <a:stCxn id="3" idx="2"/>
-            <a:endCxn id="24" idx="0"/>
-          </p:cNvCxnSpPr>
-          <p:nvPr/>
-        </p:nvCxnSpPr>
-        <p:spPr>
-          <a:xfrm flipH="1">
-            <a:off x="2266406" y="2801032"/>
-            <a:ext cx="3829594" cy="531223"/>
-          </a:xfrm>
-          <a:prstGeom prst="line">
-            <a:avLst/>
-          </a:prstGeom>
-          <a:ln w="19050">
-            <a:solidFill>
-              <a:schemeClr val="tx1"/>
-            </a:solidFill>
-          </a:ln>
-        </p:spPr>
-        <p:style>
-          <a:lnRef idx="1">
-            <a:schemeClr val="accent1"/>
-          </a:lnRef>
-          <a:fillRef idx="0">
-            <a:schemeClr val="accent1"/>
-          </a:fillRef>
-          <a:effectRef idx="0">
-            <a:schemeClr val="accent1"/>
-          </a:effectRef>
-          <a:fontRef idx="minor">
-            <a:schemeClr val="tx1"/>
-          </a:fontRef>
-        </p:style>
-      </p:cxnSp>
-      <p:sp>
-        <p:nvSpPr>
-          <p:cNvPr id="28" name="Rectangle 27">
-            <a:extLst>
-              <a:ext uri="{FF2B5EF4-FFF2-40B4-BE49-F238E27FC236}">
-                <a16:creationId xmlns:a16="http://schemas.microsoft.com/office/drawing/2014/main" id="{BF9AB304-FC39-480B-9203-D2390E079683}"/>
-              </a:ext>
-            </a:extLst>
-          </p:cNvPr>
-          <p:cNvSpPr/>
-          <p:nvPr/>
-        </p:nvSpPr>
-        <p:spPr>
-          <a:xfrm>
-            <a:off x="1109255" y="4738689"/>
-            <a:ext cx="2314302" cy="1577202"/>
-          </a:xfrm>
-          <a:prstGeom prst="rect">
-            <a:avLst/>
-          </a:prstGeom>
-          <a:solidFill>
-            <a:schemeClr val="bg1"/>
-          </a:solidFill>
-          <a:ln>
-            <a:solidFill>
-              <a:schemeClr val="tx1"/>
-            </a:solidFill>
-          </a:ln>
-        </p:spPr>
-        <p:style>
-          <a:lnRef idx="2">
-            <a:schemeClr val="accent1">
-              <a:shade val="50000"/>
-            </a:schemeClr>
-          </a:lnRef>
-          <a:fillRef idx="1">
-            <a:schemeClr val="accent1"/>
-          </a:fillRef>
-          <a:effectRef idx="0">
-            <a:schemeClr val="accent1"/>
-          </a:effectRef>
-          <a:fontRef idx="minor">
-            <a:schemeClr val="lt1"/>
-          </a:fontRef>
-        </p:style>
-        <p:txBody>
-          <a:bodyPr rtlCol="0" anchor="ctr"/>
-          <a:lstStyle/>
-          <a:p>
-            <a:r>
-              <a:rPr lang="en-US" altLang="zh-CN" dirty="0" err="1">
-                <a:solidFill>
-                  <a:schemeClr val="tx1"/>
-                </a:solidFill>
-                <a:latin typeface="Calibri" panose="020F0502020204030204" pitchFamily="34" charset="0"/>
-                <a:ea typeface="Calibri" panose="020F0502020204030204" pitchFamily="34" charset="0"/>
-                <a:cs typeface="Calibri" panose="020F0502020204030204" pitchFamily="34" charset="0"/>
-              </a:rPr>
-              <a:t>AudioStream</a:t>
-            </a:r>
-            <a:r>
-              <a:rPr lang="en-US" altLang="zh-CN" dirty="0">
-                <a:solidFill>
-                  <a:schemeClr val="tx1"/>
-                </a:solidFill>
-                <a:latin typeface="Calibri" panose="020F0502020204030204" pitchFamily="34" charset="0"/>
-                <a:ea typeface="Calibri" panose="020F0502020204030204" pitchFamily="34" charset="0"/>
-                <a:cs typeface="Calibri" panose="020F0502020204030204" pitchFamily="34" charset="0"/>
-              </a:rPr>
-              <a:t>;</a:t>
-            </a:r>
-          </a:p>
-          <a:p>
-            <a:r>
-              <a:rPr lang="en-US" altLang="zh-CN" dirty="0" err="1">
-                <a:solidFill>
-                  <a:schemeClr val="tx1"/>
-                </a:solidFill>
-                <a:latin typeface="Calibri" panose="020F0502020204030204" pitchFamily="34" charset="0"/>
-                <a:ea typeface="Calibri" panose="020F0502020204030204" pitchFamily="34" charset="0"/>
-                <a:cs typeface="Calibri" panose="020F0502020204030204" pitchFamily="34" charset="0"/>
-              </a:rPr>
-              <a:t>FontStream</a:t>
-            </a:r>
-            <a:r>
-              <a:rPr lang="en-US" altLang="zh-CN" dirty="0">
-                <a:solidFill>
-                  <a:schemeClr val="tx1"/>
-                </a:solidFill>
-                <a:latin typeface="Calibri" panose="020F0502020204030204" pitchFamily="34" charset="0"/>
-                <a:ea typeface="Calibri" panose="020F0502020204030204" pitchFamily="34" charset="0"/>
-                <a:cs typeface="Calibri" panose="020F0502020204030204" pitchFamily="34" charset="0"/>
-              </a:rPr>
-              <a:t>;</a:t>
-            </a:r>
-          </a:p>
-          <a:p>
-            <a:r>
-              <a:rPr lang="en-US" altLang="zh-CN" dirty="0">
-                <a:solidFill>
-                  <a:schemeClr val="tx1"/>
-                </a:solidFill>
-                <a:latin typeface="Calibri" panose="020F0502020204030204" pitchFamily="34" charset="0"/>
-                <a:ea typeface="Calibri" panose="020F0502020204030204" pitchFamily="34" charset="0"/>
-                <a:cs typeface="Calibri" panose="020F0502020204030204" pitchFamily="34" charset="0"/>
-              </a:rPr>
-              <a:t>…</a:t>
-            </a:r>
-          </a:p>
-        </p:txBody>
-      </p:sp>
-      <p:cxnSp>
-        <p:nvCxnSpPr>
-          <p:cNvPr id="29" name="Straight Connector 28">
-            <a:extLst>
-              <a:ext uri="{FF2B5EF4-FFF2-40B4-BE49-F238E27FC236}">
-                <a16:creationId xmlns:a16="http://schemas.microsoft.com/office/drawing/2014/main" id="{FA2F0D61-E66A-49FE-8F62-9A4FC10AC6A9}"/>
-              </a:ext>
-            </a:extLst>
-          </p:cNvPr>
-          <p:cNvCxnSpPr>
-            <a:cxnSpLocks/>
-            <a:stCxn id="24" idx="2"/>
-            <a:endCxn id="28" idx="0"/>
-          </p:cNvCxnSpPr>
-          <p:nvPr/>
-        </p:nvCxnSpPr>
-        <p:spPr>
-          <a:xfrm>
-            <a:off x="2266406" y="4207467"/>
-            <a:ext cx="0" cy="531222"/>
-          </a:xfrm>
-          <a:prstGeom prst="line">
-            <a:avLst/>
-          </a:prstGeom>
-          <a:ln w="19050">
-            <a:solidFill>
-              <a:schemeClr val="tx1"/>
-            </a:solidFill>
-          </a:ln>
-        </p:spPr>
-        <p:style>
-          <a:lnRef idx="1">
-            <a:schemeClr val="accent1"/>
-          </a:lnRef>
-          <a:fillRef idx="0">
-            <a:schemeClr val="accent1"/>
-          </a:fillRef>
-          <a:effectRef idx="0">
-            <a:schemeClr val="accent1"/>
-          </a:effectRef>
-          <a:fontRef idx="minor">
-            <a:schemeClr val="tx1"/>
-          </a:fontRef>
-        </p:style>
-      </p:cxnSp>
-      <p:sp>
-        <p:nvSpPr>
-          <p:cNvPr id="38" name="Rectangle 37">
-            <a:extLst>
-              <a:ext uri="{FF2B5EF4-FFF2-40B4-BE49-F238E27FC236}">
-                <a16:creationId xmlns:a16="http://schemas.microsoft.com/office/drawing/2014/main" id="{86440843-9319-42C5-ADB9-33993A70C453}"/>
-              </a:ext>
-            </a:extLst>
-          </p:cNvPr>
-          <p:cNvSpPr/>
-          <p:nvPr/>
-        </p:nvSpPr>
-        <p:spPr>
-          <a:xfrm>
-            <a:off x="7611292" y="4738689"/>
-            <a:ext cx="2314302" cy="1577202"/>
-          </a:xfrm>
-          <a:prstGeom prst="rect">
-            <a:avLst/>
-          </a:prstGeom>
-          <a:solidFill>
-            <a:schemeClr val="bg1"/>
-          </a:solidFill>
-          <a:ln>
-            <a:solidFill>
-              <a:schemeClr val="tx1"/>
-            </a:solidFill>
-          </a:ln>
-        </p:spPr>
-        <p:style>
-          <a:lnRef idx="2">
-            <a:schemeClr val="accent1">
-              <a:shade val="50000"/>
-            </a:schemeClr>
-          </a:lnRef>
-          <a:fillRef idx="1">
-            <a:schemeClr val="accent1"/>
-          </a:fillRef>
-          <a:effectRef idx="0">
-            <a:schemeClr val="accent1"/>
-          </a:effectRef>
-          <a:fontRef idx="minor">
-            <a:schemeClr val="lt1"/>
-          </a:fontRef>
-        </p:style>
-        <p:txBody>
-          <a:bodyPr rtlCol="0" anchor="ctr"/>
-          <a:lstStyle/>
-          <a:p>
-            <a:r>
-              <a:rPr lang="en-US" altLang="zh-CN" dirty="0" err="1">
-                <a:solidFill>
-                  <a:schemeClr val="tx1"/>
-                </a:solidFill>
-                <a:latin typeface="Calibri" panose="020F0502020204030204" pitchFamily="34" charset="0"/>
-                <a:ea typeface="Calibri" panose="020F0502020204030204" pitchFamily="34" charset="0"/>
-                <a:cs typeface="Calibri" panose="020F0502020204030204" pitchFamily="34" charset="0"/>
-              </a:rPr>
-              <a:t>LabelButton</a:t>
-            </a:r>
-            <a:r>
-              <a:rPr lang="en-US" altLang="zh-CN" dirty="0">
-                <a:solidFill>
-                  <a:schemeClr val="tx1"/>
-                </a:solidFill>
-                <a:latin typeface="Calibri" panose="020F0502020204030204" pitchFamily="34" charset="0"/>
-                <a:ea typeface="Calibri" panose="020F0502020204030204" pitchFamily="34" charset="0"/>
-                <a:cs typeface="Calibri" panose="020F0502020204030204" pitchFamily="34" charset="0"/>
-              </a:rPr>
-              <a:t>;</a:t>
-            </a:r>
-          </a:p>
-          <a:p>
-            <a:r>
-              <a:rPr lang="en-US" altLang="zh-CN" dirty="0">
-                <a:solidFill>
-                  <a:schemeClr val="tx1"/>
-                </a:solidFill>
-                <a:latin typeface="Calibri" panose="020F0502020204030204" pitchFamily="34" charset="0"/>
-                <a:ea typeface="Calibri" panose="020F0502020204030204" pitchFamily="34" charset="0"/>
-                <a:cs typeface="Calibri" panose="020F0502020204030204" pitchFamily="34" charset="0"/>
-              </a:rPr>
-              <a:t>Page;</a:t>
-            </a:r>
-          </a:p>
-          <a:p>
-            <a:r>
-              <a:rPr lang="en-US" altLang="zh-CN" dirty="0" err="1">
-                <a:solidFill>
-                  <a:schemeClr val="tx1"/>
-                </a:solidFill>
-                <a:latin typeface="Calibri" panose="020F0502020204030204" pitchFamily="34" charset="0"/>
-                <a:ea typeface="Calibri" panose="020F0502020204030204" pitchFamily="34" charset="0"/>
-                <a:cs typeface="Calibri" panose="020F0502020204030204" pitchFamily="34" charset="0"/>
-              </a:rPr>
-              <a:t>PageWithButtons</a:t>
-            </a:r>
-            <a:r>
-              <a:rPr lang="en-US" altLang="zh-CN" dirty="0">
-                <a:solidFill>
-                  <a:schemeClr val="tx1"/>
-                </a:solidFill>
-                <a:latin typeface="Calibri" panose="020F0502020204030204" pitchFamily="34" charset="0"/>
-                <a:ea typeface="Calibri" panose="020F0502020204030204" pitchFamily="34" charset="0"/>
-                <a:cs typeface="Calibri" panose="020F0502020204030204" pitchFamily="34" charset="0"/>
-              </a:rPr>
-              <a:t>;</a:t>
-            </a:r>
-          </a:p>
-          <a:p>
-            <a:r>
-              <a:rPr lang="en-US" altLang="zh-CN" dirty="0">
-                <a:solidFill>
-                  <a:schemeClr val="tx1"/>
-                </a:solidFill>
-                <a:latin typeface="Calibri" panose="020F0502020204030204" pitchFamily="34" charset="0"/>
-                <a:ea typeface="Calibri" panose="020F0502020204030204" pitchFamily="34" charset="0"/>
-                <a:cs typeface="Calibri" panose="020F0502020204030204" pitchFamily="34" charset="0"/>
-              </a:rPr>
-              <a:t>…</a:t>
-            </a:r>
-            <a:endParaRPr lang="zh-CN" altLang="en-US" dirty="0">
-              <a:solidFill>
-                <a:schemeClr val="tx1"/>
-              </a:solidFill>
-              <a:latin typeface="Calibri" panose="020F0502020204030204" pitchFamily="34" charset="0"/>
-              <a:cs typeface="Calibri" panose="020F0502020204030204" pitchFamily="34" charset="0"/>
-            </a:endParaRPr>
-          </a:p>
-        </p:txBody>
-      </p:sp>
-      <p:sp>
-        <p:nvSpPr>
-          <p:cNvPr id="39" name="Rectangle 38">
-            <a:extLst>
-              <a:ext uri="{FF2B5EF4-FFF2-40B4-BE49-F238E27FC236}">
-                <a16:creationId xmlns:a16="http://schemas.microsoft.com/office/drawing/2014/main" id="{B5B24C34-8ACF-46DC-8327-391D28BC772B}"/>
-              </a:ext>
-            </a:extLst>
-          </p:cNvPr>
-          <p:cNvSpPr/>
-          <p:nvPr/>
-        </p:nvSpPr>
-        <p:spPr>
-          <a:xfrm>
-            <a:off x="4938847" y="4738689"/>
-            <a:ext cx="2314302" cy="1577202"/>
-          </a:xfrm>
-          <a:prstGeom prst="rect">
-            <a:avLst/>
-          </a:prstGeom>
-          <a:solidFill>
-            <a:schemeClr val="bg1"/>
-          </a:solidFill>
-          <a:ln>
-            <a:solidFill>
-              <a:schemeClr val="tx1"/>
-            </a:solidFill>
-          </a:ln>
-        </p:spPr>
-        <p:style>
-          <a:lnRef idx="2">
-            <a:schemeClr val="accent1">
-              <a:shade val="50000"/>
-            </a:schemeClr>
-          </a:lnRef>
-          <a:fillRef idx="1">
-            <a:schemeClr val="accent1"/>
-          </a:fillRef>
-          <a:effectRef idx="0">
-            <a:schemeClr val="accent1"/>
-          </a:effectRef>
-          <a:fontRef idx="minor">
-            <a:schemeClr val="lt1"/>
-          </a:fontRef>
-        </p:style>
-        <p:txBody>
-          <a:bodyPr rtlCol="0" anchor="ctr"/>
-          <a:lstStyle/>
-          <a:p>
-            <a:r>
-              <a:rPr lang="en-US" altLang="zh-CN" dirty="0" err="1">
-                <a:solidFill>
-                  <a:schemeClr val="tx1"/>
-                </a:solidFill>
-                <a:latin typeface="Calibri" panose="020F0502020204030204" pitchFamily="34" charset="0"/>
-                <a:ea typeface="Calibri" panose="020F0502020204030204" pitchFamily="34" charset="0"/>
-                <a:cs typeface="Calibri" panose="020F0502020204030204" pitchFamily="34" charset="0"/>
-              </a:rPr>
-              <a:t>ExternalRuntimeData</a:t>
-            </a:r>
-            <a:r>
-              <a:rPr lang="en-US" altLang="zh-CN" dirty="0">
-                <a:solidFill>
-                  <a:schemeClr val="tx1"/>
-                </a:solidFill>
-                <a:latin typeface="Calibri" panose="020F0502020204030204" pitchFamily="34" charset="0"/>
-                <a:ea typeface="Calibri" panose="020F0502020204030204" pitchFamily="34" charset="0"/>
-                <a:cs typeface="Calibri" panose="020F0502020204030204" pitchFamily="34" charset="0"/>
-              </a:rPr>
-              <a:t>;</a:t>
-            </a:r>
-          </a:p>
-          <a:p>
-            <a:r>
-              <a:rPr lang="en-US" altLang="zh-CN" dirty="0" err="1">
-                <a:solidFill>
-                  <a:schemeClr val="tx1"/>
-                </a:solidFill>
-                <a:latin typeface="Calibri" panose="020F0502020204030204" pitchFamily="34" charset="0"/>
-                <a:ea typeface="Calibri" panose="020F0502020204030204" pitchFamily="34" charset="0"/>
-                <a:cs typeface="Calibri" panose="020F0502020204030204" pitchFamily="34" charset="0"/>
-              </a:rPr>
-              <a:t>RuntimeUnit</a:t>
-            </a:r>
-            <a:r>
-              <a:rPr lang="en-US" altLang="zh-CN" dirty="0">
-                <a:solidFill>
-                  <a:schemeClr val="tx1"/>
-                </a:solidFill>
-                <a:latin typeface="Calibri" panose="020F0502020204030204" pitchFamily="34" charset="0"/>
-                <a:ea typeface="Calibri" panose="020F0502020204030204" pitchFamily="34" charset="0"/>
-                <a:cs typeface="Calibri" panose="020F0502020204030204" pitchFamily="34" charset="0"/>
-              </a:rPr>
-              <a:t>;</a:t>
-            </a:r>
-          </a:p>
-        </p:txBody>
-      </p:sp>
-      <p:sp>
-        <p:nvSpPr>
-          <p:cNvPr id="7" name="Rectangle 14">
-            <a:extLst>
-              <a:ext uri="{FF2B5EF4-FFF2-40B4-BE49-F238E27FC236}">
-                <a16:creationId xmlns:a16="http://schemas.microsoft.com/office/drawing/2014/main" id="{A525FDA7-ECE6-5B2A-E7B8-5DD594843250}"/>
-              </a:ext>
-            </a:extLst>
-          </p:cNvPr>
-          <p:cNvSpPr/>
-          <p:nvPr/>
-        </p:nvSpPr>
-        <p:spPr>
-          <a:xfrm>
-            <a:off x="10164525" y="3332255"/>
-            <a:ext cx="1515292" cy="875212"/>
-          </a:xfrm>
-          <a:prstGeom prst="rect">
-            <a:avLst/>
-          </a:prstGeom>
-          <a:solidFill>
-            <a:schemeClr val="bg1"/>
-          </a:solidFill>
-          <a:ln>
-            <a:solidFill>
-              <a:schemeClr val="tx1"/>
-            </a:solidFill>
-          </a:ln>
-        </p:spPr>
-        <p:style>
-          <a:lnRef idx="2">
-            <a:schemeClr val="accent1">
-              <a:shade val="50000"/>
-            </a:schemeClr>
-          </a:lnRef>
-          <a:fillRef idx="1">
-            <a:schemeClr val="accent1"/>
-          </a:fillRef>
-          <a:effectRef idx="0">
-            <a:schemeClr val="accent1"/>
-          </a:effectRef>
-          <a:fontRef idx="minor">
-            <a:schemeClr val="lt1"/>
-          </a:fontRef>
-        </p:style>
-        <p:txBody>
-          <a:bodyPr rtlCol="0" anchor="ctr"/>
-          <a:lstStyle/>
-          <a:p>
-            <a:pPr algn="ctr"/>
-            <a:r>
-              <a:rPr lang="en-US" altLang="zh-CN" dirty="0">
-                <a:solidFill>
-                  <a:schemeClr val="tx1"/>
-                </a:solidFill>
-                <a:latin typeface="Calibri" panose="020F0502020204030204" pitchFamily="34" charset="0"/>
-                <a:ea typeface="Calibri" panose="020F0502020204030204" pitchFamily="34" charset="0"/>
-                <a:cs typeface="Calibri" panose="020F0502020204030204" pitchFamily="34" charset="0"/>
-              </a:rPr>
-              <a:t>an</a:t>
-            </a:r>
-          </a:p>
-        </p:txBody>
-      </p:sp>
-      <p:cxnSp>
-        <p:nvCxnSpPr>
-          <p:cNvPr id="8" name="Straight Connector 15">
-            <a:extLst>
-              <a:ext uri="{FF2B5EF4-FFF2-40B4-BE49-F238E27FC236}">
-                <a16:creationId xmlns:a16="http://schemas.microsoft.com/office/drawing/2014/main" id="{66AA908D-5704-928C-98C0-16003C80C743}"/>
-              </a:ext>
-            </a:extLst>
-          </p:cNvPr>
-          <p:cNvCxnSpPr>
-            <a:cxnSpLocks/>
-            <a:stCxn id="3" idx="2"/>
-            <a:endCxn id="7" idx="0"/>
-          </p:cNvCxnSpPr>
-          <p:nvPr/>
-        </p:nvCxnSpPr>
-        <p:spPr>
-          <a:xfrm>
-            <a:off x="6096000" y="2801032"/>
-            <a:ext cx="4826171" cy="531223"/>
-          </a:xfrm>
-          <a:prstGeom prst="line">
-            <a:avLst/>
-          </a:prstGeom>
-          <a:ln w="19050">
-            <a:solidFill>
-              <a:schemeClr val="tx1"/>
-            </a:solidFill>
-          </a:ln>
-        </p:spPr>
-        <p:style>
-          <a:lnRef idx="1">
-            <a:schemeClr val="accent1"/>
-          </a:lnRef>
-          <a:fillRef idx="0">
-            <a:schemeClr val="accent1"/>
-          </a:fillRef>
-          <a:effectRef idx="0">
-            <a:schemeClr val="accent1"/>
-          </a:effectRef>
-          <a:fontRef idx="minor">
-            <a:schemeClr val="tx1"/>
-          </a:fontRef>
-        </p:style>
-      </p:cxnSp>
+            <a:endParaRPr lang="zh-CN" altLang="en-US"/>
+          </a:p>
+        </p:txBody>
+      </p:sp>
     </p:spTree>
     <p:extLst>
       <p:ext uri="{BB962C8B-B14F-4D97-AF65-F5344CB8AC3E}">
-        <p14:creationId xmlns:p14="http://schemas.microsoft.com/office/powerpoint/2010/main" val="2933703945"/>
+        <p14:creationId xmlns:p14="http://schemas.microsoft.com/office/powerpoint/2010/main" val="2708238068"/>
       </p:ext>
     </p:extLst>
   </p:cSld>

--- a/documentation/diagrams.pptx
+++ b/documentation/diagrams.pptx
@@ -11,11 +11,23 @@
     <p:sldId id="262" r:id="rId5"/>
     <p:sldId id="263" r:id="rId6"/>
     <p:sldId id="264" r:id="rId7"/>
-    <p:sldId id="267" r:id="rId8"/>
-    <p:sldId id="268" r:id="rId9"/>
-    <p:sldId id="266" r:id="rId10"/>
-    <p:sldId id="257" r:id="rId11"/>
-    <p:sldId id="258" r:id="rId12"/>
+    <p:sldId id="269" r:id="rId8"/>
+    <p:sldId id="272" r:id="rId9"/>
+    <p:sldId id="273" r:id="rId10"/>
+    <p:sldId id="271" r:id="rId11"/>
+    <p:sldId id="270" r:id="rId12"/>
+    <p:sldId id="277" r:id="rId13"/>
+    <p:sldId id="278" r:id="rId14"/>
+    <p:sldId id="267" r:id="rId15"/>
+    <p:sldId id="276" r:id="rId16"/>
+    <p:sldId id="268" r:id="rId17"/>
+    <p:sldId id="266" r:id="rId18"/>
+    <p:sldId id="257" r:id="rId19"/>
+    <p:sldId id="258" r:id="rId20"/>
+    <p:sldId id="274" r:id="rId21"/>
+    <p:sldId id="275" r:id="rId22"/>
+    <p:sldId id="279" r:id="rId23"/>
+    <p:sldId id="280" r:id="rId24"/>
   </p:sldIdLst>
   <p:sldSz cx="12192000" cy="6858000"/>
   <p:notesSz cx="6858000" cy="9144000"/>
@@ -3448,6 +3460,2422 @@
           <a:chExt cx="0" cy="0"/>
         </a:xfrm>
       </p:grpSpPr>
+      <p:graphicFrame>
+        <p:nvGraphicFramePr>
+          <p:cNvPr id="16" name="表格 15">
+            <a:extLst>
+              <a:ext uri="{FF2B5EF4-FFF2-40B4-BE49-F238E27FC236}">
+                <a16:creationId xmlns:a16="http://schemas.microsoft.com/office/drawing/2014/main" id="{EB1C4A40-80C5-7BA1-0D7D-5BB576CB3728}"/>
+              </a:ext>
+            </a:extLst>
+          </p:cNvPr>
+          <p:cNvGraphicFramePr>
+            <a:graphicFrameLocks noGrp="1"/>
+          </p:cNvGraphicFramePr>
+          <p:nvPr>
+            <p:extLst>
+              <p:ext uri="{D42A27DB-BD31-4B8C-83A1-F6EECF244321}">
+                <p14:modId xmlns:p14="http://schemas.microsoft.com/office/powerpoint/2010/main" val="2250569032"/>
+              </p:ext>
+            </p:extLst>
+          </p:nvPr>
+        </p:nvGraphicFramePr>
+        <p:xfrm>
+          <a:off x="1187570" y="465827"/>
+          <a:ext cx="9816860" cy="4982068"/>
+        </p:xfrm>
+        <a:graphic>
+          <a:graphicData uri="http://schemas.openxmlformats.org/drawingml/2006/table">
+            <a:tbl>
+              <a:tblPr firstRow="1" bandRow="1">
+                <a:tableStyleId>{5C22544A-7EE6-4342-B048-85BDC9FD1C3A}</a:tableStyleId>
+              </a:tblPr>
+              <a:tblGrid>
+                <a:gridCol w="9816860">
+                  <a:extLst>
+                    <a:ext uri="{9D8B030D-6E8A-4147-A177-3AD203B41FA5}">
+                      <a16:colId xmlns:a16="http://schemas.microsoft.com/office/drawing/2014/main" val="3627222243"/>
+                    </a:ext>
+                  </a:extLst>
+                </a:gridCol>
+              </a:tblGrid>
+              <a:tr h="579368">
+                <a:tc>
+                  <a:txBody>
+                    <a:bodyPr/>
+                    <a:lstStyle/>
+                    <a:p>
+                      <a:pPr algn="ctr"/>
+                      <a:r>
+                        <a:rPr lang="en-US" altLang="zh-CN" sz="2400" b="0" dirty="0" err="1">
+                          <a:latin typeface="Calibri" panose="020F0502020204030204" pitchFamily="34" charset="0"/>
+                          <a:cs typeface="Calibri" panose="020F0502020204030204" pitchFamily="34" charset="0"/>
+                        </a:rPr>
+                        <a:t>ui.Page</a:t>
+                      </a:r>
+                      <a:r>
+                        <a:rPr lang="en-US" altLang="zh-CN" sz="2400" b="0" dirty="0">
+                          <a:latin typeface="Calibri" panose="020F0502020204030204" pitchFamily="34" charset="0"/>
+                          <a:cs typeface="Calibri" panose="020F0502020204030204" pitchFamily="34" charset="0"/>
+                        </a:rPr>
+                        <a:t> (continued)</a:t>
+                      </a:r>
+                      <a:endParaRPr lang="zh-CN" altLang="en-US" sz="2400" b="0" dirty="0">
+                        <a:latin typeface="Calibri" panose="020F0502020204030204" pitchFamily="34" charset="0"/>
+                        <a:cs typeface="Calibri" panose="020F0502020204030204" pitchFamily="34" charset="0"/>
+                      </a:endParaRPr>
+                    </a:p>
+                  </a:txBody>
+                  <a:tcPr anchor="ctr"/>
+                </a:tc>
+                <a:extLst>
+                  <a:ext uri="{0D108BD9-81ED-4DB2-BD59-A6C34878D82A}">
+                    <a16:rowId xmlns:a16="http://schemas.microsoft.com/office/drawing/2014/main" val="3346152141"/>
+                  </a:ext>
+                </a:extLst>
+              </a:tr>
+              <a:tr h="1506187">
+                <a:tc>
+                  <a:txBody>
+                    <a:bodyPr/>
+                    <a:lstStyle/>
+                    <a:p>
+                      <a:endParaRPr lang="zh-CN" altLang="en-US" sz="2400" dirty="0">
+                        <a:latin typeface="Calibri" panose="020F0502020204030204" pitchFamily="34" charset="0"/>
+                        <a:cs typeface="Calibri" panose="020F0502020204030204" pitchFamily="34" charset="0"/>
+                      </a:endParaRPr>
+                    </a:p>
+                  </a:txBody>
+                  <a:tcPr anchor="ctr"/>
+                </a:tc>
+                <a:extLst>
+                  <a:ext uri="{0D108BD9-81ED-4DB2-BD59-A6C34878D82A}">
+                    <a16:rowId xmlns:a16="http://schemas.microsoft.com/office/drawing/2014/main" val="4162875606"/>
+                  </a:ext>
+                </a:extLst>
+              </a:tr>
+              <a:tr h="2896513">
+                <a:tc>
+                  <a:txBody>
+                    <a:bodyPr/>
+                    <a:lstStyle/>
+                    <a:p>
+                      <a:pPr marL="0" marR="0" lvl="0" indent="0" algn="l" defTabSz="914400" rtl="0" eaLnBrk="1" fontAlgn="auto" latinLnBrk="0" hangingPunct="1">
+                        <a:lnSpc>
+                          <a:spcPct val="100000"/>
+                        </a:lnSpc>
+                        <a:spcBef>
+                          <a:spcPts val="0"/>
+                        </a:spcBef>
+                        <a:spcAft>
+                          <a:spcPts val="0"/>
+                        </a:spcAft>
+                        <a:buClrTx/>
+                        <a:buSzTx/>
+                        <a:buFontTx/>
+                        <a:buNone/>
+                        <a:tabLst/>
+                        <a:defRPr/>
+                      </a:pPr>
+                      <a:r>
+                        <a:rPr lang="en-US" altLang="zh-CN" sz="2400" dirty="0">
+                          <a:solidFill>
+                            <a:srgbClr val="FF0000"/>
+                          </a:solidFill>
+                          <a:latin typeface="Calibri" panose="020F0502020204030204" pitchFamily="34" charset="0"/>
+                          <a:cs typeface="Calibri" panose="020F0502020204030204" pitchFamily="34" charset="0"/>
+                        </a:rPr>
+                        <a:t>+run()</a:t>
+                      </a:r>
+                      <a:endParaRPr lang="en-US" altLang="zh-CN" sz="2400" dirty="0">
+                        <a:latin typeface="Calibri" panose="020F0502020204030204" pitchFamily="34" charset="0"/>
+                        <a:cs typeface="Calibri" panose="020F0502020204030204" pitchFamily="34" charset="0"/>
+                      </a:endParaRPr>
+                    </a:p>
+                    <a:p>
+                      <a:r>
+                        <a:rPr lang="en-US" altLang="zh-CN" sz="2400" dirty="0">
+                          <a:latin typeface="Calibri" panose="020F0502020204030204" pitchFamily="34" charset="0"/>
+                          <a:cs typeface="Calibri" panose="020F0502020204030204" pitchFamily="34" charset="0"/>
+                        </a:rPr>
+                        <a:t>#do_sth_after_each_loop()</a:t>
+                      </a:r>
+                    </a:p>
+                    <a:p>
+                      <a:r>
+                        <a:rPr lang="en-US" altLang="zh-CN" sz="2400" dirty="0">
+                          <a:latin typeface="Calibri" panose="020F0502020204030204" pitchFamily="34" charset="0"/>
+                          <a:cs typeface="Calibri" panose="020F0502020204030204" pitchFamily="34" charset="0"/>
+                        </a:rPr>
+                        <a:t>#do_sth_before_each_loop()</a:t>
+                      </a:r>
+                    </a:p>
+                    <a:p>
+                      <a:r>
+                        <a:rPr lang="en-US" altLang="zh-CN" sz="2400" dirty="0">
+                          <a:latin typeface="Calibri" panose="020F0502020204030204" pitchFamily="34" charset="0"/>
+                          <a:cs typeface="Calibri" panose="020F0502020204030204" pitchFamily="34" charset="0"/>
+                        </a:rPr>
+                        <a:t>#do_sth_before_main_loop_start()</a:t>
+                      </a:r>
+                    </a:p>
+                    <a:p>
+                      <a:r>
+                        <a:rPr lang="en-US" altLang="zh-CN" sz="2400" dirty="0">
+                          <a:latin typeface="Calibri" panose="020F0502020204030204" pitchFamily="34" charset="0"/>
+                          <a:cs typeface="Calibri" panose="020F0502020204030204" pitchFamily="34" charset="0"/>
+                        </a:rPr>
+                        <a:t>#loop_once()</a:t>
+                      </a:r>
+                    </a:p>
+                    <a:p>
+                      <a:pPr marL="0" marR="0" lvl="0" indent="0" algn="l" defTabSz="914400" rtl="0" eaLnBrk="1" fontAlgn="auto" latinLnBrk="0" hangingPunct="1">
+                        <a:lnSpc>
+                          <a:spcPct val="100000"/>
+                        </a:lnSpc>
+                        <a:spcBef>
+                          <a:spcPts val="0"/>
+                        </a:spcBef>
+                        <a:spcAft>
+                          <a:spcPts val="0"/>
+                        </a:spcAft>
+                        <a:buClrTx/>
+                        <a:buSzTx/>
+                        <a:buFontTx/>
+                        <a:buNone/>
+                        <a:tabLst/>
+                        <a:defRPr/>
+                      </a:pPr>
+                      <a:endParaRPr lang="en-US" altLang="zh-CN" sz="2400" dirty="0">
+                        <a:latin typeface="Calibri" panose="020F0502020204030204" pitchFamily="34" charset="0"/>
+                        <a:cs typeface="Calibri" panose="020F0502020204030204" pitchFamily="34" charset="0"/>
+                      </a:endParaRPr>
+                    </a:p>
+                    <a:p>
+                      <a:r>
+                        <a:rPr lang="en-US" altLang="zh-CN" sz="2400" dirty="0">
+                          <a:latin typeface="Calibri" panose="020F0502020204030204" pitchFamily="34" charset="0"/>
+                          <a:cs typeface="Calibri" panose="020F0502020204030204" pitchFamily="34" charset="0"/>
+                        </a:rPr>
+                        <a:t>…</a:t>
+                      </a:r>
+                      <a:endParaRPr lang="zh-CN" altLang="en-US" sz="2400" dirty="0">
+                        <a:latin typeface="Calibri" panose="020F0502020204030204" pitchFamily="34" charset="0"/>
+                        <a:cs typeface="Calibri" panose="020F0502020204030204" pitchFamily="34" charset="0"/>
+                      </a:endParaRPr>
+                    </a:p>
+                  </a:txBody>
+                  <a:tcPr anchor="ctr"/>
+                </a:tc>
+                <a:extLst>
+                  <a:ext uri="{0D108BD9-81ED-4DB2-BD59-A6C34878D82A}">
+                    <a16:rowId xmlns:a16="http://schemas.microsoft.com/office/drawing/2014/main" val="2161683205"/>
+                  </a:ext>
+                </a:extLst>
+              </a:tr>
+            </a:tbl>
+          </a:graphicData>
+        </a:graphic>
+      </p:graphicFrame>
+    </p:spTree>
+    <p:extLst>
+      <p:ext uri="{BB962C8B-B14F-4D97-AF65-F5344CB8AC3E}">
+        <p14:creationId xmlns:p14="http://schemas.microsoft.com/office/powerpoint/2010/main" val="2910727114"/>
+      </p:ext>
+    </p:extLst>
+  </p:cSld>
+  <p:clrMapOvr>
+    <a:masterClrMapping/>
+  </p:clrMapOvr>
+</p:sld>
+</file>
+
+<file path=ppt/slides/slide11.xml><?xml version="1.0" encoding="utf-8"?>
+<p:sld xmlns:a="http://schemas.openxmlformats.org/drawingml/2006/main" xmlns:r="http://schemas.openxmlformats.org/officeDocument/2006/relationships" xmlns:p="http://schemas.openxmlformats.org/presentationml/2006/main">
+  <p:cSld>
+    <p:spTree>
+      <p:nvGrpSpPr>
+        <p:cNvPr id="1" name=""/>
+        <p:cNvGrpSpPr/>
+        <p:nvPr/>
+      </p:nvGrpSpPr>
+      <p:grpSpPr>
+        <a:xfrm>
+          <a:off x="0" y="0"/>
+          <a:ext cx="0" cy="0"/>
+          <a:chOff x="0" y="0"/>
+          <a:chExt cx="0" cy="0"/>
+        </a:xfrm>
+      </p:grpSpPr>
+      <p:graphicFrame>
+        <p:nvGraphicFramePr>
+          <p:cNvPr id="16" name="表格 15">
+            <a:extLst>
+              <a:ext uri="{FF2B5EF4-FFF2-40B4-BE49-F238E27FC236}">
+                <a16:creationId xmlns:a16="http://schemas.microsoft.com/office/drawing/2014/main" id="{EB1C4A40-80C5-7BA1-0D7D-5BB576CB3728}"/>
+              </a:ext>
+            </a:extLst>
+          </p:cNvPr>
+          <p:cNvGraphicFramePr>
+            <a:graphicFrameLocks noGrp="1"/>
+          </p:cNvGraphicFramePr>
+          <p:nvPr>
+            <p:extLst>
+              <p:ext uri="{D42A27DB-BD31-4B8C-83A1-F6EECF244321}">
+                <p14:modId xmlns:p14="http://schemas.microsoft.com/office/powerpoint/2010/main" val="2577897021"/>
+              </p:ext>
+            </p:extLst>
+          </p:nvPr>
+        </p:nvGraphicFramePr>
+        <p:xfrm>
+          <a:off x="1187570" y="465827"/>
+          <a:ext cx="9816860" cy="4982068"/>
+        </p:xfrm>
+        <a:graphic>
+          <a:graphicData uri="http://schemas.openxmlformats.org/drawingml/2006/table">
+            <a:tbl>
+              <a:tblPr firstRow="1" bandRow="1">
+                <a:tableStyleId>{5C22544A-7EE6-4342-B048-85BDC9FD1C3A}</a:tableStyleId>
+              </a:tblPr>
+              <a:tblGrid>
+                <a:gridCol w="9816860">
+                  <a:extLst>
+                    <a:ext uri="{9D8B030D-6E8A-4147-A177-3AD203B41FA5}">
+                      <a16:colId xmlns:a16="http://schemas.microsoft.com/office/drawing/2014/main" val="3627222243"/>
+                    </a:ext>
+                  </a:extLst>
+                </a:gridCol>
+              </a:tblGrid>
+              <a:tr h="579368">
+                <a:tc>
+                  <a:txBody>
+                    <a:bodyPr/>
+                    <a:lstStyle/>
+                    <a:p>
+                      <a:pPr algn="ctr"/>
+                      <a:r>
+                        <a:rPr lang="en-US" altLang="zh-CN" sz="2400" b="0" dirty="0" err="1">
+                          <a:latin typeface="Calibri" panose="020F0502020204030204" pitchFamily="34" charset="0"/>
+                          <a:cs typeface="Calibri" panose="020F0502020204030204" pitchFamily="34" charset="0"/>
+                        </a:rPr>
+                        <a:t>ui.Page</a:t>
+                      </a:r>
+                      <a:r>
+                        <a:rPr lang="en-US" altLang="zh-CN" sz="2400" b="0" dirty="0">
+                          <a:latin typeface="Calibri" panose="020F0502020204030204" pitchFamily="34" charset="0"/>
+                          <a:cs typeface="Calibri" panose="020F0502020204030204" pitchFamily="34" charset="0"/>
+                        </a:rPr>
+                        <a:t> (continued)</a:t>
+                      </a:r>
+                      <a:endParaRPr lang="zh-CN" altLang="en-US" sz="2400" b="0" dirty="0">
+                        <a:latin typeface="Calibri" panose="020F0502020204030204" pitchFamily="34" charset="0"/>
+                        <a:cs typeface="Calibri" panose="020F0502020204030204" pitchFamily="34" charset="0"/>
+                      </a:endParaRPr>
+                    </a:p>
+                  </a:txBody>
+                  <a:tcPr anchor="ctr"/>
+                </a:tc>
+                <a:extLst>
+                  <a:ext uri="{0D108BD9-81ED-4DB2-BD59-A6C34878D82A}">
+                    <a16:rowId xmlns:a16="http://schemas.microsoft.com/office/drawing/2014/main" val="3346152141"/>
+                  </a:ext>
+                </a:extLst>
+              </a:tr>
+              <a:tr h="1506187">
+                <a:tc>
+                  <a:txBody>
+                    <a:bodyPr/>
+                    <a:lstStyle/>
+                    <a:p>
+                      <a:endParaRPr lang="zh-CN" altLang="en-US" sz="2400" dirty="0">
+                        <a:latin typeface="Calibri" panose="020F0502020204030204" pitchFamily="34" charset="0"/>
+                        <a:cs typeface="Calibri" panose="020F0502020204030204" pitchFamily="34" charset="0"/>
+                      </a:endParaRPr>
+                    </a:p>
+                  </a:txBody>
+                  <a:tcPr anchor="ctr"/>
+                </a:tc>
+                <a:extLst>
+                  <a:ext uri="{0D108BD9-81ED-4DB2-BD59-A6C34878D82A}">
+                    <a16:rowId xmlns:a16="http://schemas.microsoft.com/office/drawing/2014/main" val="4162875606"/>
+                  </a:ext>
+                </a:extLst>
+              </a:tr>
+              <a:tr h="2896513">
+                <a:tc>
+                  <a:txBody>
+                    <a:bodyPr/>
+                    <a:lstStyle/>
+                    <a:p>
+                      <a:pPr marL="0" marR="0" lvl="0" indent="0" algn="l" defTabSz="914400" rtl="0" eaLnBrk="1" fontAlgn="auto" latinLnBrk="0" hangingPunct="1">
+                        <a:lnSpc>
+                          <a:spcPct val="100000"/>
+                        </a:lnSpc>
+                        <a:spcBef>
+                          <a:spcPts val="0"/>
+                        </a:spcBef>
+                        <a:spcAft>
+                          <a:spcPts val="0"/>
+                        </a:spcAft>
+                        <a:buClrTx/>
+                        <a:buSzTx/>
+                        <a:buFontTx/>
+                        <a:buNone/>
+                        <a:tabLst/>
+                        <a:defRPr/>
+                      </a:pPr>
+                      <a:r>
+                        <a:rPr lang="en-US" altLang="zh-CN" sz="2400" dirty="0">
+                          <a:latin typeface="Calibri" panose="020F0502020204030204" pitchFamily="34" charset="0"/>
+                          <a:cs typeface="Calibri" panose="020F0502020204030204" pitchFamily="34" charset="0"/>
+                        </a:rPr>
+                        <a:t>+</a:t>
+                      </a:r>
+                      <a:r>
+                        <a:rPr lang="en-US" altLang="zh-CN" sz="2400" dirty="0" err="1">
+                          <a:latin typeface="Calibri" panose="020F0502020204030204" pitchFamily="34" charset="0"/>
+                          <a:cs typeface="Calibri" panose="020F0502020204030204" pitchFamily="34" charset="0"/>
+                        </a:rPr>
+                        <a:t>draw_and_flip</a:t>
+                      </a:r>
+                      <a:r>
+                        <a:rPr lang="en-US" altLang="zh-CN" sz="2400" dirty="0">
+                          <a:latin typeface="Calibri" panose="020F0502020204030204" pitchFamily="34" charset="0"/>
+                          <a:cs typeface="Calibri" panose="020F0502020204030204" pitchFamily="34" charset="0"/>
+                        </a:rPr>
+                        <a:t>()</a:t>
+                      </a:r>
+                    </a:p>
+                    <a:p>
+                      <a:pPr marL="0" marR="0" lvl="0" indent="0" algn="l" defTabSz="914400" rtl="0" eaLnBrk="1" fontAlgn="auto" latinLnBrk="0" hangingPunct="1">
+                        <a:lnSpc>
+                          <a:spcPct val="100000"/>
+                        </a:lnSpc>
+                        <a:spcBef>
+                          <a:spcPts val="0"/>
+                        </a:spcBef>
+                        <a:spcAft>
+                          <a:spcPts val="0"/>
+                        </a:spcAft>
+                        <a:buClrTx/>
+                        <a:buSzTx/>
+                        <a:buFontTx/>
+                        <a:buNone/>
+                        <a:tabLst/>
+                        <a:defRPr/>
+                      </a:pPr>
+                      <a:r>
+                        <a:rPr lang="en-US" altLang="zh-CN" sz="2400" dirty="0">
+                          <a:latin typeface="Calibri" panose="020F0502020204030204" pitchFamily="34" charset="0"/>
+                          <a:cs typeface="Calibri" panose="020F0502020204030204" pitchFamily="34" charset="0"/>
+                        </a:rPr>
+                        <a:t>+draw()</a:t>
+                      </a:r>
+                    </a:p>
+                    <a:p>
+                      <a:pPr marL="0" marR="0" lvl="0" indent="0" algn="l" defTabSz="914400" rtl="0" eaLnBrk="1" fontAlgn="auto" latinLnBrk="0" hangingPunct="1">
+                        <a:lnSpc>
+                          <a:spcPct val="100000"/>
+                        </a:lnSpc>
+                        <a:spcBef>
+                          <a:spcPts val="0"/>
+                        </a:spcBef>
+                        <a:spcAft>
+                          <a:spcPts val="0"/>
+                        </a:spcAft>
+                        <a:buClrTx/>
+                        <a:buSzTx/>
+                        <a:buFontTx/>
+                        <a:buNone/>
+                        <a:tabLst/>
+                        <a:defRPr/>
+                      </a:pPr>
+                      <a:r>
+                        <a:rPr lang="en-US" altLang="zh-CN" sz="2400" dirty="0">
+                          <a:latin typeface="Calibri" panose="020F0502020204030204" pitchFamily="34" charset="0"/>
+                          <a:cs typeface="Calibri" panose="020F0502020204030204" pitchFamily="34" charset="0"/>
+                        </a:rPr>
+                        <a:t>+flip()</a:t>
+                      </a:r>
+                    </a:p>
+                    <a:p>
+                      <a:pPr marL="0" marR="0" lvl="0" indent="0" algn="l" defTabSz="914400" rtl="0" eaLnBrk="1" fontAlgn="auto" latinLnBrk="0" hangingPunct="1">
+                        <a:lnSpc>
+                          <a:spcPct val="100000"/>
+                        </a:lnSpc>
+                        <a:spcBef>
+                          <a:spcPts val="0"/>
+                        </a:spcBef>
+                        <a:spcAft>
+                          <a:spcPts val="0"/>
+                        </a:spcAft>
+                        <a:buClrTx/>
+                        <a:buSzTx/>
+                        <a:buFontTx/>
+                        <a:buNone/>
+                        <a:tabLst/>
+                        <a:defRPr/>
+                      </a:pPr>
+                      <a:endParaRPr lang="en-US" altLang="zh-CN" sz="2400" dirty="0">
+                        <a:latin typeface="Calibri" panose="020F0502020204030204" pitchFamily="34" charset="0"/>
+                        <a:cs typeface="Calibri" panose="020F0502020204030204" pitchFamily="34" charset="0"/>
+                      </a:endParaRPr>
+                    </a:p>
+                    <a:p>
+                      <a:r>
+                        <a:rPr lang="en-US" altLang="zh-CN" sz="2400" dirty="0">
+                          <a:latin typeface="Calibri" panose="020F0502020204030204" pitchFamily="34" charset="0"/>
+                          <a:cs typeface="Calibri" panose="020F0502020204030204" pitchFamily="34" charset="0"/>
+                        </a:rPr>
+                        <a:t>…</a:t>
+                      </a:r>
+                      <a:endParaRPr lang="zh-CN" altLang="en-US" sz="2400" dirty="0">
+                        <a:latin typeface="Calibri" panose="020F0502020204030204" pitchFamily="34" charset="0"/>
+                        <a:cs typeface="Calibri" panose="020F0502020204030204" pitchFamily="34" charset="0"/>
+                      </a:endParaRPr>
+                    </a:p>
+                  </a:txBody>
+                  <a:tcPr anchor="ctr"/>
+                </a:tc>
+                <a:extLst>
+                  <a:ext uri="{0D108BD9-81ED-4DB2-BD59-A6C34878D82A}">
+                    <a16:rowId xmlns:a16="http://schemas.microsoft.com/office/drawing/2014/main" val="2161683205"/>
+                  </a:ext>
+                </a:extLst>
+              </a:tr>
+            </a:tbl>
+          </a:graphicData>
+        </a:graphic>
+      </p:graphicFrame>
+    </p:spTree>
+    <p:extLst>
+      <p:ext uri="{BB962C8B-B14F-4D97-AF65-F5344CB8AC3E}">
+        <p14:creationId xmlns:p14="http://schemas.microsoft.com/office/powerpoint/2010/main" val="4229585317"/>
+      </p:ext>
+    </p:extLst>
+  </p:cSld>
+  <p:clrMapOvr>
+    <a:masterClrMapping/>
+  </p:clrMapOvr>
+</p:sld>
+</file>
+
+<file path=ppt/slides/slide12.xml><?xml version="1.0" encoding="utf-8"?>
+<p:sld xmlns:a="http://schemas.openxmlformats.org/drawingml/2006/main" xmlns:r="http://schemas.openxmlformats.org/officeDocument/2006/relationships" xmlns:p="http://schemas.openxmlformats.org/presentationml/2006/main">
+  <p:cSld>
+    <p:spTree>
+      <p:nvGrpSpPr>
+        <p:cNvPr id="1" name=""/>
+        <p:cNvGrpSpPr/>
+        <p:nvPr/>
+      </p:nvGrpSpPr>
+      <p:grpSpPr>
+        <a:xfrm>
+          <a:off x="0" y="0"/>
+          <a:ext cx="0" cy="0"/>
+          <a:chOff x="0" y="0"/>
+          <a:chExt cx="0" cy="0"/>
+        </a:xfrm>
+      </p:grpSpPr>
+      <p:graphicFrame>
+        <p:nvGraphicFramePr>
+          <p:cNvPr id="16" name="表格 15">
+            <a:extLst>
+              <a:ext uri="{FF2B5EF4-FFF2-40B4-BE49-F238E27FC236}">
+                <a16:creationId xmlns:a16="http://schemas.microsoft.com/office/drawing/2014/main" id="{EB1C4A40-80C5-7BA1-0D7D-5BB576CB3728}"/>
+              </a:ext>
+            </a:extLst>
+          </p:cNvPr>
+          <p:cNvGraphicFramePr>
+            <a:graphicFrameLocks noGrp="1"/>
+          </p:cNvGraphicFramePr>
+          <p:nvPr>
+            <p:extLst>
+              <p:ext uri="{D42A27DB-BD31-4B8C-83A1-F6EECF244321}">
+                <p14:modId xmlns:p14="http://schemas.microsoft.com/office/powerpoint/2010/main" val="574465233"/>
+              </p:ext>
+            </p:extLst>
+          </p:nvPr>
+        </p:nvGraphicFramePr>
+        <p:xfrm>
+          <a:off x="1187570" y="465827"/>
+          <a:ext cx="9816860" cy="4982068"/>
+        </p:xfrm>
+        <a:graphic>
+          <a:graphicData uri="http://schemas.openxmlformats.org/drawingml/2006/table">
+            <a:tbl>
+              <a:tblPr firstRow="1" bandRow="1">
+                <a:tableStyleId>{5C22544A-7EE6-4342-B048-85BDC9FD1C3A}</a:tableStyleId>
+              </a:tblPr>
+              <a:tblGrid>
+                <a:gridCol w="9816860">
+                  <a:extLst>
+                    <a:ext uri="{9D8B030D-6E8A-4147-A177-3AD203B41FA5}">
+                      <a16:colId xmlns:a16="http://schemas.microsoft.com/office/drawing/2014/main" val="3627222243"/>
+                    </a:ext>
+                  </a:extLst>
+                </a:gridCol>
+              </a:tblGrid>
+              <a:tr h="579368">
+                <a:tc>
+                  <a:txBody>
+                    <a:bodyPr/>
+                    <a:lstStyle/>
+                    <a:p>
+                      <a:pPr algn="ctr"/>
+                      <a:r>
+                        <a:rPr lang="en-US" altLang="zh-CN" sz="2400" b="0" dirty="0" err="1">
+                          <a:latin typeface="Calibri" panose="020F0502020204030204" pitchFamily="34" charset="0"/>
+                          <a:cs typeface="Calibri" panose="020F0502020204030204" pitchFamily="34" charset="0"/>
+                        </a:rPr>
+                        <a:t>ui.Page</a:t>
+                      </a:r>
+                      <a:r>
+                        <a:rPr lang="en-US" altLang="zh-CN" sz="2400" b="0" dirty="0">
+                          <a:latin typeface="Calibri" panose="020F0502020204030204" pitchFamily="34" charset="0"/>
+                          <a:cs typeface="Calibri" panose="020F0502020204030204" pitchFamily="34" charset="0"/>
+                        </a:rPr>
+                        <a:t> (continued)</a:t>
+                      </a:r>
+                      <a:endParaRPr lang="zh-CN" altLang="en-US" sz="2400" b="0" dirty="0">
+                        <a:latin typeface="Calibri" panose="020F0502020204030204" pitchFamily="34" charset="0"/>
+                        <a:cs typeface="Calibri" panose="020F0502020204030204" pitchFamily="34" charset="0"/>
+                      </a:endParaRPr>
+                    </a:p>
+                  </a:txBody>
+                  <a:tcPr anchor="ctr"/>
+                </a:tc>
+                <a:extLst>
+                  <a:ext uri="{0D108BD9-81ED-4DB2-BD59-A6C34878D82A}">
+                    <a16:rowId xmlns:a16="http://schemas.microsoft.com/office/drawing/2014/main" val="3346152141"/>
+                  </a:ext>
+                </a:extLst>
+              </a:tr>
+              <a:tr h="1506187">
+                <a:tc>
+                  <a:txBody>
+                    <a:bodyPr/>
+                    <a:lstStyle/>
+                    <a:p>
+                      <a:endParaRPr lang="zh-CN" altLang="en-US" sz="2400" dirty="0">
+                        <a:latin typeface="Calibri" panose="020F0502020204030204" pitchFamily="34" charset="0"/>
+                        <a:cs typeface="Calibri" panose="020F0502020204030204" pitchFamily="34" charset="0"/>
+                      </a:endParaRPr>
+                    </a:p>
+                  </a:txBody>
+                  <a:tcPr anchor="ctr"/>
+                </a:tc>
+                <a:extLst>
+                  <a:ext uri="{0D108BD9-81ED-4DB2-BD59-A6C34878D82A}">
+                    <a16:rowId xmlns:a16="http://schemas.microsoft.com/office/drawing/2014/main" val="4162875606"/>
+                  </a:ext>
+                </a:extLst>
+              </a:tr>
+              <a:tr h="2896513">
+                <a:tc>
+                  <a:txBody>
+                    <a:bodyPr/>
+                    <a:lstStyle/>
+                    <a:p>
+                      <a:pPr marL="0" marR="0" lvl="0" indent="0" algn="l" defTabSz="914400" rtl="0" eaLnBrk="1" fontAlgn="auto" latinLnBrk="0" hangingPunct="1">
+                        <a:lnSpc>
+                          <a:spcPct val="100000"/>
+                        </a:lnSpc>
+                        <a:spcBef>
+                          <a:spcPts val="0"/>
+                        </a:spcBef>
+                        <a:spcAft>
+                          <a:spcPts val="0"/>
+                        </a:spcAft>
+                        <a:buClrTx/>
+                        <a:buSzTx/>
+                        <a:buFontTx/>
+                        <a:buNone/>
+                        <a:tabLst/>
+                        <a:defRPr/>
+                      </a:pPr>
+                      <a:r>
+                        <a:rPr lang="en-US" altLang="zh-CN" sz="2400" dirty="0">
+                          <a:latin typeface="Calibri" panose="020F0502020204030204" pitchFamily="34" charset="0"/>
+                          <a:cs typeface="Calibri" panose="020F0502020204030204" pitchFamily="34" charset="0"/>
+                        </a:rPr>
+                        <a:t>+</a:t>
+                      </a:r>
+                      <a:r>
+                        <a:rPr lang="en-US" altLang="zh-CN" sz="2400" dirty="0" err="1">
+                          <a:latin typeface="Calibri" panose="020F0502020204030204" pitchFamily="34" charset="0"/>
+                          <a:cs typeface="Calibri" panose="020F0502020204030204" pitchFamily="34" charset="0"/>
+                        </a:rPr>
+                        <a:t>update_a_local_control</a:t>
+                      </a:r>
+                      <a:r>
+                        <a:rPr lang="en-US" altLang="zh-CN" sz="2400" dirty="0">
+                          <a:latin typeface="Calibri" panose="020F0502020204030204" pitchFamily="34" charset="0"/>
+                          <a:cs typeface="Calibri" panose="020F0502020204030204" pitchFamily="34" charset="0"/>
+                        </a:rPr>
+                        <a:t>()</a:t>
+                      </a:r>
+                    </a:p>
+                    <a:p>
+                      <a:pPr marL="0" marR="0" lvl="0" indent="0" algn="l" defTabSz="914400" rtl="0" eaLnBrk="1" fontAlgn="auto" latinLnBrk="0" hangingPunct="1">
+                        <a:lnSpc>
+                          <a:spcPct val="100000"/>
+                        </a:lnSpc>
+                        <a:spcBef>
+                          <a:spcPts val="0"/>
+                        </a:spcBef>
+                        <a:spcAft>
+                          <a:spcPts val="0"/>
+                        </a:spcAft>
+                        <a:buClrTx/>
+                        <a:buSzTx/>
+                        <a:buFontTx/>
+                        <a:buNone/>
+                        <a:tabLst/>
+                        <a:defRPr/>
+                      </a:pPr>
+                      <a:endParaRPr lang="en-US" altLang="zh-CN" sz="2400" dirty="0">
+                        <a:latin typeface="Calibri" panose="020F0502020204030204" pitchFamily="34" charset="0"/>
+                        <a:cs typeface="Calibri" panose="020F0502020204030204" pitchFamily="34" charset="0"/>
+                      </a:endParaRPr>
+                    </a:p>
+                    <a:p>
+                      <a:r>
+                        <a:rPr lang="en-US" altLang="zh-CN" sz="2400" dirty="0">
+                          <a:latin typeface="Calibri" panose="020F0502020204030204" pitchFamily="34" charset="0"/>
+                          <a:cs typeface="Calibri" panose="020F0502020204030204" pitchFamily="34" charset="0"/>
+                        </a:rPr>
+                        <a:t>…</a:t>
+                      </a:r>
+                      <a:endParaRPr lang="zh-CN" altLang="en-US" sz="2400" dirty="0">
+                        <a:latin typeface="Calibri" panose="020F0502020204030204" pitchFamily="34" charset="0"/>
+                        <a:cs typeface="Calibri" panose="020F0502020204030204" pitchFamily="34" charset="0"/>
+                      </a:endParaRPr>
+                    </a:p>
+                  </a:txBody>
+                  <a:tcPr anchor="ctr"/>
+                </a:tc>
+                <a:extLst>
+                  <a:ext uri="{0D108BD9-81ED-4DB2-BD59-A6C34878D82A}">
+                    <a16:rowId xmlns:a16="http://schemas.microsoft.com/office/drawing/2014/main" val="2161683205"/>
+                  </a:ext>
+                </a:extLst>
+              </a:tr>
+            </a:tbl>
+          </a:graphicData>
+        </a:graphic>
+      </p:graphicFrame>
+    </p:spTree>
+    <p:extLst>
+      <p:ext uri="{BB962C8B-B14F-4D97-AF65-F5344CB8AC3E}">
+        <p14:creationId xmlns:p14="http://schemas.microsoft.com/office/powerpoint/2010/main" val="721715805"/>
+      </p:ext>
+    </p:extLst>
+  </p:cSld>
+  <p:clrMapOvr>
+    <a:masterClrMapping/>
+  </p:clrMapOvr>
+</p:sld>
+</file>
+
+<file path=ppt/slides/slide13.xml><?xml version="1.0" encoding="utf-8"?>
+<p:sld xmlns:a="http://schemas.openxmlformats.org/drawingml/2006/main" xmlns:r="http://schemas.openxmlformats.org/officeDocument/2006/relationships" xmlns:p="http://schemas.openxmlformats.org/presentationml/2006/main">
+  <p:cSld>
+    <p:spTree>
+      <p:nvGrpSpPr>
+        <p:cNvPr id="1" name=""/>
+        <p:cNvGrpSpPr/>
+        <p:nvPr/>
+      </p:nvGrpSpPr>
+      <p:grpSpPr>
+        <a:xfrm>
+          <a:off x="0" y="0"/>
+          <a:ext cx="0" cy="0"/>
+          <a:chOff x="0" y="0"/>
+          <a:chExt cx="0" cy="0"/>
+        </a:xfrm>
+      </p:grpSpPr>
+      <p:graphicFrame>
+        <p:nvGraphicFramePr>
+          <p:cNvPr id="16" name="表格 15">
+            <a:extLst>
+              <a:ext uri="{FF2B5EF4-FFF2-40B4-BE49-F238E27FC236}">
+                <a16:creationId xmlns:a16="http://schemas.microsoft.com/office/drawing/2014/main" id="{EB1C4A40-80C5-7BA1-0D7D-5BB576CB3728}"/>
+              </a:ext>
+            </a:extLst>
+          </p:cNvPr>
+          <p:cNvGraphicFramePr>
+            <a:graphicFrameLocks noGrp="1"/>
+          </p:cNvGraphicFramePr>
+          <p:nvPr>
+            <p:extLst>
+              <p:ext uri="{D42A27DB-BD31-4B8C-83A1-F6EECF244321}">
+                <p14:modId xmlns:p14="http://schemas.microsoft.com/office/powerpoint/2010/main" val="1242673367"/>
+              </p:ext>
+            </p:extLst>
+          </p:nvPr>
+        </p:nvGraphicFramePr>
+        <p:xfrm>
+          <a:off x="1187568" y="1498696"/>
+          <a:ext cx="9816860" cy="4348051"/>
+        </p:xfrm>
+        <a:graphic>
+          <a:graphicData uri="http://schemas.openxmlformats.org/drawingml/2006/table">
+            <a:tbl>
+              <a:tblPr firstRow="1" bandRow="1">
+                <a:tableStyleId>{5C22544A-7EE6-4342-B048-85BDC9FD1C3A}</a:tableStyleId>
+              </a:tblPr>
+              <a:tblGrid>
+                <a:gridCol w="9816860">
+                  <a:extLst>
+                    <a:ext uri="{9D8B030D-6E8A-4147-A177-3AD203B41FA5}">
+                      <a16:colId xmlns:a16="http://schemas.microsoft.com/office/drawing/2014/main" val="3627222243"/>
+                    </a:ext>
+                  </a:extLst>
+                </a:gridCol>
+              </a:tblGrid>
+              <a:tr h="579368">
+                <a:tc>
+                  <a:txBody>
+                    <a:bodyPr/>
+                    <a:lstStyle/>
+                    <a:p>
+                      <a:pPr algn="ctr"/>
+                      <a:r>
+                        <a:rPr lang="en-US" altLang="zh-CN" sz="2400" b="0" dirty="0" err="1">
+                          <a:latin typeface="Calibri" panose="020F0502020204030204" pitchFamily="34" charset="0"/>
+                          <a:cs typeface="Calibri" panose="020F0502020204030204" pitchFamily="34" charset="0"/>
+                        </a:rPr>
+                        <a:t>ui.PageWithButtons</a:t>
+                      </a:r>
+                      <a:endParaRPr lang="zh-CN" altLang="en-US" sz="2400" b="0" dirty="0">
+                        <a:latin typeface="Calibri" panose="020F0502020204030204" pitchFamily="34" charset="0"/>
+                        <a:cs typeface="Calibri" panose="020F0502020204030204" pitchFamily="34" charset="0"/>
+                      </a:endParaRPr>
+                    </a:p>
+                  </a:txBody>
+                  <a:tcPr anchor="ctr"/>
+                </a:tc>
+                <a:extLst>
+                  <a:ext uri="{0D108BD9-81ED-4DB2-BD59-A6C34878D82A}">
+                    <a16:rowId xmlns:a16="http://schemas.microsoft.com/office/drawing/2014/main" val="3346152141"/>
+                  </a:ext>
+                </a:extLst>
+              </a:tr>
+              <a:tr h="872170">
+                <a:tc>
+                  <a:txBody>
+                    <a:bodyPr/>
+                    <a:lstStyle/>
+                    <a:p>
+                      <a:r>
+                        <a:rPr lang="en-US" altLang="zh-CN" sz="2400" dirty="0">
+                          <a:latin typeface="Calibri" panose="020F0502020204030204" pitchFamily="34" charset="0"/>
+                          <a:cs typeface="Calibri" panose="020F0502020204030204" pitchFamily="34" charset="0"/>
+                        </a:rPr>
+                        <a:t>-</a:t>
+                      </a:r>
+                      <a:r>
+                        <a:rPr lang="en-US" altLang="zh-CN" sz="2400" dirty="0" err="1">
+                          <a:latin typeface="Calibri" panose="020F0502020204030204" pitchFamily="34" charset="0"/>
+                          <a:cs typeface="Calibri" panose="020F0502020204030204" pitchFamily="34" charset="0"/>
+                        </a:rPr>
+                        <a:t>current_focus</a:t>
+                      </a:r>
+                      <a:r>
+                        <a:rPr lang="en-US" altLang="zh-CN" sz="2400" dirty="0">
+                          <a:latin typeface="Calibri" panose="020F0502020204030204" pitchFamily="34" charset="0"/>
+                          <a:cs typeface="Calibri" panose="020F0502020204030204" pitchFamily="34" charset="0"/>
+                        </a:rPr>
+                        <a:t>: Button</a:t>
+                      </a:r>
+                      <a:endParaRPr lang="zh-CN" altLang="en-US" sz="2400" dirty="0">
+                        <a:latin typeface="Calibri" panose="020F0502020204030204" pitchFamily="34" charset="0"/>
+                        <a:cs typeface="Calibri" panose="020F0502020204030204" pitchFamily="34" charset="0"/>
+                      </a:endParaRPr>
+                    </a:p>
+                  </a:txBody>
+                  <a:tcPr anchor="ctr"/>
+                </a:tc>
+                <a:extLst>
+                  <a:ext uri="{0D108BD9-81ED-4DB2-BD59-A6C34878D82A}">
+                    <a16:rowId xmlns:a16="http://schemas.microsoft.com/office/drawing/2014/main" val="4162875606"/>
+                  </a:ext>
+                </a:extLst>
+              </a:tr>
+              <a:tr h="2896513">
+                <a:tc>
+                  <a:txBody>
+                    <a:bodyPr/>
+                    <a:lstStyle/>
+                    <a:p>
+                      <a:pPr marL="0" marR="0" lvl="0" indent="0" algn="l" defTabSz="914400" rtl="0" eaLnBrk="1" fontAlgn="auto" latinLnBrk="0" hangingPunct="1">
+                        <a:lnSpc>
+                          <a:spcPct val="100000"/>
+                        </a:lnSpc>
+                        <a:spcBef>
+                          <a:spcPts val="0"/>
+                        </a:spcBef>
+                        <a:spcAft>
+                          <a:spcPts val="0"/>
+                        </a:spcAft>
+                        <a:buClrTx/>
+                        <a:buSzTx/>
+                        <a:buFontTx/>
+                        <a:buNone/>
+                        <a:tabLst/>
+                        <a:defRPr/>
+                      </a:pPr>
+                      <a:r>
+                        <a:rPr lang="en-US" altLang="zh-CN" sz="2400" dirty="0">
+                          <a:latin typeface="Calibri" panose="020F0502020204030204" pitchFamily="34" charset="0"/>
+                          <a:cs typeface="Calibri" panose="020F0502020204030204" pitchFamily="34" charset="0"/>
+                        </a:rPr>
+                        <a:t>+</a:t>
+                      </a:r>
+                      <a:r>
+                        <a:rPr lang="en-US" altLang="zh-CN" sz="2400" dirty="0" err="1">
+                          <a:latin typeface="Calibri" panose="020F0502020204030204" pitchFamily="34" charset="0"/>
+                          <a:cs typeface="Calibri" panose="020F0502020204030204" pitchFamily="34" charset="0"/>
+                        </a:rPr>
+                        <a:t>on_mouse_motion</a:t>
+                      </a:r>
+                      <a:r>
+                        <a:rPr lang="en-US" altLang="zh-CN" sz="2400" dirty="0">
+                          <a:latin typeface="Calibri" panose="020F0502020204030204" pitchFamily="34" charset="0"/>
+                          <a:cs typeface="Calibri" panose="020F0502020204030204" pitchFamily="34" charset="0"/>
+                        </a:rPr>
+                        <a:t>()</a:t>
+                      </a:r>
+                    </a:p>
+                    <a:p>
+                      <a:pPr marL="0" marR="0" lvl="0" indent="0" algn="l" defTabSz="914400" rtl="0" eaLnBrk="1" fontAlgn="auto" latinLnBrk="0" hangingPunct="1">
+                        <a:lnSpc>
+                          <a:spcPct val="100000"/>
+                        </a:lnSpc>
+                        <a:spcBef>
+                          <a:spcPts val="0"/>
+                        </a:spcBef>
+                        <a:spcAft>
+                          <a:spcPts val="0"/>
+                        </a:spcAft>
+                        <a:buClrTx/>
+                        <a:buSzTx/>
+                        <a:buFontTx/>
+                        <a:buNone/>
+                        <a:tabLst/>
+                        <a:defRPr/>
+                      </a:pPr>
+                      <a:r>
+                        <a:rPr lang="en-US" altLang="zh-CN" sz="2400" dirty="0">
+                          <a:latin typeface="Calibri" panose="020F0502020204030204" pitchFamily="34" charset="0"/>
+                          <a:cs typeface="Calibri" panose="020F0502020204030204" pitchFamily="34" charset="0"/>
+                        </a:rPr>
+                        <a:t>+</a:t>
+                      </a:r>
+                      <a:r>
+                        <a:rPr lang="en-US" altLang="zh-CN" sz="2400" dirty="0" err="1">
+                          <a:latin typeface="Calibri" panose="020F0502020204030204" pitchFamily="34" charset="0"/>
+                          <a:cs typeface="Calibri" panose="020F0502020204030204" pitchFamily="34" charset="0"/>
+                        </a:rPr>
+                        <a:t>on_mouse_button_up</a:t>
+                      </a:r>
+                      <a:r>
+                        <a:rPr lang="en-US" altLang="zh-CN" sz="2400" dirty="0">
+                          <a:latin typeface="Calibri" panose="020F0502020204030204" pitchFamily="34" charset="0"/>
+                          <a:cs typeface="Calibri" panose="020F0502020204030204" pitchFamily="34" charset="0"/>
+                        </a:rPr>
+                        <a:t>()</a:t>
+                      </a:r>
+                    </a:p>
+                    <a:p>
+                      <a:pPr marL="0" marR="0" lvl="0" indent="0" algn="l" defTabSz="914400" rtl="0" eaLnBrk="1" fontAlgn="auto" latinLnBrk="0" hangingPunct="1">
+                        <a:lnSpc>
+                          <a:spcPct val="100000"/>
+                        </a:lnSpc>
+                        <a:spcBef>
+                          <a:spcPts val="0"/>
+                        </a:spcBef>
+                        <a:spcAft>
+                          <a:spcPts val="0"/>
+                        </a:spcAft>
+                        <a:buClrTx/>
+                        <a:buSzTx/>
+                        <a:buFontTx/>
+                        <a:buNone/>
+                        <a:tabLst/>
+                        <a:defRPr/>
+                      </a:pPr>
+                      <a:r>
+                        <a:rPr lang="en-US" altLang="zh-CN" sz="2400" dirty="0">
+                          <a:latin typeface="Calibri" panose="020F0502020204030204" pitchFamily="34" charset="0"/>
+                          <a:cs typeface="Calibri" panose="020F0502020204030204" pitchFamily="34" charset="0"/>
+                        </a:rPr>
+                        <a:t>+</a:t>
+                      </a:r>
+                      <a:r>
+                        <a:rPr lang="en-US" altLang="zh-CN" sz="2400" dirty="0" err="1">
+                          <a:latin typeface="Calibri" panose="020F0502020204030204" pitchFamily="34" charset="0"/>
+                          <a:cs typeface="Calibri" panose="020F0502020204030204" pitchFamily="34" charset="0"/>
+                        </a:rPr>
+                        <a:t>on_mouse_button_down</a:t>
+                      </a:r>
+                      <a:r>
+                        <a:rPr lang="en-US" altLang="zh-CN" sz="2400" dirty="0">
+                          <a:latin typeface="Calibri" panose="020F0502020204030204" pitchFamily="34" charset="0"/>
+                          <a:cs typeface="Calibri" panose="020F0502020204030204" pitchFamily="34" charset="0"/>
+                        </a:rPr>
+                        <a:t>()</a:t>
+                      </a:r>
+                    </a:p>
+                    <a:p>
+                      <a:pPr marL="0" marR="0" lvl="0" indent="0" algn="l" defTabSz="914400" rtl="0" eaLnBrk="1" fontAlgn="auto" latinLnBrk="0" hangingPunct="1">
+                        <a:lnSpc>
+                          <a:spcPct val="100000"/>
+                        </a:lnSpc>
+                        <a:spcBef>
+                          <a:spcPts val="0"/>
+                        </a:spcBef>
+                        <a:spcAft>
+                          <a:spcPts val="0"/>
+                        </a:spcAft>
+                        <a:buClrTx/>
+                        <a:buSzTx/>
+                        <a:buFontTx/>
+                        <a:buNone/>
+                        <a:tabLst/>
+                        <a:defRPr/>
+                      </a:pPr>
+                      <a:r>
+                        <a:rPr lang="en-US" altLang="zh-CN" sz="2400" dirty="0">
+                          <a:latin typeface="Calibri" panose="020F0502020204030204" pitchFamily="34" charset="0"/>
+                          <a:cs typeface="Calibri" panose="020F0502020204030204" pitchFamily="34" charset="0"/>
+                        </a:rPr>
+                        <a:t>+</a:t>
+                      </a:r>
+                      <a:r>
+                        <a:rPr lang="en-US" altLang="zh-CN" sz="2400" dirty="0" err="1">
+                          <a:latin typeface="Calibri" panose="020F0502020204030204" pitchFamily="34" charset="0"/>
+                          <a:cs typeface="Calibri" panose="020F0502020204030204" pitchFamily="34" charset="0"/>
+                        </a:rPr>
+                        <a:t>current_focus.getter</a:t>
+                      </a:r>
+                      <a:r>
+                        <a:rPr lang="en-US" altLang="zh-CN" sz="2400" dirty="0">
+                          <a:latin typeface="Calibri" panose="020F0502020204030204" pitchFamily="34" charset="0"/>
+                          <a:cs typeface="Calibri" panose="020F0502020204030204" pitchFamily="34" charset="0"/>
+                        </a:rPr>
+                        <a:t>()</a:t>
+                      </a:r>
+                    </a:p>
+                    <a:p>
+                      <a:pPr marL="0" marR="0" lvl="0" indent="0" algn="l" defTabSz="914400" rtl="0" eaLnBrk="1" fontAlgn="auto" latinLnBrk="0" hangingPunct="1">
+                        <a:lnSpc>
+                          <a:spcPct val="100000"/>
+                        </a:lnSpc>
+                        <a:spcBef>
+                          <a:spcPts val="0"/>
+                        </a:spcBef>
+                        <a:spcAft>
+                          <a:spcPts val="0"/>
+                        </a:spcAft>
+                        <a:buClrTx/>
+                        <a:buSzTx/>
+                        <a:buFontTx/>
+                        <a:buNone/>
+                        <a:tabLst/>
+                        <a:defRPr/>
+                      </a:pPr>
+                      <a:r>
+                        <a:rPr lang="en-US" altLang="zh-CN" sz="2400" dirty="0">
+                          <a:latin typeface="Calibri" panose="020F0502020204030204" pitchFamily="34" charset="0"/>
+                          <a:cs typeface="Calibri" panose="020F0502020204030204" pitchFamily="34" charset="0"/>
+                        </a:rPr>
+                        <a:t>+</a:t>
+                      </a:r>
+                      <a:r>
+                        <a:rPr lang="en-US" altLang="zh-CN" sz="2400" dirty="0" err="1">
+                          <a:latin typeface="Calibri" panose="020F0502020204030204" pitchFamily="34" charset="0"/>
+                          <a:cs typeface="Calibri" panose="020F0502020204030204" pitchFamily="34" charset="0"/>
+                        </a:rPr>
+                        <a:t>current_focus.setter</a:t>
+                      </a:r>
+                      <a:r>
+                        <a:rPr lang="en-US" altLang="zh-CN" sz="2400" dirty="0">
+                          <a:latin typeface="Calibri" panose="020F0502020204030204" pitchFamily="34" charset="0"/>
+                          <a:cs typeface="Calibri" panose="020F0502020204030204" pitchFamily="34" charset="0"/>
+                        </a:rPr>
+                        <a:t>()</a:t>
+                      </a:r>
+                    </a:p>
+                    <a:p>
+                      <a:pPr marL="0" marR="0" lvl="0" indent="0" algn="l" defTabSz="914400" rtl="0" eaLnBrk="1" fontAlgn="auto" latinLnBrk="0" hangingPunct="1">
+                        <a:lnSpc>
+                          <a:spcPct val="100000"/>
+                        </a:lnSpc>
+                        <a:spcBef>
+                          <a:spcPts val="0"/>
+                        </a:spcBef>
+                        <a:spcAft>
+                          <a:spcPts val="0"/>
+                        </a:spcAft>
+                        <a:buClrTx/>
+                        <a:buSzTx/>
+                        <a:buFontTx/>
+                        <a:buNone/>
+                        <a:tabLst/>
+                        <a:defRPr/>
+                      </a:pPr>
+                      <a:r>
+                        <a:rPr lang="en-US" altLang="zh-CN" sz="2400" dirty="0">
+                          <a:latin typeface="Calibri" panose="020F0502020204030204" pitchFamily="34" charset="0"/>
+                          <a:cs typeface="Calibri" panose="020F0502020204030204" pitchFamily="34" charset="0"/>
+                        </a:rPr>
+                        <a:t>+</a:t>
+                      </a:r>
+                      <a:r>
+                        <a:rPr lang="en-US" altLang="zh-CN" sz="2400" dirty="0" err="1">
+                          <a:latin typeface="Calibri" panose="020F0502020204030204" pitchFamily="34" charset="0"/>
+                          <a:cs typeface="Calibri" panose="020F0502020204030204" pitchFamily="34" charset="0"/>
+                        </a:rPr>
+                        <a:t>group_of_all_buttons</a:t>
+                      </a:r>
+                      <a:r>
+                        <a:rPr lang="en-US" altLang="zh-CN" sz="2400" dirty="0">
+                          <a:latin typeface="Calibri" panose="020F0502020204030204" pitchFamily="34" charset="0"/>
+                          <a:cs typeface="Calibri" panose="020F0502020204030204" pitchFamily="34" charset="0"/>
+                        </a:rPr>
+                        <a:t>()</a:t>
+                      </a:r>
+                    </a:p>
+                    <a:p>
+                      <a:pPr marL="0" marR="0" lvl="0" indent="0" algn="l" defTabSz="914400" rtl="0" eaLnBrk="1" fontAlgn="auto" latinLnBrk="0" hangingPunct="1">
+                        <a:lnSpc>
+                          <a:spcPct val="100000"/>
+                        </a:lnSpc>
+                        <a:spcBef>
+                          <a:spcPts val="0"/>
+                        </a:spcBef>
+                        <a:spcAft>
+                          <a:spcPts val="0"/>
+                        </a:spcAft>
+                        <a:buClrTx/>
+                        <a:buSzTx/>
+                        <a:buFontTx/>
+                        <a:buNone/>
+                        <a:tabLst/>
+                        <a:defRPr/>
+                      </a:pPr>
+                      <a:r>
+                        <a:rPr lang="en-US" altLang="zh-CN" sz="2400" dirty="0">
+                          <a:latin typeface="Calibri" panose="020F0502020204030204" pitchFamily="34" charset="0"/>
+                          <a:cs typeface="Calibri" panose="020F0502020204030204" pitchFamily="34" charset="0"/>
+                        </a:rPr>
+                        <a:t>+</a:t>
+                      </a:r>
+                      <a:r>
+                        <a:rPr lang="en-US" altLang="zh-CN" sz="2400" dirty="0" err="1">
+                          <a:latin typeface="Calibri" panose="020F0502020204030204" pitchFamily="34" charset="0"/>
+                          <a:cs typeface="Calibri" panose="020F0502020204030204" pitchFamily="34" charset="0"/>
+                        </a:rPr>
+                        <a:t>group_of_enabled_buttons</a:t>
+                      </a:r>
+                      <a:r>
+                        <a:rPr lang="en-US" altLang="zh-CN" sz="2400" dirty="0">
+                          <a:latin typeface="Calibri" panose="020F0502020204030204" pitchFamily="34" charset="0"/>
+                          <a:cs typeface="Calibri" panose="020F0502020204030204" pitchFamily="34" charset="0"/>
+                        </a:rPr>
+                        <a:t>()</a:t>
+                      </a:r>
+                    </a:p>
+                  </a:txBody>
+                  <a:tcPr anchor="ctr"/>
+                </a:tc>
+                <a:extLst>
+                  <a:ext uri="{0D108BD9-81ED-4DB2-BD59-A6C34878D82A}">
+                    <a16:rowId xmlns:a16="http://schemas.microsoft.com/office/drawing/2014/main" val="2161683205"/>
+                  </a:ext>
+                </a:extLst>
+              </a:tr>
+            </a:tbl>
+          </a:graphicData>
+        </a:graphic>
+      </p:graphicFrame>
+      <p:graphicFrame>
+        <p:nvGraphicFramePr>
+          <p:cNvPr id="2" name="表格 1">
+            <a:extLst>
+              <a:ext uri="{FF2B5EF4-FFF2-40B4-BE49-F238E27FC236}">
+                <a16:creationId xmlns:a16="http://schemas.microsoft.com/office/drawing/2014/main" id="{B04C8025-F171-E9B9-E78F-BA34254E968B}"/>
+              </a:ext>
+            </a:extLst>
+          </p:cNvPr>
+          <p:cNvGraphicFramePr>
+            <a:graphicFrameLocks noGrp="1"/>
+          </p:cNvGraphicFramePr>
+          <p:nvPr>
+            <p:extLst>
+              <p:ext uri="{D42A27DB-BD31-4B8C-83A1-F6EECF244321}">
+                <p14:modId xmlns:p14="http://schemas.microsoft.com/office/powerpoint/2010/main" val="1014805992"/>
+              </p:ext>
+            </p:extLst>
+          </p:nvPr>
+        </p:nvGraphicFramePr>
+        <p:xfrm>
+          <a:off x="4458419" y="377236"/>
+          <a:ext cx="3275162" cy="457252"/>
+        </p:xfrm>
+        <a:graphic>
+          <a:graphicData uri="http://schemas.openxmlformats.org/drawingml/2006/table">
+            <a:tbl>
+              <a:tblPr firstRow="1" bandRow="1">
+                <a:tableStyleId>{5C22544A-7EE6-4342-B048-85BDC9FD1C3A}</a:tableStyleId>
+              </a:tblPr>
+              <a:tblGrid>
+                <a:gridCol w="3275162">
+                  <a:extLst>
+                    <a:ext uri="{9D8B030D-6E8A-4147-A177-3AD203B41FA5}">
+                      <a16:colId xmlns:a16="http://schemas.microsoft.com/office/drawing/2014/main" val="3627222243"/>
+                    </a:ext>
+                  </a:extLst>
+                </a:gridCol>
+              </a:tblGrid>
+              <a:tr h="457252">
+                <a:tc>
+                  <a:txBody>
+                    <a:bodyPr/>
+                    <a:lstStyle/>
+                    <a:p>
+                      <a:pPr algn="ctr"/>
+                      <a:r>
+                        <a:rPr lang="en-US" altLang="zh-CN" sz="2400" b="0" dirty="0" err="1">
+                          <a:latin typeface="Calibri" panose="020F0502020204030204" pitchFamily="34" charset="0"/>
+                          <a:cs typeface="Calibri" panose="020F0502020204030204" pitchFamily="34" charset="0"/>
+                        </a:rPr>
+                        <a:t>ui.Page</a:t>
+                      </a:r>
+                      <a:endParaRPr lang="zh-CN" altLang="en-US" sz="2400" b="0" dirty="0">
+                        <a:latin typeface="Calibri" panose="020F0502020204030204" pitchFamily="34" charset="0"/>
+                        <a:cs typeface="Calibri" panose="020F0502020204030204" pitchFamily="34" charset="0"/>
+                      </a:endParaRPr>
+                    </a:p>
+                  </a:txBody>
+                  <a:tcPr anchor="ctr"/>
+                </a:tc>
+                <a:extLst>
+                  <a:ext uri="{0D108BD9-81ED-4DB2-BD59-A6C34878D82A}">
+                    <a16:rowId xmlns:a16="http://schemas.microsoft.com/office/drawing/2014/main" val="3346152141"/>
+                  </a:ext>
+                </a:extLst>
+              </a:tr>
+            </a:tbl>
+          </a:graphicData>
+        </a:graphic>
+      </p:graphicFrame>
+      <p:sp>
+        <p:nvSpPr>
+          <p:cNvPr id="3" name="等腰三角形 2">
+            <a:extLst>
+              <a:ext uri="{FF2B5EF4-FFF2-40B4-BE49-F238E27FC236}">
+                <a16:creationId xmlns:a16="http://schemas.microsoft.com/office/drawing/2014/main" id="{4C85D373-F851-5DE3-739A-AB2C06AA3556}"/>
+              </a:ext>
+            </a:extLst>
+          </p:cNvPr>
+          <p:cNvSpPr/>
+          <p:nvPr/>
+        </p:nvSpPr>
+        <p:spPr>
+          <a:xfrm>
+            <a:off x="5995357" y="826294"/>
+            <a:ext cx="201283" cy="276045"/>
+          </a:xfrm>
+          <a:prstGeom prst="triangle">
+            <a:avLst/>
+          </a:prstGeom>
+          <a:noFill/>
+          <a:ln w="19050"/>
+        </p:spPr>
+        <p:style>
+          <a:lnRef idx="2">
+            <a:schemeClr val="accent1">
+              <a:shade val="15000"/>
+            </a:schemeClr>
+          </a:lnRef>
+          <a:fillRef idx="1">
+            <a:schemeClr val="accent1"/>
+          </a:fillRef>
+          <a:effectRef idx="0">
+            <a:schemeClr val="accent1"/>
+          </a:effectRef>
+          <a:fontRef idx="minor">
+            <a:schemeClr val="lt1"/>
+          </a:fontRef>
+        </p:style>
+        <p:txBody>
+          <a:bodyPr rtlCol="0" anchor="ctr"/>
+          <a:lstStyle/>
+          <a:p>
+            <a:pPr algn="ctr"/>
+            <a:endParaRPr lang="zh-CN" altLang="en-US"/>
+          </a:p>
+        </p:txBody>
+      </p:sp>
+      <p:cxnSp>
+        <p:nvCxnSpPr>
+          <p:cNvPr id="4" name="直接连接符 3">
+            <a:extLst>
+              <a:ext uri="{FF2B5EF4-FFF2-40B4-BE49-F238E27FC236}">
+                <a16:creationId xmlns:a16="http://schemas.microsoft.com/office/drawing/2014/main" id="{524BF4AE-8EFB-B4DF-28E3-FA479135D303}"/>
+              </a:ext>
+            </a:extLst>
+          </p:cNvPr>
+          <p:cNvCxnSpPr>
+            <a:cxnSpLocks/>
+            <a:stCxn id="3" idx="3"/>
+          </p:cNvCxnSpPr>
+          <p:nvPr/>
+        </p:nvCxnSpPr>
+        <p:spPr>
+          <a:xfrm>
+            <a:off x="6095999" y="1102339"/>
+            <a:ext cx="0" cy="393170"/>
+          </a:xfrm>
+          <a:prstGeom prst="line">
+            <a:avLst/>
+          </a:prstGeom>
+          <a:ln w="19050">
+            <a:solidFill>
+              <a:schemeClr val="tx1"/>
+            </a:solidFill>
+          </a:ln>
+        </p:spPr>
+        <p:style>
+          <a:lnRef idx="1">
+            <a:schemeClr val="accent1"/>
+          </a:lnRef>
+          <a:fillRef idx="0">
+            <a:schemeClr val="accent1"/>
+          </a:fillRef>
+          <a:effectRef idx="0">
+            <a:schemeClr val="accent1"/>
+          </a:effectRef>
+          <a:fontRef idx="minor">
+            <a:schemeClr val="tx1"/>
+          </a:fontRef>
+        </p:style>
+      </p:cxnSp>
+    </p:spTree>
+    <p:extLst>
+      <p:ext uri="{BB962C8B-B14F-4D97-AF65-F5344CB8AC3E}">
+        <p14:creationId xmlns:p14="http://schemas.microsoft.com/office/powerpoint/2010/main" val="2677390391"/>
+      </p:ext>
+    </p:extLst>
+  </p:cSld>
+  <p:clrMapOvr>
+    <a:masterClrMapping/>
+  </p:clrMapOvr>
+</p:sld>
+</file>
+
+<file path=ppt/slides/slide14.xml><?xml version="1.0" encoding="utf-8"?>
+<p:sld xmlns:a="http://schemas.openxmlformats.org/drawingml/2006/main" xmlns:r="http://schemas.openxmlformats.org/officeDocument/2006/relationships" xmlns:p="http://schemas.openxmlformats.org/presentationml/2006/main">
+  <p:cSld>
+    <p:spTree>
+      <p:nvGrpSpPr>
+        <p:cNvPr id="1" name=""/>
+        <p:cNvGrpSpPr/>
+        <p:nvPr/>
+      </p:nvGrpSpPr>
+      <p:grpSpPr>
+        <a:xfrm>
+          <a:off x="0" y="0"/>
+          <a:ext cx="0" cy="0"/>
+          <a:chOff x="0" y="0"/>
+          <a:chExt cx="0" cy="0"/>
+        </a:xfrm>
+      </p:grpSpPr>
+      <p:graphicFrame>
+        <p:nvGraphicFramePr>
+          <p:cNvPr id="16" name="表格 15">
+            <a:extLst>
+              <a:ext uri="{FF2B5EF4-FFF2-40B4-BE49-F238E27FC236}">
+                <a16:creationId xmlns:a16="http://schemas.microsoft.com/office/drawing/2014/main" id="{EB1C4A40-80C5-7BA1-0D7D-5BB576CB3728}"/>
+              </a:ext>
+            </a:extLst>
+          </p:cNvPr>
+          <p:cNvGraphicFramePr>
+            <a:graphicFrameLocks noGrp="1"/>
+          </p:cNvGraphicFramePr>
+          <p:nvPr>
+            <p:extLst>
+              <p:ext uri="{D42A27DB-BD31-4B8C-83A1-F6EECF244321}">
+                <p14:modId xmlns:p14="http://schemas.microsoft.com/office/powerpoint/2010/main" val="3411645230"/>
+              </p:ext>
+            </p:extLst>
+          </p:nvPr>
+        </p:nvGraphicFramePr>
+        <p:xfrm>
+          <a:off x="1187570" y="465827"/>
+          <a:ext cx="9816860" cy="5224995"/>
+        </p:xfrm>
+        <a:graphic>
+          <a:graphicData uri="http://schemas.openxmlformats.org/drawingml/2006/table">
+            <a:tbl>
+              <a:tblPr firstRow="1" bandRow="1">
+                <a:tableStyleId>{5C22544A-7EE6-4342-B048-85BDC9FD1C3A}</a:tableStyleId>
+              </a:tblPr>
+              <a:tblGrid>
+                <a:gridCol w="9816860">
+                  <a:extLst>
+                    <a:ext uri="{9D8B030D-6E8A-4147-A177-3AD203B41FA5}">
+                      <a16:colId xmlns:a16="http://schemas.microsoft.com/office/drawing/2014/main" val="3627222243"/>
+                    </a:ext>
+                  </a:extLst>
+                </a:gridCol>
+              </a:tblGrid>
+              <a:tr h="579368">
+                <a:tc>
+                  <a:txBody>
+                    <a:bodyPr/>
+                    <a:lstStyle/>
+                    <a:p>
+                      <a:pPr algn="ctr"/>
+                      <a:r>
+                        <a:rPr lang="en-US" altLang="zh-CN" sz="2400" b="0" dirty="0" err="1">
+                          <a:latin typeface="Calibri" panose="020F0502020204030204" pitchFamily="34" charset="0"/>
+                          <a:cs typeface="Calibri" panose="020F0502020204030204" pitchFamily="34" charset="0"/>
+                        </a:rPr>
+                        <a:t>core.RuntimeUnit</a:t>
+                      </a:r>
+                      <a:endParaRPr lang="zh-CN" altLang="en-US" sz="2400" b="0" dirty="0">
+                        <a:latin typeface="Calibri" panose="020F0502020204030204" pitchFamily="34" charset="0"/>
+                        <a:cs typeface="Calibri" panose="020F0502020204030204" pitchFamily="34" charset="0"/>
+                      </a:endParaRPr>
+                    </a:p>
+                  </a:txBody>
+                  <a:tcPr anchor="ctr"/>
+                </a:tc>
+                <a:extLst>
+                  <a:ext uri="{0D108BD9-81ED-4DB2-BD59-A6C34878D82A}">
+                    <a16:rowId xmlns:a16="http://schemas.microsoft.com/office/drawing/2014/main" val="3346152141"/>
+                  </a:ext>
+                </a:extLst>
+              </a:tr>
+              <a:tr h="1506187">
+                <a:tc>
+                  <a:txBody>
+                    <a:bodyPr/>
+                    <a:lstStyle/>
+                    <a:p>
+                      <a:r>
+                        <a:rPr lang="en-US" altLang="zh-CN" sz="2000" dirty="0">
+                          <a:latin typeface="Calibri" panose="020F0502020204030204" pitchFamily="34" charset="0"/>
+                          <a:cs typeface="Calibri" panose="020F0502020204030204" pitchFamily="34" charset="0"/>
+                        </a:rPr>
+                        <a:t>+screen: Surface</a:t>
+                      </a:r>
+                    </a:p>
+                    <a:p>
+                      <a:r>
+                        <a:rPr lang="en-US" altLang="zh-CN" sz="2000" dirty="0">
+                          <a:latin typeface="Calibri" panose="020F0502020204030204" pitchFamily="34" charset="0"/>
+                          <a:cs typeface="Calibri" panose="020F0502020204030204" pitchFamily="34" charset="0"/>
+                        </a:rPr>
+                        <a:t>+</a:t>
+                      </a:r>
+                      <a:r>
+                        <a:rPr lang="en-US" altLang="zh-CN" sz="2000" dirty="0" err="1">
+                          <a:latin typeface="Calibri" panose="020F0502020204030204" pitchFamily="34" charset="0"/>
+                          <a:cs typeface="Calibri" panose="020F0502020204030204" pitchFamily="34" charset="0"/>
+                        </a:rPr>
+                        <a:t>is_full_screen</a:t>
+                      </a:r>
+                      <a:r>
+                        <a:rPr lang="en-US" altLang="zh-CN" sz="2000" dirty="0">
+                          <a:latin typeface="Calibri" panose="020F0502020204030204" pitchFamily="34" charset="0"/>
+                          <a:cs typeface="Calibri" panose="020F0502020204030204" pitchFamily="34" charset="0"/>
+                        </a:rPr>
+                        <a:t>: bool</a:t>
+                      </a:r>
+                    </a:p>
+                    <a:p>
+                      <a:r>
+                        <a:rPr lang="en-US" altLang="zh-CN" sz="2000" dirty="0">
+                          <a:latin typeface="Calibri" panose="020F0502020204030204" pitchFamily="34" charset="0"/>
+                          <a:cs typeface="Calibri" panose="020F0502020204030204" pitchFamily="34" charset="0"/>
+                        </a:rPr>
+                        <a:t>+clock: </a:t>
+                      </a:r>
+                      <a:r>
+                        <a:rPr lang="en-US" altLang="zh-CN" sz="2000" dirty="0" err="1">
+                          <a:latin typeface="Calibri" panose="020F0502020204030204" pitchFamily="34" charset="0"/>
+                          <a:cs typeface="Calibri" panose="020F0502020204030204" pitchFamily="34" charset="0"/>
+                        </a:rPr>
+                        <a:t>pygame.time.Clock</a:t>
+                      </a:r>
+                      <a:endParaRPr lang="en-US" altLang="zh-CN" sz="2000" dirty="0">
+                        <a:latin typeface="Calibri" panose="020F0502020204030204" pitchFamily="34" charset="0"/>
+                        <a:cs typeface="Calibri" panose="020F0502020204030204" pitchFamily="34" charset="0"/>
+                      </a:endParaRPr>
+                    </a:p>
+                    <a:p>
+                      <a:r>
+                        <a:rPr lang="en-US" altLang="zh-CN" sz="2000" dirty="0">
+                          <a:latin typeface="Calibri" panose="020F0502020204030204" pitchFamily="34" charset="0"/>
+                          <a:cs typeface="Calibri" panose="020F0502020204030204" pitchFamily="34" charset="0"/>
+                        </a:rPr>
+                        <a:t>+fps: int</a:t>
+                      </a:r>
+                      <a:endParaRPr lang="zh-CN" altLang="en-US" sz="2000" dirty="0">
+                        <a:latin typeface="Calibri" panose="020F0502020204030204" pitchFamily="34" charset="0"/>
+                        <a:cs typeface="Calibri" panose="020F0502020204030204" pitchFamily="34" charset="0"/>
+                      </a:endParaRPr>
+                    </a:p>
+                  </a:txBody>
+                  <a:tcPr anchor="ctr"/>
+                </a:tc>
+                <a:extLst>
+                  <a:ext uri="{0D108BD9-81ED-4DB2-BD59-A6C34878D82A}">
+                    <a16:rowId xmlns:a16="http://schemas.microsoft.com/office/drawing/2014/main" val="4162875606"/>
+                  </a:ext>
+                </a:extLst>
+              </a:tr>
+              <a:tr h="2896513">
+                <a:tc>
+                  <a:txBody>
+                    <a:bodyPr/>
+                    <a:lstStyle/>
+                    <a:p>
+                      <a:r>
+                        <a:rPr lang="en-US" altLang="zh-CN" sz="2000" dirty="0">
+                          <a:latin typeface="Calibri" panose="020F0502020204030204" pitchFamily="34" charset="0"/>
+                          <a:cs typeface="Calibri" panose="020F0502020204030204" pitchFamily="34" charset="0"/>
+                        </a:rPr>
+                        <a:t>+</a:t>
+                      </a:r>
+                      <a:r>
+                        <a:rPr lang="en-US" altLang="zh-CN" sz="2000" dirty="0" err="1">
+                          <a:latin typeface="Calibri" panose="020F0502020204030204" pitchFamily="34" charset="0"/>
+                          <a:cs typeface="Calibri" panose="020F0502020204030204" pitchFamily="34" charset="0"/>
+                        </a:rPr>
+                        <a:t>blits_on_the_screen_and_flip_it</a:t>
+                      </a:r>
+                      <a:r>
+                        <a:rPr lang="en-US" altLang="zh-CN" sz="2000" dirty="0">
+                          <a:latin typeface="Calibri" panose="020F0502020204030204" pitchFamily="34" charset="0"/>
+                          <a:cs typeface="Calibri" panose="020F0502020204030204" pitchFamily="34" charset="0"/>
+                        </a:rPr>
+                        <a:t>(): ???</a:t>
+                      </a:r>
+                    </a:p>
+                    <a:p>
+                      <a:r>
+                        <a:rPr lang="en-US" altLang="zh-CN" sz="2000" dirty="0">
+                          <a:latin typeface="Calibri" panose="020F0502020204030204" pitchFamily="34" charset="0"/>
+                          <a:cs typeface="Calibri" panose="020F0502020204030204" pitchFamily="34" charset="0"/>
+                        </a:rPr>
+                        <a:t>+</a:t>
+                      </a:r>
+                      <a:r>
+                        <a:rPr lang="en-US" altLang="zh-CN" sz="2000" dirty="0" err="1">
+                          <a:latin typeface="Calibri" panose="020F0502020204030204" pitchFamily="34" charset="0"/>
+                          <a:cs typeface="Calibri" panose="020F0502020204030204" pitchFamily="34" charset="0"/>
+                        </a:rPr>
+                        <a:t>clear_screen_without_flipping</a:t>
+                      </a:r>
+                      <a:r>
+                        <a:rPr lang="en-US" altLang="zh-CN" sz="2000" dirty="0">
+                          <a:latin typeface="Calibri" panose="020F0502020204030204" pitchFamily="34" charset="0"/>
+                          <a:cs typeface="Calibri" panose="020F0502020204030204" pitchFamily="34" charset="0"/>
+                        </a:rPr>
+                        <a:t>()</a:t>
+                      </a:r>
+                    </a:p>
+                    <a:p>
+                      <a:r>
+                        <a:rPr lang="en-US" altLang="zh-CN" sz="2000" dirty="0">
+                          <a:latin typeface="Calibri" panose="020F0502020204030204" pitchFamily="34" charset="0"/>
+                          <a:cs typeface="Calibri" panose="020F0502020204030204" pitchFamily="34" charset="0"/>
+                        </a:rPr>
+                        <a:t>+</a:t>
+                      </a:r>
+                      <a:r>
+                        <a:rPr lang="en-US" altLang="zh-CN" sz="2000" dirty="0" err="1">
+                          <a:latin typeface="Calibri" panose="020F0502020204030204" pitchFamily="34" charset="0"/>
+                          <a:cs typeface="Calibri" panose="020F0502020204030204" pitchFamily="34" charset="0"/>
+                        </a:rPr>
+                        <a:t>clear_screen_and_flip</a:t>
+                      </a:r>
+                      <a:r>
+                        <a:rPr lang="en-US" altLang="zh-CN" sz="2000" dirty="0">
+                          <a:latin typeface="Calibri" panose="020F0502020204030204" pitchFamily="34" charset="0"/>
+                          <a:cs typeface="Calibri" panose="020F0502020204030204" pitchFamily="34" charset="0"/>
+                        </a:rPr>
+                        <a:t>()</a:t>
+                      </a:r>
+                    </a:p>
+                    <a:p>
+                      <a:r>
+                        <a:rPr lang="en-US" altLang="zh-CN" sz="2000" dirty="0">
+                          <a:latin typeface="Calibri" panose="020F0502020204030204" pitchFamily="34" charset="0"/>
+                          <a:cs typeface="Calibri" panose="020F0502020204030204" pitchFamily="34" charset="0"/>
+                        </a:rPr>
+                        <a:t>+flip()</a:t>
+                      </a:r>
+                    </a:p>
+                    <a:p>
+                      <a:r>
+                        <a:rPr lang="en-US" altLang="zh-CN" sz="2000" dirty="0">
+                          <a:latin typeface="Calibri" panose="020F0502020204030204" pitchFamily="34" charset="0"/>
+                          <a:cs typeface="Calibri" panose="020F0502020204030204" pitchFamily="34" charset="0"/>
+                        </a:rPr>
+                        <a:t>+</a:t>
+                      </a:r>
+                      <a:r>
+                        <a:rPr lang="en-US" altLang="zh-CN" sz="2000" dirty="0" err="1">
+                          <a:latin typeface="Calibri" panose="020F0502020204030204" pitchFamily="34" charset="0"/>
+                          <a:cs typeface="Calibri" panose="020F0502020204030204" pitchFamily="34" charset="0"/>
+                        </a:rPr>
+                        <a:t>handle_universal_events_during_each_animation_frame</a:t>
+                      </a:r>
+                      <a:r>
+                        <a:rPr lang="en-US" altLang="zh-CN" sz="2000" dirty="0">
+                          <a:latin typeface="Calibri" panose="020F0502020204030204" pitchFamily="34" charset="0"/>
+                          <a:cs typeface="Calibri" panose="020F0502020204030204" pitchFamily="34" charset="0"/>
+                        </a:rPr>
+                        <a:t>()</a:t>
+                      </a:r>
+                    </a:p>
+                    <a:p>
+                      <a:r>
+                        <a:rPr lang="en-US" altLang="zh-CN" sz="2000" dirty="0">
+                          <a:latin typeface="Calibri" panose="020F0502020204030204" pitchFamily="34" charset="0"/>
+                          <a:cs typeface="Calibri" panose="020F0502020204030204" pitchFamily="34" charset="0"/>
+                        </a:rPr>
+                        <a:t>+sleep()</a:t>
+                      </a:r>
+                    </a:p>
+                    <a:p>
+                      <a:r>
+                        <a:rPr lang="en-US" altLang="zh-CN" sz="2000" dirty="0">
+                          <a:latin typeface="Calibri" panose="020F0502020204030204" pitchFamily="34" charset="0"/>
+                          <a:cs typeface="Calibri" panose="020F0502020204030204" pitchFamily="34" charset="0"/>
+                        </a:rPr>
+                        <a:t>+</a:t>
+                      </a:r>
+                      <a:r>
+                        <a:rPr lang="en-US" altLang="zh-CN" sz="2000" dirty="0" err="1">
+                          <a:latin typeface="Calibri" panose="020F0502020204030204" pitchFamily="34" charset="0"/>
+                          <a:cs typeface="Calibri" panose="020F0502020204030204" pitchFamily="34" charset="0"/>
+                        </a:rPr>
+                        <a:t>start_waiting</a:t>
+                      </a:r>
+                      <a:r>
+                        <a:rPr lang="en-US" altLang="zh-CN" sz="2000" dirty="0">
+                          <a:latin typeface="Calibri" panose="020F0502020204030204" pitchFamily="34" charset="0"/>
+                          <a:cs typeface="Calibri" panose="020F0502020204030204" pitchFamily="34" charset="0"/>
+                        </a:rPr>
+                        <a:t>()</a:t>
+                      </a:r>
+                    </a:p>
+                    <a:p>
+                      <a:r>
+                        <a:rPr lang="en-US" altLang="zh-CN" sz="2000" dirty="0">
+                          <a:latin typeface="Calibri" panose="020F0502020204030204" pitchFamily="34" charset="0"/>
+                          <a:cs typeface="Calibri" panose="020F0502020204030204" pitchFamily="34" charset="0"/>
+                        </a:rPr>
+                        <a:t>+</a:t>
+                      </a:r>
+                      <a:r>
+                        <a:rPr lang="en-US" altLang="zh-CN" sz="2000" dirty="0" err="1">
+                          <a:latin typeface="Calibri" panose="020F0502020204030204" pitchFamily="34" charset="0"/>
+                          <a:cs typeface="Calibri" panose="020F0502020204030204" pitchFamily="34" charset="0"/>
+                        </a:rPr>
+                        <a:t>stop_waiting</a:t>
+                      </a:r>
+                      <a:r>
+                        <a:rPr lang="en-US" altLang="zh-CN" sz="2000" dirty="0">
+                          <a:latin typeface="Calibri" panose="020F0502020204030204" pitchFamily="34" charset="0"/>
+                          <a:cs typeface="Calibri" panose="020F0502020204030204" pitchFamily="34" charset="0"/>
+                        </a:rPr>
+                        <a:t>()</a:t>
+                      </a:r>
+                    </a:p>
+                    <a:p>
+                      <a:r>
+                        <a:rPr lang="en-US" altLang="zh-CN" sz="2000" dirty="0">
+                          <a:latin typeface="Calibri" panose="020F0502020204030204" pitchFamily="34" charset="0"/>
+                          <a:cs typeface="Calibri" panose="020F0502020204030204" pitchFamily="34" charset="0"/>
+                        </a:rPr>
+                        <a:t>+</a:t>
+                      </a:r>
+                      <a:r>
+                        <a:rPr lang="en-US" altLang="zh-CN" sz="2000" dirty="0" err="1">
+                          <a:latin typeface="Calibri" panose="020F0502020204030204" pitchFamily="34" charset="0"/>
+                          <a:cs typeface="Calibri" panose="020F0502020204030204" pitchFamily="34" charset="0"/>
+                        </a:rPr>
+                        <a:t>update_a_local_area_of_screen</a:t>
+                      </a:r>
+                      <a:r>
+                        <a:rPr lang="en-US" altLang="zh-CN" sz="2000" dirty="0">
+                          <a:latin typeface="Calibri" panose="020F0502020204030204" pitchFamily="34" charset="0"/>
+                          <a:cs typeface="Calibri" panose="020F0502020204030204" pitchFamily="34" charset="0"/>
+                        </a:rPr>
+                        <a:t>()</a:t>
+                      </a:r>
+                    </a:p>
+                    <a:p>
+                      <a:r>
+                        <a:rPr lang="en-US" altLang="zh-CN" sz="2000" dirty="0">
+                          <a:latin typeface="Calibri" panose="020F0502020204030204" pitchFamily="34" charset="0"/>
+                          <a:cs typeface="Calibri" panose="020F0502020204030204" pitchFamily="34" charset="0"/>
+                        </a:rPr>
+                        <a:t>…</a:t>
+                      </a:r>
+                      <a:endParaRPr lang="zh-CN" altLang="en-US" sz="2000" dirty="0">
+                        <a:latin typeface="Calibri" panose="020F0502020204030204" pitchFamily="34" charset="0"/>
+                        <a:cs typeface="Calibri" panose="020F0502020204030204" pitchFamily="34" charset="0"/>
+                      </a:endParaRPr>
+                    </a:p>
+                  </a:txBody>
+                  <a:tcPr anchor="ctr"/>
+                </a:tc>
+                <a:extLst>
+                  <a:ext uri="{0D108BD9-81ED-4DB2-BD59-A6C34878D82A}">
+                    <a16:rowId xmlns:a16="http://schemas.microsoft.com/office/drawing/2014/main" val="2161683205"/>
+                  </a:ext>
+                </a:extLst>
+              </a:tr>
+            </a:tbl>
+          </a:graphicData>
+        </a:graphic>
+      </p:graphicFrame>
+    </p:spTree>
+    <p:extLst>
+      <p:ext uri="{BB962C8B-B14F-4D97-AF65-F5344CB8AC3E}">
+        <p14:creationId xmlns:p14="http://schemas.microsoft.com/office/powerpoint/2010/main" val="3523599782"/>
+      </p:ext>
+    </p:extLst>
+  </p:cSld>
+  <p:clrMapOvr>
+    <a:masterClrMapping/>
+  </p:clrMapOvr>
+</p:sld>
+</file>
+
+<file path=ppt/slides/slide15.xml><?xml version="1.0" encoding="utf-8"?>
+<p:sld xmlns:a="http://schemas.openxmlformats.org/drawingml/2006/main" xmlns:r="http://schemas.openxmlformats.org/officeDocument/2006/relationships" xmlns:p="http://schemas.openxmlformats.org/presentationml/2006/main">
+  <p:cSld>
+    <p:spTree>
+      <p:nvGrpSpPr>
+        <p:cNvPr id="1" name=""/>
+        <p:cNvGrpSpPr/>
+        <p:nvPr/>
+      </p:nvGrpSpPr>
+      <p:grpSpPr>
+        <a:xfrm>
+          <a:off x="0" y="0"/>
+          <a:ext cx="0" cy="0"/>
+          <a:chOff x="0" y="0"/>
+          <a:chExt cx="0" cy="0"/>
+        </a:xfrm>
+      </p:grpSpPr>
+      <p:graphicFrame>
+        <p:nvGraphicFramePr>
+          <p:cNvPr id="16" name="表格 15">
+            <a:extLst>
+              <a:ext uri="{FF2B5EF4-FFF2-40B4-BE49-F238E27FC236}">
+                <a16:creationId xmlns:a16="http://schemas.microsoft.com/office/drawing/2014/main" id="{EB1C4A40-80C5-7BA1-0D7D-5BB576CB3728}"/>
+              </a:ext>
+            </a:extLst>
+          </p:cNvPr>
+          <p:cNvGraphicFramePr>
+            <a:graphicFrameLocks noGrp="1"/>
+          </p:cNvGraphicFramePr>
+          <p:nvPr>
+            <p:extLst>
+              <p:ext uri="{D42A27DB-BD31-4B8C-83A1-F6EECF244321}">
+                <p14:modId xmlns:p14="http://schemas.microsoft.com/office/powerpoint/2010/main" val="2607428280"/>
+              </p:ext>
+            </p:extLst>
+          </p:nvPr>
+        </p:nvGraphicFramePr>
+        <p:xfrm>
+          <a:off x="1187570" y="465827"/>
+          <a:ext cx="9816860" cy="5103075"/>
+        </p:xfrm>
+        <a:graphic>
+          <a:graphicData uri="http://schemas.openxmlformats.org/drawingml/2006/table">
+            <a:tbl>
+              <a:tblPr firstRow="1" bandRow="1">
+                <a:tableStyleId>{5C22544A-7EE6-4342-B048-85BDC9FD1C3A}</a:tableStyleId>
+              </a:tblPr>
+              <a:tblGrid>
+                <a:gridCol w="9816860">
+                  <a:extLst>
+                    <a:ext uri="{9D8B030D-6E8A-4147-A177-3AD203B41FA5}">
+                      <a16:colId xmlns:a16="http://schemas.microsoft.com/office/drawing/2014/main" val="3627222243"/>
+                    </a:ext>
+                  </a:extLst>
+                </a:gridCol>
+              </a:tblGrid>
+              <a:tr h="579368">
+                <a:tc>
+                  <a:txBody>
+                    <a:bodyPr/>
+                    <a:lstStyle/>
+                    <a:p>
+                      <a:pPr algn="ctr"/>
+                      <a:r>
+                        <a:rPr lang="en-US" altLang="zh-CN" sz="2400" b="0" dirty="0" err="1">
+                          <a:latin typeface="Calibri" panose="020F0502020204030204" pitchFamily="34" charset="0"/>
+                          <a:cs typeface="Calibri" panose="020F0502020204030204" pitchFamily="34" charset="0"/>
+                        </a:rPr>
+                        <a:t>core.RuntimeUnit</a:t>
+                      </a:r>
+                      <a:r>
+                        <a:rPr lang="en-US" altLang="zh-CN" sz="2400" b="0" dirty="0">
+                          <a:latin typeface="Calibri" panose="020F0502020204030204" pitchFamily="34" charset="0"/>
+                          <a:cs typeface="Calibri" panose="020F0502020204030204" pitchFamily="34" charset="0"/>
+                        </a:rPr>
+                        <a:t> (continued)</a:t>
+                      </a:r>
+                      <a:endParaRPr lang="zh-CN" altLang="en-US" sz="2400" b="0" dirty="0">
+                        <a:latin typeface="Calibri" panose="020F0502020204030204" pitchFamily="34" charset="0"/>
+                        <a:cs typeface="Calibri" panose="020F0502020204030204" pitchFamily="34" charset="0"/>
+                      </a:endParaRPr>
+                    </a:p>
+                  </a:txBody>
+                  <a:tcPr anchor="ctr"/>
+                </a:tc>
+                <a:extLst>
+                  <a:ext uri="{0D108BD9-81ED-4DB2-BD59-A6C34878D82A}">
+                    <a16:rowId xmlns:a16="http://schemas.microsoft.com/office/drawing/2014/main" val="3346152141"/>
+                  </a:ext>
+                </a:extLst>
+              </a:tr>
+              <a:tr h="1506187">
+                <a:tc>
+                  <a:txBody>
+                    <a:bodyPr/>
+                    <a:lstStyle/>
+                    <a:p>
+                      <a:endParaRPr lang="zh-CN" altLang="en-US" sz="2400" dirty="0">
+                        <a:latin typeface="Calibri" panose="020F0502020204030204" pitchFamily="34" charset="0"/>
+                        <a:cs typeface="Calibri" panose="020F0502020204030204" pitchFamily="34" charset="0"/>
+                      </a:endParaRPr>
+                    </a:p>
+                  </a:txBody>
+                  <a:tcPr anchor="ctr"/>
+                </a:tc>
+                <a:extLst>
+                  <a:ext uri="{0D108BD9-81ED-4DB2-BD59-A6C34878D82A}">
+                    <a16:rowId xmlns:a16="http://schemas.microsoft.com/office/drawing/2014/main" val="4162875606"/>
+                  </a:ext>
+                </a:extLst>
+              </a:tr>
+              <a:tr h="2896513">
+                <a:tc>
+                  <a:txBody>
+                    <a:bodyPr/>
+                    <a:lstStyle/>
+                    <a:p>
+                      <a:r>
+                        <a:rPr lang="en-US" altLang="zh-CN" sz="2400" dirty="0">
+                          <a:latin typeface="Calibri" panose="020F0502020204030204" pitchFamily="34" charset="0"/>
+                          <a:cs typeface="Calibri" panose="020F0502020204030204" pitchFamily="34" charset="0"/>
+                        </a:rPr>
+                        <a:t>+</a:t>
+                      </a:r>
+                      <a:r>
+                        <a:rPr lang="en-US" altLang="zh-CN" sz="2400" dirty="0" err="1">
+                          <a:latin typeface="Calibri" panose="020F0502020204030204" pitchFamily="34" charset="0"/>
+                          <a:cs typeface="Calibri" panose="020F0502020204030204" pitchFamily="34" charset="0"/>
+                        </a:rPr>
+                        <a:t>list_of_universal_handlers.getter</a:t>
+                      </a:r>
+                      <a:r>
+                        <a:rPr lang="en-US" altLang="zh-CN" sz="2400" dirty="0">
+                          <a:latin typeface="Calibri" panose="020F0502020204030204" pitchFamily="34" charset="0"/>
+                          <a:cs typeface="Calibri" panose="020F0502020204030204" pitchFamily="34" charset="0"/>
+                        </a:rPr>
+                        <a:t>()</a:t>
+                      </a:r>
+                    </a:p>
+                    <a:p>
+                      <a:r>
+                        <a:rPr lang="en-US" altLang="zh-CN" sz="2400" dirty="0">
+                          <a:latin typeface="Calibri" panose="020F0502020204030204" pitchFamily="34" charset="0"/>
+                          <a:cs typeface="Calibri" panose="020F0502020204030204" pitchFamily="34" charset="0"/>
+                        </a:rPr>
+                        <a:t>+</a:t>
+                      </a:r>
+                      <a:r>
+                        <a:rPr lang="en-US" altLang="zh-CN" sz="2400" dirty="0" err="1">
+                          <a:latin typeface="Calibri" panose="020F0502020204030204" pitchFamily="34" charset="0"/>
+                          <a:cs typeface="Calibri" panose="020F0502020204030204" pitchFamily="34" charset="0"/>
+                        </a:rPr>
+                        <a:t>handle_events</a:t>
+                      </a:r>
+                      <a:r>
+                        <a:rPr lang="en-US" altLang="zh-CN" sz="2400" dirty="0">
+                          <a:latin typeface="Calibri" panose="020F0502020204030204" pitchFamily="34" charset="0"/>
+                          <a:cs typeface="Calibri" panose="020F0502020204030204" pitchFamily="34" charset="0"/>
+                        </a:rPr>
+                        <a:t>()</a:t>
+                      </a:r>
+                    </a:p>
+                    <a:p>
+                      <a:r>
+                        <a:rPr lang="en-US" altLang="zh-CN" sz="2400" dirty="0">
+                          <a:latin typeface="Calibri" panose="020F0502020204030204" pitchFamily="34" charset="0"/>
+                          <a:cs typeface="Calibri" panose="020F0502020204030204" pitchFamily="34" charset="0"/>
+                        </a:rPr>
+                        <a:t>+</a:t>
+                      </a:r>
+                      <a:r>
+                        <a:rPr lang="en-US" altLang="zh-CN" sz="2400" dirty="0" err="1">
+                          <a:latin typeface="Calibri" panose="020F0502020204030204" pitchFamily="34" charset="0"/>
+                          <a:cs typeface="Calibri" panose="020F0502020204030204" pitchFamily="34" charset="0"/>
+                        </a:rPr>
+                        <a:t>handle_mouse_button_up_during_animation</a:t>
+                      </a:r>
+                      <a:r>
+                        <a:rPr lang="en-US" altLang="zh-CN" sz="2400" dirty="0">
+                          <a:latin typeface="Calibri" panose="020F0502020204030204" pitchFamily="34" charset="0"/>
+                          <a:cs typeface="Calibri" panose="020F0502020204030204" pitchFamily="34" charset="0"/>
+                        </a:rPr>
+                        <a:t>()</a:t>
+                      </a:r>
+                    </a:p>
+                    <a:p>
+                      <a:r>
+                        <a:rPr lang="en-US" altLang="zh-CN" sz="2400" dirty="0">
+                          <a:latin typeface="Calibri" panose="020F0502020204030204" pitchFamily="34" charset="0"/>
+                          <a:cs typeface="Calibri" panose="020F0502020204030204" pitchFamily="34" charset="0"/>
+                        </a:rPr>
+                        <a:t>+</a:t>
+                      </a:r>
+                      <a:r>
+                        <a:rPr lang="en-US" altLang="zh-CN" sz="2400" dirty="0" err="1">
+                          <a:latin typeface="Calibri" panose="020F0502020204030204" pitchFamily="34" charset="0"/>
+                          <a:cs typeface="Calibri" panose="020F0502020204030204" pitchFamily="34" charset="0"/>
+                        </a:rPr>
+                        <a:t>handle_universal_events_during_each_animation_frame</a:t>
+                      </a:r>
+                      <a:r>
+                        <a:rPr lang="en-US" altLang="zh-CN" sz="2400" dirty="0">
+                          <a:latin typeface="Calibri" panose="020F0502020204030204" pitchFamily="34" charset="0"/>
+                          <a:cs typeface="Calibri" panose="020F0502020204030204" pitchFamily="34" charset="0"/>
+                        </a:rPr>
+                        <a:t>()</a:t>
+                      </a:r>
+                    </a:p>
+                    <a:p>
+                      <a:r>
+                        <a:rPr lang="en-US" altLang="zh-CN" sz="2400" dirty="0">
+                          <a:latin typeface="Calibri" panose="020F0502020204030204" pitchFamily="34" charset="0"/>
+                          <a:cs typeface="Calibri" panose="020F0502020204030204" pitchFamily="34" charset="0"/>
+                        </a:rPr>
+                        <a:t>+</a:t>
+                      </a:r>
+                      <a:r>
+                        <a:rPr lang="en-US" altLang="zh-CN" sz="2400" dirty="0" err="1">
+                          <a:latin typeface="Calibri" panose="020F0502020204030204" pitchFamily="34" charset="0"/>
+                          <a:cs typeface="Calibri" panose="020F0502020204030204" pitchFamily="34" charset="0"/>
+                        </a:rPr>
+                        <a:t>check_if_user_clicked_or_pressed</a:t>
+                      </a:r>
+                      <a:r>
+                        <a:rPr lang="en-US" altLang="zh-CN" sz="2400" dirty="0">
+                          <a:latin typeface="Calibri" panose="020F0502020204030204" pitchFamily="34" charset="0"/>
+                          <a:cs typeface="Calibri" panose="020F0502020204030204" pitchFamily="34" charset="0"/>
+                        </a:rPr>
+                        <a:t>()</a:t>
+                      </a:r>
+                    </a:p>
+                    <a:p>
+                      <a:r>
+                        <a:rPr lang="en-US" altLang="zh-CN" sz="2400" dirty="0">
+                          <a:latin typeface="Calibri" panose="020F0502020204030204" pitchFamily="34" charset="0"/>
+                          <a:cs typeface="Calibri" panose="020F0502020204030204" pitchFamily="34" charset="0"/>
+                        </a:rPr>
+                        <a:t>+check_if_user_pressed_f5()</a:t>
+                      </a:r>
+                    </a:p>
+                    <a:p>
+                      <a:r>
+                        <a:rPr lang="en-US" altLang="zh-CN" sz="2400" dirty="0">
+                          <a:latin typeface="Calibri" panose="020F0502020204030204" pitchFamily="34" charset="0"/>
+                          <a:cs typeface="Calibri" panose="020F0502020204030204" pitchFamily="34" charset="0"/>
+                        </a:rPr>
+                        <a:t>+</a:t>
+                      </a:r>
+                      <a:r>
+                        <a:rPr lang="en-US" altLang="zh-CN" sz="2400" dirty="0" err="1">
+                          <a:latin typeface="Calibri" panose="020F0502020204030204" pitchFamily="34" charset="0"/>
+                          <a:cs typeface="Calibri" panose="020F0502020204030204" pitchFamily="34" charset="0"/>
+                        </a:rPr>
+                        <a:t>on_quit</a:t>
+                      </a:r>
+                      <a:r>
+                        <a:rPr lang="en-US" altLang="zh-CN" sz="2400" dirty="0">
+                          <a:latin typeface="Calibri" panose="020F0502020204030204" pitchFamily="34" charset="0"/>
+                          <a:cs typeface="Calibri" panose="020F0502020204030204" pitchFamily="34" charset="0"/>
+                        </a:rPr>
+                        <a:t>()</a:t>
+                      </a:r>
+                    </a:p>
+                    <a:p>
+                      <a:r>
+                        <a:rPr lang="en-US" altLang="zh-CN" sz="2400" dirty="0">
+                          <a:latin typeface="Calibri" panose="020F0502020204030204" pitchFamily="34" charset="0"/>
+                          <a:cs typeface="Calibri" panose="020F0502020204030204" pitchFamily="34" charset="0"/>
+                        </a:rPr>
+                        <a:t>…</a:t>
+                      </a:r>
+                      <a:endParaRPr lang="zh-CN" altLang="en-US" sz="2400" dirty="0">
+                        <a:latin typeface="Calibri" panose="020F0502020204030204" pitchFamily="34" charset="0"/>
+                        <a:cs typeface="Calibri" panose="020F0502020204030204" pitchFamily="34" charset="0"/>
+                      </a:endParaRPr>
+                    </a:p>
+                  </a:txBody>
+                  <a:tcPr anchor="ctr"/>
+                </a:tc>
+                <a:extLst>
+                  <a:ext uri="{0D108BD9-81ED-4DB2-BD59-A6C34878D82A}">
+                    <a16:rowId xmlns:a16="http://schemas.microsoft.com/office/drawing/2014/main" val="2161683205"/>
+                  </a:ext>
+                </a:extLst>
+              </a:tr>
+            </a:tbl>
+          </a:graphicData>
+        </a:graphic>
+      </p:graphicFrame>
+    </p:spTree>
+    <p:extLst>
+      <p:ext uri="{BB962C8B-B14F-4D97-AF65-F5344CB8AC3E}">
+        <p14:creationId xmlns:p14="http://schemas.microsoft.com/office/powerpoint/2010/main" val="2440984188"/>
+      </p:ext>
+    </p:extLst>
+  </p:cSld>
+  <p:clrMapOvr>
+    <a:masterClrMapping/>
+  </p:clrMapOvr>
+</p:sld>
+</file>
+
+<file path=ppt/slides/slide16.xml><?xml version="1.0" encoding="utf-8"?>
+<p:sld xmlns:a="http://schemas.openxmlformats.org/drawingml/2006/main" xmlns:r="http://schemas.openxmlformats.org/officeDocument/2006/relationships" xmlns:p="http://schemas.openxmlformats.org/presentationml/2006/main">
+  <p:cSld>
+    <p:spTree>
+      <p:nvGrpSpPr>
+        <p:cNvPr id="1" name=""/>
+        <p:cNvGrpSpPr/>
+        <p:nvPr/>
+      </p:nvGrpSpPr>
+      <p:grpSpPr>
+        <a:xfrm>
+          <a:off x="0" y="0"/>
+          <a:ext cx="0" cy="0"/>
+          <a:chOff x="0" y="0"/>
+          <a:chExt cx="0" cy="0"/>
+        </a:xfrm>
+      </p:grpSpPr>
+      <p:graphicFrame>
+        <p:nvGraphicFramePr>
+          <p:cNvPr id="16" name="表格 15">
+            <a:extLst>
+              <a:ext uri="{FF2B5EF4-FFF2-40B4-BE49-F238E27FC236}">
+                <a16:creationId xmlns:a16="http://schemas.microsoft.com/office/drawing/2014/main" id="{EB1C4A40-80C5-7BA1-0D7D-5BB576CB3728}"/>
+              </a:ext>
+            </a:extLst>
+          </p:cNvPr>
+          <p:cNvGraphicFramePr>
+            <a:graphicFrameLocks noGrp="1"/>
+          </p:cNvGraphicFramePr>
+          <p:nvPr>
+            <p:extLst>
+              <p:ext uri="{D42A27DB-BD31-4B8C-83A1-F6EECF244321}">
+                <p14:modId xmlns:p14="http://schemas.microsoft.com/office/powerpoint/2010/main" val="3381172891"/>
+              </p:ext>
+            </p:extLst>
+          </p:nvPr>
+        </p:nvGraphicFramePr>
+        <p:xfrm>
+          <a:off x="1187570" y="465827"/>
+          <a:ext cx="9816860" cy="4982068"/>
+        </p:xfrm>
+        <a:graphic>
+          <a:graphicData uri="http://schemas.openxmlformats.org/drawingml/2006/table">
+            <a:tbl>
+              <a:tblPr firstRow="1" bandRow="1">
+                <a:tableStyleId>{5C22544A-7EE6-4342-B048-85BDC9FD1C3A}</a:tableStyleId>
+              </a:tblPr>
+              <a:tblGrid>
+                <a:gridCol w="9816860">
+                  <a:extLst>
+                    <a:ext uri="{9D8B030D-6E8A-4147-A177-3AD203B41FA5}">
+                      <a16:colId xmlns:a16="http://schemas.microsoft.com/office/drawing/2014/main" val="3627222243"/>
+                    </a:ext>
+                  </a:extLst>
+                </a:gridCol>
+              </a:tblGrid>
+              <a:tr h="579368">
+                <a:tc>
+                  <a:txBody>
+                    <a:bodyPr/>
+                    <a:lstStyle/>
+                    <a:p>
+                      <a:pPr algn="ctr"/>
+                      <a:r>
+                        <a:rPr lang="en-US" altLang="zh-CN" sz="2400" b="0" dirty="0" err="1">
+                          <a:latin typeface="Calibri" panose="020F0502020204030204" pitchFamily="34" charset="0"/>
+                          <a:cs typeface="Calibri" panose="020F0502020204030204" pitchFamily="34" charset="0"/>
+                        </a:rPr>
+                        <a:t>core.ExternalRuntimeData</a:t>
+                      </a:r>
+                      <a:endParaRPr lang="zh-CN" altLang="en-US" sz="2400" b="0" dirty="0">
+                        <a:latin typeface="Calibri" panose="020F0502020204030204" pitchFamily="34" charset="0"/>
+                        <a:cs typeface="Calibri" panose="020F0502020204030204" pitchFamily="34" charset="0"/>
+                      </a:endParaRPr>
+                    </a:p>
+                  </a:txBody>
+                  <a:tcPr anchor="ctr"/>
+                </a:tc>
+                <a:extLst>
+                  <a:ext uri="{0D108BD9-81ED-4DB2-BD59-A6C34878D82A}">
+                    <a16:rowId xmlns:a16="http://schemas.microsoft.com/office/drawing/2014/main" val="3346152141"/>
+                  </a:ext>
+                </a:extLst>
+              </a:tr>
+              <a:tr h="1506187">
+                <a:tc>
+                  <a:txBody>
+                    <a:bodyPr/>
+                    <a:lstStyle/>
+                    <a:p>
+                      <a:r>
+                        <a:rPr lang="en-US" altLang="zh-CN" sz="2400" dirty="0">
+                          <a:latin typeface="Calibri" panose="020F0502020204030204" pitchFamily="34" charset="0"/>
+                          <a:cs typeface="Calibri" panose="020F0502020204030204" pitchFamily="34" charset="0"/>
+                        </a:rPr>
+                        <a:t>-</a:t>
+                      </a:r>
+                      <a:r>
+                        <a:rPr lang="en-US" altLang="zh-CN" sz="2400" dirty="0" err="1">
+                          <a:latin typeface="Calibri" panose="020F0502020204030204" pitchFamily="34" charset="0"/>
+                          <a:cs typeface="Calibri" panose="020F0502020204030204" pitchFamily="34" charset="0"/>
+                        </a:rPr>
+                        <a:t>is_waiting</a:t>
+                      </a:r>
+                      <a:r>
+                        <a:rPr lang="en-US" altLang="zh-CN" sz="2400" dirty="0">
+                          <a:latin typeface="Calibri" panose="020F0502020204030204" pitchFamily="34" charset="0"/>
+                          <a:cs typeface="Calibri" panose="020F0502020204030204" pitchFamily="34" charset="0"/>
+                        </a:rPr>
+                        <a:t>: bool</a:t>
+                      </a:r>
+                    </a:p>
+                    <a:p>
+                      <a:r>
+                        <a:rPr lang="en-US" altLang="zh-CN" sz="2400" dirty="0">
+                          <a:latin typeface="Calibri" panose="020F0502020204030204" pitchFamily="34" charset="0"/>
+                          <a:cs typeface="Calibri" panose="020F0502020204030204" pitchFamily="34" charset="0"/>
+                        </a:rPr>
+                        <a:t>-</a:t>
+                      </a:r>
+                      <a:r>
+                        <a:rPr lang="en-US" altLang="zh-CN" sz="2400" dirty="0" err="1">
+                          <a:latin typeface="Calibri" panose="020F0502020204030204" pitchFamily="34" charset="0"/>
+                          <a:cs typeface="Calibri" panose="020F0502020204030204" pitchFamily="34" charset="0"/>
+                        </a:rPr>
+                        <a:t>should_return_at_once</a:t>
+                      </a:r>
+                      <a:r>
+                        <a:rPr lang="en-US" altLang="zh-CN" sz="2400" dirty="0">
+                          <a:latin typeface="Calibri" panose="020F0502020204030204" pitchFamily="34" charset="0"/>
+                          <a:cs typeface="Calibri" panose="020F0502020204030204" pitchFamily="34" charset="0"/>
+                        </a:rPr>
+                        <a:t>: bool</a:t>
+                      </a:r>
+                      <a:endParaRPr lang="zh-CN" altLang="en-US" sz="2400" dirty="0">
+                        <a:latin typeface="Calibri" panose="020F0502020204030204" pitchFamily="34" charset="0"/>
+                        <a:cs typeface="Calibri" panose="020F0502020204030204" pitchFamily="34" charset="0"/>
+                      </a:endParaRPr>
+                    </a:p>
+                  </a:txBody>
+                  <a:tcPr anchor="ctr"/>
+                </a:tc>
+                <a:extLst>
+                  <a:ext uri="{0D108BD9-81ED-4DB2-BD59-A6C34878D82A}">
+                    <a16:rowId xmlns:a16="http://schemas.microsoft.com/office/drawing/2014/main" val="4162875606"/>
+                  </a:ext>
+                </a:extLst>
+              </a:tr>
+              <a:tr h="2896513">
+                <a:tc>
+                  <a:txBody>
+                    <a:bodyPr/>
+                    <a:lstStyle/>
+                    <a:p>
+                      <a:r>
+                        <a:rPr lang="en-US" altLang="zh-CN" sz="2400" dirty="0">
+                          <a:latin typeface="Calibri" panose="020F0502020204030204" pitchFamily="34" charset="0"/>
+                          <a:cs typeface="Calibri" panose="020F0502020204030204" pitchFamily="34" charset="0"/>
+                        </a:rPr>
+                        <a:t>+</a:t>
+                      </a:r>
+                      <a:r>
+                        <a:rPr lang="en-US" altLang="zh-CN" sz="2400" dirty="0" err="1">
+                          <a:latin typeface="Calibri" panose="020F0502020204030204" pitchFamily="34" charset="0"/>
+                          <a:cs typeface="Calibri" panose="020F0502020204030204" pitchFamily="34" charset="0"/>
+                        </a:rPr>
+                        <a:t>ExternalRuntimeData</a:t>
+                      </a:r>
+                      <a:r>
+                        <a:rPr lang="en-US" altLang="zh-CN" sz="2400" dirty="0">
+                          <a:latin typeface="Calibri" panose="020F0502020204030204" pitchFamily="34" charset="0"/>
+                          <a:cs typeface="Calibri" panose="020F0502020204030204" pitchFamily="34" charset="0"/>
+                        </a:rPr>
+                        <a:t>()</a:t>
+                      </a:r>
+                    </a:p>
+                    <a:p>
+                      <a:r>
+                        <a:rPr lang="en-US" altLang="zh-CN" sz="2400" dirty="0">
+                          <a:latin typeface="Calibri" panose="020F0502020204030204" pitchFamily="34" charset="0"/>
+                          <a:cs typeface="Calibri" panose="020F0502020204030204" pitchFamily="34" charset="0"/>
+                        </a:rPr>
+                        <a:t>+</a:t>
+                      </a:r>
+                      <a:r>
+                        <a:rPr lang="en-US" altLang="zh-CN" sz="2400" dirty="0" err="1">
+                          <a:latin typeface="Calibri" panose="020F0502020204030204" pitchFamily="34" charset="0"/>
+                          <a:cs typeface="Calibri" panose="020F0502020204030204" pitchFamily="34" charset="0"/>
+                        </a:rPr>
+                        <a:t>is_waiting.getter</a:t>
+                      </a:r>
+                      <a:r>
+                        <a:rPr lang="en-US" altLang="zh-CN" sz="2400" dirty="0">
+                          <a:latin typeface="Calibri" panose="020F0502020204030204" pitchFamily="34" charset="0"/>
+                          <a:cs typeface="Calibri" panose="020F0502020204030204" pitchFamily="34" charset="0"/>
+                        </a:rPr>
+                        <a:t>()</a:t>
+                      </a:r>
+                    </a:p>
+                    <a:p>
+                      <a:r>
+                        <a:rPr lang="en-US" altLang="zh-CN" sz="2400" dirty="0">
+                          <a:latin typeface="Calibri" panose="020F0502020204030204" pitchFamily="34" charset="0"/>
+                          <a:cs typeface="Calibri" panose="020F0502020204030204" pitchFamily="34" charset="0"/>
+                        </a:rPr>
+                        <a:t>+</a:t>
+                      </a:r>
+                      <a:r>
+                        <a:rPr lang="en-US" altLang="zh-CN" sz="2400" dirty="0" err="1">
+                          <a:latin typeface="Calibri" panose="020F0502020204030204" pitchFamily="34" charset="0"/>
+                          <a:cs typeface="Calibri" panose="020F0502020204030204" pitchFamily="34" charset="0"/>
+                        </a:rPr>
+                        <a:t>is_waiting.setter</a:t>
+                      </a:r>
+                      <a:r>
+                        <a:rPr lang="en-US" altLang="zh-CN" sz="2400" dirty="0">
+                          <a:latin typeface="Calibri" panose="020F0502020204030204" pitchFamily="34" charset="0"/>
+                          <a:cs typeface="Calibri" panose="020F0502020204030204" pitchFamily="34" charset="0"/>
+                        </a:rPr>
+                        <a:t>()</a:t>
+                      </a:r>
+                    </a:p>
+                    <a:p>
+                      <a:r>
+                        <a:rPr lang="en-US" altLang="zh-CN" sz="2400" dirty="0">
+                          <a:latin typeface="Calibri" panose="020F0502020204030204" pitchFamily="34" charset="0"/>
+                          <a:cs typeface="Calibri" panose="020F0502020204030204" pitchFamily="34" charset="0"/>
+                        </a:rPr>
+                        <a:t>+</a:t>
+                      </a:r>
+                      <a:r>
+                        <a:rPr lang="en-US" altLang="zh-CN" sz="2400" dirty="0" err="1">
+                          <a:latin typeface="Calibri" panose="020F0502020204030204" pitchFamily="34" charset="0"/>
+                          <a:cs typeface="Calibri" panose="020F0502020204030204" pitchFamily="34" charset="0"/>
+                        </a:rPr>
+                        <a:t>should_return_at_once.getter</a:t>
+                      </a:r>
+                      <a:r>
+                        <a:rPr lang="en-US" altLang="zh-CN" sz="2400" dirty="0">
+                          <a:latin typeface="Calibri" panose="020F0502020204030204" pitchFamily="34" charset="0"/>
+                          <a:cs typeface="Calibri" panose="020F0502020204030204" pitchFamily="34" charset="0"/>
+                        </a:rPr>
+                        <a:t>()</a:t>
+                      </a:r>
+                    </a:p>
+                    <a:p>
+                      <a:r>
+                        <a:rPr lang="en-US" altLang="zh-CN" sz="2400" dirty="0">
+                          <a:latin typeface="Calibri" panose="020F0502020204030204" pitchFamily="34" charset="0"/>
+                          <a:cs typeface="Calibri" panose="020F0502020204030204" pitchFamily="34" charset="0"/>
+                        </a:rPr>
+                        <a:t>+</a:t>
+                      </a:r>
+                      <a:r>
+                        <a:rPr lang="en-US" altLang="zh-CN" sz="2400" dirty="0" err="1">
+                          <a:latin typeface="Calibri" panose="020F0502020204030204" pitchFamily="34" charset="0"/>
+                          <a:cs typeface="Calibri" panose="020F0502020204030204" pitchFamily="34" charset="0"/>
+                        </a:rPr>
+                        <a:t>should_return_at_once.setter</a:t>
+                      </a:r>
+                      <a:r>
+                        <a:rPr lang="en-US" altLang="zh-CN" sz="2400" dirty="0">
+                          <a:latin typeface="Calibri" panose="020F0502020204030204" pitchFamily="34" charset="0"/>
+                          <a:cs typeface="Calibri" panose="020F0502020204030204" pitchFamily="34" charset="0"/>
+                        </a:rPr>
+                        <a:t>()</a:t>
+                      </a:r>
+                    </a:p>
+                    <a:p>
+                      <a:r>
+                        <a:rPr lang="en-US" altLang="zh-CN" sz="2400" dirty="0">
+                          <a:latin typeface="Calibri" panose="020F0502020204030204" pitchFamily="34" charset="0"/>
+                          <a:cs typeface="Calibri" panose="020F0502020204030204" pitchFamily="34" charset="0"/>
+                        </a:rPr>
+                        <a:t>+save()</a:t>
+                      </a:r>
+                    </a:p>
+                  </a:txBody>
+                  <a:tcPr anchor="ctr"/>
+                </a:tc>
+                <a:extLst>
+                  <a:ext uri="{0D108BD9-81ED-4DB2-BD59-A6C34878D82A}">
+                    <a16:rowId xmlns:a16="http://schemas.microsoft.com/office/drawing/2014/main" val="2161683205"/>
+                  </a:ext>
+                </a:extLst>
+              </a:tr>
+            </a:tbl>
+          </a:graphicData>
+        </a:graphic>
+      </p:graphicFrame>
+    </p:spTree>
+    <p:extLst>
+      <p:ext uri="{BB962C8B-B14F-4D97-AF65-F5344CB8AC3E}">
+        <p14:creationId xmlns:p14="http://schemas.microsoft.com/office/powerpoint/2010/main" val="2860209270"/>
+      </p:ext>
+    </p:extLst>
+  </p:cSld>
+  <p:clrMapOvr>
+    <a:masterClrMapping/>
+  </p:clrMapOvr>
+</p:sld>
+</file>
+
+<file path=ppt/slides/slide17.xml><?xml version="1.0" encoding="utf-8"?>
+<p:sld xmlns:a="http://schemas.openxmlformats.org/drawingml/2006/main" xmlns:r="http://schemas.openxmlformats.org/officeDocument/2006/relationships" xmlns:p="http://schemas.openxmlformats.org/presentationml/2006/main">
+  <p:cSld>
+    <p:spTree>
+      <p:nvGrpSpPr>
+        <p:cNvPr id="1" name=""/>
+        <p:cNvGrpSpPr/>
+        <p:nvPr/>
+      </p:nvGrpSpPr>
+      <p:grpSpPr>
+        <a:xfrm>
+          <a:off x="0" y="0"/>
+          <a:ext cx="0" cy="0"/>
+          <a:chOff x="0" y="0"/>
+          <a:chExt cx="0" cy="0"/>
+        </a:xfrm>
+      </p:grpSpPr>
+      <p:sp>
+        <p:nvSpPr>
+          <p:cNvPr id="2" name="标题 1">
+            <a:extLst>
+              <a:ext uri="{FF2B5EF4-FFF2-40B4-BE49-F238E27FC236}">
+                <a16:creationId xmlns:a16="http://schemas.microsoft.com/office/drawing/2014/main" id="{B3B47EE4-8866-E453-E1F8-0F33CDF338DF}"/>
+              </a:ext>
+            </a:extLst>
+          </p:cNvPr>
+          <p:cNvSpPr>
+            <a:spLocks noGrp="1"/>
+          </p:cNvSpPr>
+          <p:nvPr>
+            <p:ph type="title"/>
+          </p:nvPr>
+        </p:nvSpPr>
+        <p:spPr/>
+        <p:txBody>
+          <a:bodyPr/>
+          <a:lstStyle/>
+          <a:p>
+            <a:r>
+              <a:rPr lang="en-US" altLang="zh-CN" dirty="0">
+                <a:latin typeface="Calibri" panose="020F0502020204030204" pitchFamily="34" charset="0"/>
+                <a:ea typeface="Calibri" panose="020F0502020204030204" pitchFamily="34" charset="0"/>
+                <a:cs typeface="Calibri" panose="020F0502020204030204" pitchFamily="34" charset="0"/>
+              </a:rPr>
+              <a:t>v0.2</a:t>
+            </a:r>
+            <a:endParaRPr lang="zh-CN" altLang="en-US" dirty="0">
+              <a:latin typeface="Calibri" panose="020F0502020204030204" pitchFamily="34" charset="0"/>
+              <a:cs typeface="Calibri" panose="020F0502020204030204" pitchFamily="34" charset="0"/>
+            </a:endParaRPr>
+          </a:p>
+        </p:txBody>
+      </p:sp>
+      <p:sp>
+        <p:nvSpPr>
+          <p:cNvPr id="3" name="文本占位符 2">
+            <a:extLst>
+              <a:ext uri="{FF2B5EF4-FFF2-40B4-BE49-F238E27FC236}">
+                <a16:creationId xmlns:a16="http://schemas.microsoft.com/office/drawing/2014/main" id="{EEB7FFFE-FE9E-1B4A-C4F0-6015D675E0E6}"/>
+              </a:ext>
+            </a:extLst>
+          </p:cNvPr>
+          <p:cNvSpPr>
+            <a:spLocks noGrp="1"/>
+          </p:cNvSpPr>
+          <p:nvPr>
+            <p:ph type="body" idx="1"/>
+          </p:nvPr>
+        </p:nvSpPr>
+        <p:spPr/>
+        <p:txBody>
+          <a:bodyPr/>
+          <a:lstStyle/>
+          <a:p>
+            <a:endParaRPr lang="zh-CN" altLang="en-US"/>
+          </a:p>
+        </p:txBody>
+      </p:sp>
+    </p:spTree>
+    <p:extLst>
+      <p:ext uri="{BB962C8B-B14F-4D97-AF65-F5344CB8AC3E}">
+        <p14:creationId xmlns:p14="http://schemas.microsoft.com/office/powerpoint/2010/main" val="2708238068"/>
+      </p:ext>
+    </p:extLst>
+  </p:cSld>
+  <p:clrMapOvr>
+    <a:masterClrMapping/>
+  </p:clrMapOvr>
+</p:sld>
+</file>
+
+<file path=ppt/slides/slide18.xml><?xml version="1.0" encoding="utf-8"?>
+<p:sld xmlns:a="http://schemas.openxmlformats.org/drawingml/2006/main" xmlns:r="http://schemas.openxmlformats.org/officeDocument/2006/relationships" xmlns:p="http://schemas.openxmlformats.org/presentationml/2006/main">
+  <p:cSld>
+    <p:spTree>
+      <p:nvGrpSpPr>
+        <p:cNvPr id="1" name=""/>
+        <p:cNvGrpSpPr/>
+        <p:nvPr/>
+      </p:nvGrpSpPr>
+      <p:grpSpPr>
+        <a:xfrm>
+          <a:off x="0" y="0"/>
+          <a:ext cx="0" cy="0"/>
+          <a:chOff x="0" y="0"/>
+          <a:chExt cx="0" cy="0"/>
+        </a:xfrm>
+      </p:grpSpPr>
       <p:sp>
         <p:nvSpPr>
           <p:cNvPr id="2" name="Title 1">
@@ -4498,7 +6926,7 @@
 </p:sld>
 </file>
 
-<file path=ppt/slides/slide11.xml><?xml version="1.0" encoding="utf-8"?>
+<file path=ppt/slides/slide19.xml><?xml version="1.0" encoding="utf-8"?>
 <p:sld xmlns:a="http://schemas.openxmlformats.org/drawingml/2006/main" xmlns:r="http://schemas.openxmlformats.org/officeDocument/2006/relationships" xmlns:p="http://schemas.openxmlformats.org/presentationml/2006/main">
   <p:cSld>
     <p:spTree>
@@ -5398,6 +7826,1201 @@
 </p:sld>
 </file>
 
+<file path=ppt/slides/slide20.xml><?xml version="1.0" encoding="utf-8"?>
+<p:sld xmlns:a="http://schemas.openxmlformats.org/drawingml/2006/main" xmlns:r="http://schemas.openxmlformats.org/officeDocument/2006/relationships" xmlns:p="http://schemas.openxmlformats.org/presentationml/2006/main">
+  <p:cSld>
+    <p:spTree>
+      <p:nvGrpSpPr>
+        <p:cNvPr id="1" name=""/>
+        <p:cNvGrpSpPr/>
+        <p:nvPr/>
+      </p:nvGrpSpPr>
+      <p:grpSpPr>
+        <a:xfrm>
+          <a:off x="0" y="0"/>
+          <a:ext cx="0" cy="0"/>
+          <a:chOff x="0" y="0"/>
+          <a:chExt cx="0" cy="0"/>
+        </a:xfrm>
+      </p:grpSpPr>
+      <p:sp>
+        <p:nvSpPr>
+          <p:cNvPr id="2" name="标题 1">
+            <a:extLst>
+              <a:ext uri="{FF2B5EF4-FFF2-40B4-BE49-F238E27FC236}">
+                <a16:creationId xmlns:a16="http://schemas.microsoft.com/office/drawing/2014/main" id="{B3B47EE4-8866-E453-E1F8-0F33CDF338DF}"/>
+              </a:ext>
+            </a:extLst>
+          </p:cNvPr>
+          <p:cNvSpPr>
+            <a:spLocks noGrp="1"/>
+          </p:cNvSpPr>
+          <p:nvPr>
+            <p:ph type="title"/>
+          </p:nvPr>
+        </p:nvSpPr>
+        <p:spPr/>
+        <p:txBody>
+          <a:bodyPr/>
+          <a:lstStyle/>
+          <a:p>
+            <a:r>
+              <a:rPr lang="en-US" altLang="zh-CN" dirty="0">
+                <a:latin typeface="Calibri" panose="020F0502020204030204" pitchFamily="34" charset="0"/>
+                <a:ea typeface="Calibri" panose="020F0502020204030204" pitchFamily="34" charset="0"/>
+                <a:cs typeface="Calibri" panose="020F0502020204030204" pitchFamily="34" charset="0"/>
+              </a:rPr>
+              <a:t>v0.3</a:t>
+            </a:r>
+            <a:endParaRPr lang="zh-CN" altLang="en-US" dirty="0">
+              <a:latin typeface="Calibri" panose="020F0502020204030204" pitchFamily="34" charset="0"/>
+              <a:cs typeface="Calibri" panose="020F0502020204030204" pitchFamily="34" charset="0"/>
+            </a:endParaRPr>
+          </a:p>
+        </p:txBody>
+      </p:sp>
+      <p:sp>
+        <p:nvSpPr>
+          <p:cNvPr id="3" name="文本占位符 2">
+            <a:extLst>
+              <a:ext uri="{FF2B5EF4-FFF2-40B4-BE49-F238E27FC236}">
+                <a16:creationId xmlns:a16="http://schemas.microsoft.com/office/drawing/2014/main" id="{EEB7FFFE-FE9E-1B4A-C4F0-6015D675E0E6}"/>
+              </a:ext>
+            </a:extLst>
+          </p:cNvPr>
+          <p:cNvSpPr>
+            <a:spLocks noGrp="1"/>
+          </p:cNvSpPr>
+          <p:nvPr>
+            <p:ph type="body" idx="1"/>
+          </p:nvPr>
+        </p:nvSpPr>
+        <p:spPr/>
+        <p:txBody>
+          <a:bodyPr/>
+          <a:lstStyle/>
+          <a:p>
+            <a:endParaRPr lang="zh-CN" altLang="en-US"/>
+          </a:p>
+        </p:txBody>
+      </p:sp>
+    </p:spTree>
+    <p:extLst>
+      <p:ext uri="{BB962C8B-B14F-4D97-AF65-F5344CB8AC3E}">
+        <p14:creationId xmlns:p14="http://schemas.microsoft.com/office/powerpoint/2010/main" val="2978863864"/>
+      </p:ext>
+    </p:extLst>
+  </p:cSld>
+  <p:clrMapOvr>
+    <a:masterClrMapping/>
+  </p:clrMapOvr>
+</p:sld>
+</file>
+
+<file path=ppt/slides/slide21.xml><?xml version="1.0" encoding="utf-8"?>
+<p:sld xmlns:a="http://schemas.openxmlformats.org/drawingml/2006/main" xmlns:r="http://schemas.openxmlformats.org/officeDocument/2006/relationships" xmlns:p="http://schemas.openxmlformats.org/presentationml/2006/main">
+  <p:cSld>
+    <p:spTree>
+      <p:nvGrpSpPr>
+        <p:cNvPr id="1" name=""/>
+        <p:cNvGrpSpPr/>
+        <p:nvPr/>
+      </p:nvGrpSpPr>
+      <p:grpSpPr>
+        <a:xfrm>
+          <a:off x="0" y="0"/>
+          <a:ext cx="0" cy="0"/>
+          <a:chOff x="0" y="0"/>
+          <a:chExt cx="0" cy="0"/>
+        </a:xfrm>
+      </p:grpSpPr>
+      <p:sp>
+        <p:nvSpPr>
+          <p:cNvPr id="12" name="Rectangle 11">
+            <a:extLst>
+              <a:ext uri="{FF2B5EF4-FFF2-40B4-BE49-F238E27FC236}">
+                <a16:creationId xmlns:a16="http://schemas.microsoft.com/office/drawing/2014/main" id="{61A57D01-983D-4E2D-873A-81F4DD31ED9F}"/>
+              </a:ext>
+            </a:extLst>
+          </p:cNvPr>
+          <p:cNvSpPr/>
+          <p:nvPr/>
+        </p:nvSpPr>
+        <p:spPr>
+          <a:xfrm>
+            <a:off x="2543477" y="2133600"/>
+            <a:ext cx="5622863" cy="2582174"/>
+          </a:xfrm>
+          <a:prstGeom prst="rect">
+            <a:avLst/>
+          </a:prstGeom>
+          <a:solidFill>
+            <a:schemeClr val="bg1"/>
+          </a:solidFill>
+          <a:ln>
+            <a:solidFill>
+              <a:schemeClr val="tx1"/>
+            </a:solidFill>
+          </a:ln>
+        </p:spPr>
+        <p:style>
+          <a:lnRef idx="2">
+            <a:schemeClr val="accent1">
+              <a:shade val="50000"/>
+            </a:schemeClr>
+          </a:lnRef>
+          <a:fillRef idx="1">
+            <a:schemeClr val="accent1"/>
+          </a:fillRef>
+          <a:effectRef idx="0">
+            <a:schemeClr val="accent1"/>
+          </a:effectRef>
+          <a:fontRef idx="minor">
+            <a:schemeClr val="lt1"/>
+          </a:fontRef>
+        </p:style>
+        <p:txBody>
+          <a:bodyPr rtlCol="0" anchor="t"/>
+          <a:lstStyle/>
+          <a:p>
+            <a:pPr algn="ctr"/>
+            <a:r>
+              <a:rPr lang="en-US" altLang="zh-CN" dirty="0">
+                <a:solidFill>
+                  <a:schemeClr val="tx1"/>
+                </a:solidFill>
+                <a:latin typeface="Calibri" panose="020F0502020204030204" pitchFamily="34" charset="0"/>
+                <a:ea typeface="Calibri" panose="020F0502020204030204" pitchFamily="34" charset="0"/>
+                <a:cs typeface="Calibri" panose="020F0502020204030204" pitchFamily="34" charset="0"/>
+              </a:rPr>
+              <a:t>framework</a:t>
+            </a:r>
+          </a:p>
+        </p:txBody>
+      </p:sp>
+      <p:sp>
+        <p:nvSpPr>
+          <p:cNvPr id="2" name="Title 1">
+            <a:extLst>
+              <a:ext uri="{FF2B5EF4-FFF2-40B4-BE49-F238E27FC236}">
+                <a16:creationId xmlns:a16="http://schemas.microsoft.com/office/drawing/2014/main" id="{67D4F5DE-B023-43CC-8D55-FA36D8041F62}"/>
+              </a:ext>
+            </a:extLst>
+          </p:cNvPr>
+          <p:cNvSpPr>
+            <a:spLocks noGrp="1"/>
+          </p:cNvSpPr>
+          <p:nvPr>
+            <p:ph type="title"/>
+          </p:nvPr>
+        </p:nvSpPr>
+        <p:spPr/>
+        <p:txBody>
+          <a:bodyPr/>
+          <a:lstStyle/>
+          <a:p>
+            <a:r>
+              <a:rPr lang="en-US" altLang="zh-CN" dirty="0">
+                <a:latin typeface="Calibri" panose="020F0502020204030204" pitchFamily="34" charset="0"/>
+                <a:cs typeface="Calibri" panose="020F0502020204030204" pitchFamily="34" charset="0"/>
+              </a:rPr>
+              <a:t>Package Diagram</a:t>
+            </a:r>
+            <a:endParaRPr lang="zh-CN" altLang="en-US" dirty="0">
+              <a:latin typeface="Calibri" panose="020F0502020204030204" pitchFamily="34" charset="0"/>
+              <a:cs typeface="Calibri" panose="020F0502020204030204" pitchFamily="34" charset="0"/>
+            </a:endParaRPr>
+          </a:p>
+        </p:txBody>
+      </p:sp>
+      <p:sp>
+        <p:nvSpPr>
+          <p:cNvPr id="3" name="Rectangle 2">
+            <a:extLst>
+              <a:ext uri="{FF2B5EF4-FFF2-40B4-BE49-F238E27FC236}">
+                <a16:creationId xmlns:a16="http://schemas.microsoft.com/office/drawing/2014/main" id="{C8F4B214-982F-4398-A41D-372AB28C0E97}"/>
+              </a:ext>
+            </a:extLst>
+          </p:cNvPr>
+          <p:cNvSpPr/>
+          <p:nvPr/>
+        </p:nvSpPr>
+        <p:spPr>
+          <a:xfrm>
+            <a:off x="5779698" y="3277504"/>
+            <a:ext cx="1903563" cy="875212"/>
+          </a:xfrm>
+          <a:prstGeom prst="rect">
+            <a:avLst/>
+          </a:prstGeom>
+          <a:solidFill>
+            <a:schemeClr val="bg1"/>
+          </a:solidFill>
+          <a:ln>
+            <a:solidFill>
+              <a:schemeClr val="tx1"/>
+            </a:solidFill>
+          </a:ln>
+        </p:spPr>
+        <p:style>
+          <a:lnRef idx="2">
+            <a:schemeClr val="accent1">
+              <a:shade val="50000"/>
+            </a:schemeClr>
+          </a:lnRef>
+          <a:fillRef idx="1">
+            <a:schemeClr val="accent1"/>
+          </a:fillRef>
+          <a:effectRef idx="0">
+            <a:schemeClr val="accent1"/>
+          </a:effectRef>
+          <a:fontRef idx="minor">
+            <a:schemeClr val="lt1"/>
+          </a:fontRef>
+        </p:style>
+        <p:txBody>
+          <a:bodyPr rtlCol="0" anchor="ctr"/>
+          <a:lstStyle/>
+          <a:p>
+            <a:pPr algn="ctr"/>
+            <a:r>
+              <a:rPr lang="en-US" altLang="zh-CN" dirty="0" err="1">
+                <a:solidFill>
+                  <a:schemeClr val="tx1"/>
+                </a:solidFill>
+                <a:latin typeface="Calibri" panose="020F0502020204030204" pitchFamily="34" charset="0"/>
+                <a:ea typeface="Calibri" panose="020F0502020204030204" pitchFamily="34" charset="0"/>
+                <a:cs typeface="Calibri" panose="020F0502020204030204" pitchFamily="34" charset="0"/>
+              </a:rPr>
+              <a:t>EventHandling</a:t>
+            </a:r>
+            <a:r>
+              <a:rPr lang="en-US" altLang="zh-CN" dirty="0">
+                <a:solidFill>
+                  <a:schemeClr val="tx1"/>
+                </a:solidFill>
+                <a:latin typeface="Calibri" panose="020F0502020204030204" pitchFamily="34" charset="0"/>
+                <a:ea typeface="Calibri" panose="020F0502020204030204" pitchFamily="34" charset="0"/>
+                <a:cs typeface="Calibri" panose="020F0502020204030204" pitchFamily="34" charset="0"/>
+              </a:rPr>
+              <a:t>?</a:t>
+            </a:r>
+            <a:endParaRPr lang="zh-CN" altLang="en-US" dirty="0">
+              <a:solidFill>
+                <a:schemeClr val="tx1"/>
+              </a:solidFill>
+              <a:latin typeface="Calibri" panose="020F0502020204030204" pitchFamily="34" charset="0"/>
+              <a:cs typeface="Calibri" panose="020F0502020204030204" pitchFamily="34" charset="0"/>
+            </a:endParaRPr>
+          </a:p>
+        </p:txBody>
+      </p:sp>
+      <p:sp>
+        <p:nvSpPr>
+          <p:cNvPr id="13" name="Rectangle 11">
+            <a:extLst>
+              <a:ext uri="{FF2B5EF4-FFF2-40B4-BE49-F238E27FC236}">
+                <a16:creationId xmlns:a16="http://schemas.microsoft.com/office/drawing/2014/main" id="{94175D22-29FC-87E5-8FC3-1F4A34FE80F8}"/>
+              </a:ext>
+            </a:extLst>
+          </p:cNvPr>
+          <p:cNvSpPr/>
+          <p:nvPr/>
+        </p:nvSpPr>
+        <p:spPr>
+          <a:xfrm>
+            <a:off x="3048121" y="2488412"/>
+            <a:ext cx="1473557" cy="478315"/>
+          </a:xfrm>
+          <a:prstGeom prst="rect">
+            <a:avLst/>
+          </a:prstGeom>
+          <a:solidFill>
+            <a:schemeClr val="bg1"/>
+          </a:solidFill>
+          <a:ln>
+            <a:solidFill>
+              <a:schemeClr val="tx1"/>
+            </a:solidFill>
+          </a:ln>
+        </p:spPr>
+        <p:style>
+          <a:lnRef idx="2">
+            <a:schemeClr val="accent1">
+              <a:shade val="50000"/>
+            </a:schemeClr>
+          </a:lnRef>
+          <a:fillRef idx="1">
+            <a:schemeClr val="accent1"/>
+          </a:fillRef>
+          <a:effectRef idx="0">
+            <a:schemeClr val="accent1"/>
+          </a:effectRef>
+          <a:fontRef idx="minor">
+            <a:schemeClr val="lt1"/>
+          </a:fontRef>
+        </p:style>
+        <p:txBody>
+          <a:bodyPr rtlCol="0" anchor="t"/>
+          <a:lstStyle/>
+          <a:p>
+            <a:pPr algn="ctr"/>
+            <a:r>
+              <a:rPr lang="en-US" altLang="zh-CN" dirty="0">
+                <a:solidFill>
+                  <a:schemeClr val="tx1"/>
+                </a:solidFill>
+                <a:latin typeface="Calibri" panose="020F0502020204030204" pitchFamily="34" charset="0"/>
+                <a:ea typeface="Calibri" panose="020F0502020204030204" pitchFamily="34" charset="0"/>
+                <a:cs typeface="Calibri" panose="020F0502020204030204" pitchFamily="34" charset="0"/>
+              </a:rPr>
+              <a:t>an</a:t>
+            </a:r>
+          </a:p>
+        </p:txBody>
+      </p:sp>
+    </p:spTree>
+    <p:extLst>
+      <p:ext uri="{BB962C8B-B14F-4D97-AF65-F5344CB8AC3E}">
+        <p14:creationId xmlns:p14="http://schemas.microsoft.com/office/powerpoint/2010/main" val="1861035140"/>
+      </p:ext>
+    </p:extLst>
+  </p:cSld>
+  <p:clrMapOvr>
+    <a:masterClrMapping/>
+  </p:clrMapOvr>
+</p:sld>
+</file>
+
+<file path=ppt/slides/slide22.xml><?xml version="1.0" encoding="utf-8"?>
+<p:sld xmlns:a="http://schemas.openxmlformats.org/drawingml/2006/main" xmlns:r="http://schemas.openxmlformats.org/officeDocument/2006/relationships" xmlns:p="http://schemas.openxmlformats.org/presentationml/2006/main">
+  <p:cSld>
+    <p:spTree>
+      <p:nvGrpSpPr>
+        <p:cNvPr id="1" name=""/>
+        <p:cNvGrpSpPr/>
+        <p:nvPr/>
+      </p:nvGrpSpPr>
+      <p:grpSpPr>
+        <a:xfrm>
+          <a:off x="0" y="0"/>
+          <a:ext cx="0" cy="0"/>
+          <a:chOff x="0" y="0"/>
+          <a:chExt cx="0" cy="0"/>
+        </a:xfrm>
+      </p:grpSpPr>
+      <p:graphicFrame>
+        <p:nvGraphicFramePr>
+          <p:cNvPr id="16" name="表格 15">
+            <a:extLst>
+              <a:ext uri="{FF2B5EF4-FFF2-40B4-BE49-F238E27FC236}">
+                <a16:creationId xmlns:a16="http://schemas.microsoft.com/office/drawing/2014/main" id="{EB1C4A40-80C5-7BA1-0D7D-5BB576CB3728}"/>
+              </a:ext>
+            </a:extLst>
+          </p:cNvPr>
+          <p:cNvGraphicFramePr>
+            <a:graphicFrameLocks noGrp="1"/>
+          </p:cNvGraphicFramePr>
+          <p:nvPr>
+            <p:extLst>
+              <p:ext uri="{D42A27DB-BD31-4B8C-83A1-F6EECF244321}">
+                <p14:modId xmlns:p14="http://schemas.microsoft.com/office/powerpoint/2010/main" val="1612268532"/>
+              </p:ext>
+            </p:extLst>
+          </p:nvPr>
+        </p:nvGraphicFramePr>
+        <p:xfrm>
+          <a:off x="2783456" y="285221"/>
+          <a:ext cx="6625087" cy="6035092"/>
+        </p:xfrm>
+        <a:graphic>
+          <a:graphicData uri="http://schemas.openxmlformats.org/drawingml/2006/table">
+            <a:tbl>
+              <a:tblPr firstRow="1" bandRow="1">
+                <a:tableStyleId>{5C22544A-7EE6-4342-B048-85BDC9FD1C3A}</a:tableStyleId>
+              </a:tblPr>
+              <a:tblGrid>
+                <a:gridCol w="6625087">
+                  <a:extLst>
+                    <a:ext uri="{9D8B030D-6E8A-4147-A177-3AD203B41FA5}">
+                      <a16:colId xmlns:a16="http://schemas.microsoft.com/office/drawing/2014/main" val="3627222243"/>
+                    </a:ext>
+                  </a:extLst>
+                </a:gridCol>
+              </a:tblGrid>
+              <a:tr h="457252">
+                <a:tc>
+                  <a:txBody>
+                    <a:bodyPr/>
+                    <a:lstStyle/>
+                    <a:p>
+                      <a:pPr algn="ctr"/>
+                      <a:r>
+                        <a:rPr lang="en-US" altLang="zh-CN" sz="2400" b="0" dirty="0" err="1">
+                          <a:latin typeface="Calibri" panose="020F0502020204030204" pitchFamily="34" charset="0"/>
+                          <a:cs typeface="Calibri" panose="020F0502020204030204" pitchFamily="34" charset="0"/>
+                        </a:rPr>
+                        <a:t>ScreenManager</a:t>
+                      </a:r>
+                      <a:endParaRPr lang="zh-CN" altLang="en-US" sz="2400" b="0" dirty="0">
+                        <a:latin typeface="Calibri" panose="020F0502020204030204" pitchFamily="34" charset="0"/>
+                        <a:cs typeface="Calibri" panose="020F0502020204030204" pitchFamily="34" charset="0"/>
+                      </a:endParaRPr>
+                    </a:p>
+                  </a:txBody>
+                  <a:tcPr anchor="ctr"/>
+                </a:tc>
+                <a:extLst>
+                  <a:ext uri="{0D108BD9-81ED-4DB2-BD59-A6C34878D82A}">
+                    <a16:rowId xmlns:a16="http://schemas.microsoft.com/office/drawing/2014/main" val="3346152141"/>
+                  </a:ext>
+                </a:extLst>
+              </a:tr>
+              <a:tr h="555659">
+                <a:tc>
+                  <a:txBody>
+                    <a:bodyPr/>
+                    <a:lstStyle/>
+                    <a:p>
+                      <a:r>
+                        <a:rPr lang="en-US" altLang="zh-CN" sz="2400" dirty="0">
+                          <a:latin typeface="Calibri" panose="020F0502020204030204" pitchFamily="34" charset="0"/>
+                          <a:cs typeface="Calibri" panose="020F0502020204030204" pitchFamily="34" charset="0"/>
+                        </a:rPr>
+                        <a:t>-</a:t>
+                      </a:r>
+                      <a:r>
+                        <a:rPr lang="en-US" altLang="zh-CN" sz="2400" dirty="0" err="1">
+                          <a:latin typeface="Calibri" panose="020F0502020204030204" pitchFamily="34" charset="0"/>
+                          <a:cs typeface="Calibri" panose="020F0502020204030204" pitchFamily="34" charset="0"/>
+                        </a:rPr>
+                        <a:t>win_width</a:t>
+                      </a:r>
+                      <a:r>
+                        <a:rPr lang="en-US" altLang="zh-CN" sz="2400" dirty="0">
+                          <a:latin typeface="Calibri" panose="020F0502020204030204" pitchFamily="34" charset="0"/>
+                          <a:cs typeface="Calibri" panose="020F0502020204030204" pitchFamily="34" charset="0"/>
+                        </a:rPr>
+                        <a:t>: int</a:t>
+                      </a:r>
+                    </a:p>
+                    <a:p>
+                      <a:r>
+                        <a:rPr lang="en-US" altLang="zh-CN" sz="2400" dirty="0">
+                          <a:latin typeface="Calibri" panose="020F0502020204030204" pitchFamily="34" charset="0"/>
+                          <a:cs typeface="Calibri" panose="020F0502020204030204" pitchFamily="34" charset="0"/>
+                        </a:rPr>
+                        <a:t>-</a:t>
+                      </a:r>
+                      <a:r>
+                        <a:rPr lang="en-US" altLang="zh-CN" sz="2400" dirty="0" err="1">
+                          <a:latin typeface="Calibri" panose="020F0502020204030204" pitchFamily="34" charset="0"/>
+                          <a:cs typeface="Calibri" panose="020F0502020204030204" pitchFamily="34" charset="0"/>
+                        </a:rPr>
+                        <a:t>win_height</a:t>
+                      </a:r>
+                      <a:r>
+                        <a:rPr lang="en-US" altLang="zh-CN" sz="2400" dirty="0">
+                          <a:latin typeface="Calibri" panose="020F0502020204030204" pitchFamily="34" charset="0"/>
+                          <a:cs typeface="Calibri" panose="020F0502020204030204" pitchFamily="34" charset="0"/>
+                        </a:rPr>
+                        <a:t>: int</a:t>
+                      </a:r>
+                      <a:endParaRPr lang="zh-CN" altLang="en-US" sz="2400" dirty="0">
+                        <a:latin typeface="Calibri" panose="020F0502020204030204" pitchFamily="34" charset="0"/>
+                        <a:cs typeface="Calibri" panose="020F0502020204030204" pitchFamily="34" charset="0"/>
+                      </a:endParaRPr>
+                    </a:p>
+                  </a:txBody>
+                  <a:tcPr anchor="ctr"/>
+                </a:tc>
+                <a:extLst>
+                  <a:ext uri="{0D108BD9-81ED-4DB2-BD59-A6C34878D82A}">
+                    <a16:rowId xmlns:a16="http://schemas.microsoft.com/office/drawing/2014/main" val="4162875606"/>
+                  </a:ext>
+                </a:extLst>
+              </a:tr>
+              <a:tr h="555659">
+                <a:tc>
+                  <a:txBody>
+                    <a:bodyPr/>
+                    <a:lstStyle/>
+                    <a:p>
+                      <a:r>
+                        <a:rPr lang="en-US" altLang="zh-CN" sz="1800" dirty="0">
+                          <a:latin typeface="Calibri" panose="020F0502020204030204" pitchFamily="34" charset="0"/>
+                          <a:cs typeface="Calibri" panose="020F0502020204030204" pitchFamily="34" charset="0"/>
+                        </a:rPr>
+                        <a:t>+resolution(): Tuple[int, int]</a:t>
+                      </a:r>
+                    </a:p>
+                    <a:p>
+                      <a:r>
+                        <a:rPr lang="en-US" altLang="zh-CN" sz="1800" dirty="0">
+                          <a:latin typeface="Calibri" panose="020F0502020204030204" pitchFamily="34" charset="0"/>
+                          <a:cs typeface="Calibri" panose="020F0502020204030204" pitchFamily="34" charset="0"/>
+                        </a:rPr>
+                        <a:t>+</a:t>
+                      </a:r>
+                      <a:r>
+                        <a:rPr lang="en-US" altLang="zh-CN" sz="1800" dirty="0" err="1">
+                          <a:latin typeface="Calibri" panose="020F0502020204030204" pitchFamily="34" charset="0"/>
+                          <a:cs typeface="Calibri" panose="020F0502020204030204" pitchFamily="34" charset="0"/>
+                        </a:rPr>
+                        <a:t>length_unit</a:t>
+                      </a:r>
+                      <a:r>
+                        <a:rPr lang="en-US" altLang="zh-CN" sz="1800" dirty="0">
+                          <a:latin typeface="Calibri" panose="020F0502020204030204" pitchFamily="34" charset="0"/>
+                          <a:cs typeface="Calibri" panose="020F0502020204030204" pitchFamily="34" charset="0"/>
+                        </a:rPr>
+                        <a:t>(): int</a:t>
+                      </a:r>
+                    </a:p>
+                    <a:p>
+                      <a:endParaRPr lang="en-US" altLang="zh-CN" sz="1800" dirty="0">
+                        <a:latin typeface="Calibri" panose="020F0502020204030204" pitchFamily="34" charset="0"/>
+                        <a:cs typeface="Calibri" panose="020F0502020204030204" pitchFamily="34" charset="0"/>
+                      </a:endParaRPr>
+                    </a:p>
+                    <a:p>
+                      <a:r>
+                        <a:rPr lang="en-US" altLang="zh-CN" sz="1800" dirty="0">
+                          <a:latin typeface="Calibri" panose="020F0502020204030204" pitchFamily="34" charset="0"/>
+                          <a:cs typeface="Calibri" panose="020F0502020204030204" pitchFamily="34" charset="0"/>
+                        </a:rPr>
+                        <a:t>+</a:t>
+                      </a:r>
+                      <a:r>
+                        <a:rPr lang="en-US" altLang="zh-CN" sz="1800" dirty="0" err="1">
+                          <a:latin typeface="Calibri" panose="020F0502020204030204" pitchFamily="34" charset="0"/>
+                          <a:cs typeface="Calibri" panose="020F0502020204030204" pitchFamily="34" charset="0"/>
+                        </a:rPr>
+                        <a:t>win_width</a:t>
+                      </a:r>
+                      <a:r>
+                        <a:rPr lang="en-US" altLang="zh-CN" sz="1800" dirty="0">
+                          <a:latin typeface="Calibri" panose="020F0502020204030204" pitchFamily="34" charset="0"/>
+                          <a:cs typeface="Calibri" panose="020F0502020204030204" pitchFamily="34" charset="0"/>
+                        </a:rPr>
+                        <a:t>(): int</a:t>
+                      </a:r>
+                    </a:p>
+                    <a:p>
+                      <a:r>
+                        <a:rPr lang="en-US" altLang="zh-CN" sz="1800" dirty="0">
+                          <a:latin typeface="Calibri" panose="020F0502020204030204" pitchFamily="34" charset="0"/>
+                          <a:cs typeface="Calibri" panose="020F0502020204030204" pitchFamily="34" charset="0"/>
+                        </a:rPr>
+                        <a:t>+</a:t>
+                      </a:r>
+                      <a:r>
+                        <a:rPr lang="en-US" altLang="zh-CN" sz="1800" dirty="0" err="1">
+                          <a:latin typeface="Calibri" panose="020F0502020204030204" pitchFamily="34" charset="0"/>
+                          <a:cs typeface="Calibri" panose="020F0502020204030204" pitchFamily="34" charset="0"/>
+                        </a:rPr>
+                        <a:t>win_height</a:t>
+                      </a:r>
+                      <a:r>
+                        <a:rPr lang="en-US" altLang="zh-CN" sz="1800" dirty="0">
+                          <a:latin typeface="Calibri" panose="020F0502020204030204" pitchFamily="34" charset="0"/>
+                          <a:cs typeface="Calibri" panose="020F0502020204030204" pitchFamily="34" charset="0"/>
+                        </a:rPr>
+                        <a:t>(): int</a:t>
+                      </a:r>
+                    </a:p>
+                    <a:p>
+                      <a:r>
+                        <a:rPr lang="en-US" altLang="zh-CN" sz="1800" dirty="0">
+                          <a:latin typeface="Calibri" panose="020F0502020204030204" pitchFamily="34" charset="0"/>
+                          <a:cs typeface="Calibri" panose="020F0502020204030204" pitchFamily="34" charset="0"/>
+                        </a:rPr>
+                        <a:t>+</a:t>
+                      </a:r>
+                      <a:r>
+                        <a:rPr lang="en-US" altLang="zh-CN" sz="1800" dirty="0" err="1">
+                          <a:latin typeface="Calibri" panose="020F0502020204030204" pitchFamily="34" charset="0"/>
+                          <a:cs typeface="Calibri" panose="020F0502020204030204" pitchFamily="34" charset="0"/>
+                        </a:rPr>
+                        <a:t>cam_width</a:t>
+                      </a:r>
+                      <a:r>
+                        <a:rPr lang="en-US" altLang="zh-CN" sz="1800" dirty="0">
+                          <a:latin typeface="Calibri" panose="020F0502020204030204" pitchFamily="34" charset="0"/>
+                          <a:cs typeface="Calibri" panose="020F0502020204030204" pitchFamily="34" charset="0"/>
+                        </a:rPr>
+                        <a:t>(): int</a:t>
+                      </a:r>
+                    </a:p>
+                    <a:p>
+                      <a:r>
+                        <a:rPr lang="en-US" altLang="zh-CN" sz="1800" dirty="0">
+                          <a:latin typeface="Calibri" panose="020F0502020204030204" pitchFamily="34" charset="0"/>
+                          <a:cs typeface="Calibri" panose="020F0502020204030204" pitchFamily="34" charset="0"/>
+                        </a:rPr>
+                        <a:t>+</a:t>
+                      </a:r>
+                      <a:r>
+                        <a:rPr lang="en-US" altLang="zh-CN" sz="1800" dirty="0" err="1">
+                          <a:latin typeface="Calibri" panose="020F0502020204030204" pitchFamily="34" charset="0"/>
+                          <a:cs typeface="Calibri" panose="020F0502020204030204" pitchFamily="34" charset="0"/>
+                        </a:rPr>
+                        <a:t>cam_height</a:t>
+                      </a:r>
+                      <a:r>
+                        <a:rPr lang="en-US" altLang="zh-CN" sz="1800" dirty="0">
+                          <a:latin typeface="Calibri" panose="020F0502020204030204" pitchFamily="34" charset="0"/>
+                          <a:cs typeface="Calibri" panose="020F0502020204030204" pitchFamily="34" charset="0"/>
+                        </a:rPr>
+                        <a:t>(): int</a:t>
+                      </a:r>
+                    </a:p>
+                    <a:p>
+                      <a:r>
+                        <a:rPr lang="en-US" altLang="zh-CN" sz="1800" dirty="0">
+                          <a:latin typeface="Calibri" panose="020F0502020204030204" pitchFamily="34" charset="0"/>
+                          <a:cs typeface="Calibri" panose="020F0502020204030204" pitchFamily="34" charset="0"/>
+                        </a:rPr>
+                        <a:t>+</a:t>
+                      </a:r>
+                      <a:r>
+                        <a:rPr lang="en-US" altLang="zh-CN" sz="1800" dirty="0" err="1">
+                          <a:latin typeface="Calibri" panose="020F0502020204030204" pitchFamily="34" charset="0"/>
+                          <a:cs typeface="Calibri" panose="020F0502020204030204" pitchFamily="34" charset="0"/>
+                        </a:rPr>
+                        <a:t>temp_win_width</a:t>
+                      </a:r>
+                      <a:r>
+                        <a:rPr lang="en-US" altLang="zh-CN" sz="1800" dirty="0">
+                          <a:latin typeface="Calibri" panose="020F0502020204030204" pitchFamily="34" charset="0"/>
+                          <a:cs typeface="Calibri" panose="020F0502020204030204" pitchFamily="34" charset="0"/>
+                        </a:rPr>
+                        <a:t>(): int</a:t>
+                      </a:r>
+                    </a:p>
+                    <a:p>
+                      <a:r>
+                        <a:rPr lang="en-US" altLang="zh-CN" sz="1800" dirty="0">
+                          <a:latin typeface="Calibri" panose="020F0502020204030204" pitchFamily="34" charset="0"/>
+                          <a:cs typeface="Calibri" panose="020F0502020204030204" pitchFamily="34" charset="0"/>
+                        </a:rPr>
+                        <a:t>+</a:t>
+                      </a:r>
+                      <a:r>
+                        <a:rPr lang="en-US" altLang="zh-CN" sz="1800" dirty="0" err="1">
+                          <a:latin typeface="Calibri" panose="020F0502020204030204" pitchFamily="34" charset="0"/>
+                          <a:cs typeface="Calibri" panose="020F0502020204030204" pitchFamily="34" charset="0"/>
+                        </a:rPr>
+                        <a:t>temp_win_height</a:t>
+                      </a:r>
+                      <a:r>
+                        <a:rPr lang="en-US" altLang="zh-CN" sz="1800" dirty="0">
+                          <a:latin typeface="Calibri" panose="020F0502020204030204" pitchFamily="34" charset="0"/>
+                          <a:cs typeface="Calibri" panose="020F0502020204030204" pitchFamily="34" charset="0"/>
+                        </a:rPr>
+                        <a:t>():</a:t>
+                      </a:r>
+                      <a:r>
+                        <a:rPr lang="zh-CN" altLang="en-US" sz="1800" dirty="0">
+                          <a:latin typeface="Calibri" panose="020F0502020204030204" pitchFamily="34" charset="0"/>
+                          <a:cs typeface="Calibri" panose="020F0502020204030204" pitchFamily="34" charset="0"/>
+                        </a:rPr>
+                        <a:t> </a:t>
+                      </a:r>
+                      <a:r>
+                        <a:rPr lang="en-US" altLang="zh-CN" sz="1800" dirty="0">
+                          <a:latin typeface="Calibri" panose="020F0502020204030204" pitchFamily="34" charset="0"/>
+                          <a:cs typeface="Calibri" panose="020F0502020204030204" pitchFamily="34" charset="0"/>
+                        </a:rPr>
+                        <a:t>int</a:t>
+                      </a:r>
+                    </a:p>
+                    <a:p>
+                      <a:endParaRPr lang="en-US" altLang="zh-CN" sz="1800" dirty="0">
+                        <a:latin typeface="Calibri" panose="020F0502020204030204" pitchFamily="34" charset="0"/>
+                        <a:cs typeface="Calibri" panose="020F0502020204030204" pitchFamily="34" charset="0"/>
+                      </a:endParaRPr>
+                    </a:p>
+                    <a:p>
+                      <a:r>
+                        <a:rPr lang="en-US" altLang="zh-CN" sz="1800" dirty="0">
+                          <a:latin typeface="Calibri" panose="020F0502020204030204" pitchFamily="34" charset="0"/>
+                          <a:cs typeface="Calibri" panose="020F0502020204030204" pitchFamily="34" charset="0"/>
+                        </a:rPr>
+                        <a:t>+</a:t>
+                      </a:r>
+                      <a:r>
+                        <a:rPr lang="en-US" altLang="zh-CN" sz="1800" dirty="0" err="1">
+                          <a:latin typeface="Calibri" panose="020F0502020204030204" pitchFamily="34" charset="0"/>
+                          <a:cs typeface="Calibri" panose="020F0502020204030204" pitchFamily="34" charset="0"/>
+                        </a:rPr>
+                        <a:t>x_max</a:t>
+                      </a:r>
+                      <a:r>
+                        <a:rPr lang="en-US" altLang="zh-CN" sz="1800" dirty="0">
+                          <a:latin typeface="Calibri" panose="020F0502020204030204" pitchFamily="34" charset="0"/>
+                          <a:cs typeface="Calibri" panose="020F0502020204030204" pitchFamily="34" charset="0"/>
+                        </a:rPr>
+                        <a:t>(): int</a:t>
+                      </a:r>
+                    </a:p>
+                    <a:p>
+                      <a:r>
+                        <a:rPr lang="en-US" altLang="zh-CN" sz="1800" dirty="0">
+                          <a:latin typeface="Calibri" panose="020F0502020204030204" pitchFamily="34" charset="0"/>
+                          <a:cs typeface="Calibri" panose="020F0502020204030204" pitchFamily="34" charset="0"/>
+                        </a:rPr>
+                        <a:t>+</a:t>
+                      </a:r>
+                      <a:r>
+                        <a:rPr lang="en-US" altLang="zh-CN" sz="1800" dirty="0" err="1">
+                          <a:latin typeface="Calibri" panose="020F0502020204030204" pitchFamily="34" charset="0"/>
+                          <a:cs typeface="Calibri" panose="020F0502020204030204" pitchFamily="34" charset="0"/>
+                        </a:rPr>
+                        <a:t>x_mean</a:t>
+                      </a:r>
+                      <a:r>
+                        <a:rPr lang="en-US" altLang="zh-CN" sz="1800" dirty="0">
+                          <a:latin typeface="Calibri" panose="020F0502020204030204" pitchFamily="34" charset="0"/>
+                          <a:cs typeface="Calibri" panose="020F0502020204030204" pitchFamily="34" charset="0"/>
+                        </a:rPr>
+                        <a:t>(): int</a:t>
+                      </a:r>
+                    </a:p>
+                    <a:p>
+                      <a:r>
+                        <a:rPr lang="en-US" altLang="zh-CN" sz="1800" dirty="0">
+                          <a:latin typeface="Calibri" panose="020F0502020204030204" pitchFamily="34" charset="0"/>
+                          <a:cs typeface="Calibri" panose="020F0502020204030204" pitchFamily="34" charset="0"/>
+                        </a:rPr>
+                        <a:t>+</a:t>
+                      </a:r>
+                      <a:r>
+                        <a:rPr lang="en-US" altLang="zh-CN" sz="1800" dirty="0" err="1">
+                          <a:latin typeface="Calibri" panose="020F0502020204030204" pitchFamily="34" charset="0"/>
+                          <a:cs typeface="Calibri" panose="020F0502020204030204" pitchFamily="34" charset="0"/>
+                        </a:rPr>
+                        <a:t>x_min</a:t>
+                      </a:r>
+                      <a:r>
+                        <a:rPr lang="en-US" altLang="zh-CN" sz="1800" dirty="0">
+                          <a:latin typeface="Calibri" panose="020F0502020204030204" pitchFamily="34" charset="0"/>
+                          <a:cs typeface="Calibri" panose="020F0502020204030204" pitchFamily="34" charset="0"/>
+                        </a:rPr>
+                        <a:t>(): int</a:t>
+                      </a:r>
+                    </a:p>
+                    <a:p>
+                      <a:r>
+                        <a:rPr lang="en-US" altLang="zh-CN" sz="1800" dirty="0">
+                          <a:latin typeface="Calibri" panose="020F0502020204030204" pitchFamily="34" charset="0"/>
+                          <a:cs typeface="Calibri" panose="020F0502020204030204" pitchFamily="34" charset="0"/>
+                        </a:rPr>
+                        <a:t>+</a:t>
+                      </a:r>
+                      <a:r>
+                        <a:rPr lang="en-US" altLang="zh-CN" sz="1800" dirty="0" err="1">
+                          <a:latin typeface="Calibri" panose="020F0502020204030204" pitchFamily="34" charset="0"/>
+                          <a:cs typeface="Calibri" panose="020F0502020204030204" pitchFamily="34" charset="0"/>
+                        </a:rPr>
+                        <a:t>y_max</a:t>
+                      </a:r>
+                      <a:r>
+                        <a:rPr lang="en-US" altLang="zh-CN" sz="1800" dirty="0">
+                          <a:latin typeface="Calibri" panose="020F0502020204030204" pitchFamily="34" charset="0"/>
+                          <a:cs typeface="Calibri" panose="020F0502020204030204" pitchFamily="34" charset="0"/>
+                        </a:rPr>
+                        <a:t>(): int</a:t>
+                      </a:r>
+                    </a:p>
+                    <a:p>
+                      <a:r>
+                        <a:rPr lang="en-US" altLang="zh-CN" sz="1800" dirty="0">
+                          <a:latin typeface="Calibri" panose="020F0502020204030204" pitchFamily="34" charset="0"/>
+                          <a:cs typeface="Calibri" panose="020F0502020204030204" pitchFamily="34" charset="0"/>
+                        </a:rPr>
+                        <a:t>+</a:t>
+                      </a:r>
+                      <a:r>
+                        <a:rPr lang="en-US" altLang="zh-CN" sz="1800" dirty="0" err="1">
+                          <a:latin typeface="Calibri" panose="020F0502020204030204" pitchFamily="34" charset="0"/>
+                          <a:cs typeface="Calibri" panose="020F0502020204030204" pitchFamily="34" charset="0"/>
+                        </a:rPr>
+                        <a:t>y_mean</a:t>
+                      </a:r>
+                      <a:r>
+                        <a:rPr lang="en-US" altLang="zh-CN" sz="1800" dirty="0">
+                          <a:latin typeface="Calibri" panose="020F0502020204030204" pitchFamily="34" charset="0"/>
+                          <a:cs typeface="Calibri" panose="020F0502020204030204" pitchFamily="34" charset="0"/>
+                        </a:rPr>
+                        <a:t>(): int</a:t>
+                      </a:r>
+                    </a:p>
+                    <a:p>
+                      <a:r>
+                        <a:rPr lang="en-US" altLang="zh-CN" sz="1800" dirty="0">
+                          <a:latin typeface="Calibri" panose="020F0502020204030204" pitchFamily="34" charset="0"/>
+                          <a:cs typeface="Calibri" panose="020F0502020204030204" pitchFamily="34" charset="0"/>
+                        </a:rPr>
+                        <a:t>+</a:t>
+                      </a:r>
+                      <a:r>
+                        <a:rPr lang="en-US" altLang="zh-CN" sz="1800" dirty="0" err="1">
+                          <a:latin typeface="Calibri" panose="020F0502020204030204" pitchFamily="34" charset="0"/>
+                          <a:cs typeface="Calibri" panose="020F0502020204030204" pitchFamily="34" charset="0"/>
+                        </a:rPr>
+                        <a:t>y_min</a:t>
+                      </a:r>
+                      <a:r>
+                        <a:rPr lang="en-US" altLang="zh-CN" sz="1800" dirty="0">
+                          <a:latin typeface="Calibri" panose="020F0502020204030204" pitchFamily="34" charset="0"/>
+                          <a:cs typeface="Calibri" panose="020F0502020204030204" pitchFamily="34" charset="0"/>
+                        </a:rPr>
+                        <a:t>(): int</a:t>
+                      </a:r>
+                    </a:p>
+                    <a:p>
+                      <a:pPr marL="0" marR="0" lvl="0" indent="0" algn="l" defTabSz="914400" rtl="0" eaLnBrk="1" fontAlgn="auto" latinLnBrk="0" hangingPunct="1">
+                        <a:lnSpc>
+                          <a:spcPct val="100000"/>
+                        </a:lnSpc>
+                        <a:spcBef>
+                          <a:spcPts val="0"/>
+                        </a:spcBef>
+                        <a:spcAft>
+                          <a:spcPts val="0"/>
+                        </a:spcAft>
+                        <a:buClrTx/>
+                        <a:buSzTx/>
+                        <a:buFontTx/>
+                        <a:buNone/>
+                        <a:tabLst/>
+                        <a:defRPr/>
+                      </a:pPr>
+                      <a:r>
+                        <a:rPr lang="en-US" altLang="zh-CN" sz="1800" dirty="0">
+                          <a:latin typeface="Calibri" panose="020F0502020204030204" pitchFamily="34" charset="0"/>
+                          <a:cs typeface="Calibri" panose="020F0502020204030204" pitchFamily="34" charset="0"/>
+                        </a:rPr>
+                        <a:t>+center(): Tuple[int, int]</a:t>
+                      </a:r>
+                    </a:p>
+                  </a:txBody>
+                  <a:tcPr anchor="ctr"/>
+                </a:tc>
+                <a:extLst>
+                  <a:ext uri="{0D108BD9-81ED-4DB2-BD59-A6C34878D82A}">
+                    <a16:rowId xmlns:a16="http://schemas.microsoft.com/office/drawing/2014/main" val="2161683205"/>
+                  </a:ext>
+                </a:extLst>
+              </a:tr>
+            </a:tbl>
+          </a:graphicData>
+        </a:graphic>
+      </p:graphicFrame>
+    </p:spTree>
+    <p:extLst>
+      <p:ext uri="{BB962C8B-B14F-4D97-AF65-F5344CB8AC3E}">
+        <p14:creationId xmlns:p14="http://schemas.microsoft.com/office/powerpoint/2010/main" val="2385906973"/>
+      </p:ext>
+    </p:extLst>
+  </p:cSld>
+  <p:clrMapOvr>
+    <a:masterClrMapping/>
+  </p:clrMapOvr>
+</p:sld>
+</file>
+
+<file path=ppt/slides/slide23.xml><?xml version="1.0" encoding="utf-8"?>
+<p:sld xmlns:a="http://schemas.openxmlformats.org/drawingml/2006/main" xmlns:r="http://schemas.openxmlformats.org/officeDocument/2006/relationships" xmlns:p="http://schemas.openxmlformats.org/presentationml/2006/main">
+  <p:cSld>
+    <p:spTree>
+      <p:nvGrpSpPr>
+        <p:cNvPr id="1" name=""/>
+        <p:cNvGrpSpPr/>
+        <p:nvPr/>
+      </p:nvGrpSpPr>
+      <p:grpSpPr>
+        <a:xfrm>
+          <a:off x="0" y="0"/>
+          <a:ext cx="0" cy="0"/>
+          <a:chOff x="0" y="0"/>
+          <a:chExt cx="0" cy="0"/>
+        </a:xfrm>
+      </p:grpSpPr>
+      <p:graphicFrame>
+        <p:nvGraphicFramePr>
+          <p:cNvPr id="16" name="表格 15">
+            <a:extLst>
+              <a:ext uri="{FF2B5EF4-FFF2-40B4-BE49-F238E27FC236}">
+                <a16:creationId xmlns:a16="http://schemas.microsoft.com/office/drawing/2014/main" id="{EB1C4A40-80C5-7BA1-0D7D-5BB576CB3728}"/>
+              </a:ext>
+            </a:extLst>
+          </p:cNvPr>
+          <p:cNvGraphicFramePr>
+            <a:graphicFrameLocks noGrp="1"/>
+          </p:cNvGraphicFramePr>
+          <p:nvPr>
+            <p:extLst>
+              <p:ext uri="{D42A27DB-BD31-4B8C-83A1-F6EECF244321}">
+                <p14:modId xmlns:p14="http://schemas.microsoft.com/office/powerpoint/2010/main" val="1762085293"/>
+              </p:ext>
+            </p:extLst>
+          </p:nvPr>
+        </p:nvGraphicFramePr>
+        <p:xfrm>
+          <a:off x="2783456" y="2194534"/>
+          <a:ext cx="6625087" cy="2468932"/>
+        </p:xfrm>
+        <a:graphic>
+          <a:graphicData uri="http://schemas.openxmlformats.org/drawingml/2006/table">
+            <a:tbl>
+              <a:tblPr firstRow="1" bandRow="1">
+                <a:tableStyleId>{5C22544A-7EE6-4342-B048-85BDC9FD1C3A}</a:tableStyleId>
+              </a:tblPr>
+              <a:tblGrid>
+                <a:gridCol w="6625087">
+                  <a:extLst>
+                    <a:ext uri="{9D8B030D-6E8A-4147-A177-3AD203B41FA5}">
+                      <a16:colId xmlns:a16="http://schemas.microsoft.com/office/drawing/2014/main" val="3627222243"/>
+                    </a:ext>
+                  </a:extLst>
+                </a:gridCol>
+              </a:tblGrid>
+              <a:tr h="457252">
+                <a:tc>
+                  <a:txBody>
+                    <a:bodyPr/>
+                    <a:lstStyle/>
+                    <a:p>
+                      <a:pPr algn="ctr"/>
+                      <a:r>
+                        <a:rPr lang="en-US" altLang="zh-CN" sz="2400" b="0" dirty="0" err="1">
+                          <a:latin typeface="Calibri" panose="020F0502020204030204" pitchFamily="34" charset="0"/>
+                          <a:cs typeface="Calibri" panose="020F0502020204030204" pitchFamily="34" charset="0"/>
+                        </a:rPr>
+                        <a:t>ScreenManager</a:t>
+                      </a:r>
+                      <a:r>
+                        <a:rPr lang="en-US" altLang="zh-CN" sz="2400" b="0" dirty="0">
+                          <a:latin typeface="Calibri" panose="020F0502020204030204" pitchFamily="34" charset="0"/>
+                          <a:cs typeface="Calibri" panose="020F0502020204030204" pitchFamily="34" charset="0"/>
+                        </a:rPr>
+                        <a:t> (continued)</a:t>
+                      </a:r>
+                      <a:endParaRPr lang="zh-CN" altLang="en-US" sz="2400" b="0" dirty="0">
+                        <a:latin typeface="Calibri" panose="020F0502020204030204" pitchFamily="34" charset="0"/>
+                        <a:cs typeface="Calibri" panose="020F0502020204030204" pitchFamily="34" charset="0"/>
+                      </a:endParaRPr>
+                    </a:p>
+                  </a:txBody>
+                  <a:tcPr anchor="ctr"/>
+                </a:tc>
+                <a:extLst>
+                  <a:ext uri="{0D108BD9-81ED-4DB2-BD59-A6C34878D82A}">
+                    <a16:rowId xmlns:a16="http://schemas.microsoft.com/office/drawing/2014/main" val="3346152141"/>
+                  </a:ext>
+                </a:extLst>
+              </a:tr>
+              <a:tr h="555659">
+                <a:tc>
+                  <a:txBody>
+                    <a:bodyPr/>
+                    <a:lstStyle/>
+                    <a:p>
+                      <a:r>
+                        <a:rPr lang="en-US" altLang="zh-CN" sz="2400" dirty="0">
+                          <a:latin typeface="Calibri" panose="020F0502020204030204" pitchFamily="34" charset="0"/>
+                          <a:cs typeface="Calibri" panose="020F0502020204030204" pitchFamily="34" charset="0"/>
+                        </a:rPr>
+                        <a:t>+screen: Surface</a:t>
+                      </a:r>
+                    </a:p>
+                    <a:p>
+                      <a:r>
+                        <a:rPr lang="en-US" altLang="zh-CN" sz="2400" dirty="0">
+                          <a:latin typeface="Calibri" panose="020F0502020204030204" pitchFamily="34" charset="0"/>
+                          <a:cs typeface="Calibri" panose="020F0502020204030204" pitchFamily="34" charset="0"/>
+                        </a:rPr>
+                        <a:t>+</a:t>
+                      </a:r>
+                      <a:r>
+                        <a:rPr lang="en-US" altLang="zh-CN" sz="2400" dirty="0" err="1">
+                          <a:latin typeface="Calibri" panose="020F0502020204030204" pitchFamily="34" charset="0"/>
+                          <a:cs typeface="Calibri" panose="020F0502020204030204" pitchFamily="34" charset="0"/>
+                        </a:rPr>
+                        <a:t>is_full_screen</a:t>
+                      </a:r>
+                      <a:r>
+                        <a:rPr lang="en-US" altLang="zh-CN" sz="2400" dirty="0">
+                          <a:latin typeface="Calibri" panose="020F0502020204030204" pitchFamily="34" charset="0"/>
+                          <a:cs typeface="Calibri" panose="020F0502020204030204" pitchFamily="34" charset="0"/>
+                        </a:rPr>
+                        <a:t>: bool</a:t>
+                      </a:r>
+                      <a:endParaRPr lang="zh-CN" altLang="en-US" sz="2400" dirty="0">
+                        <a:latin typeface="Calibri" panose="020F0502020204030204" pitchFamily="34" charset="0"/>
+                        <a:cs typeface="Calibri" panose="020F0502020204030204" pitchFamily="34" charset="0"/>
+                      </a:endParaRPr>
+                    </a:p>
+                  </a:txBody>
+                  <a:tcPr anchor="ctr"/>
+                </a:tc>
+                <a:extLst>
+                  <a:ext uri="{0D108BD9-81ED-4DB2-BD59-A6C34878D82A}">
+                    <a16:rowId xmlns:a16="http://schemas.microsoft.com/office/drawing/2014/main" val="4162875606"/>
+                  </a:ext>
+                </a:extLst>
+              </a:tr>
+              <a:tr h="555659">
+                <a:tc>
+                  <a:txBody>
+                    <a:bodyPr/>
+                    <a:lstStyle/>
+                    <a:p>
+                      <a:r>
+                        <a:rPr lang="en-US" altLang="zh-CN" sz="2400" dirty="0">
+                          <a:latin typeface="Calibri" panose="020F0502020204030204" pitchFamily="34" charset="0"/>
+                          <a:cs typeface="Calibri" panose="020F0502020204030204" pitchFamily="34" charset="0"/>
+                        </a:rPr>
+                        <a:t>+</a:t>
+                      </a:r>
+                      <a:r>
+                        <a:rPr lang="en-US" altLang="zh-CN" sz="2400" dirty="0" err="1">
+                          <a:latin typeface="Calibri" panose="020F0502020204030204" pitchFamily="34" charset="0"/>
+                          <a:cs typeface="Calibri" panose="020F0502020204030204" pitchFamily="34" charset="0"/>
+                        </a:rPr>
+                        <a:t>toggle_fullscreen</a:t>
+                      </a:r>
+                      <a:r>
+                        <a:rPr lang="en-US" altLang="zh-CN" sz="2400" dirty="0">
+                          <a:latin typeface="Calibri" panose="020F0502020204030204" pitchFamily="34" charset="0"/>
+                          <a:cs typeface="Calibri" panose="020F0502020204030204" pitchFamily="34" charset="0"/>
+                        </a:rPr>
+                        <a:t>(): void</a:t>
+                      </a:r>
+                    </a:p>
+                    <a:p>
+                      <a:r>
+                        <a:rPr lang="en-US" altLang="zh-CN" sz="2400" dirty="0">
+                          <a:latin typeface="Calibri" panose="020F0502020204030204" pitchFamily="34" charset="0"/>
+                          <a:cs typeface="Calibri" panose="020F0502020204030204" pitchFamily="34" charset="0"/>
+                        </a:rPr>
+                        <a:t>+</a:t>
+                      </a:r>
+                      <a:r>
+                        <a:rPr lang="en-US" altLang="zh-CN" sz="2400" dirty="0" err="1">
+                          <a:latin typeface="Calibri" panose="020F0502020204030204" pitchFamily="34" charset="0"/>
+                          <a:cs typeface="Calibri" panose="020F0502020204030204" pitchFamily="34" charset="0"/>
+                        </a:rPr>
+                        <a:t>update_global</a:t>
+                      </a:r>
+                      <a:r>
+                        <a:rPr lang="en-US" altLang="zh-CN" sz="2400" b="1" dirty="0">
+                          <a:latin typeface="Calibri" panose="020F0502020204030204" pitchFamily="34" charset="0"/>
+                          <a:cs typeface="Calibri" panose="020F0502020204030204" pitchFamily="34" charset="0"/>
+                        </a:rPr>
+                        <a:t>(in</a:t>
+                      </a:r>
+                      <a:r>
+                        <a:rPr lang="en-US" altLang="zh-CN" sz="2400" b="0" dirty="0">
+                          <a:latin typeface="Calibri" panose="020F0502020204030204" pitchFamily="34" charset="0"/>
+                          <a:cs typeface="Calibri" panose="020F0502020204030204" pitchFamily="34" charset="0"/>
+                        </a:rPr>
+                        <a:t> delay: int</a:t>
+                      </a:r>
+                      <a:r>
+                        <a:rPr lang="en-US" altLang="zh-CN" sz="2400" b="1" dirty="0">
+                          <a:latin typeface="Calibri" panose="020F0502020204030204" pitchFamily="34" charset="0"/>
+                          <a:cs typeface="Calibri" panose="020F0502020204030204" pitchFamily="34" charset="0"/>
+                        </a:rPr>
+                        <a:t>):</a:t>
+                      </a:r>
+                      <a:r>
+                        <a:rPr lang="en-US" altLang="zh-CN" sz="2400" dirty="0">
+                          <a:latin typeface="Calibri" panose="020F0502020204030204" pitchFamily="34" charset="0"/>
+                          <a:cs typeface="Calibri" panose="020F0502020204030204" pitchFamily="34" charset="0"/>
+                        </a:rPr>
+                        <a:t> void</a:t>
+                      </a:r>
+                    </a:p>
+                    <a:p>
+                      <a:r>
+                        <a:rPr lang="en-US" altLang="zh-CN" sz="2400" dirty="0">
+                          <a:latin typeface="Calibri" panose="020F0502020204030204" pitchFamily="34" charset="0"/>
+                          <a:cs typeface="Calibri" panose="020F0502020204030204" pitchFamily="34" charset="0"/>
+                        </a:rPr>
+                        <a:t>+</a:t>
+                      </a:r>
+                      <a:r>
+                        <a:rPr lang="en-US" altLang="zh-CN" sz="2400" dirty="0" err="1">
+                          <a:latin typeface="Calibri" panose="020F0502020204030204" pitchFamily="34" charset="0"/>
+                          <a:cs typeface="Calibri" panose="020F0502020204030204" pitchFamily="34" charset="0"/>
+                        </a:rPr>
+                        <a:t>update_local_area</a:t>
+                      </a:r>
+                      <a:r>
+                        <a:rPr lang="en-US" altLang="zh-CN" sz="2400" b="1" dirty="0">
+                          <a:latin typeface="Calibri" panose="020F0502020204030204" pitchFamily="34" charset="0"/>
+                          <a:cs typeface="Calibri" panose="020F0502020204030204" pitchFamily="34" charset="0"/>
+                        </a:rPr>
+                        <a:t>(in</a:t>
+                      </a:r>
+                      <a:r>
+                        <a:rPr lang="en-US" altLang="zh-CN" sz="2400" b="0" dirty="0">
+                          <a:latin typeface="Calibri" panose="020F0502020204030204" pitchFamily="34" charset="0"/>
+                          <a:cs typeface="Calibri" panose="020F0502020204030204" pitchFamily="34" charset="0"/>
+                        </a:rPr>
+                        <a:t> area: </a:t>
+                      </a:r>
+                      <a:r>
+                        <a:rPr lang="en-US" altLang="zh-CN" sz="2400" b="0" dirty="0" err="1">
+                          <a:latin typeface="Calibri" panose="020F0502020204030204" pitchFamily="34" charset="0"/>
+                          <a:cs typeface="Calibri" panose="020F0502020204030204" pitchFamily="34" charset="0"/>
+                        </a:rPr>
+                        <a:t>Rect</a:t>
+                      </a:r>
+                      <a:r>
+                        <a:rPr lang="en-US" altLang="zh-CN" sz="2400" b="1" dirty="0">
+                          <a:latin typeface="Calibri" panose="020F0502020204030204" pitchFamily="34" charset="0"/>
+                          <a:cs typeface="Calibri" panose="020F0502020204030204" pitchFamily="34" charset="0"/>
+                        </a:rPr>
+                        <a:t>):</a:t>
+                      </a:r>
+                      <a:r>
+                        <a:rPr lang="en-US" altLang="zh-CN" sz="2400" dirty="0">
+                          <a:latin typeface="Calibri" panose="020F0502020204030204" pitchFamily="34" charset="0"/>
+                          <a:cs typeface="Calibri" panose="020F0502020204030204" pitchFamily="34" charset="0"/>
+                        </a:rPr>
+                        <a:t> void</a:t>
+                      </a:r>
+                    </a:p>
+                  </a:txBody>
+                  <a:tcPr anchor="ctr"/>
+                </a:tc>
+                <a:extLst>
+                  <a:ext uri="{0D108BD9-81ED-4DB2-BD59-A6C34878D82A}">
+                    <a16:rowId xmlns:a16="http://schemas.microsoft.com/office/drawing/2014/main" val="2161683205"/>
+                  </a:ext>
+                </a:extLst>
+              </a:tr>
+            </a:tbl>
+          </a:graphicData>
+        </a:graphic>
+      </p:graphicFrame>
+    </p:spTree>
+    <p:extLst>
+      <p:ext uri="{BB962C8B-B14F-4D97-AF65-F5344CB8AC3E}">
+        <p14:creationId xmlns:p14="http://schemas.microsoft.com/office/powerpoint/2010/main" val="425789050"/>
+      </p:ext>
+    </p:extLst>
+  </p:cSld>
+  <p:clrMapOvr>
+    <a:masterClrMapping/>
+  </p:clrMapOvr>
+</p:sld>
+</file>
+
 <file path=ppt/slides/slide3.xml><?xml version="1.0" encoding="utf-8"?>
 <p:sld xmlns:a="http://schemas.openxmlformats.org/drawingml/2006/main" xmlns:r="http://schemas.openxmlformats.org/officeDocument/2006/relationships" xmlns:p="http://schemas.openxmlformats.org/presentationml/2006/main">
   <p:cSld>
@@ -6655,14 +10278,14 @@
           <p:nvPr>
             <p:extLst>
               <p:ext uri="{D42A27DB-BD31-4B8C-83A1-F6EECF244321}">
-                <p14:modId xmlns:p14="http://schemas.microsoft.com/office/powerpoint/2010/main" val="3213825894"/>
+                <p14:modId xmlns:p14="http://schemas.microsoft.com/office/powerpoint/2010/main" val="2301704327"/>
               </p:ext>
             </p:extLst>
           </p:nvPr>
         </p:nvGraphicFramePr>
         <p:xfrm>
-          <a:off x="3309668" y="1280134"/>
-          <a:ext cx="5572664" cy="4297732"/>
+          <a:off x="2973237" y="1280134"/>
+          <a:ext cx="6625087" cy="4297732"/>
         </p:xfrm>
         <a:graphic>
           <a:graphicData uri="http://schemas.openxmlformats.org/drawingml/2006/table">
@@ -6671,7 +10294,7 @@
                 <a:tableStyleId>{5C22544A-7EE6-4342-B048-85BDC9FD1C3A}</a:tableStyleId>
               </a:tblPr>
               <a:tblGrid>
-                <a:gridCol w="5572664">
+                <a:gridCol w="6625087">
                   <a:extLst>
                     <a:ext uri="{9D8B030D-6E8A-4147-A177-3AD203B41FA5}">
                       <a16:colId xmlns:a16="http://schemas.microsoft.com/office/drawing/2014/main" val="3627222243"/>
@@ -6687,11 +10310,11 @@
                     <a:p>
                       <a:pPr algn="ctr"/>
                       <a:r>
-                        <a:rPr lang="en-US" altLang="zh-CN" sz="2400" b="0" dirty="0">
-                          <a:latin typeface="Calibri" panose="020F0502020204030204" pitchFamily="34" charset="0"/>
-                          <a:cs typeface="Calibri" panose="020F0502020204030204" pitchFamily="34" charset="0"/>
-                        </a:rPr>
-                        <a:t>Control</a:t>
+                        <a:rPr lang="en-US" altLang="zh-CN" sz="2400" b="0" dirty="0" err="1">
+                          <a:latin typeface="Calibri" panose="020F0502020204030204" pitchFamily="34" charset="0"/>
+                          <a:cs typeface="Calibri" panose="020F0502020204030204" pitchFamily="34" charset="0"/>
+                        </a:rPr>
+                        <a:t>ui.Control</a:t>
                       </a:r>
                       <a:endParaRPr lang="zh-CN" altLang="en-US" sz="2400" b="0" dirty="0">
                         <a:latin typeface="Calibri" panose="020F0502020204030204" pitchFamily="34" charset="0"/>
@@ -6768,7 +10391,7 @@
                           <a:latin typeface="Calibri" panose="020F0502020204030204" pitchFamily="34" charset="0"/>
                           <a:cs typeface="Calibri" panose="020F0502020204030204" pitchFamily="34" charset="0"/>
                         </a:rPr>
-                        <a:t>positionInfo</a:t>
+                        <a:t>position_info</a:t>
                       </a:r>
                       <a:r>
                         <a:rPr lang="en-US" altLang="zh-CN" sz="2400" dirty="0">
@@ -6816,7 +10439,7 @@
                           <a:latin typeface="Calibri" panose="020F0502020204030204" pitchFamily="34" charset="0"/>
                           <a:cs typeface="Calibri" panose="020F0502020204030204" pitchFamily="34" charset="0"/>
                         </a:rPr>
-                        <a:t>getSurf</a:t>
+                        <a:t>get_surf</a:t>
                       </a:r>
                       <a:r>
                         <a:rPr lang="en-US" altLang="zh-CN" sz="2400" dirty="0">
@@ -6839,7 +10462,7 @@
                           <a:latin typeface="Calibri" panose="020F0502020204030204" pitchFamily="34" charset="0"/>
                           <a:cs typeface="Calibri" panose="020F0502020204030204" pitchFamily="34" charset="0"/>
                         </a:rPr>
-                        <a:t>getRect</a:t>
+                        <a:t>get_rect</a:t>
                       </a:r>
                       <a:r>
                         <a:rPr lang="en-US" altLang="zh-CN" sz="2400" dirty="0">
@@ -6866,7 +10489,7 @@
                           <a:latin typeface="Calibri" panose="020F0502020204030204" pitchFamily="34" charset="0"/>
                           <a:cs typeface="Calibri" panose="020F0502020204030204" pitchFamily="34" charset="0"/>
                         </a:rPr>
-                        <a:t>#updateRect(): void</a:t>
+                        <a:t>#update_rect(): void</a:t>
                       </a:r>
                     </a:p>
                     <a:p>
@@ -6882,7 +10505,7 @@
                           <a:latin typeface="Calibri" panose="020F0502020204030204" pitchFamily="34" charset="0"/>
                           <a:cs typeface="Calibri" panose="020F0502020204030204" pitchFamily="34" charset="0"/>
                         </a:rPr>
-                        <a:t>blitMyself</a:t>
+                        <a:t>blit_myself</a:t>
                       </a:r>
                       <a:r>
                         <a:rPr lang="en-US" altLang="zh-CN" sz="2400" dirty="0">
@@ -6910,7 +10533,7 @@
                           <a:latin typeface="Calibri" panose="020F0502020204030204" pitchFamily="34" charset="0"/>
                           <a:cs typeface="Calibri" panose="020F0502020204030204" pitchFamily="34" charset="0"/>
                         </a:rPr>
-                        <a:t>targetSurf</a:t>
+                        <a:t>target_surf</a:t>
                       </a:r>
                       <a:r>
                         <a:rPr lang="en-US" altLang="zh-CN" sz="2400" dirty="0">
@@ -6933,7 +10556,7 @@
                           <a:latin typeface="Calibri" panose="020F0502020204030204" pitchFamily="34" charset="0"/>
                           <a:cs typeface="Calibri" panose="020F0502020204030204" pitchFamily="34" charset="0"/>
                         </a:rPr>
-                        <a:t>getPositionInfo</a:t>
+                        <a:t>get_position_info</a:t>
                       </a:r>
                       <a:r>
                         <a:rPr lang="en-US" altLang="zh-CN" sz="2400" dirty="0">
@@ -6967,7 +10590,7 @@
                           <a:latin typeface="Calibri" panose="020F0502020204030204" pitchFamily="34" charset="0"/>
                           <a:cs typeface="Calibri" panose="020F0502020204030204" pitchFamily="34" charset="0"/>
                         </a:rPr>
-                        <a:t>getName</a:t>
+                        <a:t>get_name</a:t>
                       </a:r>
                       <a:r>
                         <a:rPr lang="en-US" altLang="zh-CN" sz="2400" dirty="0">
@@ -6990,7 +10613,7 @@
                           <a:latin typeface="Calibri" panose="020F0502020204030204" pitchFamily="34" charset="0"/>
                           <a:cs typeface="Calibri" panose="020F0502020204030204" pitchFamily="34" charset="0"/>
                         </a:rPr>
-                        <a:t>setName</a:t>
+                        <a:t>set_name</a:t>
                       </a:r>
                       <a:r>
                         <a:rPr lang="en-US" altLang="zh-CN" sz="2400" dirty="0">
@@ -7062,7 +10685,7 @@
           <p:nvPr>
             <p:extLst>
               <p:ext uri="{D42A27DB-BD31-4B8C-83A1-F6EECF244321}">
-                <p14:modId xmlns:p14="http://schemas.microsoft.com/office/powerpoint/2010/main" val="2592650494"/>
+                <p14:modId xmlns:p14="http://schemas.microsoft.com/office/powerpoint/2010/main" val="1071324799"/>
               </p:ext>
             </p:extLst>
           </p:nvPr>
@@ -7098,7 +10721,7 @@
                           <a:latin typeface="Calibri" panose="020F0502020204030204" pitchFamily="34" charset="0"/>
                           <a:cs typeface="Calibri" panose="020F0502020204030204" pitchFamily="34" charset="0"/>
                         </a:rPr>
-                        <a:t>UniformTextPresenter</a:t>
+                        <a:t>ui.UniformTextPresenter</a:t>
                       </a:r>
                       <a:endParaRPr lang="zh-CN" altLang="en-US" sz="2400" b="0" dirty="0">
                         <a:latin typeface="Calibri" panose="020F0502020204030204" pitchFamily="34" charset="0"/>
@@ -7322,7 +10945,7 @@
           <p:nvPr>
             <p:extLst>
               <p:ext uri="{D42A27DB-BD31-4B8C-83A1-F6EECF244321}">
-                <p14:modId xmlns:p14="http://schemas.microsoft.com/office/powerpoint/2010/main" val="2412890562"/>
+                <p14:modId xmlns:p14="http://schemas.microsoft.com/office/powerpoint/2010/main" val="382189065"/>
               </p:ext>
             </p:extLst>
           </p:nvPr>
@@ -7354,11 +10977,11 @@
                     <a:p>
                       <a:pPr algn="ctr"/>
                       <a:r>
-                        <a:rPr lang="en-US" altLang="zh-CN" sz="2400" b="0" dirty="0">
-                          <a:latin typeface="Calibri" panose="020F0502020204030204" pitchFamily="34" charset="0"/>
-                          <a:cs typeface="Calibri" panose="020F0502020204030204" pitchFamily="34" charset="0"/>
-                        </a:rPr>
-                        <a:t>Control</a:t>
+                        <a:rPr lang="en-US" altLang="zh-CN" sz="2400" b="0" dirty="0" err="1">
+                          <a:latin typeface="Calibri" panose="020F0502020204030204" pitchFamily="34" charset="0"/>
+                          <a:cs typeface="Calibri" panose="020F0502020204030204" pitchFamily="34" charset="0"/>
+                        </a:rPr>
+                        <a:t>ui.Control</a:t>
                       </a:r>
                       <a:endParaRPr lang="zh-CN" altLang="en-US" sz="2400" b="0" dirty="0">
                         <a:latin typeface="Calibri" panose="020F0502020204030204" pitchFamily="34" charset="0"/>
@@ -7516,7 +11139,7 @@
           <p:nvPr>
             <p:extLst>
               <p:ext uri="{D42A27DB-BD31-4B8C-83A1-F6EECF244321}">
-                <p14:modId xmlns:p14="http://schemas.microsoft.com/office/powerpoint/2010/main" val="2719079016"/>
+                <p14:modId xmlns:p14="http://schemas.microsoft.com/office/powerpoint/2010/main" val="2864170288"/>
               </p:ext>
             </p:extLst>
           </p:nvPr>
@@ -7552,7 +11175,7 @@
                           <a:latin typeface="Calibri" panose="020F0502020204030204" pitchFamily="34" charset="0"/>
                           <a:cs typeface="Calibri" panose="020F0502020204030204" pitchFamily="34" charset="0"/>
                         </a:rPr>
-                        <a:t>StaticLabel</a:t>
+                        <a:t>ui.StaticLabel</a:t>
                       </a:r>
                       <a:endParaRPr lang="zh-CN" altLang="en-US" sz="2400" b="0" dirty="0">
                         <a:latin typeface="Calibri" panose="020F0502020204030204" pitchFamily="34" charset="0"/>
@@ -7655,7 +11278,7 @@
           <p:nvPr>
             <p:extLst>
               <p:ext uri="{D42A27DB-BD31-4B8C-83A1-F6EECF244321}">
-                <p14:modId xmlns:p14="http://schemas.microsoft.com/office/powerpoint/2010/main" val="3545098925"/>
+                <p14:modId xmlns:p14="http://schemas.microsoft.com/office/powerpoint/2010/main" val="3749450706"/>
               </p:ext>
             </p:extLst>
           </p:nvPr>
@@ -7691,7 +11314,7 @@
                           <a:latin typeface="Calibri" panose="020F0502020204030204" pitchFamily="34" charset="0"/>
                           <a:cs typeface="Calibri" panose="020F0502020204030204" pitchFamily="34" charset="0"/>
                         </a:rPr>
-                        <a:t>UniformTextPresenter</a:t>
+                        <a:t>ui.UniformTextPresenter</a:t>
                       </a:r>
                       <a:endParaRPr lang="zh-CN" altLang="en-US" sz="2400" b="0" dirty="0">
                         <a:latin typeface="Calibri" panose="020F0502020204030204" pitchFamily="34" charset="0"/>
@@ -7818,7 +11441,7 @@
           <p:nvPr>
             <p:extLst>
               <p:ext uri="{D42A27DB-BD31-4B8C-83A1-F6EECF244321}">
-                <p14:modId xmlns:p14="http://schemas.microsoft.com/office/powerpoint/2010/main" val="1608432109"/>
+                <p14:modId xmlns:p14="http://schemas.microsoft.com/office/powerpoint/2010/main" val="3011361720"/>
               </p:ext>
             </p:extLst>
           </p:nvPr>
@@ -7854,7 +11477,7 @@
                           <a:latin typeface="Calibri" panose="020F0502020204030204" pitchFamily="34" charset="0"/>
                           <a:cs typeface="Calibri" panose="020F0502020204030204" pitchFamily="34" charset="0"/>
                         </a:rPr>
-                        <a:t>DynamicLabel</a:t>
+                        <a:t>ui.DynamicLabel</a:t>
                       </a:r>
                       <a:endParaRPr lang="zh-CN" altLang="en-US" sz="2400" b="0" dirty="0">
                         <a:latin typeface="Calibri" panose="020F0502020204030204" pitchFamily="34" charset="0"/>
@@ -8176,14 +11799,14 @@
           <p:nvPr>
             <p:extLst>
               <p:ext uri="{D42A27DB-BD31-4B8C-83A1-F6EECF244321}">
-                <p14:modId xmlns:p14="http://schemas.microsoft.com/office/powerpoint/2010/main" val="3175080709"/>
+                <p14:modId xmlns:p14="http://schemas.microsoft.com/office/powerpoint/2010/main" val="1889787864"/>
               </p:ext>
             </p:extLst>
           </p:nvPr>
         </p:nvGraphicFramePr>
         <p:xfrm>
           <a:off x="1187570" y="465827"/>
-          <a:ext cx="9816860" cy="5834595"/>
+          <a:ext cx="9816860" cy="4982068"/>
         </p:xfrm>
         <a:graphic>
           <a:graphicData uri="http://schemas.openxmlformats.org/drawingml/2006/table">
@@ -8212,7 +11835,7 @@
                           <a:latin typeface="Calibri" panose="020F0502020204030204" pitchFamily="34" charset="0"/>
                           <a:cs typeface="Calibri" panose="020F0502020204030204" pitchFamily="34" charset="0"/>
                         </a:rPr>
-                        <a:t>core.RuntimeUnit</a:t>
+                        <a:t>ui.Page</a:t>
                       </a:r>
                       <a:endParaRPr lang="zh-CN" altLang="en-US" sz="2400" b="0" dirty="0">
                         <a:latin typeface="Calibri" panose="020F0502020204030204" pitchFamily="34" charset="0"/>
@@ -8235,65 +11858,27 @@
                     <a:lstStyle/>
                     <a:p>
                       <a:r>
-                        <a:rPr lang="en-US" altLang="zh-CN" sz="2000" dirty="0">
-                          <a:latin typeface="Calibri" panose="020F0502020204030204" pitchFamily="34" charset="0"/>
-                          <a:cs typeface="Calibri" panose="020F0502020204030204" pitchFamily="34" charset="0"/>
-                        </a:rPr>
-                        <a:t>+screen: Surface</a:t>
-                      </a:r>
-                    </a:p>
-                    <a:p>
-                      <a:r>
-                        <a:rPr lang="en-US" altLang="zh-CN" sz="2000" dirty="0">
-                          <a:latin typeface="Calibri" panose="020F0502020204030204" pitchFamily="34" charset="0"/>
-                          <a:cs typeface="Calibri" panose="020F0502020204030204" pitchFamily="34" charset="0"/>
-                        </a:rPr>
-                        <a:t>+</a:t>
-                      </a:r>
-                      <a:r>
-                        <a:rPr lang="en-US" altLang="zh-CN" sz="2000" dirty="0" err="1">
-                          <a:latin typeface="Calibri" panose="020F0502020204030204" pitchFamily="34" charset="0"/>
-                          <a:cs typeface="Calibri" panose="020F0502020204030204" pitchFamily="34" charset="0"/>
-                        </a:rPr>
-                        <a:t>is_full_screen</a:t>
-                      </a:r>
-                      <a:r>
-                        <a:rPr lang="en-US" altLang="zh-CN" sz="2000" dirty="0">
+                        <a:rPr lang="en-US" altLang="zh-CN" sz="2400" dirty="0">
+                          <a:latin typeface="Calibri" panose="020F0502020204030204" pitchFamily="34" charset="0"/>
+                          <a:cs typeface="Calibri" panose="020F0502020204030204" pitchFamily="34" charset="0"/>
+                        </a:rPr>
+                        <a:t>-</a:t>
+                      </a:r>
+                      <a:r>
+                        <a:rPr lang="en-US" altLang="zh-CN" sz="2400" dirty="0" err="1">
+                          <a:latin typeface="Calibri" panose="020F0502020204030204" pitchFamily="34" charset="0"/>
+                          <a:cs typeface="Calibri" panose="020F0502020204030204" pitchFamily="34" charset="0"/>
+                        </a:rPr>
+                        <a:t>is_alive</a:t>
+                      </a:r>
+                      <a:r>
+                        <a:rPr lang="en-US" altLang="zh-CN" sz="2400" dirty="0">
                           <a:latin typeface="Calibri" panose="020F0502020204030204" pitchFamily="34" charset="0"/>
                           <a:cs typeface="Calibri" panose="020F0502020204030204" pitchFamily="34" charset="0"/>
                         </a:rPr>
                         <a:t>: bool</a:t>
                       </a:r>
-                    </a:p>
-                    <a:p>
-                      <a:r>
-                        <a:rPr lang="en-US" altLang="zh-CN" sz="2000" dirty="0">
-                          <a:latin typeface="Calibri" panose="020F0502020204030204" pitchFamily="34" charset="0"/>
-                          <a:cs typeface="Calibri" panose="020F0502020204030204" pitchFamily="34" charset="0"/>
-                        </a:rPr>
-                        <a:t>+clock: </a:t>
-                      </a:r>
-                      <a:r>
-                        <a:rPr lang="en-US" altLang="zh-CN" sz="2000" dirty="0" err="1">
-                          <a:latin typeface="Calibri" panose="020F0502020204030204" pitchFamily="34" charset="0"/>
-                          <a:cs typeface="Calibri" panose="020F0502020204030204" pitchFamily="34" charset="0"/>
-                        </a:rPr>
-                        <a:t>pygame.time.Clock</a:t>
-                      </a:r>
-                      <a:endParaRPr lang="en-US" altLang="zh-CN" sz="2000" dirty="0">
-                        <a:latin typeface="Calibri" panose="020F0502020204030204" pitchFamily="34" charset="0"/>
-                        <a:cs typeface="Calibri" panose="020F0502020204030204" pitchFamily="34" charset="0"/>
-                      </a:endParaRPr>
-                    </a:p>
-                    <a:p>
-                      <a:r>
-                        <a:rPr lang="en-US" altLang="zh-CN" sz="2000" dirty="0">
-                          <a:latin typeface="Calibri" panose="020F0502020204030204" pitchFamily="34" charset="0"/>
-                          <a:cs typeface="Calibri" panose="020F0502020204030204" pitchFamily="34" charset="0"/>
-                        </a:rPr>
-                        <a:t>+fps: int</a:t>
-                      </a:r>
-                      <a:endParaRPr lang="zh-CN" altLang="en-US" sz="2000" dirty="0">
+                      <a:endParaRPr lang="zh-CN" altLang="en-US" sz="2400" dirty="0">
                         <a:latin typeface="Calibri" panose="020F0502020204030204" pitchFamily="34" charset="0"/>
                         <a:cs typeface="Calibri" panose="020F0502020204030204" pitchFamily="34" charset="0"/>
                       </a:endParaRPr>
@@ -8313,45 +11898,149 @@
                     <a:bodyPr/>
                     <a:lstStyle/>
                     <a:p>
-                      <a:r>
-                        <a:rPr lang="en-US" altLang="zh-CN" sz="2000" dirty="0">
+                      <a:pPr marL="0" marR="0" lvl="0" indent="0" algn="l" defTabSz="914400" rtl="0" eaLnBrk="1" fontAlgn="auto" latinLnBrk="0" hangingPunct="1">
+                        <a:lnSpc>
+                          <a:spcPct val="100000"/>
+                        </a:lnSpc>
+                        <a:spcBef>
+                          <a:spcPts val="0"/>
+                        </a:spcBef>
+                        <a:spcAft>
+                          <a:spcPts val="0"/>
+                        </a:spcAft>
+                        <a:buClrTx/>
+                        <a:buSzTx/>
+                        <a:buFontTx/>
+                        <a:buNone/>
+                        <a:tabLst/>
+                        <a:defRPr/>
+                      </a:pPr>
+                      <a:r>
+                        <a:rPr lang="en-US" altLang="zh-CN" sz="2400" dirty="0">
+                          <a:latin typeface="Calibri" panose="020F0502020204030204" pitchFamily="34" charset="0"/>
+                          <a:cs typeface="Calibri" panose="020F0502020204030204" pitchFamily="34" charset="0"/>
+                        </a:rPr>
+                        <a:t>+Page()</a:t>
+                      </a:r>
+                    </a:p>
+                    <a:p>
+                      <a:pPr marL="0" marR="0" lvl="0" indent="0" algn="l" defTabSz="914400" rtl="0" eaLnBrk="1" fontAlgn="auto" latinLnBrk="0" hangingPunct="1">
+                        <a:lnSpc>
+                          <a:spcPct val="100000"/>
+                        </a:lnSpc>
+                        <a:spcBef>
+                          <a:spcPts val="0"/>
+                        </a:spcBef>
+                        <a:spcAft>
+                          <a:spcPts val="0"/>
+                        </a:spcAft>
+                        <a:buClrTx/>
+                        <a:buSzTx/>
+                        <a:buFontTx/>
+                        <a:buNone/>
+                        <a:tabLst/>
+                        <a:defRPr/>
+                      </a:pPr>
+                      <a:endParaRPr lang="en-US" altLang="zh-CN" sz="2400" dirty="0">
+                        <a:solidFill>
+                          <a:srgbClr val="FF0000"/>
+                        </a:solidFill>
+                        <a:latin typeface="Calibri" panose="020F0502020204030204" pitchFamily="34" charset="0"/>
+                        <a:cs typeface="Calibri" panose="020F0502020204030204" pitchFamily="34" charset="0"/>
+                      </a:endParaRPr>
+                    </a:p>
+                    <a:p>
+                      <a:pPr marL="0" marR="0" lvl="0" indent="0" algn="l" defTabSz="914400" rtl="0" eaLnBrk="1" fontAlgn="auto" latinLnBrk="0" hangingPunct="1">
+                        <a:lnSpc>
+                          <a:spcPct val="100000"/>
+                        </a:lnSpc>
+                        <a:spcBef>
+                          <a:spcPts val="0"/>
+                        </a:spcBef>
+                        <a:spcAft>
+                          <a:spcPts val="0"/>
+                        </a:spcAft>
+                        <a:buClrTx/>
+                        <a:buSzTx/>
+                        <a:buFontTx/>
+                        <a:buNone/>
+                        <a:tabLst/>
+                        <a:defRPr/>
+                      </a:pPr>
+                      <a:r>
+                        <a:rPr lang="en-US" altLang="zh-CN" sz="2400" dirty="0">
+                          <a:solidFill>
+                            <a:schemeClr val="tx1"/>
+                          </a:solidFill>
                           <a:latin typeface="Calibri" panose="020F0502020204030204" pitchFamily="34" charset="0"/>
                           <a:cs typeface="Calibri" panose="020F0502020204030204" pitchFamily="34" charset="0"/>
                         </a:rPr>
                         <a:t>+</a:t>
                       </a:r>
                       <a:r>
-                        <a:rPr lang="en-US" altLang="zh-CN" sz="2000" dirty="0" err="1">
-                          <a:latin typeface="Calibri" panose="020F0502020204030204" pitchFamily="34" charset="0"/>
-                          <a:cs typeface="Calibri" panose="020F0502020204030204" pitchFamily="34" charset="0"/>
-                        </a:rPr>
-                        <a:t>blits_on_the_screen_and_flip_it</a:t>
-                      </a:r>
-                      <a:r>
-                        <a:rPr lang="en-US" altLang="zh-CN" sz="2000" dirty="0">
-                          <a:latin typeface="Calibri" panose="020F0502020204030204" pitchFamily="34" charset="0"/>
-                          <a:cs typeface="Calibri" panose="020F0502020204030204" pitchFamily="34" charset="0"/>
-                        </a:rPr>
-                        <a:t>(): ???</a:t>
-                      </a:r>
-                    </a:p>
-                    <a:p>
-                      <a:r>
-                        <a:rPr lang="en-US" altLang="zh-CN" sz="2000" dirty="0">
+                        <a:rPr lang="en-US" altLang="zh-CN" sz="2400" dirty="0" err="1">
+                          <a:solidFill>
+                            <a:schemeClr val="tx1"/>
+                          </a:solidFill>
+                          <a:latin typeface="Calibri" panose="020F0502020204030204" pitchFamily="34" charset="0"/>
+                          <a:cs typeface="Calibri" panose="020F0502020204030204" pitchFamily="34" charset="0"/>
+                        </a:rPr>
+                        <a:t>is_alive.getter</a:t>
+                      </a:r>
+                      <a:r>
+                        <a:rPr lang="en-US" altLang="zh-CN" sz="2400" dirty="0">
+                          <a:solidFill>
+                            <a:schemeClr val="tx1"/>
+                          </a:solidFill>
+                          <a:latin typeface="Calibri" panose="020F0502020204030204" pitchFamily="34" charset="0"/>
+                          <a:cs typeface="Calibri" panose="020F0502020204030204" pitchFamily="34" charset="0"/>
+                        </a:rPr>
+                        <a:t>()</a:t>
+                      </a:r>
+                    </a:p>
+                    <a:p>
+                      <a:pPr marL="0" marR="0" lvl="0" indent="0" algn="l" defTabSz="914400" rtl="0" eaLnBrk="1" fontAlgn="auto" latinLnBrk="0" hangingPunct="1">
+                        <a:lnSpc>
+                          <a:spcPct val="100000"/>
+                        </a:lnSpc>
+                        <a:spcBef>
+                          <a:spcPts val="0"/>
+                        </a:spcBef>
+                        <a:spcAft>
+                          <a:spcPts val="0"/>
+                        </a:spcAft>
+                        <a:buClrTx/>
+                        <a:buSzTx/>
+                        <a:buFontTx/>
+                        <a:buNone/>
+                        <a:tabLst/>
+                        <a:defRPr/>
+                      </a:pPr>
+                      <a:r>
+                        <a:rPr lang="en-US" altLang="zh-CN" sz="2400" dirty="0">
+                          <a:solidFill>
+                            <a:schemeClr val="tx1"/>
+                          </a:solidFill>
                           <a:latin typeface="Calibri" panose="020F0502020204030204" pitchFamily="34" charset="0"/>
                           <a:cs typeface="Calibri" panose="020F0502020204030204" pitchFamily="34" charset="0"/>
                         </a:rPr>
                         <a:t>+</a:t>
                       </a:r>
                       <a:r>
-                        <a:rPr lang="en-US" altLang="zh-CN" sz="2000" dirty="0" err="1">
-                          <a:latin typeface="Calibri" panose="020F0502020204030204" pitchFamily="34" charset="0"/>
-                          <a:cs typeface="Calibri" panose="020F0502020204030204" pitchFamily="34" charset="0"/>
-                        </a:rPr>
-                        <a:t>check_if_user_clicked_or_pressed</a:t>
-                      </a:r>
-                      <a:r>
-                        <a:rPr lang="en-US" altLang="zh-CN" sz="2000" dirty="0">
+                        <a:rPr lang="en-US" altLang="zh-CN" sz="2400" dirty="0" err="1">
+                          <a:solidFill>
+                            <a:schemeClr val="tx1"/>
+                          </a:solidFill>
+                          <a:latin typeface="Calibri" panose="020F0502020204030204" pitchFamily="34" charset="0"/>
+                          <a:cs typeface="Calibri" panose="020F0502020204030204" pitchFamily="34" charset="0"/>
+                        </a:rPr>
+                        <a:t>is_alive.setter</a:t>
+                      </a:r>
+                      <a:r>
+                        <a:rPr lang="en-US" altLang="zh-CN" sz="2400" dirty="0">
+                          <a:solidFill>
+                            <a:schemeClr val="tx1"/>
+                          </a:solidFill>
                           <a:latin typeface="Calibri" panose="020F0502020204030204" pitchFamily="34" charset="0"/>
                           <a:cs typeface="Calibri" panose="020F0502020204030204" pitchFamily="34" charset="0"/>
                         </a:rPr>
@@ -8359,179 +12048,20 @@
                       </a:r>
                     </a:p>
                     <a:p>
-                      <a:r>
-                        <a:rPr lang="en-US" altLang="zh-CN" sz="2000" dirty="0">
-                          <a:latin typeface="Calibri" panose="020F0502020204030204" pitchFamily="34" charset="0"/>
-                          <a:cs typeface="Calibri" panose="020F0502020204030204" pitchFamily="34" charset="0"/>
-                        </a:rPr>
-                        <a:t>+check_if_user_pressed_f5()</a:t>
-                      </a:r>
-                    </a:p>
-                    <a:p>
-                      <a:r>
-                        <a:rPr lang="en-US" altLang="zh-CN" sz="2000" dirty="0">
-                          <a:latin typeface="Calibri" panose="020F0502020204030204" pitchFamily="34" charset="0"/>
-                          <a:cs typeface="Calibri" panose="020F0502020204030204" pitchFamily="34" charset="0"/>
-                        </a:rPr>
-                        <a:t>+</a:t>
-                      </a:r>
-                      <a:r>
-                        <a:rPr lang="en-US" altLang="zh-CN" sz="2000" dirty="0" err="1">
-                          <a:latin typeface="Calibri" panose="020F0502020204030204" pitchFamily="34" charset="0"/>
-                          <a:cs typeface="Calibri" panose="020F0502020204030204" pitchFamily="34" charset="0"/>
-                        </a:rPr>
-                        <a:t>clear_screen_without_flipping</a:t>
-                      </a:r>
-                      <a:r>
-                        <a:rPr lang="en-US" altLang="zh-CN" sz="2000" dirty="0">
-                          <a:latin typeface="Calibri" panose="020F0502020204030204" pitchFamily="34" charset="0"/>
-                          <a:cs typeface="Calibri" panose="020F0502020204030204" pitchFamily="34" charset="0"/>
-                        </a:rPr>
-                        <a:t>()</a:t>
-                      </a:r>
-                    </a:p>
-                    <a:p>
-                      <a:r>
-                        <a:rPr lang="en-US" altLang="zh-CN" sz="2000" dirty="0">
-                          <a:latin typeface="Calibri" panose="020F0502020204030204" pitchFamily="34" charset="0"/>
-                          <a:cs typeface="Calibri" panose="020F0502020204030204" pitchFamily="34" charset="0"/>
-                        </a:rPr>
-                        <a:t>+</a:t>
-                      </a:r>
-                      <a:r>
-                        <a:rPr lang="en-US" altLang="zh-CN" sz="2000" dirty="0" err="1">
-                          <a:latin typeface="Calibri" panose="020F0502020204030204" pitchFamily="34" charset="0"/>
-                          <a:cs typeface="Calibri" panose="020F0502020204030204" pitchFamily="34" charset="0"/>
-                        </a:rPr>
-                        <a:t>clear_screen_and_flip</a:t>
-                      </a:r>
-                      <a:r>
-                        <a:rPr lang="en-US" altLang="zh-CN" sz="2000" dirty="0">
-                          <a:latin typeface="Calibri" panose="020F0502020204030204" pitchFamily="34" charset="0"/>
-                          <a:cs typeface="Calibri" panose="020F0502020204030204" pitchFamily="34" charset="0"/>
-                        </a:rPr>
-                        <a:t>()</a:t>
-                      </a:r>
-                    </a:p>
-                    <a:p>
-                      <a:r>
-                        <a:rPr lang="en-US" altLang="zh-CN" sz="2000" dirty="0">
-                          <a:latin typeface="Calibri" panose="020F0502020204030204" pitchFamily="34" charset="0"/>
-                          <a:cs typeface="Calibri" panose="020F0502020204030204" pitchFamily="34" charset="0"/>
-                        </a:rPr>
-                        <a:t>+flip()</a:t>
-                      </a:r>
-                    </a:p>
-                    <a:p>
-                      <a:r>
-                        <a:rPr lang="en-US" altLang="zh-CN" sz="2000" dirty="0">
-                          <a:latin typeface="Calibri" panose="020F0502020204030204" pitchFamily="34" charset="0"/>
-                          <a:cs typeface="Calibri" panose="020F0502020204030204" pitchFamily="34" charset="0"/>
-                        </a:rPr>
-                        <a:t>+</a:t>
-                      </a:r>
-                      <a:r>
-                        <a:rPr lang="en-US" altLang="zh-CN" sz="2000" dirty="0" err="1">
-                          <a:latin typeface="Calibri" panose="020F0502020204030204" pitchFamily="34" charset="0"/>
-                          <a:cs typeface="Calibri" panose="020F0502020204030204" pitchFamily="34" charset="0"/>
-                        </a:rPr>
-                        <a:t>handle_universal_events_during_each_animation_frame</a:t>
-                      </a:r>
-                      <a:r>
-                        <a:rPr lang="en-US" altLang="zh-CN" sz="2000" dirty="0">
-                          <a:latin typeface="Calibri" panose="020F0502020204030204" pitchFamily="34" charset="0"/>
-                          <a:cs typeface="Calibri" panose="020F0502020204030204" pitchFamily="34" charset="0"/>
-                        </a:rPr>
-                        <a:t>()</a:t>
-                      </a:r>
-                    </a:p>
-                    <a:p>
-                      <a:r>
-                        <a:rPr lang="en-US" altLang="zh-CN" sz="2000" dirty="0">
-                          <a:latin typeface="Calibri" panose="020F0502020204030204" pitchFamily="34" charset="0"/>
-                          <a:cs typeface="Calibri" panose="020F0502020204030204" pitchFamily="34" charset="0"/>
-                        </a:rPr>
-                        <a:t>+sleep()</a:t>
-                      </a:r>
-                    </a:p>
-                    <a:p>
-                      <a:r>
-                        <a:rPr lang="en-US" altLang="zh-CN" sz="2000" dirty="0">
-                          <a:latin typeface="Calibri" panose="020F0502020204030204" pitchFamily="34" charset="0"/>
-                          <a:cs typeface="Calibri" panose="020F0502020204030204" pitchFamily="34" charset="0"/>
-                        </a:rPr>
-                        <a:t>+</a:t>
-                      </a:r>
-                      <a:r>
-                        <a:rPr lang="en-US" altLang="zh-CN" sz="2000" dirty="0" err="1">
-                          <a:latin typeface="Calibri" panose="020F0502020204030204" pitchFamily="34" charset="0"/>
-                          <a:cs typeface="Calibri" panose="020F0502020204030204" pitchFamily="34" charset="0"/>
-                        </a:rPr>
-                        <a:t>start_waiting</a:t>
-                      </a:r>
-                      <a:r>
-                        <a:rPr lang="en-US" altLang="zh-CN" sz="2000" dirty="0">
-                          <a:latin typeface="Calibri" panose="020F0502020204030204" pitchFamily="34" charset="0"/>
-                          <a:cs typeface="Calibri" panose="020F0502020204030204" pitchFamily="34" charset="0"/>
-                        </a:rPr>
-                        <a:t>()</a:t>
-                      </a:r>
-                    </a:p>
-                    <a:p>
-                      <a:r>
-                        <a:rPr lang="en-US" altLang="zh-CN" sz="2000" dirty="0">
-                          <a:latin typeface="Calibri" panose="020F0502020204030204" pitchFamily="34" charset="0"/>
-                          <a:cs typeface="Calibri" panose="020F0502020204030204" pitchFamily="34" charset="0"/>
-                        </a:rPr>
-                        <a:t>+</a:t>
-                      </a:r>
-                      <a:r>
-                        <a:rPr lang="en-US" altLang="zh-CN" sz="2000" dirty="0" err="1">
-                          <a:latin typeface="Calibri" panose="020F0502020204030204" pitchFamily="34" charset="0"/>
-                          <a:cs typeface="Calibri" panose="020F0502020204030204" pitchFamily="34" charset="0"/>
-                        </a:rPr>
-                        <a:t>stop_waiting</a:t>
-                      </a:r>
-                      <a:r>
-                        <a:rPr lang="en-US" altLang="zh-CN" sz="2000" dirty="0">
-                          <a:latin typeface="Calibri" panose="020F0502020204030204" pitchFamily="34" charset="0"/>
-                          <a:cs typeface="Calibri" panose="020F0502020204030204" pitchFamily="34" charset="0"/>
-                        </a:rPr>
-                        <a:t>()</a:t>
-                      </a:r>
-                    </a:p>
-                    <a:p>
-                      <a:r>
-                        <a:rPr lang="en-US" altLang="zh-CN" sz="2000" dirty="0">
-                          <a:latin typeface="Calibri" panose="020F0502020204030204" pitchFamily="34" charset="0"/>
-                          <a:cs typeface="Calibri" panose="020F0502020204030204" pitchFamily="34" charset="0"/>
-                        </a:rPr>
-                        <a:t>+</a:t>
-                      </a:r>
-                      <a:r>
-                        <a:rPr lang="en-US" altLang="zh-CN" sz="2000" dirty="0" err="1">
-                          <a:latin typeface="Calibri" panose="020F0502020204030204" pitchFamily="34" charset="0"/>
-                          <a:cs typeface="Calibri" panose="020F0502020204030204" pitchFamily="34" charset="0"/>
-                        </a:rPr>
-                        <a:t>update_a_local_area_of_screen</a:t>
-                      </a:r>
-                      <a:r>
-                        <a:rPr lang="en-US" altLang="zh-CN" sz="2000" dirty="0">
-                          <a:latin typeface="Calibri" panose="020F0502020204030204" pitchFamily="34" charset="0"/>
-                          <a:cs typeface="Calibri" panose="020F0502020204030204" pitchFamily="34" charset="0"/>
-                        </a:rPr>
-                        <a:t>()</a:t>
-                      </a:r>
-                    </a:p>
-                    <a:p>
-                      <a:r>
-                        <a:rPr lang="en-US" altLang="zh-CN" sz="2000" dirty="0">
+                      <a:endParaRPr lang="en-US" altLang="zh-CN" sz="2400" dirty="0">
+                        <a:latin typeface="Calibri" panose="020F0502020204030204" pitchFamily="34" charset="0"/>
+                        <a:cs typeface="Calibri" panose="020F0502020204030204" pitchFamily="34" charset="0"/>
+                      </a:endParaRPr>
+                    </a:p>
+                    <a:p>
+                      <a:r>
+                        <a:rPr lang="en-US" altLang="zh-CN" sz="2400" dirty="0">
                           <a:latin typeface="Calibri" panose="020F0502020204030204" pitchFamily="34" charset="0"/>
                           <a:cs typeface="Calibri" panose="020F0502020204030204" pitchFamily="34" charset="0"/>
                         </a:rPr>
                         <a:t>…</a:t>
                       </a:r>
-                      <a:endParaRPr lang="zh-CN" altLang="en-US" sz="2000" dirty="0">
+                      <a:endParaRPr lang="zh-CN" altLang="en-US" sz="2400" dirty="0">
                         <a:latin typeface="Calibri" panose="020F0502020204030204" pitchFamily="34" charset="0"/>
                         <a:cs typeface="Calibri" panose="020F0502020204030204" pitchFamily="34" charset="0"/>
                       </a:endParaRPr>
@@ -8552,7 +12082,7 @@
     </p:spTree>
     <p:extLst>
       <p:ext uri="{BB962C8B-B14F-4D97-AF65-F5344CB8AC3E}">
-        <p14:creationId xmlns:p14="http://schemas.microsoft.com/office/powerpoint/2010/main" val="3523599782"/>
+        <p14:creationId xmlns:p14="http://schemas.microsoft.com/office/powerpoint/2010/main" val="2299926423"/>
       </p:ext>
     </p:extLst>
   </p:cSld>
@@ -8594,7 +12124,7 @@
           <p:nvPr>
             <p:extLst>
               <p:ext uri="{D42A27DB-BD31-4B8C-83A1-F6EECF244321}">
-                <p14:modId xmlns:p14="http://schemas.microsoft.com/office/powerpoint/2010/main" val="3381172891"/>
+                <p14:modId xmlns:p14="http://schemas.microsoft.com/office/powerpoint/2010/main" val="2034922813"/>
               </p:ext>
             </p:extLst>
           </p:nvPr>
@@ -8630,7 +12160,14 @@
                           <a:latin typeface="Calibri" panose="020F0502020204030204" pitchFamily="34" charset="0"/>
                           <a:cs typeface="Calibri" panose="020F0502020204030204" pitchFamily="34" charset="0"/>
                         </a:rPr>
-                        <a:t>core.ExternalRuntimeData</a:t>
+                        <a:t>ui.Page</a:t>
+                      </a:r>
+                      <a:r>
+                        <a:rPr lang="en-US" altLang="zh-CN" sz="2400" b="0" dirty="0">
+                          <a:latin typeface="Calibri" panose="020F0502020204030204" pitchFamily="34" charset="0"/>
+                          <a:cs typeface="Calibri" panose="020F0502020204030204" pitchFamily="34" charset="0"/>
+                        </a:rPr>
+                        <a:t> (continued)</a:t>
                       </a:r>
                       <a:endParaRPr lang="zh-CN" altLang="en-US" sz="2400" b="0" dirty="0">
                         <a:latin typeface="Calibri" panose="020F0502020204030204" pitchFamily="34" charset="0"/>
@@ -8664,37 +12201,21 @@
                           <a:latin typeface="Calibri" panose="020F0502020204030204" pitchFamily="34" charset="0"/>
                           <a:cs typeface="Calibri" panose="020F0502020204030204" pitchFamily="34" charset="0"/>
                         </a:rPr>
-                        <a:t>is_waiting</a:t>
-                      </a:r>
-                      <a:r>
-                        <a:rPr lang="en-US" altLang="zh-CN" sz="2400" dirty="0">
-                          <a:latin typeface="Calibri" panose="020F0502020204030204" pitchFamily="34" charset="0"/>
-                          <a:cs typeface="Calibri" panose="020F0502020204030204" pitchFamily="34" charset="0"/>
-                        </a:rPr>
-                        <a:t>: bool</a:t>
-                      </a:r>
-                    </a:p>
-                    <a:p>
-                      <a:r>
-                        <a:rPr lang="en-US" altLang="zh-CN" sz="2400" dirty="0">
-                          <a:latin typeface="Calibri" panose="020F0502020204030204" pitchFamily="34" charset="0"/>
-                          <a:cs typeface="Calibri" panose="020F0502020204030204" pitchFamily="34" charset="0"/>
-                        </a:rPr>
-                        <a:t>-</a:t>
+                        <a:t>dict_of_controls</a:t>
+                      </a:r>
+                      <a:r>
+                        <a:rPr lang="en-US" altLang="zh-CN" sz="2400" dirty="0">
+                          <a:latin typeface="Calibri" panose="020F0502020204030204" pitchFamily="34" charset="0"/>
+                          <a:cs typeface="Calibri" panose="020F0502020204030204" pitchFamily="34" charset="0"/>
+                        </a:rPr>
+                        <a:t>: </a:t>
                       </a:r>
                       <a:r>
                         <a:rPr lang="en-US" altLang="zh-CN" sz="2400" dirty="0" err="1">
                           <a:latin typeface="Calibri" panose="020F0502020204030204" pitchFamily="34" charset="0"/>
                           <a:cs typeface="Calibri" panose="020F0502020204030204" pitchFamily="34" charset="0"/>
                         </a:rPr>
-                        <a:t>should_return_at_once</a:t>
-                      </a:r>
-                      <a:r>
-                        <a:rPr lang="en-US" altLang="zh-CN" sz="2400" dirty="0">
-                          <a:latin typeface="Calibri" panose="020F0502020204030204" pitchFamily="34" charset="0"/>
-                          <a:cs typeface="Calibri" panose="020F0502020204030204" pitchFamily="34" charset="0"/>
-                        </a:rPr>
-                        <a:t>: bool</a:t>
+                        <a:t>dict</a:t>
                       </a:r>
                       <a:endParaRPr lang="zh-CN" altLang="en-US" sz="2400" dirty="0">
                         <a:latin typeface="Calibri" panose="020F0502020204030204" pitchFamily="34" charset="0"/>
@@ -8728,116 +12249,51 @@
                           <a:latin typeface="Calibri" panose="020F0502020204030204" pitchFamily="34" charset="0"/>
                           <a:cs typeface="Calibri" panose="020F0502020204030204" pitchFamily="34" charset="0"/>
                         </a:rPr>
-                        <a:t>ExternalRuntimeData</a:t>
-                      </a:r>
-                      <a:r>
-                        <a:rPr lang="en-US" altLang="zh-CN" sz="2400" dirty="0">
-                          <a:latin typeface="Calibri" panose="020F0502020204030204" pitchFamily="34" charset="0"/>
-                          <a:cs typeface="Calibri" panose="020F0502020204030204" pitchFamily="34" charset="0"/>
-                        </a:rPr>
-                        <a:t>()</a:t>
-                      </a:r>
-                    </a:p>
-                    <a:p>
-                      <a:r>
-                        <a:rPr lang="en-US" altLang="zh-CN" sz="2400" dirty="0">
-                          <a:latin typeface="Calibri" panose="020F0502020204030204" pitchFamily="34" charset="0"/>
-                          <a:cs typeface="Calibri" panose="020F0502020204030204" pitchFamily="34" charset="0"/>
-                        </a:rPr>
-                        <a:t>+</a:t>
-                      </a:r>
-                      <a:r>
-                        <a:rPr lang="en-US" altLang="zh-CN" sz="2400" dirty="0" err="1">
-                          <a:latin typeface="Calibri" panose="020F0502020204030204" pitchFamily="34" charset="0"/>
-                          <a:cs typeface="Calibri" panose="020F0502020204030204" pitchFamily="34" charset="0"/>
-                        </a:rPr>
-                        <a:t>is_waiting.getter</a:t>
-                      </a:r>
-                      <a:r>
-                        <a:rPr lang="en-US" altLang="zh-CN" sz="2400" dirty="0">
-                          <a:latin typeface="Calibri" panose="020F0502020204030204" pitchFamily="34" charset="0"/>
-                          <a:cs typeface="Calibri" panose="020F0502020204030204" pitchFamily="34" charset="0"/>
-                        </a:rPr>
-                        <a:t>()</a:t>
-                      </a:r>
-                    </a:p>
-                    <a:p>
-                      <a:r>
-                        <a:rPr lang="en-US" altLang="zh-CN" sz="2400" dirty="0">
-                          <a:latin typeface="Calibri" panose="020F0502020204030204" pitchFamily="34" charset="0"/>
-                          <a:cs typeface="Calibri" panose="020F0502020204030204" pitchFamily="34" charset="0"/>
-                        </a:rPr>
-                        <a:t>+</a:t>
-                      </a:r>
-                      <a:r>
-                        <a:rPr lang="en-US" altLang="zh-CN" sz="2400" dirty="0" err="1">
-                          <a:latin typeface="Calibri" panose="020F0502020204030204" pitchFamily="34" charset="0"/>
-                          <a:cs typeface="Calibri" panose="020F0502020204030204" pitchFamily="34" charset="0"/>
-                        </a:rPr>
-                        <a:t>is_waiting.setter</a:t>
-                      </a:r>
-                      <a:r>
-                        <a:rPr lang="en-US" altLang="zh-CN" sz="2400" dirty="0">
-                          <a:latin typeface="Calibri" panose="020F0502020204030204" pitchFamily="34" charset="0"/>
-                          <a:cs typeface="Calibri" panose="020F0502020204030204" pitchFamily="34" charset="0"/>
-                        </a:rPr>
-                        <a:t>()</a:t>
-                      </a:r>
-                    </a:p>
-                    <a:p>
-                      <a:r>
-                        <a:rPr lang="en-US" altLang="zh-CN" sz="2400" dirty="0">
-                          <a:latin typeface="Calibri" panose="020F0502020204030204" pitchFamily="34" charset="0"/>
-                          <a:cs typeface="Calibri" panose="020F0502020204030204" pitchFamily="34" charset="0"/>
-                        </a:rPr>
-                        <a:t>+</a:t>
-                      </a:r>
-                      <a:r>
-                        <a:rPr lang="en-US" altLang="zh-CN" sz="2400" dirty="0" err="1">
-                          <a:latin typeface="Calibri" panose="020F0502020204030204" pitchFamily="34" charset="0"/>
-                          <a:cs typeface="Calibri" panose="020F0502020204030204" pitchFamily="34" charset="0"/>
-                        </a:rPr>
-                        <a:t>should_return_at_once.getter</a:t>
-                      </a:r>
-                      <a:r>
-                        <a:rPr lang="en-US" altLang="zh-CN" sz="2400" dirty="0">
-                          <a:latin typeface="Calibri" panose="020F0502020204030204" pitchFamily="34" charset="0"/>
-                          <a:cs typeface="Calibri" panose="020F0502020204030204" pitchFamily="34" charset="0"/>
-                        </a:rPr>
-                        <a:t>()</a:t>
-                      </a:r>
-                    </a:p>
-                    <a:p>
-                      <a:r>
-                        <a:rPr lang="en-US" altLang="zh-CN" sz="2400" dirty="0">
-                          <a:latin typeface="Calibri" panose="020F0502020204030204" pitchFamily="34" charset="0"/>
-                          <a:cs typeface="Calibri" panose="020F0502020204030204" pitchFamily="34" charset="0"/>
-                        </a:rPr>
-                        <a:t>+</a:t>
-                      </a:r>
-                      <a:r>
-                        <a:rPr lang="en-US" altLang="zh-CN" sz="2400" dirty="0" err="1">
-                          <a:latin typeface="Calibri" panose="020F0502020204030204" pitchFamily="34" charset="0"/>
-                          <a:cs typeface="Calibri" panose="020F0502020204030204" pitchFamily="34" charset="0"/>
-                        </a:rPr>
-                        <a:t>should_return_at_once.setter</a:t>
-                      </a:r>
-                      <a:r>
-                        <a:rPr lang="en-US" altLang="zh-CN" sz="2400" dirty="0">
-                          <a:latin typeface="Calibri" panose="020F0502020204030204" pitchFamily="34" charset="0"/>
-                          <a:cs typeface="Calibri" panose="020F0502020204030204" pitchFamily="34" charset="0"/>
-                        </a:rPr>
-                        <a:t>()</a:t>
-                      </a:r>
-                    </a:p>
-                    <a:p>
-                      <a:r>
-                        <a:rPr lang="en-US" altLang="zh-CN" sz="2400" dirty="0">
-                          <a:latin typeface="Calibri" panose="020F0502020204030204" pitchFamily="34" charset="0"/>
-                          <a:cs typeface="Calibri" panose="020F0502020204030204" pitchFamily="34" charset="0"/>
-                        </a:rPr>
-                        <a:t>+save()</a:t>
-                      </a:r>
+                        <a:t>register_controls</a:t>
+                      </a:r>
+                      <a:r>
+                        <a:rPr lang="en-US" altLang="zh-CN" sz="2400" dirty="0">
+                          <a:latin typeface="Calibri" panose="020F0502020204030204" pitchFamily="34" charset="0"/>
+                          <a:cs typeface="Calibri" panose="020F0502020204030204" pitchFamily="34" charset="0"/>
+                        </a:rPr>
+                        <a:t>(control1, control2, …)</a:t>
+                      </a:r>
+                    </a:p>
+                    <a:p>
+                      <a:pPr marL="0" marR="0" lvl="0" indent="0" algn="l" defTabSz="914400" rtl="0" eaLnBrk="1" fontAlgn="auto" latinLnBrk="0" hangingPunct="1">
+                        <a:lnSpc>
+                          <a:spcPct val="100000"/>
+                        </a:lnSpc>
+                        <a:spcBef>
+                          <a:spcPts val="0"/>
+                        </a:spcBef>
+                        <a:spcAft>
+                          <a:spcPts val="0"/>
+                        </a:spcAft>
+                        <a:buClrTx/>
+                        <a:buSzTx/>
+                        <a:buFontTx/>
+                        <a:buNone/>
+                        <a:tabLst/>
+                        <a:defRPr/>
+                      </a:pPr>
+                      <a:endParaRPr lang="en-US" altLang="zh-CN" sz="2400" dirty="0">
+                        <a:latin typeface="Calibri" panose="020F0502020204030204" pitchFamily="34" charset="0"/>
+                        <a:cs typeface="Calibri" panose="020F0502020204030204" pitchFamily="34" charset="0"/>
+                      </a:endParaRPr>
+                    </a:p>
+                    <a:p>
+                      <a:r>
+                        <a:rPr lang="en-US" altLang="zh-CN" sz="2400" dirty="0">
+                          <a:latin typeface="Calibri" panose="020F0502020204030204" pitchFamily="34" charset="0"/>
+                          <a:cs typeface="Calibri" panose="020F0502020204030204" pitchFamily="34" charset="0"/>
+                        </a:rPr>
+                        <a:t>…</a:t>
+                      </a:r>
+                      <a:endParaRPr lang="zh-CN" altLang="en-US" sz="2400" dirty="0">
+                        <a:latin typeface="Calibri" panose="020F0502020204030204" pitchFamily="34" charset="0"/>
+                        <a:cs typeface="Calibri" panose="020F0502020204030204" pitchFamily="34" charset="0"/>
+                      </a:endParaRPr>
                     </a:p>
                   </a:txBody>
                   <a:tcPr anchor="ctr"/>
@@ -8855,7 +12311,7 @@
     </p:spTree>
     <p:extLst>
       <p:ext uri="{BB962C8B-B14F-4D97-AF65-F5344CB8AC3E}">
-        <p14:creationId xmlns:p14="http://schemas.microsoft.com/office/powerpoint/2010/main" val="2860209270"/>
+        <p14:creationId xmlns:p14="http://schemas.microsoft.com/office/powerpoint/2010/main" val="3249968136"/>
       </p:ext>
     </p:extLst>
   </p:cSld>
@@ -8882,71 +12338,225 @@
           <a:chExt cx="0" cy="0"/>
         </a:xfrm>
       </p:grpSpPr>
-      <p:sp>
-        <p:nvSpPr>
-          <p:cNvPr id="2" name="标题 1">
-            <a:extLst>
-              <a:ext uri="{FF2B5EF4-FFF2-40B4-BE49-F238E27FC236}">
-                <a16:creationId xmlns:a16="http://schemas.microsoft.com/office/drawing/2014/main" id="{B3B47EE4-8866-E453-E1F8-0F33CDF338DF}"/>
-              </a:ext>
-            </a:extLst>
-          </p:cNvPr>
-          <p:cNvSpPr>
-            <a:spLocks noGrp="1"/>
-          </p:cNvSpPr>
+      <p:graphicFrame>
+        <p:nvGraphicFramePr>
+          <p:cNvPr id="16" name="表格 15">
+            <a:extLst>
+              <a:ext uri="{FF2B5EF4-FFF2-40B4-BE49-F238E27FC236}">
+                <a16:creationId xmlns:a16="http://schemas.microsoft.com/office/drawing/2014/main" id="{EB1C4A40-80C5-7BA1-0D7D-5BB576CB3728}"/>
+              </a:ext>
+            </a:extLst>
+          </p:cNvPr>
+          <p:cNvGraphicFramePr>
+            <a:graphicFrameLocks noGrp="1"/>
+          </p:cNvGraphicFramePr>
           <p:nvPr>
-            <p:ph type="title"/>
+            <p:extLst>
+              <p:ext uri="{D42A27DB-BD31-4B8C-83A1-F6EECF244321}">
+                <p14:modId xmlns:p14="http://schemas.microsoft.com/office/powerpoint/2010/main" val="2701389455"/>
+              </p:ext>
+            </p:extLst>
           </p:nvPr>
-        </p:nvSpPr>
-        <p:spPr/>
-        <p:txBody>
-          <a:bodyPr/>
-          <a:lstStyle/>
-          <a:p>
-            <a:r>
-              <a:rPr lang="en-US" altLang="zh-CN" dirty="0">
-                <a:latin typeface="Calibri" panose="020F0502020204030204" pitchFamily="34" charset="0"/>
-                <a:ea typeface="Calibri" panose="020F0502020204030204" pitchFamily="34" charset="0"/>
-                <a:cs typeface="Calibri" panose="020F0502020204030204" pitchFamily="34" charset="0"/>
-              </a:rPr>
-              <a:t>v0.2</a:t>
-            </a:r>
-            <a:endParaRPr lang="zh-CN" altLang="en-US" dirty="0">
-              <a:latin typeface="Calibri" panose="020F0502020204030204" pitchFamily="34" charset="0"/>
-              <a:cs typeface="Calibri" panose="020F0502020204030204" pitchFamily="34" charset="0"/>
-            </a:endParaRPr>
-          </a:p>
-        </p:txBody>
-      </p:sp>
-      <p:sp>
-        <p:nvSpPr>
-          <p:cNvPr id="3" name="文本占位符 2">
-            <a:extLst>
-              <a:ext uri="{FF2B5EF4-FFF2-40B4-BE49-F238E27FC236}">
-                <a16:creationId xmlns:a16="http://schemas.microsoft.com/office/drawing/2014/main" id="{EEB7FFFE-FE9E-1B4A-C4F0-6015D675E0E6}"/>
-              </a:ext>
-            </a:extLst>
-          </p:cNvPr>
-          <p:cNvSpPr>
-            <a:spLocks noGrp="1"/>
-          </p:cNvSpPr>
-          <p:nvPr>
-            <p:ph type="body" idx="1"/>
-          </p:nvPr>
-        </p:nvSpPr>
-        <p:spPr/>
-        <p:txBody>
-          <a:bodyPr/>
-          <a:lstStyle/>
-          <a:p>
-            <a:endParaRPr lang="zh-CN" altLang="en-US"/>
-          </a:p>
-        </p:txBody>
-      </p:sp>
+        </p:nvGraphicFramePr>
+        <p:xfrm>
+          <a:off x="1187570" y="465827"/>
+          <a:ext cx="9816860" cy="4982068"/>
+        </p:xfrm>
+        <a:graphic>
+          <a:graphicData uri="http://schemas.openxmlformats.org/drawingml/2006/table">
+            <a:tbl>
+              <a:tblPr firstRow="1" bandRow="1">
+                <a:tableStyleId>{5C22544A-7EE6-4342-B048-85BDC9FD1C3A}</a:tableStyleId>
+              </a:tblPr>
+              <a:tblGrid>
+                <a:gridCol w="9816860">
+                  <a:extLst>
+                    <a:ext uri="{9D8B030D-6E8A-4147-A177-3AD203B41FA5}">
+                      <a16:colId xmlns:a16="http://schemas.microsoft.com/office/drawing/2014/main" val="3627222243"/>
+                    </a:ext>
+                  </a:extLst>
+                </a:gridCol>
+              </a:tblGrid>
+              <a:tr h="579368">
+                <a:tc>
+                  <a:txBody>
+                    <a:bodyPr/>
+                    <a:lstStyle/>
+                    <a:p>
+                      <a:pPr algn="ctr"/>
+                      <a:r>
+                        <a:rPr lang="en-US" altLang="zh-CN" sz="2400" b="0" dirty="0" err="1">
+                          <a:latin typeface="Calibri" panose="020F0502020204030204" pitchFamily="34" charset="0"/>
+                          <a:cs typeface="Calibri" panose="020F0502020204030204" pitchFamily="34" charset="0"/>
+                        </a:rPr>
+                        <a:t>ui.Page</a:t>
+                      </a:r>
+                      <a:r>
+                        <a:rPr lang="en-US" altLang="zh-CN" sz="2400" b="0" dirty="0">
+                          <a:latin typeface="Calibri" panose="020F0502020204030204" pitchFamily="34" charset="0"/>
+                          <a:cs typeface="Calibri" panose="020F0502020204030204" pitchFamily="34" charset="0"/>
+                        </a:rPr>
+                        <a:t> (continued)</a:t>
+                      </a:r>
+                      <a:endParaRPr lang="zh-CN" altLang="en-US" sz="2400" b="0" dirty="0">
+                        <a:latin typeface="Calibri" panose="020F0502020204030204" pitchFamily="34" charset="0"/>
+                        <a:cs typeface="Calibri" panose="020F0502020204030204" pitchFamily="34" charset="0"/>
+                      </a:endParaRPr>
+                    </a:p>
+                  </a:txBody>
+                  <a:tcPr anchor="ctr"/>
+                </a:tc>
+                <a:extLst>
+                  <a:ext uri="{0D108BD9-81ED-4DB2-BD59-A6C34878D82A}">
+                    <a16:rowId xmlns:a16="http://schemas.microsoft.com/office/drawing/2014/main" val="3346152141"/>
+                  </a:ext>
+                </a:extLst>
+              </a:tr>
+              <a:tr h="1506187">
+                <a:tc>
+                  <a:txBody>
+                    <a:bodyPr/>
+                    <a:lstStyle/>
+                    <a:p>
+                      <a:r>
+                        <a:rPr lang="en-US" altLang="zh-CN" sz="2400" dirty="0">
+                          <a:latin typeface="Calibri" panose="020F0502020204030204" pitchFamily="34" charset="0"/>
+                          <a:cs typeface="Calibri" panose="020F0502020204030204" pitchFamily="34" charset="0"/>
+                        </a:rPr>
+                        <a:t>-</a:t>
+                      </a:r>
+                      <a:r>
+                        <a:rPr lang="en-US" altLang="zh-CN" sz="2400" dirty="0" err="1">
+                          <a:latin typeface="Calibri" panose="020F0502020204030204" pitchFamily="34" charset="0"/>
+                          <a:cs typeface="Calibri" panose="020F0502020204030204" pitchFamily="34" charset="0"/>
+                        </a:rPr>
+                        <a:t>event_handlers</a:t>
+                      </a:r>
+                      <a:r>
+                        <a:rPr lang="en-US" altLang="zh-CN" sz="2400" dirty="0">
+                          <a:latin typeface="Calibri" panose="020F0502020204030204" pitchFamily="34" charset="0"/>
+                          <a:cs typeface="Calibri" panose="020F0502020204030204" pitchFamily="34" charset="0"/>
+                        </a:rPr>
+                        <a:t>: list</a:t>
+                      </a:r>
+                      <a:endParaRPr lang="zh-CN" altLang="en-US" sz="2400" dirty="0">
+                        <a:latin typeface="Calibri" panose="020F0502020204030204" pitchFamily="34" charset="0"/>
+                        <a:cs typeface="Calibri" panose="020F0502020204030204" pitchFamily="34" charset="0"/>
+                      </a:endParaRPr>
+                    </a:p>
+                  </a:txBody>
+                  <a:tcPr anchor="ctr"/>
+                </a:tc>
+                <a:extLst>
+                  <a:ext uri="{0D108BD9-81ED-4DB2-BD59-A6C34878D82A}">
+                    <a16:rowId xmlns:a16="http://schemas.microsoft.com/office/drawing/2014/main" val="4162875606"/>
+                  </a:ext>
+                </a:extLst>
+              </a:tr>
+              <a:tr h="2896513">
+                <a:tc>
+                  <a:txBody>
+                    <a:bodyPr/>
+                    <a:lstStyle/>
+                    <a:p>
+                      <a:r>
+                        <a:rPr lang="en-US" altLang="zh-CN" sz="2400" dirty="0">
+                          <a:latin typeface="Calibri" panose="020F0502020204030204" pitchFamily="34" charset="0"/>
+                          <a:cs typeface="Calibri" panose="020F0502020204030204" pitchFamily="34" charset="0"/>
+                        </a:rPr>
+                        <a:t>+</a:t>
+                      </a:r>
+                      <a:r>
+                        <a:rPr lang="en-US" altLang="zh-CN" sz="2400" dirty="0" err="1">
+                          <a:latin typeface="Calibri" panose="020F0502020204030204" pitchFamily="34" charset="0"/>
+                          <a:cs typeface="Calibri" panose="020F0502020204030204" pitchFamily="34" charset="0"/>
+                        </a:rPr>
+                        <a:t>event_handlers.getter</a:t>
+                      </a:r>
+                      <a:r>
+                        <a:rPr lang="en-US" altLang="zh-CN" sz="2400" dirty="0">
+                          <a:latin typeface="Calibri" panose="020F0502020204030204" pitchFamily="34" charset="0"/>
+                          <a:cs typeface="Calibri" panose="020F0502020204030204" pitchFamily="34" charset="0"/>
+                        </a:rPr>
+                        <a:t>()</a:t>
+                      </a:r>
+                    </a:p>
+                    <a:p>
+                      <a:r>
+                        <a:rPr lang="en-US" altLang="zh-CN" sz="2400" dirty="0">
+                          <a:latin typeface="Calibri" panose="020F0502020204030204" pitchFamily="34" charset="0"/>
+                          <a:cs typeface="Calibri" panose="020F0502020204030204" pitchFamily="34" charset="0"/>
+                        </a:rPr>
+                        <a:t>+</a:t>
+                      </a:r>
+                      <a:r>
+                        <a:rPr lang="en-US" altLang="zh-CN" sz="2400" dirty="0" err="1">
+                          <a:latin typeface="Calibri" panose="020F0502020204030204" pitchFamily="34" charset="0"/>
+                          <a:cs typeface="Calibri" panose="020F0502020204030204" pitchFamily="34" charset="0"/>
+                        </a:rPr>
+                        <a:t>register_events</a:t>
+                      </a:r>
+                      <a:r>
+                        <a:rPr lang="en-US" altLang="zh-CN" sz="2400" dirty="0">
+                          <a:latin typeface="Calibri" panose="020F0502020204030204" pitchFamily="34" charset="0"/>
+                          <a:cs typeface="Calibri" panose="020F0502020204030204" pitchFamily="34" charset="0"/>
+                        </a:rPr>
+                        <a:t>(event_handler1, event_handler2, …)</a:t>
+                      </a:r>
+                    </a:p>
+                    <a:p>
+                      <a:pPr marL="0" marR="0" lvl="0" indent="0" algn="l" defTabSz="914400" rtl="0" eaLnBrk="1" fontAlgn="auto" latinLnBrk="0" hangingPunct="1">
+                        <a:lnSpc>
+                          <a:spcPct val="100000"/>
+                        </a:lnSpc>
+                        <a:spcBef>
+                          <a:spcPts val="0"/>
+                        </a:spcBef>
+                        <a:spcAft>
+                          <a:spcPts val="0"/>
+                        </a:spcAft>
+                        <a:buClrTx/>
+                        <a:buSzTx/>
+                        <a:buFontTx/>
+                        <a:buNone/>
+                        <a:tabLst/>
+                        <a:defRPr/>
+                      </a:pPr>
+                      <a:endParaRPr lang="en-US" altLang="zh-CN" sz="2400" dirty="0">
+                        <a:latin typeface="Calibri" panose="020F0502020204030204" pitchFamily="34" charset="0"/>
+                        <a:cs typeface="Calibri" panose="020F0502020204030204" pitchFamily="34" charset="0"/>
+                      </a:endParaRPr>
+                    </a:p>
+                    <a:p>
+                      <a:r>
+                        <a:rPr lang="en-US" altLang="zh-CN" sz="2400" dirty="0">
+                          <a:latin typeface="Calibri" panose="020F0502020204030204" pitchFamily="34" charset="0"/>
+                          <a:cs typeface="Calibri" panose="020F0502020204030204" pitchFamily="34" charset="0"/>
+                        </a:rPr>
+                        <a:t>…</a:t>
+                      </a:r>
+                      <a:endParaRPr lang="zh-CN" altLang="en-US" sz="2400" dirty="0">
+                        <a:latin typeface="Calibri" panose="020F0502020204030204" pitchFamily="34" charset="0"/>
+                        <a:cs typeface="Calibri" panose="020F0502020204030204" pitchFamily="34" charset="0"/>
+                      </a:endParaRPr>
+                    </a:p>
+                  </a:txBody>
+                  <a:tcPr anchor="ctr"/>
+                </a:tc>
+                <a:extLst>
+                  <a:ext uri="{0D108BD9-81ED-4DB2-BD59-A6C34878D82A}">
+                    <a16:rowId xmlns:a16="http://schemas.microsoft.com/office/drawing/2014/main" val="2161683205"/>
+                  </a:ext>
+                </a:extLst>
+              </a:tr>
+            </a:tbl>
+          </a:graphicData>
+        </a:graphic>
+      </p:graphicFrame>
     </p:spTree>
     <p:extLst>
       <p:ext uri="{BB962C8B-B14F-4D97-AF65-F5344CB8AC3E}">
-        <p14:creationId xmlns:p14="http://schemas.microsoft.com/office/powerpoint/2010/main" val="2708238068"/>
+        <p14:creationId xmlns:p14="http://schemas.microsoft.com/office/powerpoint/2010/main" val="896764431"/>
       </p:ext>
     </p:extLst>
   </p:cSld>

--- a/documentation/diagrams.pptx
+++ b/documentation/diagrams.pptx
@@ -28,6 +28,12 @@
     <p:sldId id="275" r:id="rId22"/>
     <p:sldId id="279" r:id="rId23"/>
     <p:sldId id="280" r:id="rId24"/>
+    <p:sldId id="281" r:id="rId25"/>
+    <p:sldId id="282" r:id="rId26"/>
+    <p:sldId id="284" r:id="rId27"/>
+    <p:sldId id="283" r:id="rId28"/>
+    <p:sldId id="286" r:id="rId29"/>
+    <p:sldId id="285" r:id="rId30"/>
   </p:sldIdLst>
   <p:sldSz cx="12192000" cy="6858000"/>
   <p:notesSz cx="6858000" cy="9144000"/>
@@ -283,7 +289,7 @@
           <a:p>
             <a:fld id="{BCEDE69B-22FA-4301-8D37-E9A7831516F9}" type="datetimeFigureOut">
               <a:rPr lang="zh-CN" altLang="en-US" smtClean="0"/>
-              <a:t>2024/6/30</a:t>
+              <a:t>2024/7/1</a:t>
             </a:fld>
             <a:endParaRPr lang="zh-CN" altLang="en-US"/>
           </a:p>
@@ -483,7 +489,7 @@
           <a:p>
             <a:fld id="{BCEDE69B-22FA-4301-8D37-E9A7831516F9}" type="datetimeFigureOut">
               <a:rPr lang="zh-CN" altLang="en-US" smtClean="0"/>
-              <a:t>2024/6/30</a:t>
+              <a:t>2024/7/1</a:t>
             </a:fld>
             <a:endParaRPr lang="zh-CN" altLang="en-US"/>
           </a:p>
@@ -693,7 +699,7 @@
           <a:p>
             <a:fld id="{BCEDE69B-22FA-4301-8D37-E9A7831516F9}" type="datetimeFigureOut">
               <a:rPr lang="zh-CN" altLang="en-US" smtClean="0"/>
-              <a:t>2024/6/30</a:t>
+              <a:t>2024/7/1</a:t>
             </a:fld>
             <a:endParaRPr lang="zh-CN" altLang="en-US"/>
           </a:p>
@@ -893,7 +899,7 @@
           <a:p>
             <a:fld id="{BCEDE69B-22FA-4301-8D37-E9A7831516F9}" type="datetimeFigureOut">
               <a:rPr lang="zh-CN" altLang="en-US" smtClean="0"/>
-              <a:t>2024/6/30</a:t>
+              <a:t>2024/7/1</a:t>
             </a:fld>
             <a:endParaRPr lang="zh-CN" altLang="en-US"/>
           </a:p>
@@ -1169,7 +1175,7 @@
           <a:p>
             <a:fld id="{BCEDE69B-22FA-4301-8D37-E9A7831516F9}" type="datetimeFigureOut">
               <a:rPr lang="zh-CN" altLang="en-US" smtClean="0"/>
-              <a:t>2024/6/30</a:t>
+              <a:t>2024/7/1</a:t>
             </a:fld>
             <a:endParaRPr lang="zh-CN" altLang="en-US"/>
           </a:p>
@@ -1437,7 +1443,7 @@
           <a:p>
             <a:fld id="{BCEDE69B-22FA-4301-8D37-E9A7831516F9}" type="datetimeFigureOut">
               <a:rPr lang="zh-CN" altLang="en-US" smtClean="0"/>
-              <a:t>2024/6/30</a:t>
+              <a:t>2024/7/1</a:t>
             </a:fld>
             <a:endParaRPr lang="zh-CN" altLang="en-US"/>
           </a:p>
@@ -1852,7 +1858,7 @@
           <a:p>
             <a:fld id="{BCEDE69B-22FA-4301-8D37-E9A7831516F9}" type="datetimeFigureOut">
               <a:rPr lang="zh-CN" altLang="en-US" smtClean="0"/>
-              <a:t>2024/6/30</a:t>
+              <a:t>2024/7/1</a:t>
             </a:fld>
             <a:endParaRPr lang="zh-CN" altLang="en-US"/>
           </a:p>
@@ -1994,7 +2000,7 @@
           <a:p>
             <a:fld id="{BCEDE69B-22FA-4301-8D37-E9A7831516F9}" type="datetimeFigureOut">
               <a:rPr lang="zh-CN" altLang="en-US" smtClean="0"/>
-              <a:t>2024/6/30</a:t>
+              <a:t>2024/7/1</a:t>
             </a:fld>
             <a:endParaRPr lang="zh-CN" altLang="en-US"/>
           </a:p>
@@ -2107,7 +2113,7 @@
           <a:p>
             <a:fld id="{BCEDE69B-22FA-4301-8D37-E9A7831516F9}" type="datetimeFigureOut">
               <a:rPr lang="zh-CN" altLang="en-US" smtClean="0"/>
-              <a:t>2024/6/30</a:t>
+              <a:t>2024/7/1</a:t>
             </a:fld>
             <a:endParaRPr lang="zh-CN" altLang="en-US"/>
           </a:p>
@@ -2420,7 +2426,7 @@
           <a:p>
             <a:fld id="{BCEDE69B-22FA-4301-8D37-E9A7831516F9}" type="datetimeFigureOut">
               <a:rPr lang="zh-CN" altLang="en-US" smtClean="0"/>
-              <a:t>2024/6/30</a:t>
+              <a:t>2024/7/1</a:t>
             </a:fld>
             <a:endParaRPr lang="zh-CN" altLang="en-US"/>
           </a:p>
@@ -2709,7 +2715,7 @@
           <a:p>
             <a:fld id="{BCEDE69B-22FA-4301-8D37-E9A7831516F9}" type="datetimeFigureOut">
               <a:rPr lang="zh-CN" altLang="en-US" smtClean="0"/>
-              <a:t>2024/6/30</a:t>
+              <a:t>2024/7/1</a:t>
             </a:fld>
             <a:endParaRPr lang="zh-CN" altLang="en-US"/>
           </a:p>
@@ -2952,7 +2958,7 @@
           <a:p>
             <a:fld id="{BCEDE69B-22FA-4301-8D37-E9A7831516F9}" type="datetimeFigureOut">
               <a:rPr lang="zh-CN" altLang="en-US" smtClean="0"/>
-              <a:t>2024/6/30</a:t>
+              <a:t>2024/7/1</a:t>
             </a:fld>
             <a:endParaRPr lang="zh-CN" altLang="en-US"/>
           </a:p>
@@ -9021,6 +9027,1876 @@
 </p:sld>
 </file>
 
+<file path=ppt/slides/slide24.xml><?xml version="1.0" encoding="utf-8"?>
+<p:sld xmlns:a="http://schemas.openxmlformats.org/drawingml/2006/main" xmlns:r="http://schemas.openxmlformats.org/officeDocument/2006/relationships" xmlns:p="http://schemas.openxmlformats.org/presentationml/2006/main">
+  <p:cSld>
+    <p:spTree>
+      <p:nvGrpSpPr>
+        <p:cNvPr id="1" name=""/>
+        <p:cNvGrpSpPr/>
+        <p:nvPr/>
+      </p:nvGrpSpPr>
+      <p:grpSpPr>
+        <a:xfrm>
+          <a:off x="0" y="0"/>
+          <a:ext cx="0" cy="0"/>
+          <a:chOff x="0" y="0"/>
+          <a:chExt cx="0" cy="0"/>
+        </a:xfrm>
+      </p:grpSpPr>
+      <p:sp>
+        <p:nvSpPr>
+          <p:cNvPr id="2" name="标题 1">
+            <a:extLst>
+              <a:ext uri="{FF2B5EF4-FFF2-40B4-BE49-F238E27FC236}">
+                <a16:creationId xmlns:a16="http://schemas.microsoft.com/office/drawing/2014/main" id="{B3B47EE4-8866-E453-E1F8-0F33CDF338DF}"/>
+              </a:ext>
+            </a:extLst>
+          </p:cNvPr>
+          <p:cNvSpPr>
+            <a:spLocks noGrp="1"/>
+          </p:cNvSpPr>
+          <p:nvPr>
+            <p:ph type="title"/>
+          </p:nvPr>
+        </p:nvSpPr>
+        <p:spPr/>
+        <p:txBody>
+          <a:bodyPr/>
+          <a:lstStyle/>
+          <a:p>
+            <a:r>
+              <a:rPr lang="en-US" altLang="zh-CN" dirty="0">
+                <a:latin typeface="Calibri" panose="020F0502020204030204" pitchFamily="34" charset="0"/>
+                <a:ea typeface="Calibri" panose="020F0502020204030204" pitchFamily="34" charset="0"/>
+                <a:cs typeface="Calibri" panose="020F0502020204030204" pitchFamily="34" charset="0"/>
+              </a:rPr>
+              <a:t>v0.4</a:t>
+            </a:r>
+            <a:endParaRPr lang="zh-CN" altLang="en-US" dirty="0">
+              <a:latin typeface="Calibri" panose="020F0502020204030204" pitchFamily="34" charset="0"/>
+              <a:cs typeface="Calibri" panose="020F0502020204030204" pitchFamily="34" charset="0"/>
+            </a:endParaRPr>
+          </a:p>
+        </p:txBody>
+      </p:sp>
+      <p:sp>
+        <p:nvSpPr>
+          <p:cNvPr id="3" name="文本占位符 2">
+            <a:extLst>
+              <a:ext uri="{FF2B5EF4-FFF2-40B4-BE49-F238E27FC236}">
+                <a16:creationId xmlns:a16="http://schemas.microsoft.com/office/drawing/2014/main" id="{EEB7FFFE-FE9E-1B4A-C4F0-6015D675E0E6}"/>
+              </a:ext>
+            </a:extLst>
+          </p:cNvPr>
+          <p:cNvSpPr>
+            <a:spLocks noGrp="1"/>
+          </p:cNvSpPr>
+          <p:nvPr>
+            <p:ph type="body" idx="1"/>
+          </p:nvPr>
+        </p:nvSpPr>
+        <p:spPr/>
+        <p:txBody>
+          <a:bodyPr/>
+          <a:lstStyle/>
+          <a:p>
+            <a:endParaRPr lang="zh-CN" altLang="en-US"/>
+          </a:p>
+        </p:txBody>
+      </p:sp>
+    </p:spTree>
+    <p:extLst>
+      <p:ext uri="{BB962C8B-B14F-4D97-AF65-F5344CB8AC3E}">
+        <p14:creationId xmlns:p14="http://schemas.microsoft.com/office/powerpoint/2010/main" val="191697715"/>
+      </p:ext>
+    </p:extLst>
+  </p:cSld>
+  <p:clrMapOvr>
+    <a:masterClrMapping/>
+  </p:clrMapOvr>
+</p:sld>
+</file>
+
+<file path=ppt/slides/slide25.xml><?xml version="1.0" encoding="utf-8"?>
+<p:sld xmlns:a="http://schemas.openxmlformats.org/drawingml/2006/main" xmlns:r="http://schemas.openxmlformats.org/officeDocument/2006/relationships" xmlns:p="http://schemas.openxmlformats.org/presentationml/2006/main">
+  <p:cSld>
+    <p:spTree>
+      <p:nvGrpSpPr>
+        <p:cNvPr id="1" name=""/>
+        <p:cNvGrpSpPr/>
+        <p:nvPr/>
+      </p:nvGrpSpPr>
+      <p:grpSpPr>
+        <a:xfrm>
+          <a:off x="0" y="0"/>
+          <a:ext cx="0" cy="0"/>
+          <a:chOff x="0" y="0"/>
+          <a:chExt cx="0" cy="0"/>
+        </a:xfrm>
+      </p:grpSpPr>
+      <p:graphicFrame>
+        <p:nvGraphicFramePr>
+          <p:cNvPr id="16" name="表格 15">
+            <a:extLst>
+              <a:ext uri="{FF2B5EF4-FFF2-40B4-BE49-F238E27FC236}">
+                <a16:creationId xmlns:a16="http://schemas.microsoft.com/office/drawing/2014/main" id="{EB1C4A40-80C5-7BA1-0D7D-5BB576CB3728}"/>
+              </a:ext>
+            </a:extLst>
+          </p:cNvPr>
+          <p:cNvGraphicFramePr>
+            <a:graphicFrameLocks noGrp="1"/>
+          </p:cNvGraphicFramePr>
+          <p:nvPr>
+            <p:extLst>
+              <p:ext uri="{D42A27DB-BD31-4B8C-83A1-F6EECF244321}">
+                <p14:modId xmlns:p14="http://schemas.microsoft.com/office/powerpoint/2010/main" val="3424311612"/>
+              </p:ext>
+            </p:extLst>
+          </p:nvPr>
+        </p:nvGraphicFramePr>
+        <p:xfrm>
+          <a:off x="2783456" y="2511064"/>
+          <a:ext cx="6625087" cy="1835871"/>
+        </p:xfrm>
+        <a:graphic>
+          <a:graphicData uri="http://schemas.openxmlformats.org/drawingml/2006/table">
+            <a:tbl>
+              <a:tblPr firstRow="1" bandRow="1">
+                <a:tableStyleId>{5C22544A-7EE6-4342-B048-85BDC9FD1C3A}</a:tableStyleId>
+              </a:tblPr>
+              <a:tblGrid>
+                <a:gridCol w="6625087">
+                  <a:extLst>
+                    <a:ext uri="{9D8B030D-6E8A-4147-A177-3AD203B41FA5}">
+                      <a16:colId xmlns:a16="http://schemas.microsoft.com/office/drawing/2014/main" val="3627222243"/>
+                    </a:ext>
+                  </a:extLst>
+                </a:gridCol>
+              </a:tblGrid>
+              <a:tr h="457252">
+                <a:tc>
+                  <a:txBody>
+                    <a:bodyPr/>
+                    <a:lstStyle/>
+                    <a:p>
+                      <a:pPr algn="ctr"/>
+                      <a:r>
+                        <a:rPr lang="en-US" altLang="zh-CN" sz="2400" b="0" dirty="0">
+                          <a:latin typeface="Calibri" panose="020F0502020204030204" pitchFamily="34" charset="0"/>
+                          <a:cs typeface="Calibri" panose="020F0502020204030204" pitchFamily="34" charset="0"/>
+                        </a:rPr>
+                        <a:t>Vector2D</a:t>
+                      </a:r>
+                      <a:endParaRPr lang="zh-CN" altLang="en-US" sz="2400" b="0" dirty="0">
+                        <a:latin typeface="Calibri" panose="020F0502020204030204" pitchFamily="34" charset="0"/>
+                        <a:cs typeface="Calibri" panose="020F0502020204030204" pitchFamily="34" charset="0"/>
+                      </a:endParaRPr>
+                    </a:p>
+                  </a:txBody>
+                  <a:tcPr anchor="ctr"/>
+                </a:tc>
+                <a:extLst>
+                  <a:ext uri="{0D108BD9-81ED-4DB2-BD59-A6C34878D82A}">
+                    <a16:rowId xmlns:a16="http://schemas.microsoft.com/office/drawing/2014/main" val="3346152141"/>
+                  </a:ext>
+                </a:extLst>
+              </a:tr>
+              <a:tr h="555659">
+                <a:tc>
+                  <a:txBody>
+                    <a:bodyPr/>
+                    <a:lstStyle/>
+                    <a:p>
+                      <a:r>
+                        <a:rPr lang="en-US" altLang="zh-CN" sz="2400" dirty="0">
+                          <a:latin typeface="Calibri" panose="020F0502020204030204" pitchFamily="34" charset="0"/>
+                          <a:cs typeface="Calibri" panose="020F0502020204030204" pitchFamily="34" charset="0"/>
+                        </a:rPr>
+                        <a:t>+x: int</a:t>
+                      </a:r>
+                    </a:p>
+                    <a:p>
+                      <a:r>
+                        <a:rPr lang="en-US" altLang="zh-CN" sz="2400" dirty="0">
+                          <a:latin typeface="Calibri" panose="020F0502020204030204" pitchFamily="34" charset="0"/>
+                          <a:cs typeface="Calibri" panose="020F0502020204030204" pitchFamily="34" charset="0"/>
+                        </a:rPr>
+                        <a:t>+y: int</a:t>
+                      </a:r>
+                      <a:endParaRPr lang="zh-CN" altLang="en-US" sz="2400" dirty="0">
+                        <a:latin typeface="Calibri" panose="020F0502020204030204" pitchFamily="34" charset="0"/>
+                        <a:cs typeface="Calibri" panose="020F0502020204030204" pitchFamily="34" charset="0"/>
+                      </a:endParaRPr>
+                    </a:p>
+                  </a:txBody>
+                  <a:tcPr anchor="ctr"/>
+                </a:tc>
+                <a:extLst>
+                  <a:ext uri="{0D108BD9-81ED-4DB2-BD59-A6C34878D82A}">
+                    <a16:rowId xmlns:a16="http://schemas.microsoft.com/office/drawing/2014/main" val="4162875606"/>
+                  </a:ext>
+                </a:extLst>
+              </a:tr>
+              <a:tr h="555659">
+                <a:tc>
+                  <a:txBody>
+                    <a:bodyPr/>
+                    <a:lstStyle/>
+                    <a:p>
+                      <a:endParaRPr lang="en-US" altLang="zh-CN" sz="2400" dirty="0">
+                        <a:latin typeface="Calibri" panose="020F0502020204030204" pitchFamily="34" charset="0"/>
+                        <a:cs typeface="Calibri" panose="020F0502020204030204" pitchFamily="34" charset="0"/>
+                      </a:endParaRPr>
+                    </a:p>
+                  </a:txBody>
+                  <a:tcPr anchor="ctr"/>
+                </a:tc>
+                <a:extLst>
+                  <a:ext uri="{0D108BD9-81ED-4DB2-BD59-A6C34878D82A}">
+                    <a16:rowId xmlns:a16="http://schemas.microsoft.com/office/drawing/2014/main" val="2161683205"/>
+                  </a:ext>
+                </a:extLst>
+              </a:tr>
+            </a:tbl>
+          </a:graphicData>
+        </a:graphic>
+      </p:graphicFrame>
+    </p:spTree>
+    <p:extLst>
+      <p:ext uri="{BB962C8B-B14F-4D97-AF65-F5344CB8AC3E}">
+        <p14:creationId xmlns:p14="http://schemas.microsoft.com/office/powerpoint/2010/main" val="2507347594"/>
+      </p:ext>
+    </p:extLst>
+  </p:cSld>
+  <p:clrMapOvr>
+    <a:masterClrMapping/>
+  </p:clrMapOvr>
+</p:sld>
+</file>
+
+<file path=ppt/slides/slide26.xml><?xml version="1.0" encoding="utf-8"?>
+<p:sld xmlns:a="http://schemas.openxmlformats.org/drawingml/2006/main" xmlns:r="http://schemas.openxmlformats.org/officeDocument/2006/relationships" xmlns:p="http://schemas.openxmlformats.org/presentationml/2006/main">
+  <p:cSld>
+    <p:spTree>
+      <p:nvGrpSpPr>
+        <p:cNvPr id="1" name=""/>
+        <p:cNvGrpSpPr/>
+        <p:nvPr/>
+      </p:nvGrpSpPr>
+      <p:grpSpPr>
+        <a:xfrm>
+          <a:off x="0" y="0"/>
+          <a:ext cx="0" cy="0"/>
+          <a:chOff x="0" y="0"/>
+          <a:chExt cx="0" cy="0"/>
+        </a:xfrm>
+      </p:grpSpPr>
+      <p:graphicFrame>
+        <p:nvGraphicFramePr>
+          <p:cNvPr id="16" name="表格 15">
+            <a:extLst>
+              <a:ext uri="{FF2B5EF4-FFF2-40B4-BE49-F238E27FC236}">
+                <a16:creationId xmlns:a16="http://schemas.microsoft.com/office/drawing/2014/main" id="{EB1C4A40-80C5-7BA1-0D7D-5BB576CB3728}"/>
+              </a:ext>
+            </a:extLst>
+          </p:cNvPr>
+          <p:cNvGraphicFramePr>
+            <a:graphicFrameLocks noGrp="1"/>
+          </p:cNvGraphicFramePr>
+          <p:nvPr/>
+        </p:nvGraphicFramePr>
+        <p:xfrm>
+          <a:off x="2783456" y="285221"/>
+          <a:ext cx="6625087" cy="5395012"/>
+        </p:xfrm>
+        <a:graphic>
+          <a:graphicData uri="http://schemas.openxmlformats.org/drawingml/2006/table">
+            <a:tbl>
+              <a:tblPr firstRow="1" bandRow="1">
+                <a:tableStyleId>{5C22544A-7EE6-4342-B048-85BDC9FD1C3A}</a:tableStyleId>
+              </a:tblPr>
+              <a:tblGrid>
+                <a:gridCol w="6625087">
+                  <a:extLst>
+                    <a:ext uri="{9D8B030D-6E8A-4147-A177-3AD203B41FA5}">
+                      <a16:colId xmlns:a16="http://schemas.microsoft.com/office/drawing/2014/main" val="3627222243"/>
+                    </a:ext>
+                  </a:extLst>
+                </a:gridCol>
+              </a:tblGrid>
+              <a:tr h="457252">
+                <a:tc>
+                  <a:txBody>
+                    <a:bodyPr/>
+                    <a:lstStyle/>
+                    <a:p>
+                      <a:pPr algn="ctr"/>
+                      <a:r>
+                        <a:rPr lang="en-US" altLang="zh-CN" sz="2400" b="0" dirty="0" err="1">
+                          <a:latin typeface="Calibri" panose="020F0502020204030204" pitchFamily="34" charset="0"/>
+                          <a:cs typeface="Calibri" panose="020F0502020204030204" pitchFamily="34" charset="0"/>
+                        </a:rPr>
+                        <a:t>ScreenManager</a:t>
+                      </a:r>
+                      <a:endParaRPr lang="zh-CN" altLang="en-US" sz="2400" b="0" dirty="0">
+                        <a:latin typeface="Calibri" panose="020F0502020204030204" pitchFamily="34" charset="0"/>
+                        <a:cs typeface="Calibri" panose="020F0502020204030204" pitchFamily="34" charset="0"/>
+                      </a:endParaRPr>
+                    </a:p>
+                  </a:txBody>
+                  <a:tcPr anchor="ctr"/>
+                </a:tc>
+                <a:extLst>
+                  <a:ext uri="{0D108BD9-81ED-4DB2-BD59-A6C34878D82A}">
+                    <a16:rowId xmlns:a16="http://schemas.microsoft.com/office/drawing/2014/main" val="3346152141"/>
+                  </a:ext>
+                </a:extLst>
+              </a:tr>
+              <a:tr h="555659">
+                <a:tc>
+                  <a:txBody>
+                    <a:bodyPr/>
+                    <a:lstStyle/>
+                    <a:p>
+                      <a:r>
+                        <a:rPr lang="en-US" altLang="zh-CN" sz="2400" dirty="0">
+                          <a:latin typeface="Calibri" panose="020F0502020204030204" pitchFamily="34" charset="0"/>
+                          <a:cs typeface="Calibri" panose="020F0502020204030204" pitchFamily="34" charset="0"/>
+                        </a:rPr>
+                        <a:t>-</a:t>
+                      </a:r>
+                      <a:r>
+                        <a:rPr lang="en-US" altLang="zh-CN" sz="2400" dirty="0" err="1">
+                          <a:latin typeface="Calibri" panose="020F0502020204030204" pitchFamily="34" charset="0"/>
+                          <a:cs typeface="Calibri" panose="020F0502020204030204" pitchFamily="34" charset="0"/>
+                        </a:rPr>
+                        <a:t>win_width</a:t>
+                      </a:r>
+                      <a:r>
+                        <a:rPr lang="en-US" altLang="zh-CN" sz="2400" dirty="0">
+                          <a:latin typeface="Calibri" panose="020F0502020204030204" pitchFamily="34" charset="0"/>
+                          <a:cs typeface="Calibri" panose="020F0502020204030204" pitchFamily="34" charset="0"/>
+                        </a:rPr>
+                        <a:t>: int</a:t>
+                      </a:r>
+                    </a:p>
+                    <a:p>
+                      <a:r>
+                        <a:rPr lang="en-US" altLang="zh-CN" sz="2400" dirty="0">
+                          <a:latin typeface="Calibri" panose="020F0502020204030204" pitchFamily="34" charset="0"/>
+                          <a:cs typeface="Calibri" panose="020F0502020204030204" pitchFamily="34" charset="0"/>
+                        </a:rPr>
+                        <a:t>-</a:t>
+                      </a:r>
+                      <a:r>
+                        <a:rPr lang="en-US" altLang="zh-CN" sz="2400" dirty="0" err="1">
+                          <a:latin typeface="Calibri" panose="020F0502020204030204" pitchFamily="34" charset="0"/>
+                          <a:cs typeface="Calibri" panose="020F0502020204030204" pitchFamily="34" charset="0"/>
+                        </a:rPr>
+                        <a:t>win_height</a:t>
+                      </a:r>
+                      <a:r>
+                        <a:rPr lang="en-US" altLang="zh-CN" sz="2400" dirty="0">
+                          <a:latin typeface="Calibri" panose="020F0502020204030204" pitchFamily="34" charset="0"/>
+                          <a:cs typeface="Calibri" panose="020F0502020204030204" pitchFamily="34" charset="0"/>
+                        </a:rPr>
+                        <a:t>: int</a:t>
+                      </a:r>
+                      <a:endParaRPr lang="zh-CN" altLang="en-US" sz="2400" dirty="0">
+                        <a:latin typeface="Calibri" panose="020F0502020204030204" pitchFamily="34" charset="0"/>
+                        <a:cs typeface="Calibri" panose="020F0502020204030204" pitchFamily="34" charset="0"/>
+                      </a:endParaRPr>
+                    </a:p>
+                  </a:txBody>
+                  <a:tcPr anchor="ctr"/>
+                </a:tc>
+                <a:extLst>
+                  <a:ext uri="{0D108BD9-81ED-4DB2-BD59-A6C34878D82A}">
+                    <a16:rowId xmlns:a16="http://schemas.microsoft.com/office/drawing/2014/main" val="4162875606"/>
+                  </a:ext>
+                </a:extLst>
+              </a:tr>
+              <a:tr h="555659">
+                <a:tc>
+                  <a:txBody>
+                    <a:bodyPr/>
+                    <a:lstStyle/>
+                    <a:p>
+                      <a:r>
+                        <a:rPr lang="en-US" altLang="zh-CN" sz="2400" dirty="0">
+                          <a:latin typeface="Calibri" panose="020F0502020204030204" pitchFamily="34" charset="0"/>
+                          <a:cs typeface="Calibri" panose="020F0502020204030204" pitchFamily="34" charset="0"/>
+                        </a:rPr>
+                        <a:t>+resolution(): Tuple[int, int]</a:t>
+                      </a:r>
+                    </a:p>
+                    <a:p>
+                      <a:r>
+                        <a:rPr lang="en-US" altLang="zh-CN" sz="2400" dirty="0">
+                          <a:latin typeface="Calibri" panose="020F0502020204030204" pitchFamily="34" charset="0"/>
+                          <a:cs typeface="Calibri" panose="020F0502020204030204" pitchFamily="34" charset="0"/>
+                        </a:rPr>
+                        <a:t>+</a:t>
+                      </a:r>
+                      <a:r>
+                        <a:rPr lang="en-US" altLang="zh-CN" sz="2400" dirty="0" err="1">
+                          <a:latin typeface="Calibri" panose="020F0502020204030204" pitchFamily="34" charset="0"/>
+                          <a:cs typeface="Calibri" panose="020F0502020204030204" pitchFamily="34" charset="0"/>
+                        </a:rPr>
+                        <a:t>length_unit</a:t>
+                      </a:r>
+                      <a:r>
+                        <a:rPr lang="en-US" altLang="zh-CN" sz="2400" dirty="0">
+                          <a:latin typeface="Calibri" panose="020F0502020204030204" pitchFamily="34" charset="0"/>
+                          <a:cs typeface="Calibri" panose="020F0502020204030204" pitchFamily="34" charset="0"/>
+                        </a:rPr>
+                        <a:t>(): int</a:t>
+                      </a:r>
+                    </a:p>
+                    <a:p>
+                      <a:endParaRPr lang="en-US" altLang="zh-CN" sz="2400" dirty="0">
+                        <a:latin typeface="Calibri" panose="020F0502020204030204" pitchFamily="34" charset="0"/>
+                        <a:cs typeface="Calibri" panose="020F0502020204030204" pitchFamily="34" charset="0"/>
+                      </a:endParaRPr>
+                    </a:p>
+                    <a:p>
+                      <a:r>
+                        <a:rPr lang="en-US" altLang="zh-CN" sz="2400" dirty="0">
+                          <a:latin typeface="Calibri" panose="020F0502020204030204" pitchFamily="34" charset="0"/>
+                          <a:cs typeface="Calibri" panose="020F0502020204030204" pitchFamily="34" charset="0"/>
+                        </a:rPr>
+                        <a:t>+</a:t>
+                      </a:r>
+                      <a:r>
+                        <a:rPr lang="en-US" altLang="zh-CN" sz="2400" dirty="0" err="1">
+                          <a:latin typeface="Calibri" panose="020F0502020204030204" pitchFamily="34" charset="0"/>
+                          <a:cs typeface="Calibri" panose="020F0502020204030204" pitchFamily="34" charset="0"/>
+                        </a:rPr>
+                        <a:t>win_width</a:t>
+                      </a:r>
+                      <a:r>
+                        <a:rPr lang="en-US" altLang="zh-CN" sz="2400" dirty="0">
+                          <a:latin typeface="Calibri" panose="020F0502020204030204" pitchFamily="34" charset="0"/>
+                          <a:cs typeface="Calibri" panose="020F0502020204030204" pitchFamily="34" charset="0"/>
+                        </a:rPr>
+                        <a:t>(): int</a:t>
+                      </a:r>
+                    </a:p>
+                    <a:p>
+                      <a:r>
+                        <a:rPr lang="en-US" altLang="zh-CN" sz="2400" dirty="0">
+                          <a:latin typeface="Calibri" panose="020F0502020204030204" pitchFamily="34" charset="0"/>
+                          <a:cs typeface="Calibri" panose="020F0502020204030204" pitchFamily="34" charset="0"/>
+                        </a:rPr>
+                        <a:t>+</a:t>
+                      </a:r>
+                      <a:r>
+                        <a:rPr lang="en-US" altLang="zh-CN" sz="2400" dirty="0" err="1">
+                          <a:latin typeface="Calibri" panose="020F0502020204030204" pitchFamily="34" charset="0"/>
+                          <a:cs typeface="Calibri" panose="020F0502020204030204" pitchFamily="34" charset="0"/>
+                        </a:rPr>
+                        <a:t>win_height</a:t>
+                      </a:r>
+                      <a:r>
+                        <a:rPr lang="en-US" altLang="zh-CN" sz="2400" dirty="0">
+                          <a:latin typeface="Calibri" panose="020F0502020204030204" pitchFamily="34" charset="0"/>
+                          <a:cs typeface="Calibri" panose="020F0502020204030204" pitchFamily="34" charset="0"/>
+                        </a:rPr>
+                        <a:t>(): int</a:t>
+                      </a:r>
+                    </a:p>
+                    <a:p>
+                      <a:endParaRPr lang="en-US" altLang="zh-CN" sz="2400" dirty="0">
+                        <a:latin typeface="Calibri" panose="020F0502020204030204" pitchFamily="34" charset="0"/>
+                        <a:cs typeface="Calibri" panose="020F0502020204030204" pitchFamily="34" charset="0"/>
+                      </a:endParaRPr>
+                    </a:p>
+                    <a:p>
+                      <a:r>
+                        <a:rPr lang="en-US" altLang="zh-CN" sz="2400" dirty="0">
+                          <a:latin typeface="Calibri" panose="020F0502020204030204" pitchFamily="34" charset="0"/>
+                          <a:cs typeface="Calibri" panose="020F0502020204030204" pitchFamily="34" charset="0"/>
+                        </a:rPr>
+                        <a:t>+</a:t>
+                      </a:r>
+                      <a:r>
+                        <a:rPr lang="en-US" altLang="zh-CN" sz="2400" dirty="0" err="1">
+                          <a:latin typeface="Calibri" panose="020F0502020204030204" pitchFamily="34" charset="0"/>
+                          <a:cs typeface="Calibri" panose="020F0502020204030204" pitchFamily="34" charset="0"/>
+                        </a:rPr>
+                        <a:t>x_max</a:t>
+                      </a:r>
+                      <a:r>
+                        <a:rPr lang="en-US" altLang="zh-CN" sz="2400" dirty="0">
+                          <a:latin typeface="Calibri" panose="020F0502020204030204" pitchFamily="34" charset="0"/>
+                          <a:cs typeface="Calibri" panose="020F0502020204030204" pitchFamily="34" charset="0"/>
+                        </a:rPr>
+                        <a:t>(): int</a:t>
+                      </a:r>
+                    </a:p>
+                    <a:p>
+                      <a:r>
+                        <a:rPr lang="en-US" altLang="zh-CN" sz="2400" dirty="0">
+                          <a:latin typeface="Calibri" panose="020F0502020204030204" pitchFamily="34" charset="0"/>
+                          <a:cs typeface="Calibri" panose="020F0502020204030204" pitchFamily="34" charset="0"/>
+                        </a:rPr>
+                        <a:t>+</a:t>
+                      </a:r>
+                      <a:r>
+                        <a:rPr lang="en-US" altLang="zh-CN" sz="2400" dirty="0" err="1">
+                          <a:latin typeface="Calibri" panose="020F0502020204030204" pitchFamily="34" charset="0"/>
+                          <a:cs typeface="Calibri" panose="020F0502020204030204" pitchFamily="34" charset="0"/>
+                        </a:rPr>
+                        <a:t>x_min</a:t>
+                      </a:r>
+                      <a:r>
+                        <a:rPr lang="en-US" altLang="zh-CN" sz="2400" dirty="0">
+                          <a:latin typeface="Calibri" panose="020F0502020204030204" pitchFamily="34" charset="0"/>
+                          <a:cs typeface="Calibri" panose="020F0502020204030204" pitchFamily="34" charset="0"/>
+                        </a:rPr>
+                        <a:t>(): int</a:t>
+                      </a:r>
+                    </a:p>
+                    <a:p>
+                      <a:r>
+                        <a:rPr lang="en-US" altLang="zh-CN" sz="2400" dirty="0">
+                          <a:latin typeface="Calibri" panose="020F0502020204030204" pitchFamily="34" charset="0"/>
+                          <a:cs typeface="Calibri" panose="020F0502020204030204" pitchFamily="34" charset="0"/>
+                        </a:rPr>
+                        <a:t>+</a:t>
+                      </a:r>
+                      <a:r>
+                        <a:rPr lang="en-US" altLang="zh-CN" sz="2400" dirty="0" err="1">
+                          <a:latin typeface="Calibri" panose="020F0502020204030204" pitchFamily="34" charset="0"/>
+                          <a:cs typeface="Calibri" panose="020F0502020204030204" pitchFamily="34" charset="0"/>
+                        </a:rPr>
+                        <a:t>y_max</a:t>
+                      </a:r>
+                      <a:r>
+                        <a:rPr lang="en-US" altLang="zh-CN" sz="2400" dirty="0">
+                          <a:latin typeface="Calibri" panose="020F0502020204030204" pitchFamily="34" charset="0"/>
+                          <a:cs typeface="Calibri" panose="020F0502020204030204" pitchFamily="34" charset="0"/>
+                        </a:rPr>
+                        <a:t>(): int</a:t>
+                      </a:r>
+                    </a:p>
+                    <a:p>
+                      <a:r>
+                        <a:rPr lang="en-US" altLang="zh-CN" sz="2400" dirty="0">
+                          <a:latin typeface="Calibri" panose="020F0502020204030204" pitchFamily="34" charset="0"/>
+                          <a:cs typeface="Calibri" panose="020F0502020204030204" pitchFamily="34" charset="0"/>
+                        </a:rPr>
+                        <a:t>+</a:t>
+                      </a:r>
+                      <a:r>
+                        <a:rPr lang="en-US" altLang="zh-CN" sz="2400" dirty="0" err="1">
+                          <a:latin typeface="Calibri" panose="020F0502020204030204" pitchFamily="34" charset="0"/>
+                          <a:cs typeface="Calibri" panose="020F0502020204030204" pitchFamily="34" charset="0"/>
+                        </a:rPr>
+                        <a:t>y_min</a:t>
+                      </a:r>
+                      <a:r>
+                        <a:rPr lang="en-US" altLang="zh-CN" sz="2400" dirty="0">
+                          <a:latin typeface="Calibri" panose="020F0502020204030204" pitchFamily="34" charset="0"/>
+                          <a:cs typeface="Calibri" panose="020F0502020204030204" pitchFamily="34" charset="0"/>
+                        </a:rPr>
+                        <a:t>(): int</a:t>
+                      </a:r>
+                    </a:p>
+                    <a:p>
+                      <a:pPr marL="0" marR="0" lvl="0" indent="0" algn="l" defTabSz="914400" rtl="0" eaLnBrk="1" fontAlgn="auto" latinLnBrk="0" hangingPunct="1">
+                        <a:lnSpc>
+                          <a:spcPct val="100000"/>
+                        </a:lnSpc>
+                        <a:spcBef>
+                          <a:spcPts val="0"/>
+                        </a:spcBef>
+                        <a:spcAft>
+                          <a:spcPts val="0"/>
+                        </a:spcAft>
+                        <a:buClrTx/>
+                        <a:buSzTx/>
+                        <a:buFontTx/>
+                        <a:buNone/>
+                        <a:tabLst/>
+                        <a:defRPr/>
+                      </a:pPr>
+                      <a:r>
+                        <a:rPr lang="en-US" altLang="zh-CN" sz="2400" dirty="0">
+                          <a:latin typeface="Calibri" panose="020F0502020204030204" pitchFamily="34" charset="0"/>
+                          <a:cs typeface="Calibri" panose="020F0502020204030204" pitchFamily="34" charset="0"/>
+                        </a:rPr>
+                        <a:t>+center(): Vector2D</a:t>
+                      </a:r>
+                    </a:p>
+                  </a:txBody>
+                  <a:tcPr anchor="ctr"/>
+                </a:tc>
+                <a:extLst>
+                  <a:ext uri="{0D108BD9-81ED-4DB2-BD59-A6C34878D82A}">
+                    <a16:rowId xmlns:a16="http://schemas.microsoft.com/office/drawing/2014/main" val="2161683205"/>
+                  </a:ext>
+                </a:extLst>
+              </a:tr>
+            </a:tbl>
+          </a:graphicData>
+        </a:graphic>
+      </p:graphicFrame>
+      <p:sp>
+        <p:nvSpPr>
+          <p:cNvPr id="2" name="文本框 1">
+            <a:extLst>
+              <a:ext uri="{FF2B5EF4-FFF2-40B4-BE49-F238E27FC236}">
+                <a16:creationId xmlns:a16="http://schemas.microsoft.com/office/drawing/2014/main" id="{07962B90-0B16-FFA8-084A-E11403741D33}"/>
+              </a:ext>
+            </a:extLst>
+          </p:cNvPr>
+          <p:cNvSpPr txBox="1"/>
+          <p:nvPr/>
+        </p:nvSpPr>
+        <p:spPr>
+          <a:xfrm>
+            <a:off x="4077418" y="5842958"/>
+            <a:ext cx="4037162" cy="461665"/>
+          </a:xfrm>
+          <a:prstGeom prst="rect">
+            <a:avLst/>
+          </a:prstGeom>
+          <a:noFill/>
+        </p:spPr>
+        <p:txBody>
+          <a:bodyPr wrap="square" rtlCol="0">
+            <a:spAutoFit/>
+          </a:bodyPr>
+          <a:lstStyle/>
+          <a:p>
+            <a:pPr algn="ctr"/>
+            <a:r>
+              <a:rPr lang="en-US" altLang="zh-CN" sz="2400" dirty="0">
+                <a:latin typeface="Calibri" panose="020F0502020204030204" pitchFamily="34" charset="0"/>
+                <a:ea typeface="Calibri" panose="020F0502020204030204" pitchFamily="34" charset="0"/>
+                <a:cs typeface="Calibri" panose="020F0502020204030204" pitchFamily="34" charset="0"/>
+              </a:rPr>
+              <a:t>resolution calculation</a:t>
+            </a:r>
+            <a:endParaRPr lang="zh-CN" altLang="en-US" sz="2400" dirty="0">
+              <a:latin typeface="Calibri" panose="020F0502020204030204" pitchFamily="34" charset="0"/>
+              <a:cs typeface="Calibri" panose="020F0502020204030204" pitchFamily="34" charset="0"/>
+            </a:endParaRPr>
+          </a:p>
+        </p:txBody>
+      </p:sp>
+    </p:spTree>
+    <p:extLst>
+      <p:ext uri="{BB962C8B-B14F-4D97-AF65-F5344CB8AC3E}">
+        <p14:creationId xmlns:p14="http://schemas.microsoft.com/office/powerpoint/2010/main" val="279145189"/>
+      </p:ext>
+    </p:extLst>
+  </p:cSld>
+  <p:clrMapOvr>
+    <a:masterClrMapping/>
+  </p:clrMapOvr>
+</p:sld>
+</file>
+
+<file path=ppt/slides/slide27.xml><?xml version="1.0" encoding="utf-8"?>
+<p:sld xmlns:a="http://schemas.openxmlformats.org/drawingml/2006/main" xmlns:r="http://schemas.openxmlformats.org/officeDocument/2006/relationships" xmlns:p="http://schemas.openxmlformats.org/presentationml/2006/main">
+  <p:cSld>
+    <p:spTree>
+      <p:nvGrpSpPr>
+        <p:cNvPr id="1" name=""/>
+        <p:cNvGrpSpPr/>
+        <p:nvPr/>
+      </p:nvGrpSpPr>
+      <p:grpSpPr>
+        <a:xfrm>
+          <a:off x="0" y="0"/>
+          <a:ext cx="0" cy="0"/>
+          <a:chOff x="0" y="0"/>
+          <a:chExt cx="0" cy="0"/>
+        </a:xfrm>
+      </p:grpSpPr>
+      <p:graphicFrame>
+        <p:nvGraphicFramePr>
+          <p:cNvPr id="16" name="表格 15">
+            <a:extLst>
+              <a:ext uri="{FF2B5EF4-FFF2-40B4-BE49-F238E27FC236}">
+                <a16:creationId xmlns:a16="http://schemas.microsoft.com/office/drawing/2014/main" id="{EB1C4A40-80C5-7BA1-0D7D-5BB576CB3728}"/>
+              </a:ext>
+            </a:extLst>
+          </p:cNvPr>
+          <p:cNvGraphicFramePr>
+            <a:graphicFrameLocks noGrp="1"/>
+          </p:cNvGraphicFramePr>
+          <p:nvPr>
+            <p:extLst>
+              <p:ext uri="{D42A27DB-BD31-4B8C-83A1-F6EECF244321}">
+                <p14:modId xmlns:p14="http://schemas.microsoft.com/office/powerpoint/2010/main" val="518900864"/>
+              </p:ext>
+            </p:extLst>
+          </p:nvPr>
+        </p:nvGraphicFramePr>
+        <p:xfrm>
+          <a:off x="2783456" y="2194534"/>
+          <a:ext cx="6625087" cy="3200452"/>
+        </p:xfrm>
+        <a:graphic>
+          <a:graphicData uri="http://schemas.openxmlformats.org/drawingml/2006/table">
+            <a:tbl>
+              <a:tblPr firstRow="1" bandRow="1">
+                <a:tableStyleId>{5C22544A-7EE6-4342-B048-85BDC9FD1C3A}</a:tableStyleId>
+              </a:tblPr>
+              <a:tblGrid>
+                <a:gridCol w="6625087">
+                  <a:extLst>
+                    <a:ext uri="{9D8B030D-6E8A-4147-A177-3AD203B41FA5}">
+                      <a16:colId xmlns:a16="http://schemas.microsoft.com/office/drawing/2014/main" val="3627222243"/>
+                    </a:ext>
+                  </a:extLst>
+                </a:gridCol>
+              </a:tblGrid>
+              <a:tr h="457252">
+                <a:tc>
+                  <a:txBody>
+                    <a:bodyPr/>
+                    <a:lstStyle/>
+                    <a:p>
+                      <a:pPr algn="ctr"/>
+                      <a:r>
+                        <a:rPr lang="en-US" altLang="zh-CN" sz="2400" b="0" dirty="0" err="1">
+                          <a:latin typeface="Calibri" panose="020F0502020204030204" pitchFamily="34" charset="0"/>
+                          <a:cs typeface="Calibri" panose="020F0502020204030204" pitchFamily="34" charset="0"/>
+                        </a:rPr>
+                        <a:t>ScreenManager</a:t>
+                      </a:r>
+                      <a:r>
+                        <a:rPr lang="en-US" altLang="zh-CN" sz="2400" b="0" dirty="0">
+                          <a:latin typeface="Calibri" panose="020F0502020204030204" pitchFamily="34" charset="0"/>
+                          <a:cs typeface="Calibri" panose="020F0502020204030204" pitchFamily="34" charset="0"/>
+                        </a:rPr>
+                        <a:t> (continued)</a:t>
+                      </a:r>
+                      <a:endParaRPr lang="zh-CN" altLang="en-US" sz="2400" b="0" dirty="0">
+                        <a:latin typeface="Calibri" panose="020F0502020204030204" pitchFamily="34" charset="0"/>
+                        <a:cs typeface="Calibri" panose="020F0502020204030204" pitchFamily="34" charset="0"/>
+                      </a:endParaRPr>
+                    </a:p>
+                  </a:txBody>
+                  <a:tcPr anchor="ctr"/>
+                </a:tc>
+                <a:extLst>
+                  <a:ext uri="{0D108BD9-81ED-4DB2-BD59-A6C34878D82A}">
+                    <a16:rowId xmlns:a16="http://schemas.microsoft.com/office/drawing/2014/main" val="3346152141"/>
+                  </a:ext>
+                </a:extLst>
+              </a:tr>
+              <a:tr h="555659">
+                <a:tc>
+                  <a:txBody>
+                    <a:bodyPr/>
+                    <a:lstStyle/>
+                    <a:p>
+                      <a:r>
+                        <a:rPr lang="en-US" altLang="zh-CN" sz="2400" dirty="0">
+                          <a:latin typeface="Calibri" panose="020F0502020204030204" pitchFamily="34" charset="0"/>
+                          <a:cs typeface="Calibri" panose="020F0502020204030204" pitchFamily="34" charset="0"/>
+                        </a:rPr>
+                        <a:t>-screen: Surface</a:t>
+                      </a:r>
+                    </a:p>
+                    <a:p>
+                      <a:r>
+                        <a:rPr lang="en-US" altLang="zh-CN" sz="2400" dirty="0">
+                          <a:latin typeface="Calibri" panose="020F0502020204030204" pitchFamily="34" charset="0"/>
+                          <a:cs typeface="Calibri" panose="020F0502020204030204" pitchFamily="34" charset="0"/>
+                        </a:rPr>
+                        <a:t>-</a:t>
+                      </a:r>
+                      <a:r>
+                        <a:rPr lang="en-US" altLang="zh-CN" sz="2400" dirty="0" err="1">
+                          <a:latin typeface="Calibri" panose="020F0502020204030204" pitchFamily="34" charset="0"/>
+                          <a:cs typeface="Calibri" panose="020F0502020204030204" pitchFamily="34" charset="0"/>
+                        </a:rPr>
+                        <a:t>is_full_screen</a:t>
+                      </a:r>
+                      <a:r>
+                        <a:rPr lang="en-US" altLang="zh-CN" sz="2400" dirty="0">
+                          <a:latin typeface="Calibri" panose="020F0502020204030204" pitchFamily="34" charset="0"/>
+                          <a:cs typeface="Calibri" panose="020F0502020204030204" pitchFamily="34" charset="0"/>
+                        </a:rPr>
+                        <a:t>: bool</a:t>
+                      </a:r>
+                      <a:endParaRPr lang="zh-CN" altLang="en-US" sz="2400" dirty="0">
+                        <a:latin typeface="Calibri" panose="020F0502020204030204" pitchFamily="34" charset="0"/>
+                        <a:cs typeface="Calibri" panose="020F0502020204030204" pitchFamily="34" charset="0"/>
+                      </a:endParaRPr>
+                    </a:p>
+                  </a:txBody>
+                  <a:tcPr anchor="ctr"/>
+                </a:tc>
+                <a:extLst>
+                  <a:ext uri="{0D108BD9-81ED-4DB2-BD59-A6C34878D82A}">
+                    <a16:rowId xmlns:a16="http://schemas.microsoft.com/office/drawing/2014/main" val="4162875606"/>
+                  </a:ext>
+                </a:extLst>
+              </a:tr>
+              <a:tr h="555659">
+                <a:tc>
+                  <a:txBody>
+                    <a:bodyPr/>
+                    <a:lstStyle/>
+                    <a:p>
+                      <a:r>
+                        <a:rPr lang="en-US" altLang="zh-CN" sz="2400" dirty="0">
+                          <a:latin typeface="Calibri" panose="020F0502020204030204" pitchFamily="34" charset="0"/>
+                          <a:cs typeface="Calibri" panose="020F0502020204030204" pitchFamily="34" charset="0"/>
+                        </a:rPr>
+                        <a:t>+</a:t>
+                      </a:r>
+                      <a:r>
+                        <a:rPr lang="en-US" altLang="zh-CN" sz="2400" dirty="0" err="1">
+                          <a:latin typeface="Calibri" panose="020F0502020204030204" pitchFamily="34" charset="0"/>
+                          <a:cs typeface="Calibri" panose="020F0502020204030204" pitchFamily="34" charset="0"/>
+                        </a:rPr>
+                        <a:t>screen.getter</a:t>
+                      </a:r>
+                      <a:r>
+                        <a:rPr lang="en-US" altLang="zh-CN" sz="2400" dirty="0">
+                          <a:latin typeface="Calibri" panose="020F0502020204030204" pitchFamily="34" charset="0"/>
+                          <a:cs typeface="Calibri" panose="020F0502020204030204" pitchFamily="34" charset="0"/>
+                        </a:rPr>
+                        <a:t>(): Surface</a:t>
+                      </a:r>
+                    </a:p>
+                    <a:p>
+                      <a:r>
+                        <a:rPr lang="en-US" altLang="zh-CN" sz="2400" dirty="0">
+                          <a:latin typeface="Calibri" panose="020F0502020204030204" pitchFamily="34" charset="0"/>
+                          <a:cs typeface="Calibri" panose="020F0502020204030204" pitchFamily="34" charset="0"/>
+                        </a:rPr>
+                        <a:t>+</a:t>
+                      </a:r>
+                      <a:r>
+                        <a:rPr lang="en-US" altLang="zh-CN" sz="2400" dirty="0" err="1">
+                          <a:latin typeface="Calibri" panose="020F0502020204030204" pitchFamily="34" charset="0"/>
+                          <a:cs typeface="Calibri" panose="020F0502020204030204" pitchFamily="34" charset="0"/>
+                        </a:rPr>
+                        <a:t>is_full_screen.getter</a:t>
+                      </a:r>
+                      <a:r>
+                        <a:rPr lang="en-US" altLang="zh-CN" sz="2400" dirty="0">
+                          <a:latin typeface="Calibri" panose="020F0502020204030204" pitchFamily="34" charset="0"/>
+                          <a:cs typeface="Calibri" panose="020F0502020204030204" pitchFamily="34" charset="0"/>
+                        </a:rPr>
+                        <a:t>(): bool</a:t>
+                      </a:r>
+                    </a:p>
+                    <a:p>
+                      <a:r>
+                        <a:rPr lang="en-US" altLang="zh-CN" sz="2400" dirty="0">
+                          <a:latin typeface="Calibri" panose="020F0502020204030204" pitchFamily="34" charset="0"/>
+                          <a:cs typeface="Calibri" panose="020F0502020204030204" pitchFamily="34" charset="0"/>
+                        </a:rPr>
+                        <a:t>+</a:t>
+                      </a:r>
+                      <a:r>
+                        <a:rPr lang="en-US" altLang="zh-CN" sz="2400" dirty="0" err="1">
+                          <a:latin typeface="Calibri" panose="020F0502020204030204" pitchFamily="34" charset="0"/>
+                          <a:cs typeface="Calibri" panose="020F0502020204030204" pitchFamily="34" charset="0"/>
+                        </a:rPr>
+                        <a:t>toggle_fullscreen</a:t>
+                      </a:r>
+                      <a:r>
+                        <a:rPr lang="en-US" altLang="zh-CN" sz="2400" dirty="0">
+                          <a:latin typeface="Calibri" panose="020F0502020204030204" pitchFamily="34" charset="0"/>
+                          <a:cs typeface="Calibri" panose="020F0502020204030204" pitchFamily="34" charset="0"/>
+                        </a:rPr>
+                        <a:t>(): void</a:t>
+                      </a:r>
+                    </a:p>
+                    <a:p>
+                      <a:r>
+                        <a:rPr lang="en-US" altLang="zh-CN" sz="2400" dirty="0">
+                          <a:latin typeface="Calibri" panose="020F0502020204030204" pitchFamily="34" charset="0"/>
+                          <a:cs typeface="Calibri" panose="020F0502020204030204" pitchFamily="34" charset="0"/>
+                        </a:rPr>
+                        <a:t>+</a:t>
+                      </a:r>
+                      <a:r>
+                        <a:rPr lang="en-US" altLang="zh-CN" sz="2400" dirty="0" err="1">
+                          <a:latin typeface="Calibri" panose="020F0502020204030204" pitchFamily="34" charset="0"/>
+                          <a:cs typeface="Calibri" panose="020F0502020204030204" pitchFamily="34" charset="0"/>
+                        </a:rPr>
+                        <a:t>update_global</a:t>
+                      </a:r>
+                      <a:r>
+                        <a:rPr lang="en-US" altLang="zh-CN" sz="2400" b="1" dirty="0">
+                          <a:latin typeface="Calibri" panose="020F0502020204030204" pitchFamily="34" charset="0"/>
+                          <a:cs typeface="Calibri" panose="020F0502020204030204" pitchFamily="34" charset="0"/>
+                        </a:rPr>
+                        <a:t>(in</a:t>
+                      </a:r>
+                      <a:r>
+                        <a:rPr lang="en-US" altLang="zh-CN" sz="2400" b="0" dirty="0">
+                          <a:latin typeface="Calibri" panose="020F0502020204030204" pitchFamily="34" charset="0"/>
+                          <a:cs typeface="Calibri" panose="020F0502020204030204" pitchFamily="34" charset="0"/>
+                        </a:rPr>
+                        <a:t> delay: int</a:t>
+                      </a:r>
+                      <a:r>
+                        <a:rPr lang="en-US" altLang="zh-CN" sz="2400" b="1" dirty="0">
+                          <a:latin typeface="Calibri" panose="020F0502020204030204" pitchFamily="34" charset="0"/>
+                          <a:cs typeface="Calibri" panose="020F0502020204030204" pitchFamily="34" charset="0"/>
+                        </a:rPr>
+                        <a:t>):</a:t>
+                      </a:r>
+                      <a:r>
+                        <a:rPr lang="en-US" altLang="zh-CN" sz="2400" dirty="0">
+                          <a:latin typeface="Calibri" panose="020F0502020204030204" pitchFamily="34" charset="0"/>
+                          <a:cs typeface="Calibri" panose="020F0502020204030204" pitchFamily="34" charset="0"/>
+                        </a:rPr>
+                        <a:t> void</a:t>
+                      </a:r>
+                    </a:p>
+                    <a:p>
+                      <a:r>
+                        <a:rPr lang="en-US" altLang="zh-CN" sz="2400" dirty="0">
+                          <a:latin typeface="Calibri" panose="020F0502020204030204" pitchFamily="34" charset="0"/>
+                          <a:cs typeface="Calibri" panose="020F0502020204030204" pitchFamily="34" charset="0"/>
+                        </a:rPr>
+                        <a:t>+</a:t>
+                      </a:r>
+                      <a:r>
+                        <a:rPr lang="en-US" altLang="zh-CN" sz="2400" dirty="0" err="1">
+                          <a:latin typeface="Calibri" panose="020F0502020204030204" pitchFamily="34" charset="0"/>
+                          <a:cs typeface="Calibri" panose="020F0502020204030204" pitchFamily="34" charset="0"/>
+                        </a:rPr>
+                        <a:t>update_local_area</a:t>
+                      </a:r>
+                      <a:r>
+                        <a:rPr lang="en-US" altLang="zh-CN" sz="2400" b="1" dirty="0">
+                          <a:latin typeface="Calibri" panose="020F0502020204030204" pitchFamily="34" charset="0"/>
+                          <a:cs typeface="Calibri" panose="020F0502020204030204" pitchFamily="34" charset="0"/>
+                        </a:rPr>
+                        <a:t>(in</a:t>
+                      </a:r>
+                      <a:r>
+                        <a:rPr lang="en-US" altLang="zh-CN" sz="2400" b="0" dirty="0">
+                          <a:latin typeface="Calibri" panose="020F0502020204030204" pitchFamily="34" charset="0"/>
+                          <a:cs typeface="Calibri" panose="020F0502020204030204" pitchFamily="34" charset="0"/>
+                        </a:rPr>
+                        <a:t> area: </a:t>
+                      </a:r>
+                      <a:r>
+                        <a:rPr lang="en-US" altLang="zh-CN" sz="2400" b="0" dirty="0" err="1">
+                          <a:latin typeface="Calibri" panose="020F0502020204030204" pitchFamily="34" charset="0"/>
+                          <a:cs typeface="Calibri" panose="020F0502020204030204" pitchFamily="34" charset="0"/>
+                        </a:rPr>
+                        <a:t>Rect</a:t>
+                      </a:r>
+                      <a:r>
+                        <a:rPr lang="en-US" altLang="zh-CN" sz="2400" b="1" dirty="0">
+                          <a:latin typeface="Calibri" panose="020F0502020204030204" pitchFamily="34" charset="0"/>
+                          <a:cs typeface="Calibri" panose="020F0502020204030204" pitchFamily="34" charset="0"/>
+                        </a:rPr>
+                        <a:t>):</a:t>
+                      </a:r>
+                      <a:r>
+                        <a:rPr lang="en-US" altLang="zh-CN" sz="2400" dirty="0">
+                          <a:latin typeface="Calibri" panose="020F0502020204030204" pitchFamily="34" charset="0"/>
+                          <a:cs typeface="Calibri" panose="020F0502020204030204" pitchFamily="34" charset="0"/>
+                        </a:rPr>
+                        <a:t> void</a:t>
+                      </a:r>
+                    </a:p>
+                  </a:txBody>
+                  <a:tcPr anchor="ctr"/>
+                </a:tc>
+                <a:extLst>
+                  <a:ext uri="{0D108BD9-81ED-4DB2-BD59-A6C34878D82A}">
+                    <a16:rowId xmlns:a16="http://schemas.microsoft.com/office/drawing/2014/main" val="2161683205"/>
+                  </a:ext>
+                </a:extLst>
+              </a:tr>
+            </a:tbl>
+          </a:graphicData>
+        </a:graphic>
+      </p:graphicFrame>
+      <p:sp>
+        <p:nvSpPr>
+          <p:cNvPr id="3" name="Rectangle 2">
+            <a:extLst>
+              <a:ext uri="{FF2B5EF4-FFF2-40B4-BE49-F238E27FC236}">
+                <a16:creationId xmlns:a16="http://schemas.microsoft.com/office/drawing/2014/main" id="{C8F4B214-982F-4398-A41D-372AB28C0E97}"/>
+              </a:ext>
+            </a:extLst>
+          </p:cNvPr>
+          <p:cNvSpPr/>
+          <p:nvPr/>
+        </p:nvSpPr>
+        <p:spPr>
+          <a:xfrm>
+            <a:off x="8018211" y="587802"/>
+            <a:ext cx="1515292" cy="875212"/>
+          </a:xfrm>
+          <a:prstGeom prst="rect">
+            <a:avLst/>
+          </a:prstGeom>
+          <a:solidFill>
+            <a:schemeClr val="bg1"/>
+          </a:solidFill>
+          <a:ln>
+            <a:solidFill>
+              <a:schemeClr val="tx1"/>
+            </a:solidFill>
+          </a:ln>
+        </p:spPr>
+        <p:style>
+          <a:lnRef idx="2">
+            <a:schemeClr val="accent1">
+              <a:shade val="50000"/>
+            </a:schemeClr>
+          </a:lnRef>
+          <a:fillRef idx="1">
+            <a:schemeClr val="accent1"/>
+          </a:fillRef>
+          <a:effectRef idx="0">
+            <a:schemeClr val="accent1"/>
+          </a:effectRef>
+          <a:fontRef idx="minor">
+            <a:schemeClr val="lt1"/>
+          </a:fontRef>
+        </p:style>
+        <p:txBody>
+          <a:bodyPr rtlCol="0" anchor="ctr"/>
+          <a:lstStyle/>
+          <a:p>
+            <a:pPr algn="ctr"/>
+            <a:r>
+              <a:rPr lang="en-US" altLang="zh-CN" sz="2400" dirty="0">
+                <a:solidFill>
+                  <a:schemeClr val="tx1"/>
+                </a:solidFill>
+                <a:latin typeface="Calibri" panose="020F0502020204030204" pitchFamily="34" charset="0"/>
+                <a:ea typeface="Calibri" panose="020F0502020204030204" pitchFamily="34" charset="0"/>
+                <a:cs typeface="Calibri" panose="020F0502020204030204" pitchFamily="34" charset="0"/>
+              </a:rPr>
+              <a:t>screen</a:t>
+            </a:r>
+            <a:endParaRPr lang="zh-CN" altLang="en-US" sz="2400" dirty="0">
+              <a:solidFill>
+                <a:schemeClr val="tx1"/>
+              </a:solidFill>
+              <a:latin typeface="Calibri" panose="020F0502020204030204" pitchFamily="34" charset="0"/>
+              <a:cs typeface="Calibri" panose="020F0502020204030204" pitchFamily="34" charset="0"/>
+            </a:endParaRPr>
+          </a:p>
+        </p:txBody>
+      </p:sp>
+      <p:sp>
+        <p:nvSpPr>
+          <p:cNvPr id="12" name="Rectangle 11">
+            <a:extLst>
+              <a:ext uri="{FF2B5EF4-FFF2-40B4-BE49-F238E27FC236}">
+                <a16:creationId xmlns:a16="http://schemas.microsoft.com/office/drawing/2014/main" id="{61A57D01-983D-4E2D-873A-81F4DD31ED9F}"/>
+              </a:ext>
+            </a:extLst>
+          </p:cNvPr>
+          <p:cNvSpPr/>
+          <p:nvPr/>
+        </p:nvSpPr>
+        <p:spPr>
+          <a:xfrm>
+            <a:off x="1984075" y="587802"/>
+            <a:ext cx="2454258" cy="875212"/>
+          </a:xfrm>
+          <a:prstGeom prst="rect">
+            <a:avLst/>
+          </a:prstGeom>
+          <a:solidFill>
+            <a:schemeClr val="bg1"/>
+          </a:solidFill>
+          <a:ln>
+            <a:solidFill>
+              <a:schemeClr val="tx1"/>
+            </a:solidFill>
+          </a:ln>
+        </p:spPr>
+        <p:style>
+          <a:lnRef idx="2">
+            <a:schemeClr val="accent1">
+              <a:shade val="50000"/>
+            </a:schemeClr>
+          </a:lnRef>
+          <a:fillRef idx="1">
+            <a:schemeClr val="accent1"/>
+          </a:fillRef>
+          <a:effectRef idx="0">
+            <a:schemeClr val="accent1"/>
+          </a:effectRef>
+          <a:fontRef idx="minor">
+            <a:schemeClr val="lt1"/>
+          </a:fontRef>
+        </p:style>
+        <p:txBody>
+          <a:bodyPr rtlCol="0" anchor="ctr"/>
+          <a:lstStyle/>
+          <a:p>
+            <a:pPr algn="ctr"/>
+            <a:r>
+              <a:rPr lang="en-US" altLang="zh-CN" sz="2400" dirty="0">
+                <a:solidFill>
+                  <a:schemeClr val="tx1"/>
+                </a:solidFill>
+                <a:latin typeface="Calibri" panose="020F0502020204030204" pitchFamily="34" charset="0"/>
+                <a:ea typeface="Calibri" panose="020F0502020204030204" pitchFamily="34" charset="0"/>
+                <a:cs typeface="Calibri" panose="020F0502020204030204" pitchFamily="34" charset="0"/>
+              </a:rPr>
+              <a:t>resolution</a:t>
+            </a:r>
+            <a:endParaRPr lang="zh-CN" altLang="en-US" sz="2400" dirty="0">
+              <a:solidFill>
+                <a:schemeClr val="tx1"/>
+              </a:solidFill>
+              <a:latin typeface="Calibri" panose="020F0502020204030204" pitchFamily="34" charset="0"/>
+              <a:cs typeface="Calibri" panose="020F0502020204030204" pitchFamily="34" charset="0"/>
+            </a:endParaRPr>
+          </a:p>
+        </p:txBody>
+      </p:sp>
+      <p:cxnSp>
+        <p:nvCxnSpPr>
+          <p:cNvPr id="7" name="Straight Arrow Connector 6">
+            <a:extLst>
+              <a:ext uri="{FF2B5EF4-FFF2-40B4-BE49-F238E27FC236}">
+                <a16:creationId xmlns:a16="http://schemas.microsoft.com/office/drawing/2014/main" id="{308FBC7B-D7D6-46D7-933E-D4A9A4BE2792}"/>
+              </a:ext>
+            </a:extLst>
+          </p:cNvPr>
+          <p:cNvCxnSpPr>
+            <a:cxnSpLocks/>
+            <a:stCxn id="3" idx="1"/>
+            <a:endCxn id="12" idx="3"/>
+          </p:cNvCxnSpPr>
+          <p:nvPr/>
+        </p:nvCxnSpPr>
+        <p:spPr>
+          <a:xfrm flipH="1">
+            <a:off x="4438333" y="1025408"/>
+            <a:ext cx="3579878" cy="0"/>
+          </a:xfrm>
+          <a:prstGeom prst="straightConnector1">
+            <a:avLst/>
+          </a:prstGeom>
+          <a:ln w="19050">
+            <a:solidFill>
+              <a:schemeClr val="tx1"/>
+            </a:solidFill>
+            <a:tailEnd type="triangle"/>
+          </a:ln>
+        </p:spPr>
+        <p:style>
+          <a:lnRef idx="1">
+            <a:schemeClr val="accent1"/>
+          </a:lnRef>
+          <a:fillRef idx="0">
+            <a:schemeClr val="accent1"/>
+          </a:fillRef>
+          <a:effectRef idx="0">
+            <a:schemeClr val="accent1"/>
+          </a:effectRef>
+          <a:fontRef idx="minor">
+            <a:schemeClr val="tx1"/>
+          </a:fontRef>
+        </p:style>
+      </p:cxnSp>
+      <p:sp>
+        <p:nvSpPr>
+          <p:cNvPr id="11" name="文本框 10">
+            <a:extLst>
+              <a:ext uri="{FF2B5EF4-FFF2-40B4-BE49-F238E27FC236}">
+                <a16:creationId xmlns:a16="http://schemas.microsoft.com/office/drawing/2014/main" id="{AFADF8F5-09E2-55B7-BDA6-522A17A1DCE3}"/>
+              </a:ext>
+            </a:extLst>
+          </p:cNvPr>
+          <p:cNvSpPr txBox="1"/>
+          <p:nvPr/>
+        </p:nvSpPr>
+        <p:spPr>
+          <a:xfrm>
+            <a:off x="5359879" y="443125"/>
+            <a:ext cx="1736785" cy="461665"/>
+          </a:xfrm>
+          <a:prstGeom prst="rect">
+            <a:avLst/>
+          </a:prstGeom>
+          <a:noFill/>
+        </p:spPr>
+        <p:txBody>
+          <a:bodyPr wrap="square" rtlCol="0">
+            <a:spAutoFit/>
+          </a:bodyPr>
+          <a:lstStyle/>
+          <a:p>
+            <a:pPr algn="ctr"/>
+            <a:r>
+              <a:rPr lang="en-US" altLang="zh-CN" sz="2400" dirty="0">
+                <a:latin typeface="Calibri" panose="020F0502020204030204" pitchFamily="34" charset="0"/>
+                <a:ea typeface="Calibri" panose="020F0502020204030204" pitchFamily="34" charset="0"/>
+                <a:cs typeface="Calibri" panose="020F0502020204030204" pitchFamily="34" charset="0"/>
+              </a:rPr>
+              <a:t>depends on</a:t>
+            </a:r>
+            <a:endParaRPr lang="zh-CN" altLang="en-US" sz="2400" dirty="0">
+              <a:latin typeface="Calibri" panose="020F0502020204030204" pitchFamily="34" charset="0"/>
+              <a:cs typeface="Calibri" panose="020F0502020204030204" pitchFamily="34" charset="0"/>
+            </a:endParaRPr>
+          </a:p>
+        </p:txBody>
+      </p:sp>
+      <p:sp>
+        <p:nvSpPr>
+          <p:cNvPr id="4" name="文本框 3">
+            <a:extLst>
+              <a:ext uri="{FF2B5EF4-FFF2-40B4-BE49-F238E27FC236}">
+                <a16:creationId xmlns:a16="http://schemas.microsoft.com/office/drawing/2014/main" id="{8697A8CB-CD43-2C07-9992-F92120830CFB}"/>
+              </a:ext>
+            </a:extLst>
+          </p:cNvPr>
+          <p:cNvSpPr txBox="1"/>
+          <p:nvPr/>
+        </p:nvSpPr>
+        <p:spPr>
+          <a:xfrm>
+            <a:off x="4077418" y="5842958"/>
+            <a:ext cx="4037162" cy="461665"/>
+          </a:xfrm>
+          <a:prstGeom prst="rect">
+            <a:avLst/>
+          </a:prstGeom>
+          <a:noFill/>
+        </p:spPr>
+        <p:txBody>
+          <a:bodyPr wrap="square" rtlCol="0">
+            <a:spAutoFit/>
+          </a:bodyPr>
+          <a:lstStyle/>
+          <a:p>
+            <a:pPr algn="ctr"/>
+            <a:r>
+              <a:rPr lang="en-US" altLang="zh-CN" sz="2400" dirty="0">
+                <a:latin typeface="Calibri" panose="020F0502020204030204" pitchFamily="34" charset="0"/>
+                <a:ea typeface="Calibri" panose="020F0502020204030204" pitchFamily="34" charset="0"/>
+                <a:cs typeface="Calibri" panose="020F0502020204030204" pitchFamily="34" charset="0"/>
+              </a:rPr>
+              <a:t>screen</a:t>
+            </a:r>
+            <a:endParaRPr lang="zh-CN" altLang="en-US" sz="2400" dirty="0">
+              <a:latin typeface="Calibri" panose="020F0502020204030204" pitchFamily="34" charset="0"/>
+              <a:cs typeface="Calibri" panose="020F0502020204030204" pitchFamily="34" charset="0"/>
+            </a:endParaRPr>
+          </a:p>
+        </p:txBody>
+      </p:sp>
+    </p:spTree>
+    <p:extLst>
+      <p:ext uri="{BB962C8B-B14F-4D97-AF65-F5344CB8AC3E}">
+        <p14:creationId xmlns:p14="http://schemas.microsoft.com/office/powerpoint/2010/main" val="2898385677"/>
+      </p:ext>
+    </p:extLst>
+  </p:cSld>
+  <p:clrMapOvr>
+    <a:masterClrMapping/>
+  </p:clrMapOvr>
+</p:sld>
+</file>
+
+<file path=ppt/slides/slide28.xml><?xml version="1.0" encoding="utf-8"?>
+<p:sld xmlns:a="http://schemas.openxmlformats.org/drawingml/2006/main" xmlns:r="http://schemas.openxmlformats.org/officeDocument/2006/relationships" xmlns:p="http://schemas.openxmlformats.org/presentationml/2006/main">
+  <p:cSld>
+    <p:spTree>
+      <p:nvGrpSpPr>
+        <p:cNvPr id="1" name=""/>
+        <p:cNvGrpSpPr/>
+        <p:nvPr/>
+      </p:nvGrpSpPr>
+      <p:grpSpPr>
+        <a:xfrm>
+          <a:off x="0" y="0"/>
+          <a:ext cx="0" cy="0"/>
+          <a:chOff x="0" y="0"/>
+          <a:chExt cx="0" cy="0"/>
+        </a:xfrm>
+      </p:grpSpPr>
+      <p:graphicFrame>
+        <p:nvGraphicFramePr>
+          <p:cNvPr id="16" name="表格 15">
+            <a:extLst>
+              <a:ext uri="{FF2B5EF4-FFF2-40B4-BE49-F238E27FC236}">
+                <a16:creationId xmlns:a16="http://schemas.microsoft.com/office/drawing/2014/main" id="{EB1C4A40-80C5-7BA1-0D7D-5BB576CB3728}"/>
+              </a:ext>
+            </a:extLst>
+          </p:cNvPr>
+          <p:cNvGraphicFramePr>
+            <a:graphicFrameLocks noGrp="1"/>
+          </p:cNvGraphicFramePr>
+          <p:nvPr>
+            <p:extLst>
+              <p:ext uri="{D42A27DB-BD31-4B8C-83A1-F6EECF244321}">
+                <p14:modId xmlns:p14="http://schemas.microsoft.com/office/powerpoint/2010/main" val="1455088290"/>
+              </p:ext>
+            </p:extLst>
+          </p:nvPr>
+        </p:nvGraphicFramePr>
+        <p:xfrm>
+          <a:off x="2783456" y="2194534"/>
+          <a:ext cx="6625087" cy="1835871"/>
+        </p:xfrm>
+        <a:graphic>
+          <a:graphicData uri="http://schemas.openxmlformats.org/drawingml/2006/table">
+            <a:tbl>
+              <a:tblPr firstRow="1" bandRow="1">
+                <a:tableStyleId>{5C22544A-7EE6-4342-B048-85BDC9FD1C3A}</a:tableStyleId>
+              </a:tblPr>
+              <a:tblGrid>
+                <a:gridCol w="6625087">
+                  <a:extLst>
+                    <a:ext uri="{9D8B030D-6E8A-4147-A177-3AD203B41FA5}">
+                      <a16:colId xmlns:a16="http://schemas.microsoft.com/office/drawing/2014/main" val="3627222243"/>
+                    </a:ext>
+                  </a:extLst>
+                </a:gridCol>
+              </a:tblGrid>
+              <a:tr h="457252">
+                <a:tc>
+                  <a:txBody>
+                    <a:bodyPr/>
+                    <a:lstStyle/>
+                    <a:p>
+                      <a:pPr algn="ctr"/>
+                      <a:r>
+                        <a:rPr lang="en-US" altLang="zh-CN" sz="2400" b="0" dirty="0" err="1">
+                          <a:latin typeface="Calibri" panose="020F0502020204030204" pitchFamily="34" charset="0"/>
+                          <a:cs typeface="Calibri" panose="020F0502020204030204" pitchFamily="34" charset="0"/>
+                        </a:rPr>
+                        <a:t>ScreenManager</a:t>
+                      </a:r>
+                      <a:r>
+                        <a:rPr lang="en-US" altLang="zh-CN" sz="2400" b="0" dirty="0">
+                          <a:latin typeface="Calibri" panose="020F0502020204030204" pitchFamily="34" charset="0"/>
+                          <a:cs typeface="Calibri" panose="020F0502020204030204" pitchFamily="34" charset="0"/>
+                        </a:rPr>
+                        <a:t> (continued)</a:t>
+                      </a:r>
+                      <a:endParaRPr lang="zh-CN" altLang="en-US" sz="2400" b="0" dirty="0">
+                        <a:latin typeface="Calibri" panose="020F0502020204030204" pitchFamily="34" charset="0"/>
+                        <a:cs typeface="Calibri" panose="020F0502020204030204" pitchFamily="34" charset="0"/>
+                      </a:endParaRPr>
+                    </a:p>
+                  </a:txBody>
+                  <a:tcPr anchor="ctr"/>
+                </a:tc>
+                <a:extLst>
+                  <a:ext uri="{0D108BD9-81ED-4DB2-BD59-A6C34878D82A}">
+                    <a16:rowId xmlns:a16="http://schemas.microsoft.com/office/drawing/2014/main" val="3346152141"/>
+                  </a:ext>
+                </a:extLst>
+              </a:tr>
+              <a:tr h="555659">
+                <a:tc>
+                  <a:txBody>
+                    <a:bodyPr/>
+                    <a:lstStyle/>
+                    <a:p>
+                      <a:endParaRPr lang="zh-CN" altLang="en-US" sz="2400" dirty="0">
+                        <a:latin typeface="Calibri" panose="020F0502020204030204" pitchFamily="34" charset="0"/>
+                        <a:cs typeface="Calibri" panose="020F0502020204030204" pitchFamily="34" charset="0"/>
+                      </a:endParaRPr>
+                    </a:p>
+                  </a:txBody>
+                  <a:tcPr anchor="ctr"/>
+                </a:tc>
+                <a:extLst>
+                  <a:ext uri="{0D108BD9-81ED-4DB2-BD59-A6C34878D82A}">
+                    <a16:rowId xmlns:a16="http://schemas.microsoft.com/office/drawing/2014/main" val="4162875606"/>
+                  </a:ext>
+                </a:extLst>
+              </a:tr>
+              <a:tr h="555659">
+                <a:tc>
+                  <a:txBody>
+                    <a:bodyPr/>
+                    <a:lstStyle/>
+                    <a:p>
+                      <a:r>
+                        <a:rPr lang="en-US" altLang="zh-CN" sz="2400" dirty="0">
+                          <a:latin typeface="Calibri" panose="020F0502020204030204" pitchFamily="34" charset="0"/>
+                          <a:cs typeface="Calibri" panose="020F0502020204030204" pitchFamily="34" charset="0"/>
+                        </a:rPr>
+                        <a:t>+</a:t>
+                      </a:r>
+                      <a:r>
+                        <a:rPr lang="en-US" altLang="zh-CN" sz="2400" dirty="0" err="1">
+                          <a:latin typeface="Calibri" panose="020F0502020204030204" pitchFamily="34" charset="0"/>
+                          <a:cs typeface="Calibri" panose="020F0502020204030204" pitchFamily="34" charset="0"/>
+                        </a:rPr>
+                        <a:t>clear_screen_without_update</a:t>
+                      </a:r>
+                      <a:r>
+                        <a:rPr lang="en-US" altLang="zh-CN" sz="2400" dirty="0">
+                          <a:latin typeface="Calibri" panose="020F0502020204030204" pitchFamily="34" charset="0"/>
+                          <a:cs typeface="Calibri" panose="020F0502020204030204" pitchFamily="34" charset="0"/>
+                        </a:rPr>
+                        <a:t>(): void</a:t>
+                      </a:r>
+                    </a:p>
+                    <a:p>
+                      <a:r>
+                        <a:rPr lang="en-US" altLang="zh-CN" sz="2400" dirty="0">
+                          <a:latin typeface="Calibri" panose="020F0502020204030204" pitchFamily="34" charset="0"/>
+                          <a:cs typeface="Calibri" panose="020F0502020204030204" pitchFamily="34" charset="0"/>
+                        </a:rPr>
+                        <a:t>+</a:t>
+                      </a:r>
+                      <a:r>
+                        <a:rPr lang="en-US" altLang="zh-CN" sz="2400" dirty="0" err="1">
+                          <a:latin typeface="Calibri" panose="020F0502020204030204" pitchFamily="34" charset="0"/>
+                          <a:cs typeface="Calibri" panose="020F0502020204030204" pitchFamily="34" charset="0"/>
+                        </a:rPr>
+                        <a:t>clear_screen_with_update</a:t>
+                      </a:r>
+                      <a:r>
+                        <a:rPr lang="en-US" altLang="zh-CN" sz="2400" dirty="0">
+                          <a:latin typeface="Calibri" panose="020F0502020204030204" pitchFamily="34" charset="0"/>
+                          <a:cs typeface="Calibri" panose="020F0502020204030204" pitchFamily="34" charset="0"/>
+                        </a:rPr>
+                        <a:t>(): void</a:t>
+                      </a:r>
+                    </a:p>
+                  </a:txBody>
+                  <a:tcPr anchor="ctr"/>
+                </a:tc>
+                <a:extLst>
+                  <a:ext uri="{0D108BD9-81ED-4DB2-BD59-A6C34878D82A}">
+                    <a16:rowId xmlns:a16="http://schemas.microsoft.com/office/drawing/2014/main" val="2161683205"/>
+                  </a:ext>
+                </a:extLst>
+              </a:tr>
+            </a:tbl>
+          </a:graphicData>
+        </a:graphic>
+      </p:graphicFrame>
+      <p:sp>
+        <p:nvSpPr>
+          <p:cNvPr id="4" name="文本框 3">
+            <a:extLst>
+              <a:ext uri="{FF2B5EF4-FFF2-40B4-BE49-F238E27FC236}">
+                <a16:creationId xmlns:a16="http://schemas.microsoft.com/office/drawing/2014/main" id="{8697A8CB-CD43-2C07-9992-F92120830CFB}"/>
+              </a:ext>
+            </a:extLst>
+          </p:cNvPr>
+          <p:cNvSpPr txBox="1"/>
+          <p:nvPr/>
+        </p:nvSpPr>
+        <p:spPr>
+          <a:xfrm>
+            <a:off x="4077418" y="5842958"/>
+            <a:ext cx="4037162" cy="461665"/>
+          </a:xfrm>
+          <a:prstGeom prst="rect">
+            <a:avLst/>
+          </a:prstGeom>
+          <a:noFill/>
+        </p:spPr>
+        <p:txBody>
+          <a:bodyPr wrap="square" rtlCol="0">
+            <a:spAutoFit/>
+          </a:bodyPr>
+          <a:lstStyle/>
+          <a:p>
+            <a:pPr algn="ctr"/>
+            <a:r>
+              <a:rPr lang="en-US" altLang="zh-CN" sz="2400" dirty="0">
+                <a:latin typeface="Calibri" panose="020F0502020204030204" pitchFamily="34" charset="0"/>
+                <a:ea typeface="Calibri" panose="020F0502020204030204" pitchFamily="34" charset="0"/>
+                <a:cs typeface="Calibri" panose="020F0502020204030204" pitchFamily="34" charset="0"/>
+              </a:rPr>
+              <a:t>drawing</a:t>
+            </a:r>
+            <a:endParaRPr lang="zh-CN" altLang="en-US" sz="2400" dirty="0">
+              <a:latin typeface="Calibri" panose="020F0502020204030204" pitchFamily="34" charset="0"/>
+              <a:cs typeface="Calibri" panose="020F0502020204030204" pitchFamily="34" charset="0"/>
+            </a:endParaRPr>
+          </a:p>
+        </p:txBody>
+      </p:sp>
+    </p:spTree>
+    <p:extLst>
+      <p:ext uri="{BB962C8B-B14F-4D97-AF65-F5344CB8AC3E}">
+        <p14:creationId xmlns:p14="http://schemas.microsoft.com/office/powerpoint/2010/main" val="1911294003"/>
+      </p:ext>
+    </p:extLst>
+  </p:cSld>
+  <p:clrMapOvr>
+    <a:masterClrMapping/>
+  </p:clrMapOvr>
+</p:sld>
+</file>
+
+<file path=ppt/slides/slide29.xml><?xml version="1.0" encoding="utf-8"?>
+<p:sld xmlns:a="http://schemas.openxmlformats.org/drawingml/2006/main" xmlns:r="http://schemas.openxmlformats.org/officeDocument/2006/relationships" xmlns:p="http://schemas.openxmlformats.org/presentationml/2006/main">
+  <p:cSld>
+    <p:spTree>
+      <p:nvGrpSpPr>
+        <p:cNvPr id="1" name=""/>
+        <p:cNvGrpSpPr/>
+        <p:nvPr/>
+      </p:nvGrpSpPr>
+      <p:grpSpPr>
+        <a:xfrm>
+          <a:off x="0" y="0"/>
+          <a:ext cx="0" cy="0"/>
+          <a:chOff x="0" y="0"/>
+          <a:chExt cx="0" cy="0"/>
+        </a:xfrm>
+      </p:grpSpPr>
+      <p:graphicFrame>
+        <p:nvGraphicFramePr>
+          <p:cNvPr id="16" name="表格 15">
+            <a:extLst>
+              <a:ext uri="{FF2B5EF4-FFF2-40B4-BE49-F238E27FC236}">
+                <a16:creationId xmlns:a16="http://schemas.microsoft.com/office/drawing/2014/main" id="{EB1C4A40-80C5-7BA1-0D7D-5BB576CB3728}"/>
+              </a:ext>
+            </a:extLst>
+          </p:cNvPr>
+          <p:cNvGraphicFramePr>
+            <a:graphicFrameLocks noGrp="1"/>
+          </p:cNvGraphicFramePr>
+          <p:nvPr>
+            <p:extLst>
+              <p:ext uri="{D42A27DB-BD31-4B8C-83A1-F6EECF244321}">
+                <p14:modId xmlns:p14="http://schemas.microsoft.com/office/powerpoint/2010/main" val="1667812941"/>
+              </p:ext>
+            </p:extLst>
+          </p:nvPr>
+        </p:nvGraphicFramePr>
+        <p:xfrm>
+          <a:off x="2783456" y="304800"/>
+          <a:ext cx="6625087" cy="6106466"/>
+        </p:xfrm>
+        <a:graphic>
+          <a:graphicData uri="http://schemas.openxmlformats.org/drawingml/2006/table">
+            <a:tbl>
+              <a:tblPr firstRow="1" bandRow="1">
+                <a:tableStyleId>{5C22544A-7EE6-4342-B048-85BDC9FD1C3A}</a:tableStyleId>
+              </a:tblPr>
+              <a:tblGrid>
+                <a:gridCol w="6625087">
+                  <a:extLst>
+                    <a:ext uri="{9D8B030D-6E8A-4147-A177-3AD203B41FA5}">
+                      <a16:colId xmlns:a16="http://schemas.microsoft.com/office/drawing/2014/main" val="3627222243"/>
+                    </a:ext>
+                  </a:extLst>
+                </a:gridCol>
+              </a:tblGrid>
+              <a:tr h="618960">
+                <a:tc>
+                  <a:txBody>
+                    <a:bodyPr/>
+                    <a:lstStyle/>
+                    <a:p>
+                      <a:pPr algn="ctr"/>
+                      <a:r>
+                        <a:rPr lang="en-US" altLang="zh-CN" sz="2400" b="0" dirty="0">
+                          <a:latin typeface="Calibri" panose="020F0502020204030204" pitchFamily="34" charset="0"/>
+                          <a:cs typeface="Calibri" panose="020F0502020204030204" pitchFamily="34" charset="0"/>
+                        </a:rPr>
+                        <a:t>Animation</a:t>
+                      </a:r>
+                      <a:endParaRPr lang="zh-CN" altLang="en-US" sz="2400" b="0" dirty="0">
+                        <a:latin typeface="Calibri" panose="020F0502020204030204" pitchFamily="34" charset="0"/>
+                        <a:cs typeface="Calibri" panose="020F0502020204030204" pitchFamily="34" charset="0"/>
+                      </a:endParaRPr>
+                    </a:p>
+                  </a:txBody>
+                  <a:tcPr anchor="ctr"/>
+                </a:tc>
+                <a:extLst>
+                  <a:ext uri="{0D108BD9-81ED-4DB2-BD59-A6C34878D82A}">
+                    <a16:rowId xmlns:a16="http://schemas.microsoft.com/office/drawing/2014/main" val="3346152141"/>
+                  </a:ext>
+                </a:extLst>
+              </a:tr>
+              <a:tr h="2104226">
+                <a:tc>
+                  <a:txBody>
+                    <a:bodyPr/>
+                    <a:lstStyle/>
+                    <a:p>
+                      <a:r>
+                        <a:rPr lang="en-US" altLang="zh-CN" sz="2400" dirty="0">
+                          <a:latin typeface="Calibri" panose="020F0502020204030204" pitchFamily="34" charset="0"/>
+                          <a:cs typeface="Calibri" panose="020F0502020204030204" pitchFamily="34" charset="0"/>
+                        </a:rPr>
+                        <a:t>-</a:t>
+                      </a:r>
+                      <a:r>
+                        <a:rPr lang="en-US" altLang="zh-CN" sz="2400" dirty="0" err="1">
+                          <a:latin typeface="Calibri" panose="020F0502020204030204" pitchFamily="34" charset="0"/>
+                          <a:cs typeface="Calibri" panose="020F0502020204030204" pitchFamily="34" charset="0"/>
+                        </a:rPr>
+                        <a:t>is_waiting</a:t>
+                      </a:r>
+                      <a:r>
+                        <a:rPr lang="en-US" altLang="zh-CN" sz="2400" dirty="0">
+                          <a:latin typeface="Calibri" panose="020F0502020204030204" pitchFamily="34" charset="0"/>
+                          <a:cs typeface="Calibri" panose="020F0502020204030204" pitchFamily="34" charset="0"/>
+                        </a:rPr>
+                        <a:t>: bool</a:t>
+                      </a:r>
+                    </a:p>
+                    <a:p>
+                      <a:r>
+                        <a:rPr lang="en-US" altLang="zh-CN" sz="2400" dirty="0">
+                          <a:latin typeface="Calibri" panose="020F0502020204030204" pitchFamily="34" charset="0"/>
+                          <a:cs typeface="Calibri" panose="020F0502020204030204" pitchFamily="34" charset="0"/>
+                        </a:rPr>
+                        <a:t>-</a:t>
+                      </a:r>
+                      <a:r>
+                        <a:rPr lang="en-US" altLang="zh-CN" sz="2400" dirty="0" err="1">
+                          <a:latin typeface="Calibri" panose="020F0502020204030204" pitchFamily="34" charset="0"/>
+                          <a:cs typeface="Calibri" panose="020F0502020204030204" pitchFamily="34" charset="0"/>
+                        </a:rPr>
+                        <a:t>should_return_at_once</a:t>
+                      </a:r>
+                      <a:r>
+                        <a:rPr lang="en-US" altLang="zh-CN" sz="2400" dirty="0">
+                          <a:latin typeface="Calibri" panose="020F0502020204030204" pitchFamily="34" charset="0"/>
+                          <a:cs typeface="Calibri" panose="020F0502020204030204" pitchFamily="34" charset="0"/>
+                        </a:rPr>
+                        <a:t>: bool</a:t>
+                      </a:r>
+                    </a:p>
+                    <a:p>
+                      <a:endParaRPr lang="en-US" altLang="zh-CN" sz="2400" dirty="0">
+                        <a:latin typeface="Calibri" panose="020F0502020204030204" pitchFamily="34" charset="0"/>
+                        <a:cs typeface="Calibri" panose="020F0502020204030204" pitchFamily="34" charset="0"/>
+                      </a:endParaRPr>
+                    </a:p>
+                    <a:p>
+                      <a:r>
+                        <a:rPr lang="en-US" altLang="zh-CN" sz="2400" dirty="0">
+                          <a:latin typeface="Calibri" panose="020F0502020204030204" pitchFamily="34" charset="0"/>
+                          <a:cs typeface="Calibri" panose="020F0502020204030204" pitchFamily="34" charset="0"/>
+                        </a:rPr>
+                        <a:t>-handlers: List[Callable]</a:t>
+                      </a:r>
+                      <a:endParaRPr lang="zh-CN" altLang="en-US" sz="2400" dirty="0">
+                        <a:latin typeface="Calibri" panose="020F0502020204030204" pitchFamily="34" charset="0"/>
+                        <a:cs typeface="Calibri" panose="020F0502020204030204" pitchFamily="34" charset="0"/>
+                      </a:endParaRPr>
+                    </a:p>
+                  </a:txBody>
+                  <a:tcPr anchor="ctr"/>
+                </a:tc>
+                <a:extLst>
+                  <a:ext uri="{0D108BD9-81ED-4DB2-BD59-A6C34878D82A}">
+                    <a16:rowId xmlns:a16="http://schemas.microsoft.com/office/drawing/2014/main" val="4162875606"/>
+                  </a:ext>
+                </a:extLst>
+              </a:tr>
+              <a:tr h="2599338">
+                <a:tc>
+                  <a:txBody>
+                    <a:bodyPr/>
+                    <a:lstStyle/>
+                    <a:p>
+                      <a:r>
+                        <a:rPr lang="en-US" altLang="zh-CN" sz="2400" dirty="0">
+                          <a:latin typeface="Calibri" panose="020F0502020204030204" pitchFamily="34" charset="0"/>
+                          <a:cs typeface="Calibri" panose="020F0502020204030204" pitchFamily="34" charset="0"/>
+                        </a:rPr>
+                        <a:t>+</a:t>
+                      </a:r>
+                      <a:r>
+                        <a:rPr lang="en-US" altLang="zh-CN" sz="2400" dirty="0" err="1">
+                          <a:latin typeface="Calibri" panose="020F0502020204030204" pitchFamily="34" charset="0"/>
+                          <a:cs typeface="Calibri" panose="020F0502020204030204" pitchFamily="34" charset="0"/>
+                        </a:rPr>
+                        <a:t>is_waiting.getter</a:t>
+                      </a:r>
+                      <a:r>
+                        <a:rPr lang="en-US" altLang="zh-CN" sz="2400" dirty="0">
+                          <a:latin typeface="Calibri" panose="020F0502020204030204" pitchFamily="34" charset="0"/>
+                          <a:cs typeface="Calibri" panose="020F0502020204030204" pitchFamily="34" charset="0"/>
+                        </a:rPr>
+                        <a:t>()</a:t>
+                      </a:r>
+                    </a:p>
+                    <a:p>
+                      <a:r>
+                        <a:rPr lang="en-US" altLang="zh-CN" sz="2400" dirty="0">
+                          <a:latin typeface="Calibri" panose="020F0502020204030204" pitchFamily="34" charset="0"/>
+                          <a:cs typeface="Calibri" panose="020F0502020204030204" pitchFamily="34" charset="0"/>
+                        </a:rPr>
+                        <a:t>+</a:t>
+                      </a:r>
+                      <a:r>
+                        <a:rPr lang="en-US" altLang="zh-CN" sz="2400" dirty="0" err="1">
+                          <a:latin typeface="Calibri" panose="020F0502020204030204" pitchFamily="34" charset="0"/>
+                          <a:cs typeface="Calibri" panose="020F0502020204030204" pitchFamily="34" charset="0"/>
+                        </a:rPr>
+                        <a:t>start_waiting</a:t>
+                      </a:r>
+                      <a:r>
+                        <a:rPr lang="en-US" altLang="zh-CN" sz="2400" dirty="0">
+                          <a:latin typeface="Calibri" panose="020F0502020204030204" pitchFamily="34" charset="0"/>
+                          <a:cs typeface="Calibri" panose="020F0502020204030204" pitchFamily="34" charset="0"/>
+                        </a:rPr>
+                        <a:t>()</a:t>
+                      </a:r>
+                    </a:p>
+                    <a:p>
+                      <a:r>
+                        <a:rPr lang="en-US" altLang="zh-CN" sz="2400" dirty="0">
+                          <a:latin typeface="Calibri" panose="020F0502020204030204" pitchFamily="34" charset="0"/>
+                          <a:cs typeface="Calibri" panose="020F0502020204030204" pitchFamily="34" charset="0"/>
+                        </a:rPr>
+                        <a:t>+</a:t>
+                      </a:r>
+                      <a:r>
+                        <a:rPr lang="en-US" altLang="zh-CN" sz="2400" dirty="0" err="1">
+                          <a:latin typeface="Calibri" panose="020F0502020204030204" pitchFamily="34" charset="0"/>
+                          <a:cs typeface="Calibri" panose="020F0502020204030204" pitchFamily="34" charset="0"/>
+                        </a:rPr>
+                        <a:t>stop_waiting</a:t>
+                      </a:r>
+                      <a:r>
+                        <a:rPr lang="en-US" altLang="zh-CN" sz="2400" dirty="0">
+                          <a:latin typeface="Calibri" panose="020F0502020204030204" pitchFamily="34" charset="0"/>
+                          <a:cs typeface="Calibri" panose="020F0502020204030204" pitchFamily="34" charset="0"/>
+                        </a:rPr>
+                        <a:t>()</a:t>
+                      </a:r>
+                    </a:p>
+                    <a:p>
+                      <a:r>
+                        <a:rPr lang="en-US" altLang="zh-CN" sz="2400" dirty="0">
+                          <a:latin typeface="Calibri" panose="020F0502020204030204" pitchFamily="34" charset="0"/>
+                          <a:cs typeface="Calibri" panose="020F0502020204030204" pitchFamily="34" charset="0"/>
+                        </a:rPr>
+                        <a:t>+</a:t>
+                      </a:r>
+                      <a:r>
+                        <a:rPr lang="en-US" altLang="zh-CN" sz="2400" dirty="0" err="1">
+                          <a:latin typeface="Calibri" panose="020F0502020204030204" pitchFamily="34" charset="0"/>
+                          <a:cs typeface="Calibri" panose="020F0502020204030204" pitchFamily="34" charset="0"/>
+                        </a:rPr>
+                        <a:t>should_return_at_once.getter</a:t>
+                      </a:r>
+                      <a:r>
+                        <a:rPr lang="en-US" altLang="zh-CN" sz="2400" dirty="0">
+                          <a:latin typeface="Calibri" panose="020F0502020204030204" pitchFamily="34" charset="0"/>
+                          <a:cs typeface="Calibri" panose="020F0502020204030204" pitchFamily="34" charset="0"/>
+                        </a:rPr>
+                        <a:t>()</a:t>
+                      </a:r>
+                    </a:p>
+                    <a:p>
+                      <a:r>
+                        <a:rPr lang="en-US" altLang="zh-CN" sz="2400" dirty="0">
+                          <a:latin typeface="Calibri" panose="020F0502020204030204" pitchFamily="34" charset="0"/>
+                          <a:cs typeface="Calibri" panose="020F0502020204030204" pitchFamily="34" charset="0"/>
+                        </a:rPr>
+                        <a:t>+</a:t>
+                      </a:r>
+                      <a:r>
+                        <a:rPr lang="en-US" altLang="zh-CN" sz="2400" dirty="0" err="1">
+                          <a:latin typeface="Calibri" panose="020F0502020204030204" pitchFamily="34" charset="0"/>
+                          <a:cs typeface="Calibri" panose="020F0502020204030204" pitchFamily="34" charset="0"/>
+                        </a:rPr>
+                        <a:t>should_return_at_once.setter</a:t>
+                      </a:r>
+                      <a:r>
+                        <a:rPr lang="en-US" altLang="zh-CN" sz="2400" dirty="0">
+                          <a:latin typeface="Calibri" panose="020F0502020204030204" pitchFamily="34" charset="0"/>
+                          <a:cs typeface="Calibri" panose="020F0502020204030204" pitchFamily="34" charset="0"/>
+                        </a:rPr>
+                        <a:t>()</a:t>
+                      </a:r>
+                    </a:p>
+                    <a:p>
+                      <a:endParaRPr lang="en-US" altLang="zh-CN" sz="2400" dirty="0">
+                        <a:latin typeface="Calibri" panose="020F0502020204030204" pitchFamily="34" charset="0"/>
+                        <a:cs typeface="Calibri" panose="020F0502020204030204" pitchFamily="34" charset="0"/>
+                      </a:endParaRPr>
+                    </a:p>
+                    <a:p>
+                      <a:r>
+                        <a:rPr lang="en-US" altLang="zh-CN" sz="2400" dirty="0">
+                          <a:latin typeface="Calibri" panose="020F0502020204030204" pitchFamily="34" charset="0"/>
+                          <a:cs typeface="Calibri" panose="020F0502020204030204" pitchFamily="34" charset="0"/>
+                        </a:rPr>
+                        <a:t>+</a:t>
+                      </a:r>
+                      <a:r>
+                        <a:rPr lang="en-US" altLang="zh-CN" sz="2400" dirty="0" err="1">
+                          <a:latin typeface="Calibri" panose="020F0502020204030204" pitchFamily="34" charset="0"/>
+                          <a:cs typeface="Calibri" panose="020F0502020204030204" pitchFamily="34" charset="0"/>
+                        </a:rPr>
+                        <a:t>on_clicked_or_pressed</a:t>
+                      </a:r>
+                      <a:r>
+                        <a:rPr lang="en-US" altLang="zh-CN" sz="2400" dirty="0">
+                          <a:latin typeface="Calibri" panose="020F0502020204030204" pitchFamily="34" charset="0"/>
+                          <a:cs typeface="Calibri" panose="020F0502020204030204" pitchFamily="34" charset="0"/>
+                        </a:rPr>
+                        <a:t>()</a:t>
+                      </a:r>
+                    </a:p>
+                    <a:p>
+                      <a:endParaRPr lang="en-US" altLang="zh-CN" sz="2400" dirty="0">
+                        <a:latin typeface="Calibri" panose="020F0502020204030204" pitchFamily="34" charset="0"/>
+                        <a:cs typeface="Calibri" panose="020F0502020204030204" pitchFamily="34" charset="0"/>
+                      </a:endParaRPr>
+                    </a:p>
+                    <a:p>
+                      <a:r>
+                        <a:rPr lang="en-US" altLang="zh-CN" sz="2400" dirty="0">
+                          <a:latin typeface="Calibri" panose="020F0502020204030204" pitchFamily="34" charset="0"/>
+                          <a:cs typeface="Calibri" panose="020F0502020204030204" pitchFamily="34" charset="0"/>
+                        </a:rPr>
+                        <a:t>+play()</a:t>
+                      </a:r>
+                    </a:p>
+                  </a:txBody>
+                  <a:tcPr anchor="ctr"/>
+                </a:tc>
+                <a:extLst>
+                  <a:ext uri="{0D108BD9-81ED-4DB2-BD59-A6C34878D82A}">
+                    <a16:rowId xmlns:a16="http://schemas.microsoft.com/office/drawing/2014/main" val="2161683205"/>
+                  </a:ext>
+                </a:extLst>
+              </a:tr>
+            </a:tbl>
+          </a:graphicData>
+        </a:graphic>
+      </p:graphicFrame>
+    </p:spTree>
+    <p:extLst>
+      <p:ext uri="{BB962C8B-B14F-4D97-AF65-F5344CB8AC3E}">
+        <p14:creationId xmlns:p14="http://schemas.microsoft.com/office/powerpoint/2010/main" val="3478007807"/>
+      </p:ext>
+    </p:extLst>
+  </p:cSld>
+  <p:clrMapOvr>
+    <a:masterClrMapping/>
+  </p:clrMapOvr>
+</p:sld>
+</file>
+
 <file path=ppt/slides/slide3.xml><?xml version="1.0" encoding="utf-8"?>
 <p:sld xmlns:a="http://schemas.openxmlformats.org/drawingml/2006/main" xmlns:r="http://schemas.openxmlformats.org/officeDocument/2006/relationships" xmlns:p="http://schemas.openxmlformats.org/presentationml/2006/main">
   <p:cSld>
